--- a/01-githubTutorial1.pptx
+++ b/01-githubTutorial1.pptx
@@ -5,7 +5,7 @@
     <p:sldMasterId id="2147483864" r:id="rId1"/>
   </p:sldMasterIdLst>
   <p:notesMasterIdLst>
-    <p:notesMasterId r:id="rId24"/>
+    <p:notesMasterId r:id="rId29"/>
   </p:notesMasterIdLst>
   <p:sldIdLst>
     <p:sldId id="256" r:id="rId2"/>
@@ -15,21 +15,26 @@
     <p:sldId id="259" r:id="rId6"/>
     <p:sldId id="260" r:id="rId7"/>
     <p:sldId id="262" r:id="rId8"/>
-    <p:sldId id="270" r:id="rId9"/>
-    <p:sldId id="265" r:id="rId10"/>
-    <p:sldId id="266" r:id="rId11"/>
-    <p:sldId id="271" r:id="rId12"/>
-    <p:sldId id="273" r:id="rId13"/>
-    <p:sldId id="274" r:id="rId14"/>
-    <p:sldId id="267" r:id="rId15"/>
-    <p:sldId id="276" r:id="rId16"/>
-    <p:sldId id="263" r:id="rId17"/>
-    <p:sldId id="275" r:id="rId18"/>
-    <p:sldId id="277" r:id="rId19"/>
-    <p:sldId id="278" r:id="rId20"/>
-    <p:sldId id="279" r:id="rId21"/>
-    <p:sldId id="280" r:id="rId22"/>
-    <p:sldId id="261" r:id="rId23"/>
+    <p:sldId id="273" r:id="rId9"/>
+    <p:sldId id="274" r:id="rId10"/>
+    <p:sldId id="270" r:id="rId11"/>
+    <p:sldId id="265" r:id="rId12"/>
+    <p:sldId id="266" r:id="rId13"/>
+    <p:sldId id="263" r:id="rId14"/>
+    <p:sldId id="271" r:id="rId15"/>
+    <p:sldId id="275" r:id="rId16"/>
+    <p:sldId id="277" r:id="rId17"/>
+    <p:sldId id="281" r:id="rId18"/>
+    <p:sldId id="282" r:id="rId19"/>
+    <p:sldId id="283" r:id="rId20"/>
+    <p:sldId id="284" r:id="rId21"/>
+    <p:sldId id="276" r:id="rId22"/>
+    <p:sldId id="285" r:id="rId23"/>
+    <p:sldId id="286" r:id="rId24"/>
+    <p:sldId id="278" r:id="rId25"/>
+    <p:sldId id="279" r:id="rId26"/>
+    <p:sldId id="280" r:id="rId27"/>
+    <p:sldId id="261" r:id="rId28"/>
   </p:sldIdLst>
   <p:sldSz cx="12192000" cy="6858000"/>
   <p:notesSz cx="6858000" cy="9144000"/>
@@ -1216,465 +1221,6 @@
       <dsp:cNvGrpSpPr/>
     </dsp:nvGrpSpPr>
     <dsp:grpSpPr/>
-    <dsp:sp modelId="{1DB5C47C-AECA-4340-B71E-96D6066ECB03}">
-      <dsp:nvSpPr>
-        <dsp:cNvPr id="0" name=""/>
-        <dsp:cNvSpPr/>
-      </dsp:nvSpPr>
-      <dsp:spPr>
-        <a:xfrm>
-          <a:off x="0" y="0"/>
-          <a:ext cx="6731000" cy="1958102"/>
-        </a:xfrm>
-        <a:prstGeom prst="roundRect">
-          <a:avLst>
-            <a:gd name="adj" fmla="val 10000"/>
-          </a:avLst>
-        </a:prstGeom>
-        <a:solidFill>
-          <a:schemeClr val="accent1">
-            <a:alpha val="90000"/>
-            <a:tint val="40000"/>
-            <a:hueOff val="0"/>
-            <a:satOff val="0"/>
-            <a:lumOff val="0"/>
-            <a:alphaOff val="0"/>
-          </a:schemeClr>
-        </a:solidFill>
-        <a:ln w="12700" cap="flat" cmpd="sng" algn="ctr">
-          <a:solidFill>
-            <a:schemeClr val="accent1">
-              <a:alpha val="90000"/>
-              <a:tint val="40000"/>
-              <a:hueOff val="0"/>
-              <a:satOff val="0"/>
-              <a:lumOff val="0"/>
-              <a:alphaOff val="0"/>
-            </a:schemeClr>
-          </a:solidFill>
-          <a:prstDash val="solid"/>
-          <a:miter lim="800000"/>
-        </a:ln>
-        <a:effectLst/>
-      </dsp:spPr>
-      <dsp:style>
-        <a:lnRef idx="2">
-          <a:scrgbClr r="0" g="0" b="0"/>
-        </a:lnRef>
-        <a:fillRef idx="1">
-          <a:scrgbClr r="0" g="0" b="0"/>
-        </a:fillRef>
-        <a:effectRef idx="0">
-          <a:scrgbClr r="0" g="0" b="0"/>
-        </a:effectRef>
-        <a:fontRef idx="minor"/>
-      </dsp:style>
-    </dsp:sp>
-    <dsp:sp modelId="{D34F1DEE-0B5F-4829-8C07-EEB5EAEB8462}">
-      <dsp:nvSpPr>
-        <dsp:cNvPr id="0" name=""/>
-        <dsp:cNvSpPr/>
-      </dsp:nvSpPr>
-      <dsp:spPr>
-        <a:xfrm>
-          <a:off x="201930" y="261080"/>
-          <a:ext cx="1977231" cy="1435941"/>
-        </a:xfrm>
-        <a:prstGeom prst="roundRect">
-          <a:avLst>
-            <a:gd name="adj" fmla="val 10000"/>
-          </a:avLst>
-        </a:prstGeom>
-        <a:blipFill>
-          <a:blip xmlns:r="http://schemas.openxmlformats.org/officeDocument/2006/relationships" r:embed="rId1">
-            <a:extLst>
-              <a:ext uri="{28A0092B-C50C-407E-A947-70E740481C1C}">
-                <a14:useLocalDpi xmlns:a14="http://schemas.microsoft.com/office/drawing/2010/main" val="0"/>
-              </a:ext>
-            </a:extLst>
-          </a:blip>
-          <a:srcRect/>
-          <a:stretch>
-            <a:fillRect t="-6000" b="-6000"/>
-          </a:stretch>
-        </a:blipFill>
-        <a:ln w="12700" cap="flat" cmpd="sng" algn="ctr">
-          <a:solidFill>
-            <a:schemeClr val="lt1">
-              <a:hueOff val="0"/>
-              <a:satOff val="0"/>
-              <a:lumOff val="0"/>
-              <a:alphaOff val="0"/>
-            </a:schemeClr>
-          </a:solidFill>
-          <a:prstDash val="solid"/>
-          <a:miter lim="800000"/>
-        </a:ln>
-        <a:effectLst/>
-      </dsp:spPr>
-      <dsp:style>
-        <a:lnRef idx="2">
-          <a:scrgbClr r="0" g="0" b="0"/>
-        </a:lnRef>
-        <a:fillRef idx="1">
-          <a:scrgbClr r="0" g="0" b="0"/>
-        </a:fillRef>
-        <a:effectRef idx="0">
-          <a:scrgbClr r="0" g="0" b="0"/>
-        </a:effectRef>
-        <a:fontRef idx="minor"/>
-      </dsp:style>
-    </dsp:sp>
-    <dsp:sp modelId="{7CFB9D61-3C8B-49A7-A24E-256E2BC8DCDA}">
-      <dsp:nvSpPr>
-        <dsp:cNvPr id="0" name=""/>
-        <dsp:cNvSpPr/>
-      </dsp:nvSpPr>
-      <dsp:spPr>
-        <a:xfrm rot="10800000">
-          <a:off x="201930" y="1958102"/>
-          <a:ext cx="1977231" cy="2393235"/>
-        </a:xfrm>
-        <a:prstGeom prst="round2SameRect">
-          <a:avLst>
-            <a:gd name="adj1" fmla="val 10500"/>
-            <a:gd name="adj2" fmla="val 0"/>
-          </a:avLst>
-        </a:prstGeom>
-        <a:solidFill>
-          <a:schemeClr val="accent1">
-            <a:hueOff val="0"/>
-            <a:satOff val="0"/>
-            <a:lumOff val="0"/>
-            <a:alphaOff val="0"/>
-          </a:schemeClr>
-        </a:solidFill>
-        <a:ln w="12700" cap="flat" cmpd="sng" algn="ctr">
-          <a:solidFill>
-            <a:schemeClr val="lt1">
-              <a:hueOff val="0"/>
-              <a:satOff val="0"/>
-              <a:lumOff val="0"/>
-              <a:alphaOff val="0"/>
-            </a:schemeClr>
-          </a:solidFill>
-          <a:prstDash val="solid"/>
-          <a:miter lim="800000"/>
-        </a:ln>
-        <a:effectLst/>
-      </dsp:spPr>
-      <dsp:style>
-        <a:lnRef idx="2">
-          <a:scrgbClr r="0" g="0" b="0"/>
-        </a:lnRef>
-        <a:fillRef idx="1">
-          <a:scrgbClr r="0" g="0" b="0"/>
-        </a:fillRef>
-        <a:effectRef idx="0">
-          <a:scrgbClr r="0" g="0" b="0"/>
-        </a:effectRef>
-        <a:fontRef idx="minor">
-          <a:schemeClr val="lt1"/>
-        </a:fontRef>
-      </dsp:style>
-      <dsp:txBody>
-        <a:bodyPr spcFirstLastPara="0" vert="horz" wrap="square" lIns="85344" tIns="85344" rIns="85344" bIns="85344" numCol="1" spcCol="1270" anchor="t" anchorCtr="0">
-          <a:noAutofit/>
-        </a:bodyPr>
-        <a:lstStyle/>
-        <a:p>
-          <a:pPr lvl="0" algn="ctr" defTabSz="533400">
-            <a:lnSpc>
-              <a:spcPct val="90000"/>
-            </a:lnSpc>
-            <a:spcBef>
-              <a:spcPct val="0"/>
-            </a:spcBef>
-            <a:spcAft>
-              <a:spcPct val="35000"/>
-            </a:spcAft>
-          </a:pPr>
-          <a:r>
-            <a:rPr lang="en-CA" sz="1200" kern="1200" dirty="0" smtClean="0"/>
-            <a:t>http://git-scm.com/download/win</a:t>
-          </a:r>
-          <a:endParaRPr lang="en-CA" sz="1200" kern="1200" dirty="0"/>
-        </a:p>
-      </dsp:txBody>
-      <dsp:txXfrm rot="10800000">
-        <a:off x="262737" y="1958102"/>
-        <a:ext cx="1855617" cy="2332428"/>
-      </dsp:txXfrm>
-    </dsp:sp>
-    <dsp:sp modelId="{5CC3E3C4-B067-4926-9114-D6439DB76881}">
-      <dsp:nvSpPr>
-        <dsp:cNvPr id="0" name=""/>
-        <dsp:cNvSpPr/>
-      </dsp:nvSpPr>
-      <dsp:spPr>
-        <a:xfrm>
-          <a:off x="2376884" y="261080"/>
-          <a:ext cx="1977231" cy="1435941"/>
-        </a:xfrm>
-        <a:prstGeom prst="roundRect">
-          <a:avLst>
-            <a:gd name="adj" fmla="val 10000"/>
-          </a:avLst>
-        </a:prstGeom>
-        <a:blipFill>
-          <a:blip xmlns:r="http://schemas.openxmlformats.org/officeDocument/2006/relationships" r:embed="rId2">
-            <a:extLst>
-              <a:ext uri="{28A0092B-C50C-407E-A947-70E740481C1C}">
-                <a14:useLocalDpi xmlns:a14="http://schemas.microsoft.com/office/drawing/2010/main" val="0"/>
-              </a:ext>
-            </a:extLst>
-          </a:blip>
-          <a:srcRect/>
-          <a:stretch>
-            <a:fillRect t="-14000" b="-14000"/>
-          </a:stretch>
-        </a:blipFill>
-        <a:ln w="12700" cap="flat" cmpd="sng" algn="ctr">
-          <a:noFill/>
-          <a:prstDash val="solid"/>
-          <a:miter lim="800000"/>
-        </a:ln>
-        <a:effectLst/>
-      </dsp:spPr>
-      <dsp:style>
-        <a:lnRef idx="2">
-          <a:scrgbClr r="0" g="0" b="0"/>
-        </a:lnRef>
-        <a:fillRef idx="1">
-          <a:scrgbClr r="0" g="0" b="0"/>
-        </a:fillRef>
-        <a:effectRef idx="0">
-          <a:scrgbClr r="0" g="0" b="0"/>
-        </a:effectRef>
-        <a:fontRef idx="minor"/>
-      </dsp:style>
-    </dsp:sp>
-    <dsp:sp modelId="{EC84E066-D488-4352-855E-BB33EE85AA0A}">
-      <dsp:nvSpPr>
-        <dsp:cNvPr id="0" name=""/>
-        <dsp:cNvSpPr/>
-      </dsp:nvSpPr>
-      <dsp:spPr>
-        <a:xfrm rot="10800000">
-          <a:off x="2376884" y="1958102"/>
-          <a:ext cx="1977231" cy="2393235"/>
-        </a:xfrm>
-        <a:prstGeom prst="round2SameRect">
-          <a:avLst>
-            <a:gd name="adj1" fmla="val 10500"/>
-            <a:gd name="adj2" fmla="val 0"/>
-          </a:avLst>
-        </a:prstGeom>
-        <a:solidFill>
-          <a:schemeClr val="accent1">
-            <a:hueOff val="0"/>
-            <a:satOff val="0"/>
-            <a:lumOff val="0"/>
-            <a:alphaOff val="0"/>
-          </a:schemeClr>
-        </a:solidFill>
-        <a:ln w="12700" cap="flat" cmpd="sng" algn="ctr">
-          <a:solidFill>
-            <a:schemeClr val="lt1">
-              <a:hueOff val="0"/>
-              <a:satOff val="0"/>
-              <a:lumOff val="0"/>
-              <a:alphaOff val="0"/>
-            </a:schemeClr>
-          </a:solidFill>
-          <a:prstDash val="solid"/>
-          <a:miter lim="800000"/>
-        </a:ln>
-        <a:effectLst/>
-      </dsp:spPr>
-      <dsp:style>
-        <a:lnRef idx="2">
-          <a:scrgbClr r="0" g="0" b="0"/>
-        </a:lnRef>
-        <a:fillRef idx="1">
-          <a:scrgbClr r="0" g="0" b="0"/>
-        </a:fillRef>
-        <a:effectRef idx="0">
-          <a:scrgbClr r="0" g="0" b="0"/>
-        </a:effectRef>
-        <a:fontRef idx="minor">
-          <a:schemeClr val="lt1"/>
-        </a:fontRef>
-      </dsp:style>
-      <dsp:txBody>
-        <a:bodyPr spcFirstLastPara="0" vert="horz" wrap="square" lIns="85344" tIns="85344" rIns="85344" bIns="85344" numCol="1" spcCol="1270" anchor="t" anchorCtr="0">
-          <a:noAutofit/>
-        </a:bodyPr>
-        <a:lstStyle/>
-        <a:p>
-          <a:pPr lvl="0" algn="ctr" defTabSz="533400">
-            <a:lnSpc>
-              <a:spcPct val="90000"/>
-            </a:lnSpc>
-            <a:spcBef>
-              <a:spcPct val="0"/>
-            </a:spcBef>
-            <a:spcAft>
-              <a:spcPct val="35000"/>
-            </a:spcAft>
-          </a:pPr>
-          <a:r>
-            <a:rPr lang="en-CA" sz="1200" kern="1200" dirty="0" smtClean="0"/>
-            <a:t>http://git-scm.com/download/mac</a:t>
-          </a:r>
-          <a:endParaRPr lang="en-CA" sz="1200" kern="1200" dirty="0"/>
-        </a:p>
-      </dsp:txBody>
-      <dsp:txXfrm rot="10800000">
-        <a:off x="2437691" y="1958102"/>
-        <a:ext cx="1855617" cy="2332428"/>
-      </dsp:txXfrm>
-    </dsp:sp>
-    <dsp:sp modelId="{83C04165-694E-4ACC-9C17-CAA19DFD4413}">
-      <dsp:nvSpPr>
-        <dsp:cNvPr id="0" name=""/>
-        <dsp:cNvSpPr/>
-      </dsp:nvSpPr>
-      <dsp:spPr>
-        <a:xfrm>
-          <a:off x="4551838" y="261080"/>
-          <a:ext cx="1977231" cy="1435941"/>
-        </a:xfrm>
-        <a:prstGeom prst="roundRect">
-          <a:avLst>
-            <a:gd name="adj" fmla="val 10000"/>
-          </a:avLst>
-        </a:prstGeom>
-        <a:blipFill>
-          <a:blip xmlns:r="http://schemas.openxmlformats.org/officeDocument/2006/relationships" r:embed="rId3">
-            <a:extLst>
-              <a:ext uri="{28A0092B-C50C-407E-A947-70E740481C1C}">
-                <a14:useLocalDpi xmlns:a14="http://schemas.microsoft.com/office/drawing/2010/main" val="0"/>
-              </a:ext>
-            </a:extLst>
-          </a:blip>
-          <a:srcRect/>
-          <a:stretch>
-            <a:fillRect l="-17000" r="-17000"/>
-          </a:stretch>
-        </a:blipFill>
-        <a:ln w="12700" cap="flat" cmpd="sng" algn="ctr">
-          <a:solidFill>
-            <a:schemeClr val="lt1">
-              <a:hueOff val="0"/>
-              <a:satOff val="0"/>
-              <a:lumOff val="0"/>
-              <a:alphaOff val="0"/>
-            </a:schemeClr>
-          </a:solidFill>
-          <a:prstDash val="solid"/>
-          <a:miter lim="800000"/>
-        </a:ln>
-        <a:effectLst/>
-      </dsp:spPr>
-      <dsp:style>
-        <a:lnRef idx="2">
-          <a:scrgbClr r="0" g="0" b="0"/>
-        </a:lnRef>
-        <a:fillRef idx="1">
-          <a:scrgbClr r="0" g="0" b="0"/>
-        </a:fillRef>
-        <a:effectRef idx="0">
-          <a:scrgbClr r="0" g="0" b="0"/>
-        </a:effectRef>
-        <a:fontRef idx="minor"/>
-      </dsp:style>
-    </dsp:sp>
-    <dsp:sp modelId="{834549AA-9EB6-4B36-8657-154342198D02}">
-      <dsp:nvSpPr>
-        <dsp:cNvPr id="0" name=""/>
-        <dsp:cNvSpPr/>
-      </dsp:nvSpPr>
-      <dsp:spPr>
-        <a:xfrm rot="10800000">
-          <a:off x="4551838" y="1958102"/>
-          <a:ext cx="1977231" cy="2393235"/>
-        </a:xfrm>
-        <a:prstGeom prst="round2SameRect">
-          <a:avLst>
-            <a:gd name="adj1" fmla="val 10500"/>
-            <a:gd name="adj2" fmla="val 0"/>
-          </a:avLst>
-        </a:prstGeom>
-        <a:solidFill>
-          <a:schemeClr val="accent1">
-            <a:hueOff val="0"/>
-            <a:satOff val="0"/>
-            <a:lumOff val="0"/>
-            <a:alphaOff val="0"/>
-          </a:schemeClr>
-        </a:solidFill>
-        <a:ln w="12700" cap="flat" cmpd="sng" algn="ctr">
-          <a:solidFill>
-            <a:schemeClr val="lt1">
-              <a:hueOff val="0"/>
-              <a:satOff val="0"/>
-              <a:lumOff val="0"/>
-              <a:alphaOff val="0"/>
-            </a:schemeClr>
-          </a:solidFill>
-          <a:prstDash val="solid"/>
-          <a:miter lim="800000"/>
-        </a:ln>
-        <a:effectLst/>
-      </dsp:spPr>
-      <dsp:style>
-        <a:lnRef idx="2">
-          <a:scrgbClr r="0" g="0" b="0"/>
-        </a:lnRef>
-        <a:fillRef idx="1">
-          <a:scrgbClr r="0" g="0" b="0"/>
-        </a:fillRef>
-        <a:effectRef idx="0">
-          <a:scrgbClr r="0" g="0" b="0"/>
-        </a:effectRef>
-        <a:fontRef idx="minor">
-          <a:schemeClr val="lt1"/>
-        </a:fontRef>
-      </dsp:style>
-      <dsp:txBody>
-        <a:bodyPr spcFirstLastPara="0" vert="horz" wrap="square" lIns="85344" tIns="85344" rIns="85344" bIns="85344" numCol="1" spcCol="1270" anchor="t" anchorCtr="0">
-          <a:noAutofit/>
-        </a:bodyPr>
-        <a:lstStyle/>
-        <a:p>
-          <a:pPr lvl="0" algn="ctr" defTabSz="533400">
-            <a:lnSpc>
-              <a:spcPct val="90000"/>
-            </a:lnSpc>
-            <a:spcBef>
-              <a:spcPct val="0"/>
-            </a:spcBef>
-            <a:spcAft>
-              <a:spcPct val="35000"/>
-            </a:spcAft>
-          </a:pPr>
-          <a:r>
-            <a:rPr lang="en-CA" sz="1200" kern="1200" dirty="0" err="1" smtClean="0"/>
-            <a:t>sudo</a:t>
-          </a:r>
-          <a:r>
-            <a:rPr lang="en-CA" sz="1200" kern="1200" dirty="0" smtClean="0"/>
-            <a:t> apt-get install git</a:t>
-          </a:r>
-          <a:endParaRPr lang="en-CA" sz="1200" kern="1200" dirty="0"/>
-        </a:p>
-      </dsp:txBody>
-      <dsp:txXfrm rot="10800000">
-        <a:off x="4612645" y="1958102"/>
-        <a:ext cx="1855617" cy="2332428"/>
-      </dsp:txXfrm>
-    </dsp:sp>
   </dsp:spTree>
 </dsp:drawing>
 </file>
@@ -2984,7 +2530,7 @@
           <a:p>
             <a:fld id="{EB03AF97-B4FF-4008-BA61-32AC40787ADA}" type="datetimeFigureOut">
               <a:rPr lang="en-US"/>
-              <a:t>9/2/2014</a:t>
+              <a:t>9/5/2014</a:t>
             </a:fld>
             <a:endParaRPr lang="en-US"/>
           </a:p>
@@ -3387,57 +2933,21 @@
           <a:bodyPr/>
           <a:lstStyle/>
           <a:p>
-            <a:pPr marL="228600" indent="-228600">
-              <a:buAutoNum type="arabicPeriod"/>
-            </a:pPr>
-            <a:r>
-              <a:rPr lang="en-US" dirty="0" smtClean="0"/>
-              <a:t>Go to https://github.com/mcgill-ecse321/class-notes</a:t>
-            </a:r>
-          </a:p>
-          <a:p>
-            <a:pPr marL="228600" indent="-228600">
-              <a:buAutoNum type="arabicPeriod"/>
-            </a:pPr>
-            <a:r>
-              <a:rPr lang="en-US" dirty="0" smtClean="0"/>
-              <a:t>Find the link to clone on the right hand side</a:t>
-            </a:r>
-          </a:p>
-          <a:p>
-            <a:pPr marL="228600" indent="-228600">
-              <a:buAutoNum type="arabicPeriod"/>
-            </a:pPr>
-            <a:r>
-              <a:rPr lang="en-US" dirty="0" smtClean="0"/>
-              <a:t>Type the command ‘</a:t>
-            </a:r>
-            <a:r>
-              <a:rPr lang="en-US" dirty="0" err="1" smtClean="0"/>
-              <a:t>git</a:t>
-            </a:r>
-            <a:r>
-              <a:rPr lang="en-US" dirty="0" smtClean="0"/>
-              <a:t> clone  git@github.com:mcgill-ecse321/class-</a:t>
-            </a:r>
-            <a:r>
-              <a:rPr lang="en-US" dirty="0" err="1" smtClean="0"/>
-              <a:t>notes.git</a:t>
-            </a:r>
-            <a:r>
-              <a:rPr lang="en-US" dirty="0" smtClean="0"/>
-              <a:t>’ </a:t>
-            </a:r>
-          </a:p>
-          <a:p>
-            <a:pPr marL="228600" indent="-228600">
-              <a:buAutoNum type="arabicPeriod"/>
-            </a:pPr>
-            <a:r>
-              <a:rPr lang="en-US" dirty="0" smtClean="0"/>
-              <a:t>enjoy</a:t>
-            </a:r>
-            <a:endParaRPr lang="en-US" dirty="0"/>
+            <a:r>
+              <a:rPr lang="en-CA" dirty="0" smtClean="0"/>
+              <a:t>A repository</a:t>
+            </a:r>
+            <a:r>
+              <a:rPr lang="en-CA" baseline="0" dirty="0" smtClean="0"/>
+              <a:t>  is essentially a folder</a:t>
+            </a:r>
+          </a:p>
+          <a:p>
+            <a:r>
+              <a:rPr lang="en-CA" baseline="0" dirty="0" smtClean="0"/>
+              <a:t>But this folder also contains extra information about your previous versions known as commits</a:t>
+            </a:r>
+            <a:endParaRPr lang="en-CA" dirty="0"/>
           </a:p>
         </p:txBody>
       </p:sp>
@@ -3457,7 +2967,7 @@
           <a:lstStyle/>
           <a:p>
             <a:fld id="{266FFDD2-8F09-4B95-855D-B6E7196B1E6E}" type="slidenum">
-              <a:rPr lang="en-US"/>
+              <a:rPr lang="en-US" smtClean="0"/>
               <a:t>12</a:t>
             </a:fld>
             <a:endParaRPr lang="en-US"/>
@@ -3467,7 +2977,7 @@
     </p:spTree>
     <p:extLst>
       <p:ext uri="{BB962C8B-B14F-4D97-AF65-F5344CB8AC3E}">
-        <p14:creationId xmlns:p14="http://schemas.microsoft.com/office/powerpoint/2010/main" val="1724908608"/>
+        <p14:creationId xmlns:p14="http://schemas.microsoft.com/office/powerpoint/2010/main" val="2212364047"/>
       </p:ext>
     </p:extLst>
   </p:cSld>
@@ -3521,18 +3031,53 @@
           <a:bodyPr/>
           <a:lstStyle/>
           <a:p>
-            <a:pPr marL="0" indent="0">
-              <a:buNone/>
+            <a:pPr marL="228600" indent="-228600">
+              <a:buAutoNum type="arabicPeriod"/>
             </a:pPr>
             <a:r>
-              <a:rPr lang="en-US" dirty="0" smtClean="0"/>
-              <a:t>Congratulations. If you see the abov</a:t>
-            </a:r>
-            <a:r>
-              <a:rPr lang="en-US" baseline="0" dirty="0" smtClean="0"/>
-              <a:t>e message you’ve correctly cloned the repository</a:t>
-            </a:r>
-            <a:endParaRPr lang="en-US" dirty="0"/>
+              <a:rPr lang="en-CA" dirty="0" smtClean="0"/>
+              <a:t>Create a folder</a:t>
+            </a:r>
+          </a:p>
+          <a:p>
+            <a:pPr marL="228600" indent="-228600">
+              <a:buAutoNum type="arabicPeriod"/>
+            </a:pPr>
+            <a:r>
+              <a:rPr lang="en-CA" dirty="0" smtClean="0"/>
+              <a:t>Go into that</a:t>
+            </a:r>
+            <a:r>
+              <a:rPr lang="en-CA" baseline="0" dirty="0" smtClean="0"/>
+              <a:t> folder</a:t>
+            </a:r>
+          </a:p>
+          <a:p>
+            <a:pPr marL="228600" indent="-228600">
+              <a:buAutoNum type="arabicPeriod"/>
+            </a:pPr>
+            <a:r>
+              <a:rPr lang="en-CA" baseline="0" dirty="0" smtClean="0"/>
+              <a:t>Type the command ‘Git </a:t>
+            </a:r>
+            <a:r>
+              <a:rPr lang="en-CA" baseline="0" dirty="0" err="1" smtClean="0"/>
+              <a:t>init</a:t>
+            </a:r>
+            <a:r>
+              <a:rPr lang="en-CA" baseline="0" dirty="0" smtClean="0"/>
+              <a:t>’</a:t>
+            </a:r>
+          </a:p>
+          <a:p>
+            <a:pPr marL="228600" indent="-228600">
+              <a:buAutoNum type="arabicPeriod"/>
+            </a:pPr>
+            <a:r>
+              <a:rPr lang="en-CA" baseline="0" dirty="0" smtClean="0"/>
+              <a:t>Lean back</a:t>
+            </a:r>
+            <a:endParaRPr lang="en-CA" dirty="0"/>
           </a:p>
         </p:txBody>
       </p:sp>
@@ -3552,7 +3097,7 @@
           <a:lstStyle/>
           <a:p>
             <a:fld id="{266FFDD2-8F09-4B95-855D-B6E7196B1E6E}" type="slidenum">
-              <a:rPr lang="en-US"/>
+              <a:rPr lang="en-US" smtClean="0"/>
               <a:t>13</a:t>
             </a:fld>
             <a:endParaRPr lang="en-US"/>
@@ -3562,7 +3107,7 @@
     </p:spTree>
     <p:extLst>
       <p:ext uri="{BB962C8B-B14F-4D97-AF65-F5344CB8AC3E}">
-        <p14:creationId xmlns:p14="http://schemas.microsoft.com/office/powerpoint/2010/main" val="229940513"/>
+        <p14:creationId xmlns:p14="http://schemas.microsoft.com/office/powerpoint/2010/main" val="1687791850"/>
       </p:ext>
     </p:extLst>
   </p:cSld>
@@ -3618,17 +3163,23 @@
           <a:p>
             <a:r>
               <a:rPr lang="en-CA" dirty="0" smtClean="0"/>
-              <a:t>In the git</a:t>
+              <a:t>A commit is a save state of</a:t>
             </a:r>
             <a:r>
               <a:rPr lang="en-CA" baseline="0" dirty="0" smtClean="0"/>
-              <a:t> model a full working copy of the repository lives in your computer locally as well as on a remote repository somewhere in the cloud</a:t>
+              <a:t> all your files</a:t>
             </a:r>
           </a:p>
           <a:p>
             <a:r>
               <a:rPr lang="en-CA" baseline="0" dirty="0" smtClean="0"/>
-              <a:t>We cloned the current version of the class notes to our computer </a:t>
+              <a:t>Commits are useful to go back to a an exact point in time</a:t>
+            </a:r>
+          </a:p>
+          <a:p>
+            <a:r>
+              <a:rPr lang="en-CA" baseline="0" dirty="0" smtClean="0"/>
+              <a:t>Commits are just like save states in video games</a:t>
             </a:r>
           </a:p>
           <a:p>
@@ -3637,21 +3188,35 @@
           <a:p>
             <a:r>
               <a:rPr lang="en-CA" baseline="0" dirty="0" smtClean="0"/>
-              <a:t>To synchronize across machines by push and pull commands</a:t>
+              <a:t>A commit object contains:</a:t>
             </a:r>
           </a:p>
           <a:p>
             <a:r>
               <a:rPr lang="en-CA" baseline="0" dirty="0" smtClean="0"/>
-              <a:t>When adding new changes to your files you can push commits to update the remote repo </a:t>
+              <a:t>Unique Sha1 identifier</a:t>
             </a:r>
           </a:p>
           <a:p>
             <a:r>
               <a:rPr lang="en-CA" baseline="0" dirty="0" smtClean="0"/>
-              <a:t>If you know your friend has updated the remote repo you can pull to get these commits </a:t>
-            </a:r>
-            <a:endParaRPr lang="en-CA" dirty="0"/>
+              <a:t>Snapshot of all the files in the working directory</a:t>
+            </a:r>
+          </a:p>
+          <a:p>
+            <a:r>
+              <a:rPr lang="en-CA" baseline="0" dirty="0" smtClean="0"/>
+              <a:t>Creation date</a:t>
+            </a:r>
+          </a:p>
+          <a:p>
+            <a:r>
+              <a:rPr lang="en-CA" baseline="0" dirty="0" smtClean="0"/>
+              <a:t>Author</a:t>
+            </a:r>
+          </a:p>
+          <a:p>
+            <a:endParaRPr lang="en-CA" baseline="0" dirty="0" smtClean="0"/>
           </a:p>
         </p:txBody>
       </p:sp>
@@ -3681,7 +3246,7 @@
     </p:spTree>
     <p:extLst>
       <p:ext uri="{BB962C8B-B14F-4D97-AF65-F5344CB8AC3E}">
-        <p14:creationId xmlns:p14="http://schemas.microsoft.com/office/powerpoint/2010/main" val="153855425"/>
+        <p14:creationId xmlns:p14="http://schemas.microsoft.com/office/powerpoint/2010/main" val="2696999346"/>
       </p:ext>
     </p:extLst>
   </p:cSld>
@@ -3735,9 +3300,34 @@
           <a:bodyPr/>
           <a:lstStyle/>
           <a:p>
+            <a:pPr marL="228600" indent="-228600">
+              <a:buAutoNum type="arabicPeriod"/>
+            </a:pPr>
             <a:r>
               <a:rPr lang="en-CA" dirty="0" smtClean="0"/>
-              <a:t>Check the logs to see who committed, what they committed, and when</a:t>
+              <a:t>Create a file called helloworld.java</a:t>
+            </a:r>
+          </a:p>
+          <a:p>
+            <a:pPr marL="228600" indent="-228600">
+              <a:buAutoNum type="arabicPeriod"/>
+            </a:pPr>
+            <a:r>
+              <a:rPr lang="en-CA" dirty="0" smtClean="0"/>
+              <a:t>Add it to</a:t>
+            </a:r>
+            <a:r>
+              <a:rPr lang="en-CA" baseline="0" dirty="0" smtClean="0"/>
+              <a:t> the repository</a:t>
+            </a:r>
+          </a:p>
+          <a:p>
+            <a:pPr marL="228600" indent="-228600">
+              <a:buAutoNum type="arabicPeriod"/>
+            </a:pPr>
+            <a:r>
+              <a:rPr lang="en-CA" baseline="0" dirty="0" smtClean="0"/>
+              <a:t>Commit your new file to the repository</a:t>
             </a:r>
             <a:endParaRPr lang="en-CA" dirty="0"/>
           </a:p>
@@ -3769,7 +3359,7 @@
     </p:spTree>
     <p:extLst>
       <p:ext uri="{BB962C8B-B14F-4D97-AF65-F5344CB8AC3E}">
-        <p14:creationId xmlns:p14="http://schemas.microsoft.com/office/powerpoint/2010/main" val="4093315854"/>
+        <p14:creationId xmlns:p14="http://schemas.microsoft.com/office/powerpoint/2010/main" val="261044642"/>
       </p:ext>
     </p:extLst>
   </p:cSld>
@@ -3823,53 +3413,41 @@
           <a:bodyPr/>
           <a:lstStyle/>
           <a:p>
-            <a:pPr marL="228600" indent="-228600">
-              <a:buAutoNum type="arabicPeriod"/>
-            </a:pPr>
             <a:r>
               <a:rPr lang="en-CA" dirty="0" smtClean="0"/>
-              <a:t>Create a folder</a:t>
-            </a:r>
-          </a:p>
-          <a:p>
-            <a:pPr marL="228600" indent="-228600">
-              <a:buAutoNum type="arabicPeriod"/>
-            </a:pPr>
-            <a:r>
-              <a:rPr lang="en-CA" dirty="0" smtClean="0"/>
-              <a:t>Go into that</a:t>
+              <a:t>The</a:t>
             </a:r>
             <a:r>
               <a:rPr lang="en-CA" baseline="0" dirty="0" smtClean="0"/>
-              <a:t> folder</a:t>
-            </a:r>
-          </a:p>
-          <a:p>
-            <a:pPr marL="228600" indent="-228600">
-              <a:buAutoNum type="arabicPeriod"/>
-            </a:pPr>
+              <a:t> above diagram represents 3 states a file can be in.</a:t>
+            </a:r>
+          </a:p>
+          <a:p>
+            <a:endParaRPr lang="en-CA" baseline="0" dirty="0" smtClean="0"/>
+          </a:p>
+          <a:p>
             <a:r>
               <a:rPr lang="en-CA" baseline="0" dirty="0" smtClean="0"/>
-              <a:t>Type the command ‘Git </a:t>
-            </a:r>
-            <a:r>
-              <a:rPr lang="en-CA" baseline="0" dirty="0" err="1" smtClean="0"/>
-              <a:t>init</a:t>
-            </a:r>
+              <a:t>The working directory is the current state of all files.</a:t>
+            </a:r>
+          </a:p>
+          <a:p>
+            <a:endParaRPr lang="en-CA" baseline="0" dirty="0" smtClean="0"/>
+          </a:p>
+          <a:p>
             <a:r>
               <a:rPr lang="en-CA" baseline="0" dirty="0" smtClean="0"/>
-              <a:t>’</a:t>
-            </a:r>
-          </a:p>
-          <a:p>
-            <a:pPr marL="228600" indent="-228600">
-              <a:buAutoNum type="arabicPeriod"/>
-            </a:pPr>
+              <a:t>The staging area is an abstract concept. It is the state files are put into right before being committed. We stage a file with the command “git add &lt;filename&gt;”. This is useful for situations when you want a commit to represent several files. Why else would you stage a file?</a:t>
+            </a:r>
+          </a:p>
+          <a:p>
+            <a:endParaRPr lang="en-CA" baseline="0" dirty="0" smtClean="0"/>
+          </a:p>
+          <a:p>
             <a:r>
               <a:rPr lang="en-CA" baseline="0" dirty="0" smtClean="0"/>
-              <a:t>Lean back</a:t>
-            </a:r>
-            <a:endParaRPr lang="en-CA" dirty="0"/>
+              <a:t>Once files are staged. We can commit staged files to the repository.</a:t>
+            </a:r>
           </a:p>
         </p:txBody>
       </p:sp>
@@ -3899,7 +3477,7 @@
     </p:spTree>
     <p:extLst>
       <p:ext uri="{BB962C8B-B14F-4D97-AF65-F5344CB8AC3E}">
-        <p14:creationId xmlns:p14="http://schemas.microsoft.com/office/powerpoint/2010/main" val="1687791850"/>
+        <p14:creationId xmlns:p14="http://schemas.microsoft.com/office/powerpoint/2010/main" val="2507254591"/>
       </p:ext>
     </p:extLst>
   </p:cSld>
@@ -3958,7 +3536,11 @@
             </a:pPr>
             <a:r>
               <a:rPr lang="en-CA" dirty="0" smtClean="0"/>
-              <a:t>Create a file called helloworld.java</a:t>
+              <a:t>Open the file in</a:t>
+            </a:r>
+            <a:r>
+              <a:rPr lang="en-CA" baseline="0" dirty="0" smtClean="0"/>
+              <a:t> an editor (you can use your  favorite editor like note pad)</a:t>
             </a:r>
           </a:p>
           <a:p>
@@ -3966,12 +3548,8 @@
               <a:buAutoNum type="arabicPeriod"/>
             </a:pPr>
             <a:r>
-              <a:rPr lang="en-CA" dirty="0" smtClean="0"/>
-              <a:t>Add it to</a:t>
-            </a:r>
-            <a:r>
               <a:rPr lang="en-CA" baseline="0" dirty="0" smtClean="0"/>
-              <a:t> the repository</a:t>
+              <a:t>Modify the file to print hello world and save</a:t>
             </a:r>
           </a:p>
           <a:p>
@@ -3980,9 +3558,23 @@
             </a:pPr>
             <a:r>
               <a:rPr lang="en-CA" baseline="0" dirty="0" smtClean="0"/>
-              <a:t>Commit your new file to the repository</a:t>
-            </a:r>
-            <a:endParaRPr lang="en-CA" dirty="0"/>
+              <a:t>Check the status of the repository</a:t>
+            </a:r>
+          </a:p>
+          <a:p>
+            <a:pPr marL="228600" indent="-228600">
+              <a:buAutoNum type="arabicPeriod"/>
+            </a:pPr>
+            <a:endParaRPr lang="en-CA" baseline="0" dirty="0" smtClean="0"/>
+          </a:p>
+          <a:p>
+            <a:pPr marL="0" indent="0">
+              <a:buNone/>
+            </a:pPr>
+            <a:r>
+              <a:rPr lang="en-CA" baseline="0" dirty="0" smtClean="0"/>
+              <a:t>Checking the status tells us the state our repository is in. In this case it says that we made changes to a file but did not add it to the staging area</a:t>
+            </a:r>
           </a:p>
         </p:txBody>
       </p:sp>
@@ -4012,7 +3604,7 @@
     </p:spTree>
     <p:extLst>
       <p:ext uri="{BB962C8B-B14F-4D97-AF65-F5344CB8AC3E}">
-        <p14:creationId xmlns:p14="http://schemas.microsoft.com/office/powerpoint/2010/main" val="261044642"/>
+        <p14:creationId xmlns:p14="http://schemas.microsoft.com/office/powerpoint/2010/main" val="3790580864"/>
       </p:ext>
     </p:extLst>
   </p:cSld>
@@ -4066,41 +3658,56 @@
           <a:bodyPr/>
           <a:lstStyle/>
           <a:p>
+            <a:pPr marL="228600" indent="-228600">
+              <a:buAutoNum type="arabicPeriod"/>
+            </a:pPr>
             <a:r>
               <a:rPr lang="en-CA" dirty="0" smtClean="0"/>
-              <a:t>The</a:t>
+              <a:t>Compile the</a:t>
             </a:r>
             <a:r>
               <a:rPr lang="en-CA" baseline="0" dirty="0" smtClean="0"/>
-              <a:t> above diagram represents 3 states a file can be in.</a:t>
-            </a:r>
-          </a:p>
-          <a:p>
+              <a:t> file</a:t>
+            </a:r>
+            <a:endParaRPr lang="en-CA" dirty="0" smtClean="0"/>
+          </a:p>
+          <a:p>
+            <a:pPr marL="228600" indent="-228600">
+              <a:buAutoNum type="arabicPeriod"/>
+            </a:pPr>
+            <a:r>
+              <a:rPr lang="en-CA" dirty="0" smtClean="0"/>
+              <a:t>Then</a:t>
+            </a:r>
+            <a:r>
+              <a:rPr lang="en-CA" baseline="0" dirty="0" smtClean="0"/>
+              <a:t> add all the files to the staging area (“git add .” is a shorthand for adding all files to the staging area)</a:t>
+            </a:r>
+          </a:p>
+          <a:p>
+            <a:pPr marL="228600" indent="-228600">
+              <a:buAutoNum type="arabicPeriod"/>
+            </a:pPr>
+            <a:r>
+              <a:rPr lang="en-CA" baseline="0" dirty="0" smtClean="0"/>
+              <a:t>Check the status of the repo</a:t>
+            </a:r>
+          </a:p>
+          <a:p>
+            <a:pPr marL="228600" indent="-228600">
+              <a:buAutoNum type="arabicPeriod"/>
+            </a:pPr>
             <a:endParaRPr lang="en-CA" baseline="0" dirty="0" smtClean="0"/>
           </a:p>
           <a:p>
+            <a:pPr marL="0" indent="0">
+              <a:buNone/>
+            </a:pPr>
             <a:r>
               <a:rPr lang="en-CA" baseline="0" dirty="0" smtClean="0"/>
-              <a:t>The working directory is the current state of all files.</a:t>
-            </a:r>
-          </a:p>
-          <a:p>
-            <a:endParaRPr lang="en-CA" baseline="0" dirty="0" smtClean="0"/>
-          </a:p>
-          <a:p>
-            <a:r>
-              <a:rPr lang="en-CA" baseline="0" dirty="0" smtClean="0"/>
-              <a:t>The staging area is an abstract concept. It is the state files are put into right before being committed. We stage a file with the command “git add &lt;filename&gt;”. This is useful for situations when you want a commit to represent several files. Why else would you stage a file?</a:t>
-            </a:r>
-          </a:p>
-          <a:p>
-            <a:endParaRPr lang="en-CA" baseline="0" dirty="0" smtClean="0"/>
-          </a:p>
-          <a:p>
-            <a:r>
-              <a:rPr lang="en-CA" baseline="0" dirty="0" smtClean="0"/>
-              <a:t>Once files are staged. We can commit staged files to the repository.</a:t>
-            </a:r>
+              <a:t>Here in the Status We can see that there are two files in the staging area. This is because we created a class file when we compiled our program. </a:t>
+            </a:r>
+            <a:endParaRPr lang="en-CA" dirty="0"/>
           </a:p>
         </p:txBody>
       </p:sp>
@@ -4130,7 +3737,7 @@
     </p:spTree>
     <p:extLst>
       <p:ext uri="{BB962C8B-B14F-4D97-AF65-F5344CB8AC3E}">
-        <p14:creationId xmlns:p14="http://schemas.microsoft.com/office/powerpoint/2010/main" val="2507254591"/>
+        <p14:creationId xmlns:p14="http://schemas.microsoft.com/office/powerpoint/2010/main" val="4004396576"/>
       </p:ext>
     </p:extLst>
   </p:cSld>
@@ -4184,45 +3791,33 @@
           <a:bodyPr/>
           <a:lstStyle/>
           <a:p>
-            <a:r>
-              <a:rPr lang="en-CA" dirty="0" smtClean="0"/>
-              <a:t>We now need to sync</a:t>
-            </a:r>
+            <a:pPr marL="0" marR="0" indent="0" algn="l" defTabSz="914400" rtl="0" eaLnBrk="1" fontAlgn="auto" latinLnBrk="0" hangingPunct="1">
+              <a:lnSpc>
+                <a:spcPct val="100000"/>
+              </a:lnSpc>
+              <a:spcBef>
+                <a:spcPts val="0"/>
+              </a:spcBef>
+              <a:spcAft>
+                <a:spcPts val="0"/>
+              </a:spcAft>
+              <a:buClrTx/>
+              <a:buSzTx/>
+              <a:buFontTx/>
+              <a:buNone/>
+              <a:tabLst/>
+              <a:defRPr/>
+            </a:pPr>
             <a:r>
               <a:rPr lang="en-CA" baseline="0" dirty="0" smtClean="0"/>
-              <a:t> our work to the cloud.</a:t>
-            </a:r>
-          </a:p>
-          <a:p>
-            <a:endParaRPr lang="en-CA" baseline="0" dirty="0" smtClean="0"/>
-          </a:p>
-          <a:p>
-            <a:r>
-              <a:rPr lang="en-CA" baseline="0" dirty="0" smtClean="0"/>
-              <a:t>Start by</a:t>
-            </a:r>
+              <a:t>Let’s pretend we don’t want the class file to be in our next commit. We can remove a file from the staging area with “git reset &lt;filename&gt;”</a:t>
+            </a:r>
+            <a:endParaRPr lang="en-CA" dirty="0" smtClean="0"/>
           </a:p>
           <a:p>
             <a:pPr marL="228600" indent="-228600">
               <a:buAutoNum type="arabicPeriod"/>
             </a:pPr>
-            <a:r>
-              <a:rPr lang="en-CA" baseline="0" dirty="0" smtClean="0"/>
-              <a:t>going to the link </a:t>
-            </a:r>
-          </a:p>
-          <a:p>
-            <a:pPr marL="228600" indent="-228600">
-              <a:buAutoNum type="arabicPeriod"/>
-            </a:pPr>
-            <a:r>
-              <a:rPr lang="en-CA" baseline="0" dirty="0" smtClean="0"/>
-              <a:t>and creating a new repository on </a:t>
-            </a:r>
-            <a:r>
-              <a:rPr lang="en-CA" baseline="0" dirty="0" err="1" smtClean="0"/>
-              <a:t>github</a:t>
-            </a:r>
             <a:endParaRPr lang="en-CA" dirty="0"/>
           </a:p>
         </p:txBody>
@@ -4253,7 +3848,7 @@
     </p:spTree>
     <p:extLst>
       <p:ext uri="{BB962C8B-B14F-4D97-AF65-F5344CB8AC3E}">
-        <p14:creationId xmlns:p14="http://schemas.microsoft.com/office/powerpoint/2010/main" val="3730388118"/>
+        <p14:creationId xmlns:p14="http://schemas.microsoft.com/office/powerpoint/2010/main" val="2476800040"/>
       </p:ext>
     </p:extLst>
   </p:cSld>
@@ -4309,23 +3904,11 @@
           <a:p>
             <a:r>
               <a:rPr lang="en-CA" dirty="0" smtClean="0"/>
-              <a:t>3. Copy</a:t>
+              <a:t>In this</a:t>
             </a:r>
             <a:r>
               <a:rPr lang="en-CA" baseline="0" dirty="0" smtClean="0"/>
-              <a:t> the link to the clipboard</a:t>
-            </a:r>
-          </a:p>
-          <a:p>
-            <a:r>
-              <a:rPr lang="en-CA" baseline="0" dirty="0" smtClean="0"/>
-              <a:t>4. Use the link to set the origin</a:t>
-            </a:r>
-          </a:p>
-          <a:p>
-            <a:r>
-              <a:rPr lang="en-CA" baseline="0" dirty="0" smtClean="0"/>
-              <a:t>5. Push your commits to the remote repository</a:t>
+              <a:t> case, only  our helloworld.java will be in our most recent commit.</a:t>
             </a:r>
             <a:endParaRPr lang="en-CA" dirty="0"/>
           </a:p>
@@ -4357,7 +3940,7 @@
     </p:spTree>
     <p:extLst>
       <p:ext uri="{BB962C8B-B14F-4D97-AF65-F5344CB8AC3E}">
-        <p14:creationId xmlns:p14="http://schemas.microsoft.com/office/powerpoint/2010/main" val="751109660"/>
+        <p14:creationId xmlns:p14="http://schemas.microsoft.com/office/powerpoint/2010/main" val="2538855724"/>
       </p:ext>
     </p:extLst>
   </p:cSld>
@@ -4413,11 +3996,11 @@
           <a:p>
             <a:r>
               <a:rPr lang="en-CA" dirty="0" smtClean="0"/>
-              <a:t>Now that</a:t>
-            </a:r>
-            <a:r>
-              <a:rPr lang="en-CA" baseline="0" dirty="0" smtClean="0"/>
-              <a:t> you have linked your local repository to one in the cloud, you can push commit to synchronize the remote repo, or pull commits to synchronize the local repo.</a:t>
+              <a:t>Check the logs to see who committed, what they committed, and </a:t>
+            </a:r>
+            <a:r>
+              <a:rPr lang="en-CA" dirty="0" smtClean="0"/>
+              <a:t>when with “git log”</a:t>
             </a:r>
             <a:endParaRPr lang="en-CA" dirty="0"/>
           </a:p>
@@ -4449,7 +4032,7 @@
     </p:spTree>
     <p:extLst>
       <p:ext uri="{BB962C8B-B14F-4D97-AF65-F5344CB8AC3E}">
-        <p14:creationId xmlns:p14="http://schemas.microsoft.com/office/powerpoint/2010/main" val="247540964"/>
+        <p14:creationId xmlns:p14="http://schemas.microsoft.com/office/powerpoint/2010/main" val="4093315854"/>
       </p:ext>
     </p:extLst>
   </p:cSld>
@@ -4587,18 +4170,82 @@
           <a:bodyPr/>
           <a:lstStyle/>
           <a:p>
+            <a:pPr marL="228600" indent="-228600">
+              <a:buAutoNum type="arabicPeriod"/>
+            </a:pPr>
             <a:r>
               <a:rPr lang="en-CA" dirty="0" smtClean="0"/>
-              <a:t>Do the tutorials in link</a:t>
+              <a:t>Identify a few digits</a:t>
             </a:r>
             <a:r>
               <a:rPr lang="en-CA" baseline="0" dirty="0" smtClean="0"/>
-              <a:t> </a:t>
-            </a:r>
-            <a:r>
-              <a:rPr lang="en-CA" baseline="0" smtClean="0"/>
-              <a:t>2 and 3</a:t>
-            </a:r>
+              <a:t> of the commit you want to tag</a:t>
+            </a:r>
+          </a:p>
+          <a:p>
+            <a:pPr marL="228600" indent="-228600">
+              <a:buAutoNum type="arabicPeriod"/>
+            </a:pPr>
+            <a:r>
+              <a:rPr lang="en-CA" baseline="0" dirty="0" smtClean="0"/>
+              <a:t>Tag the commit using “git tag &lt;</a:t>
+            </a:r>
+            <a:r>
+              <a:rPr lang="en-CA" baseline="0" dirty="0" err="1" smtClean="0"/>
+              <a:t>tagname</a:t>
+            </a:r>
+            <a:r>
+              <a:rPr lang="en-CA" baseline="0" dirty="0" smtClean="0"/>
+              <a:t>&gt; &lt;</a:t>
+            </a:r>
+            <a:r>
+              <a:rPr lang="en-CA" baseline="0" dirty="0" err="1" smtClean="0"/>
+              <a:t>firstFewDigitsOfCommit</a:t>
+            </a:r>
+            <a:r>
+              <a:rPr lang="en-CA" baseline="0" dirty="0" smtClean="0"/>
+              <a:t>&gt;”</a:t>
+            </a:r>
+          </a:p>
+          <a:p>
+            <a:pPr marL="228600" indent="-228600">
+              <a:buAutoNum type="arabicPeriod"/>
+            </a:pPr>
+            <a:r>
+              <a:rPr lang="en-CA" baseline="0" dirty="0" smtClean="0"/>
+              <a:t>Check tag using git log</a:t>
+            </a:r>
+          </a:p>
+          <a:p>
+            <a:pPr marL="228600" indent="-228600">
+              <a:buAutoNum type="arabicPeriod"/>
+            </a:pPr>
+            <a:endParaRPr lang="en-CA" baseline="0" dirty="0" smtClean="0"/>
+          </a:p>
+          <a:p>
+            <a:pPr marL="0" indent="0">
+              <a:buNone/>
+            </a:pPr>
+            <a:r>
+              <a:rPr lang="en-CA" baseline="0" dirty="0" smtClean="0"/>
+              <a:t>Tagging is useful if you want to identify a point in your code using human words. For example, if you have multiple versions of your code, you can tag which commit corresponds to version 1. Tagging will be useful for your class assignments</a:t>
+            </a:r>
+          </a:p>
+          <a:p>
+            <a:pPr marL="0" indent="0">
+              <a:buNone/>
+            </a:pPr>
+            <a:endParaRPr lang="en-CA" baseline="0" dirty="0" smtClean="0"/>
+          </a:p>
+          <a:p>
+            <a:pPr marL="0" indent="0">
+              <a:buNone/>
+            </a:pPr>
+            <a:r>
+              <a:rPr lang="en-CA" baseline="0" dirty="0" smtClean="0"/>
+              <a:t>Also, we used a different flavor of git log. We added some options so that it would show us the log in a different format.</a:t>
+            </a:r>
+            <a:endParaRPr lang="en-CA" dirty="0"/>
           </a:p>
         </p:txBody>
       </p:sp>
@@ -4620,6 +4267,420 @@
             <a:fld id="{266FFDD2-8F09-4B95-855D-B6E7196B1E6E}" type="slidenum">
               <a:rPr lang="en-US" smtClean="0"/>
               <a:t>22</a:t>
+            </a:fld>
+            <a:endParaRPr lang="en-US"/>
+          </a:p>
+        </p:txBody>
+      </p:sp>
+    </p:spTree>
+    <p:extLst>
+      <p:ext uri="{BB962C8B-B14F-4D97-AF65-F5344CB8AC3E}">
+        <p14:creationId xmlns:p14="http://schemas.microsoft.com/office/powerpoint/2010/main" val="589055685"/>
+      </p:ext>
+    </p:extLst>
+  </p:cSld>
+  <p:clrMapOvr>
+    <a:masterClrMapping/>
+  </p:clrMapOvr>
+</p:notes>
+</file>
+
+<file path=ppt/notesSlides/notesSlide21.xml><?xml version="1.0" encoding="utf-8"?>
+<p:notes xmlns:a="http://schemas.openxmlformats.org/drawingml/2006/main" xmlns:r="http://schemas.openxmlformats.org/officeDocument/2006/relationships" xmlns:p="http://schemas.openxmlformats.org/presentationml/2006/main">
+  <p:cSld>
+    <p:spTree>
+      <p:nvGrpSpPr>
+        <p:cNvPr id="1" name=""/>
+        <p:cNvGrpSpPr/>
+        <p:nvPr/>
+      </p:nvGrpSpPr>
+      <p:grpSpPr>
+        <a:xfrm>
+          <a:off x="0" y="0"/>
+          <a:ext cx="0" cy="0"/>
+          <a:chOff x="0" y="0"/>
+          <a:chExt cx="0" cy="0"/>
+        </a:xfrm>
+      </p:grpSpPr>
+      <p:sp>
+        <p:nvSpPr>
+          <p:cNvPr id="2" name="Slide Image Placeholder 1"/>
+          <p:cNvSpPr>
+            <a:spLocks noGrp="1" noRot="1" noChangeAspect="1"/>
+          </p:cNvSpPr>
+          <p:nvPr>
+            <p:ph type="sldImg"/>
+          </p:nvPr>
+        </p:nvSpPr>
+        <p:spPr/>
+      </p:sp>
+      <p:sp>
+        <p:nvSpPr>
+          <p:cNvPr id="3" name="Notes Placeholder 2"/>
+          <p:cNvSpPr>
+            <a:spLocks noGrp="1"/>
+          </p:cNvSpPr>
+          <p:nvPr>
+            <p:ph type="body" idx="1"/>
+          </p:nvPr>
+        </p:nvSpPr>
+        <p:spPr/>
+        <p:txBody>
+          <a:bodyPr/>
+          <a:lstStyle/>
+          <a:p>
+            <a:r>
+              <a:rPr lang="en-CA" dirty="0" smtClean="0"/>
+              <a:t>We now need to sync</a:t>
+            </a:r>
+            <a:r>
+              <a:rPr lang="en-CA" baseline="0" dirty="0" smtClean="0"/>
+              <a:t> our work to the cloud.</a:t>
+            </a:r>
+          </a:p>
+          <a:p>
+            <a:endParaRPr lang="en-CA" baseline="0" dirty="0" smtClean="0"/>
+          </a:p>
+          <a:p>
+            <a:r>
+              <a:rPr lang="en-CA" baseline="0" dirty="0" smtClean="0"/>
+              <a:t>Start by</a:t>
+            </a:r>
+          </a:p>
+          <a:p>
+            <a:pPr marL="228600" indent="-228600">
+              <a:buAutoNum type="arabicPeriod"/>
+            </a:pPr>
+            <a:r>
+              <a:rPr lang="en-CA" baseline="0" dirty="0" smtClean="0"/>
+              <a:t>going to the link </a:t>
+            </a:r>
+          </a:p>
+          <a:p>
+            <a:pPr marL="228600" indent="-228600">
+              <a:buAutoNum type="arabicPeriod"/>
+            </a:pPr>
+            <a:r>
+              <a:rPr lang="en-CA" baseline="0" dirty="0" smtClean="0"/>
+              <a:t>and creating a new repository on </a:t>
+            </a:r>
+            <a:r>
+              <a:rPr lang="en-CA" baseline="0" dirty="0" err="1" smtClean="0"/>
+              <a:t>github</a:t>
+            </a:r>
+            <a:endParaRPr lang="en-CA" dirty="0"/>
+          </a:p>
+        </p:txBody>
+      </p:sp>
+      <p:sp>
+        <p:nvSpPr>
+          <p:cNvPr id="4" name="Slide Number Placeholder 3"/>
+          <p:cNvSpPr>
+            <a:spLocks noGrp="1"/>
+          </p:cNvSpPr>
+          <p:nvPr>
+            <p:ph type="sldNum" sz="quarter" idx="10"/>
+          </p:nvPr>
+        </p:nvSpPr>
+        <p:spPr/>
+        <p:txBody>
+          <a:bodyPr/>
+          <a:lstStyle/>
+          <a:p>
+            <a:fld id="{266FFDD2-8F09-4B95-855D-B6E7196B1E6E}" type="slidenum">
+              <a:rPr lang="en-US" smtClean="0"/>
+              <a:t>24</a:t>
+            </a:fld>
+            <a:endParaRPr lang="en-US"/>
+          </a:p>
+        </p:txBody>
+      </p:sp>
+    </p:spTree>
+    <p:extLst>
+      <p:ext uri="{BB962C8B-B14F-4D97-AF65-F5344CB8AC3E}">
+        <p14:creationId xmlns:p14="http://schemas.microsoft.com/office/powerpoint/2010/main" val="3730388118"/>
+      </p:ext>
+    </p:extLst>
+  </p:cSld>
+  <p:clrMapOvr>
+    <a:masterClrMapping/>
+  </p:clrMapOvr>
+</p:notes>
+</file>
+
+<file path=ppt/notesSlides/notesSlide22.xml><?xml version="1.0" encoding="utf-8"?>
+<p:notes xmlns:a="http://schemas.openxmlformats.org/drawingml/2006/main" xmlns:r="http://schemas.openxmlformats.org/officeDocument/2006/relationships" xmlns:p="http://schemas.openxmlformats.org/presentationml/2006/main">
+  <p:cSld>
+    <p:spTree>
+      <p:nvGrpSpPr>
+        <p:cNvPr id="1" name=""/>
+        <p:cNvGrpSpPr/>
+        <p:nvPr/>
+      </p:nvGrpSpPr>
+      <p:grpSpPr>
+        <a:xfrm>
+          <a:off x="0" y="0"/>
+          <a:ext cx="0" cy="0"/>
+          <a:chOff x="0" y="0"/>
+          <a:chExt cx="0" cy="0"/>
+        </a:xfrm>
+      </p:grpSpPr>
+      <p:sp>
+        <p:nvSpPr>
+          <p:cNvPr id="2" name="Slide Image Placeholder 1"/>
+          <p:cNvSpPr>
+            <a:spLocks noGrp="1" noRot="1" noChangeAspect="1"/>
+          </p:cNvSpPr>
+          <p:nvPr>
+            <p:ph type="sldImg"/>
+          </p:nvPr>
+        </p:nvSpPr>
+        <p:spPr/>
+      </p:sp>
+      <p:sp>
+        <p:nvSpPr>
+          <p:cNvPr id="3" name="Notes Placeholder 2"/>
+          <p:cNvSpPr>
+            <a:spLocks noGrp="1"/>
+          </p:cNvSpPr>
+          <p:nvPr>
+            <p:ph type="body" idx="1"/>
+          </p:nvPr>
+        </p:nvSpPr>
+        <p:spPr/>
+        <p:txBody>
+          <a:bodyPr/>
+          <a:lstStyle/>
+          <a:p>
+            <a:r>
+              <a:rPr lang="en-CA" dirty="0" smtClean="0"/>
+              <a:t>3. Copy</a:t>
+            </a:r>
+            <a:r>
+              <a:rPr lang="en-CA" baseline="0" dirty="0" smtClean="0"/>
+              <a:t> the link to the clipboard</a:t>
+            </a:r>
+          </a:p>
+          <a:p>
+            <a:r>
+              <a:rPr lang="en-CA" baseline="0" dirty="0" smtClean="0"/>
+              <a:t>4. Use the link to set the origin</a:t>
+            </a:r>
+          </a:p>
+          <a:p>
+            <a:r>
+              <a:rPr lang="en-CA" baseline="0" dirty="0" smtClean="0"/>
+              <a:t>5. Push your commits to the remote repository</a:t>
+            </a:r>
+            <a:endParaRPr lang="en-CA" dirty="0"/>
+          </a:p>
+        </p:txBody>
+      </p:sp>
+      <p:sp>
+        <p:nvSpPr>
+          <p:cNvPr id="4" name="Slide Number Placeholder 3"/>
+          <p:cNvSpPr>
+            <a:spLocks noGrp="1"/>
+          </p:cNvSpPr>
+          <p:nvPr>
+            <p:ph type="sldNum" sz="quarter" idx="10"/>
+          </p:nvPr>
+        </p:nvSpPr>
+        <p:spPr/>
+        <p:txBody>
+          <a:bodyPr/>
+          <a:lstStyle/>
+          <a:p>
+            <a:fld id="{266FFDD2-8F09-4B95-855D-B6E7196B1E6E}" type="slidenum">
+              <a:rPr lang="en-US" smtClean="0"/>
+              <a:t>25</a:t>
+            </a:fld>
+            <a:endParaRPr lang="en-US"/>
+          </a:p>
+        </p:txBody>
+      </p:sp>
+    </p:spTree>
+    <p:extLst>
+      <p:ext uri="{BB962C8B-B14F-4D97-AF65-F5344CB8AC3E}">
+        <p14:creationId xmlns:p14="http://schemas.microsoft.com/office/powerpoint/2010/main" val="751109660"/>
+      </p:ext>
+    </p:extLst>
+  </p:cSld>
+  <p:clrMapOvr>
+    <a:masterClrMapping/>
+  </p:clrMapOvr>
+</p:notes>
+</file>
+
+<file path=ppt/notesSlides/notesSlide23.xml><?xml version="1.0" encoding="utf-8"?>
+<p:notes xmlns:a="http://schemas.openxmlformats.org/drawingml/2006/main" xmlns:r="http://schemas.openxmlformats.org/officeDocument/2006/relationships" xmlns:p="http://schemas.openxmlformats.org/presentationml/2006/main">
+  <p:cSld>
+    <p:spTree>
+      <p:nvGrpSpPr>
+        <p:cNvPr id="1" name=""/>
+        <p:cNvGrpSpPr/>
+        <p:nvPr/>
+      </p:nvGrpSpPr>
+      <p:grpSpPr>
+        <a:xfrm>
+          <a:off x="0" y="0"/>
+          <a:ext cx="0" cy="0"/>
+          <a:chOff x="0" y="0"/>
+          <a:chExt cx="0" cy="0"/>
+        </a:xfrm>
+      </p:grpSpPr>
+      <p:sp>
+        <p:nvSpPr>
+          <p:cNvPr id="2" name="Slide Image Placeholder 1"/>
+          <p:cNvSpPr>
+            <a:spLocks noGrp="1" noRot="1" noChangeAspect="1"/>
+          </p:cNvSpPr>
+          <p:nvPr>
+            <p:ph type="sldImg"/>
+          </p:nvPr>
+        </p:nvSpPr>
+        <p:spPr/>
+      </p:sp>
+      <p:sp>
+        <p:nvSpPr>
+          <p:cNvPr id="3" name="Notes Placeholder 2"/>
+          <p:cNvSpPr>
+            <a:spLocks noGrp="1"/>
+          </p:cNvSpPr>
+          <p:nvPr>
+            <p:ph type="body" idx="1"/>
+          </p:nvPr>
+        </p:nvSpPr>
+        <p:spPr/>
+        <p:txBody>
+          <a:bodyPr/>
+          <a:lstStyle/>
+          <a:p>
+            <a:r>
+              <a:rPr lang="en-CA" dirty="0" smtClean="0"/>
+              <a:t>Now that</a:t>
+            </a:r>
+            <a:r>
+              <a:rPr lang="en-CA" baseline="0" dirty="0" smtClean="0"/>
+              <a:t> you have linked your local repository to one in the cloud, you can push commit to synchronize the remote repo, or pull commits to synchronize the local repo.</a:t>
+            </a:r>
+            <a:endParaRPr lang="en-CA" dirty="0"/>
+          </a:p>
+        </p:txBody>
+      </p:sp>
+      <p:sp>
+        <p:nvSpPr>
+          <p:cNvPr id="4" name="Slide Number Placeholder 3"/>
+          <p:cNvSpPr>
+            <a:spLocks noGrp="1"/>
+          </p:cNvSpPr>
+          <p:nvPr>
+            <p:ph type="sldNum" sz="quarter" idx="10"/>
+          </p:nvPr>
+        </p:nvSpPr>
+        <p:spPr/>
+        <p:txBody>
+          <a:bodyPr/>
+          <a:lstStyle/>
+          <a:p>
+            <a:fld id="{266FFDD2-8F09-4B95-855D-B6E7196B1E6E}" type="slidenum">
+              <a:rPr lang="en-US" smtClean="0"/>
+              <a:t>26</a:t>
+            </a:fld>
+            <a:endParaRPr lang="en-US"/>
+          </a:p>
+        </p:txBody>
+      </p:sp>
+    </p:spTree>
+    <p:extLst>
+      <p:ext uri="{BB962C8B-B14F-4D97-AF65-F5344CB8AC3E}">
+        <p14:creationId xmlns:p14="http://schemas.microsoft.com/office/powerpoint/2010/main" val="247540964"/>
+      </p:ext>
+    </p:extLst>
+  </p:cSld>
+  <p:clrMapOvr>
+    <a:masterClrMapping/>
+  </p:clrMapOvr>
+</p:notes>
+</file>
+
+<file path=ppt/notesSlides/notesSlide24.xml><?xml version="1.0" encoding="utf-8"?>
+<p:notes xmlns:a="http://schemas.openxmlformats.org/drawingml/2006/main" xmlns:r="http://schemas.openxmlformats.org/officeDocument/2006/relationships" xmlns:p="http://schemas.openxmlformats.org/presentationml/2006/main">
+  <p:cSld>
+    <p:spTree>
+      <p:nvGrpSpPr>
+        <p:cNvPr id="1" name=""/>
+        <p:cNvGrpSpPr/>
+        <p:nvPr/>
+      </p:nvGrpSpPr>
+      <p:grpSpPr>
+        <a:xfrm>
+          <a:off x="0" y="0"/>
+          <a:ext cx="0" cy="0"/>
+          <a:chOff x="0" y="0"/>
+          <a:chExt cx="0" cy="0"/>
+        </a:xfrm>
+      </p:grpSpPr>
+      <p:sp>
+        <p:nvSpPr>
+          <p:cNvPr id="2" name="Slide Image Placeholder 1"/>
+          <p:cNvSpPr>
+            <a:spLocks noGrp="1" noRot="1" noChangeAspect="1"/>
+          </p:cNvSpPr>
+          <p:nvPr>
+            <p:ph type="sldImg"/>
+          </p:nvPr>
+        </p:nvSpPr>
+        <p:spPr/>
+      </p:sp>
+      <p:sp>
+        <p:nvSpPr>
+          <p:cNvPr id="3" name="Notes Placeholder 2"/>
+          <p:cNvSpPr>
+            <a:spLocks noGrp="1"/>
+          </p:cNvSpPr>
+          <p:nvPr>
+            <p:ph type="body" idx="1"/>
+          </p:nvPr>
+        </p:nvSpPr>
+        <p:spPr/>
+        <p:txBody>
+          <a:bodyPr/>
+          <a:lstStyle/>
+          <a:p>
+            <a:r>
+              <a:rPr lang="en-CA" dirty="0" smtClean="0"/>
+              <a:t>Do the tutorials in link</a:t>
+            </a:r>
+            <a:r>
+              <a:rPr lang="en-CA" baseline="0" dirty="0" smtClean="0"/>
+              <a:t> </a:t>
+            </a:r>
+            <a:r>
+              <a:rPr lang="en-CA" baseline="0" smtClean="0"/>
+              <a:t>2 and 3</a:t>
+            </a:r>
+          </a:p>
+        </p:txBody>
+      </p:sp>
+      <p:sp>
+        <p:nvSpPr>
+          <p:cNvPr id="4" name="Slide Number Placeholder 3"/>
+          <p:cNvSpPr>
+            <a:spLocks noGrp="1"/>
+          </p:cNvSpPr>
+          <p:nvPr>
+            <p:ph type="sldNum" sz="quarter" idx="10"/>
+          </p:nvPr>
+        </p:nvSpPr>
+        <p:spPr/>
+        <p:txBody>
+          <a:bodyPr/>
+          <a:lstStyle/>
+          <a:p>
+            <a:fld id="{266FFDD2-8F09-4B95-855D-B6E7196B1E6E}" type="slidenum">
+              <a:rPr lang="en-US" smtClean="0"/>
+              <a:t>27</a:t>
             </a:fld>
             <a:endParaRPr lang="en-US"/>
           </a:p>
@@ -5064,7 +5125,57 @@
           <a:bodyPr/>
           <a:lstStyle/>
           <a:p>
-            <a:endParaRPr lang="en-CA"/>
+            <a:pPr marL="228600" indent="-228600">
+              <a:buAutoNum type="arabicPeriod"/>
+            </a:pPr>
+            <a:r>
+              <a:rPr lang="en-US" dirty="0" smtClean="0"/>
+              <a:t>Go to https://github.com/mcgill-ecse321/class-notes</a:t>
+            </a:r>
+          </a:p>
+          <a:p>
+            <a:pPr marL="228600" indent="-228600">
+              <a:buAutoNum type="arabicPeriod"/>
+            </a:pPr>
+            <a:r>
+              <a:rPr lang="en-US" dirty="0" smtClean="0"/>
+              <a:t>Find the link to clone on the right hand side</a:t>
+            </a:r>
+          </a:p>
+          <a:p>
+            <a:pPr marL="228600" indent="-228600">
+              <a:buAutoNum type="arabicPeriod"/>
+            </a:pPr>
+            <a:r>
+              <a:rPr lang="en-US" dirty="0" smtClean="0"/>
+              <a:t>Type the command ‘</a:t>
+            </a:r>
+            <a:r>
+              <a:rPr lang="en-US" dirty="0" err="1" smtClean="0"/>
+              <a:t>git</a:t>
+            </a:r>
+            <a:r>
+              <a:rPr lang="en-US" dirty="0" smtClean="0"/>
+              <a:t> clone  git@github.com:mcgill-ecse321/class-</a:t>
+            </a:r>
+            <a:r>
+              <a:rPr lang="en-US" dirty="0" err="1" smtClean="0"/>
+              <a:t>notes.git</a:t>
+            </a:r>
+            <a:r>
+              <a:rPr lang="en-US" dirty="0" smtClean="0"/>
+              <a:t>’ </a:t>
+            </a:r>
+          </a:p>
+          <a:p>
+            <a:pPr marL="228600" indent="-228600">
+              <a:buAutoNum type="arabicPeriod"/>
+            </a:pPr>
+            <a:r>
+              <a:rPr lang="en-US" dirty="0" smtClean="0"/>
+              <a:t>enjoy</a:t>
+            </a:r>
+            <a:endParaRPr lang="en-US" dirty="0"/>
           </a:p>
         </p:txBody>
       </p:sp>
@@ -5084,7 +5195,7 @@
           <a:lstStyle/>
           <a:p>
             <a:fld id="{266FFDD2-8F09-4B95-855D-B6E7196B1E6E}" type="slidenum">
-              <a:rPr lang="en-US" smtClean="0"/>
+              <a:rPr lang="en-US"/>
               <a:t>8</a:t>
             </a:fld>
             <a:endParaRPr lang="en-US"/>
@@ -5094,7 +5205,7 @@
     </p:spTree>
     <p:extLst>
       <p:ext uri="{BB962C8B-B14F-4D97-AF65-F5344CB8AC3E}">
-        <p14:creationId xmlns:p14="http://schemas.microsoft.com/office/powerpoint/2010/main" val="2223760952"/>
+        <p14:creationId xmlns:p14="http://schemas.microsoft.com/office/powerpoint/2010/main" val="1724908608"/>
       </p:ext>
     </p:extLst>
   </p:cSld>
@@ -5148,21 +5259,18 @@
           <a:bodyPr/>
           <a:lstStyle/>
           <a:p>
-            <a:r>
-              <a:rPr lang="en-CA" dirty="0" smtClean="0"/>
-              <a:t>A repository</a:t>
-            </a:r>
-            <a:r>
-              <a:rPr lang="en-CA" baseline="0" dirty="0" smtClean="0"/>
-              <a:t>  is essentially a folder</a:t>
-            </a:r>
-          </a:p>
-          <a:p>
-            <a:r>
-              <a:rPr lang="en-CA" baseline="0" dirty="0" smtClean="0"/>
-              <a:t>But this folder also contains extra information about your previous versions known as commits</a:t>
-            </a:r>
-            <a:endParaRPr lang="en-CA" dirty="0"/>
+            <a:pPr marL="0" indent="0">
+              <a:buNone/>
+            </a:pPr>
+            <a:r>
+              <a:rPr lang="en-US" dirty="0" smtClean="0"/>
+              <a:t>Congratulations. If you see the abov</a:t>
+            </a:r>
+            <a:r>
+              <a:rPr lang="en-US" baseline="0" dirty="0" smtClean="0"/>
+              <a:t>e message you’ve correctly cloned the repository</a:t>
+            </a:r>
+            <a:endParaRPr lang="en-US" dirty="0"/>
           </a:p>
         </p:txBody>
       </p:sp>
@@ -5182,8 +5290,8 @@
           <a:lstStyle/>
           <a:p>
             <a:fld id="{266FFDD2-8F09-4B95-855D-B6E7196B1E6E}" type="slidenum">
-              <a:rPr lang="en-US" smtClean="0"/>
-              <a:t>10</a:t>
+              <a:rPr lang="en-US"/>
+              <a:t>9</a:t>
             </a:fld>
             <a:endParaRPr lang="en-US"/>
           </a:p>
@@ -5192,7 +5300,7 @@
     </p:spTree>
     <p:extLst>
       <p:ext uri="{BB962C8B-B14F-4D97-AF65-F5344CB8AC3E}">
-        <p14:creationId xmlns:p14="http://schemas.microsoft.com/office/powerpoint/2010/main" val="2212364047"/>
+        <p14:creationId xmlns:p14="http://schemas.microsoft.com/office/powerpoint/2010/main" val="229940513"/>
       </p:ext>
     </p:extLst>
   </p:cSld>
@@ -5246,62 +5354,7 @@
           <a:bodyPr/>
           <a:lstStyle/>
           <a:p>
-            <a:r>
-              <a:rPr lang="en-CA" dirty="0" smtClean="0"/>
-              <a:t>A commit is a save state of</a:t>
-            </a:r>
-            <a:r>
-              <a:rPr lang="en-CA" baseline="0" dirty="0" smtClean="0"/>
-              <a:t> all your files</a:t>
-            </a:r>
-          </a:p>
-          <a:p>
-            <a:r>
-              <a:rPr lang="en-CA" baseline="0" dirty="0" smtClean="0"/>
-              <a:t>Commits are useful to go back to a an exact point in time</a:t>
-            </a:r>
-          </a:p>
-          <a:p>
-            <a:r>
-              <a:rPr lang="en-CA" baseline="0" dirty="0" smtClean="0"/>
-              <a:t>Commits are just like save states in video games</a:t>
-            </a:r>
-          </a:p>
-          <a:p>
-            <a:endParaRPr lang="en-CA" baseline="0" dirty="0" smtClean="0"/>
-          </a:p>
-          <a:p>
-            <a:r>
-              <a:rPr lang="en-CA" baseline="0" dirty="0" smtClean="0"/>
-              <a:t>A commit object contains:</a:t>
-            </a:r>
-          </a:p>
-          <a:p>
-            <a:r>
-              <a:rPr lang="en-CA" baseline="0" dirty="0" smtClean="0"/>
-              <a:t>Unique Sha1 identifier</a:t>
-            </a:r>
-          </a:p>
-          <a:p>
-            <a:r>
-              <a:rPr lang="en-CA" baseline="0" dirty="0" smtClean="0"/>
-              <a:t>Snapshot of all the files in the working directory</a:t>
-            </a:r>
-          </a:p>
-          <a:p>
-            <a:r>
-              <a:rPr lang="en-CA" baseline="0" dirty="0" smtClean="0"/>
-              <a:t>Creation date</a:t>
-            </a:r>
-          </a:p>
-          <a:p>
-            <a:r>
-              <a:rPr lang="en-CA" baseline="0" dirty="0" smtClean="0"/>
-              <a:t>Author</a:t>
-            </a:r>
-          </a:p>
-          <a:p>
-            <a:endParaRPr lang="en-CA" baseline="0" dirty="0" smtClean="0"/>
+            <a:endParaRPr lang="en-CA"/>
           </a:p>
         </p:txBody>
       </p:sp>
@@ -5322,7 +5375,7 @@
           <a:p>
             <a:fld id="{266FFDD2-8F09-4B95-855D-B6E7196B1E6E}" type="slidenum">
               <a:rPr lang="en-US" smtClean="0"/>
-              <a:t>11</a:t>
+              <a:t>10</a:t>
             </a:fld>
             <a:endParaRPr lang="en-US"/>
           </a:p>
@@ -5331,7 +5384,7 @@
     </p:spTree>
     <p:extLst>
       <p:ext uri="{BB962C8B-B14F-4D97-AF65-F5344CB8AC3E}">
-        <p14:creationId xmlns:p14="http://schemas.microsoft.com/office/powerpoint/2010/main" val="2696999346"/>
+        <p14:creationId xmlns:p14="http://schemas.microsoft.com/office/powerpoint/2010/main" val="2223760952"/>
       </p:ext>
     </p:extLst>
   </p:cSld>
@@ -5472,7 +5525,7 @@
           <a:p>
             <a:fld id="{846CE7D5-CF57-46EF-B807-FDD0502418D4}" type="datetimeFigureOut">
               <a:rPr lang="en-US" smtClean="0"/>
-              <a:t>9/2/2014</a:t>
+              <a:t>9/5/2014</a:t>
             </a:fld>
             <a:endParaRPr lang="en-US"/>
           </a:p>
@@ -5642,7 +5695,7 @@
           <a:p>
             <a:fld id="{846CE7D5-CF57-46EF-B807-FDD0502418D4}" type="datetimeFigureOut">
               <a:rPr lang="en-US" smtClean="0"/>
-              <a:t>9/2/2014</a:t>
+              <a:t>9/5/2014</a:t>
             </a:fld>
             <a:endParaRPr lang="en-US"/>
           </a:p>
@@ -5822,7 +5875,7 @@
           <a:p>
             <a:fld id="{846CE7D5-CF57-46EF-B807-FDD0502418D4}" type="datetimeFigureOut">
               <a:rPr lang="en-US" smtClean="0"/>
-              <a:t>9/2/2014</a:t>
+              <a:t>9/5/2014</a:t>
             </a:fld>
             <a:endParaRPr lang="en-US"/>
           </a:p>
@@ -5992,7 +6045,7 @@
           <a:p>
             <a:fld id="{846CE7D5-CF57-46EF-B807-FDD0502418D4}" type="datetimeFigureOut">
               <a:rPr lang="en-US" smtClean="0"/>
-              <a:t>9/2/2014</a:t>
+              <a:t>9/5/2014</a:t>
             </a:fld>
             <a:endParaRPr lang="en-US"/>
           </a:p>
@@ -6238,7 +6291,7 @@
           <a:p>
             <a:fld id="{846CE7D5-CF57-46EF-B807-FDD0502418D4}" type="datetimeFigureOut">
               <a:rPr lang="en-US" smtClean="0"/>
-              <a:t>9/2/2014</a:t>
+              <a:t>9/5/2014</a:t>
             </a:fld>
             <a:endParaRPr lang="en-US"/>
           </a:p>
@@ -6470,7 +6523,7 @@
           <a:p>
             <a:fld id="{846CE7D5-CF57-46EF-B807-FDD0502418D4}" type="datetimeFigureOut">
               <a:rPr lang="en-US" smtClean="0"/>
-              <a:t>9/2/2014</a:t>
+              <a:t>9/5/2014</a:t>
             </a:fld>
             <a:endParaRPr lang="en-US"/>
           </a:p>
@@ -6837,7 +6890,7 @@
           <a:p>
             <a:fld id="{846CE7D5-CF57-46EF-B807-FDD0502418D4}" type="datetimeFigureOut">
               <a:rPr lang="en-US" smtClean="0"/>
-              <a:t>9/2/2014</a:t>
+              <a:t>9/5/2014</a:t>
             </a:fld>
             <a:endParaRPr lang="en-US"/>
           </a:p>
@@ -6955,7 +7008,7 @@
           <a:p>
             <a:fld id="{846CE7D5-CF57-46EF-B807-FDD0502418D4}" type="datetimeFigureOut">
               <a:rPr lang="en-US" smtClean="0"/>
-              <a:t>9/2/2014</a:t>
+              <a:t>9/5/2014</a:t>
             </a:fld>
             <a:endParaRPr lang="en-US"/>
           </a:p>
@@ -7050,7 +7103,7 @@
           <a:p>
             <a:fld id="{846CE7D5-CF57-46EF-B807-FDD0502418D4}" type="datetimeFigureOut">
               <a:rPr lang="en-US" smtClean="0"/>
-              <a:t>9/2/2014</a:t>
+              <a:t>9/5/2014</a:t>
             </a:fld>
             <a:endParaRPr lang="en-US"/>
           </a:p>
@@ -7327,7 +7380,7 @@
           <a:p>
             <a:fld id="{846CE7D5-CF57-46EF-B807-FDD0502418D4}" type="datetimeFigureOut">
               <a:rPr lang="en-US" smtClean="0"/>
-              <a:t>9/2/2014</a:t>
+              <a:t>9/5/2014</a:t>
             </a:fld>
             <a:endParaRPr lang="en-US"/>
           </a:p>
@@ -7580,7 +7633,7 @@
           <a:p>
             <a:fld id="{846CE7D5-CF57-46EF-B807-FDD0502418D4}" type="datetimeFigureOut">
               <a:rPr lang="en-US" smtClean="0"/>
-              <a:t>9/2/2014</a:t>
+              <a:t>9/5/2014</a:t>
             </a:fld>
             <a:endParaRPr lang="en-US"/>
           </a:p>
@@ -7793,7 +7846,7 @@
           <a:p>
             <a:fld id="{846CE7D5-CF57-46EF-B807-FDD0502418D4}" type="datetimeFigureOut">
               <a:rPr lang="en-US" smtClean="0"/>
-              <a:t>9/2/2014</a:t>
+              <a:t>9/5/2014</a:t>
             </a:fld>
             <a:endParaRPr lang="en-US"/>
           </a:p>
@@ -8362,6 +8415,339 @@
           <a:chExt cx="0" cy="0"/>
         </a:xfrm>
       </p:grpSpPr>
+      <p:sp>
+        <p:nvSpPr>
+          <p:cNvPr id="2" name="Title 1"/>
+          <p:cNvSpPr>
+            <a:spLocks noGrp="1"/>
+          </p:cNvSpPr>
+          <p:nvPr>
+            <p:ph type="title"/>
+          </p:nvPr>
+        </p:nvSpPr>
+        <p:spPr>
+          <a:xfrm>
+            <a:off x="546100" y="290352"/>
+            <a:ext cx="10515600" cy="1557228"/>
+          </a:xfrm>
+        </p:spPr>
+        <p:txBody>
+          <a:bodyPr>
+            <a:normAutofit fontScale="90000"/>
+          </a:bodyPr>
+          <a:lstStyle/>
+          <a:p>
+            <a:r>
+              <a:rPr lang="en-CA" dirty="0" smtClean="0"/>
+              <a:t>Understanding Git and some basic functions</a:t>
+            </a:r>
+            <a:endParaRPr lang="en-CA" dirty="0"/>
+          </a:p>
+        </p:txBody>
+      </p:sp>
+      <p:pic>
+        <p:nvPicPr>
+          <p:cNvPr id="4" name="Picture 3"/>
+          <p:cNvPicPr>
+            <a:picLocks noChangeAspect="1"/>
+          </p:cNvPicPr>
+          <p:nvPr/>
+        </p:nvPicPr>
+        <p:blipFill>
+          <a:blip r:embed="rId3">
+            <a:extLst>
+              <a:ext uri="{28A0092B-C50C-407E-A947-70E740481C1C}">
+                <a14:useLocalDpi xmlns:a14="http://schemas.microsoft.com/office/drawing/2010/main" val="0"/>
+              </a:ext>
+            </a:extLst>
+          </a:blip>
+          <a:stretch>
+            <a:fillRect/>
+          </a:stretch>
+        </p:blipFill>
+        <p:spPr>
+          <a:xfrm>
+            <a:off x="546100" y="2216912"/>
+            <a:ext cx="3225800" cy="2469753"/>
+          </a:xfrm>
+          <a:prstGeom prst="rect">
+            <a:avLst/>
+          </a:prstGeom>
+          <a:ln>
+            <a:noFill/>
+          </a:ln>
+          <a:effectLst>
+            <a:outerShdw blurRad="292100" dist="139700" dir="2700000" algn="tl" rotWithShape="0">
+              <a:srgbClr val="333333">
+                <a:alpha val="65000"/>
+              </a:srgbClr>
+            </a:outerShdw>
+          </a:effectLst>
+        </p:spPr>
+      </p:pic>
+      <p:pic>
+        <p:nvPicPr>
+          <p:cNvPr id="5" name="Picture 4"/>
+          <p:cNvPicPr>
+            <a:picLocks noChangeAspect="1"/>
+          </p:cNvPicPr>
+          <p:nvPr/>
+        </p:nvPicPr>
+        <p:blipFill>
+          <a:blip r:embed="rId4">
+            <a:extLst>
+              <a:ext uri="{28A0092B-C50C-407E-A947-70E740481C1C}">
+                <a14:useLocalDpi xmlns:a14="http://schemas.microsoft.com/office/drawing/2010/main" val="0"/>
+              </a:ext>
+            </a:extLst>
+          </a:blip>
+          <a:stretch>
+            <a:fillRect/>
+          </a:stretch>
+        </p:blipFill>
+        <p:spPr>
+          <a:xfrm>
+            <a:off x="8699500" y="1323832"/>
+            <a:ext cx="2872740" cy="4255911"/>
+          </a:xfrm>
+          <a:prstGeom prst="rect">
+            <a:avLst/>
+          </a:prstGeom>
+          <a:ln>
+            <a:noFill/>
+          </a:ln>
+          <a:effectLst>
+            <a:outerShdw blurRad="292100" dist="139700" dir="2700000" algn="tl" rotWithShape="0">
+              <a:srgbClr val="333333">
+                <a:alpha val="65000"/>
+              </a:srgbClr>
+            </a:outerShdw>
+          </a:effectLst>
+        </p:spPr>
+      </p:pic>
+      <p:cxnSp>
+        <p:nvCxnSpPr>
+          <p:cNvPr id="6" name="Straight Arrow Connector 5"/>
+          <p:cNvCxnSpPr/>
+          <p:nvPr/>
+        </p:nvCxnSpPr>
+        <p:spPr>
+          <a:xfrm>
+            <a:off x="3987800" y="3185088"/>
+            <a:ext cx="4495800" cy="1"/>
+          </a:xfrm>
+          <a:prstGeom prst="straightConnector1">
+            <a:avLst/>
+          </a:prstGeom>
+          <a:ln w="76200">
+            <a:tailEnd type="triangle"/>
+          </a:ln>
+        </p:spPr>
+        <p:style>
+          <a:lnRef idx="1">
+            <a:schemeClr val="accent1"/>
+          </a:lnRef>
+          <a:fillRef idx="0">
+            <a:schemeClr val="accent1"/>
+          </a:fillRef>
+          <a:effectRef idx="0">
+            <a:schemeClr val="accent1"/>
+          </a:effectRef>
+          <a:fontRef idx="minor">
+            <a:schemeClr val="tx1"/>
+          </a:fontRef>
+        </p:style>
+      </p:cxnSp>
+      <p:sp>
+        <p:nvSpPr>
+          <p:cNvPr id="7" name="TextBox 6"/>
+          <p:cNvSpPr txBox="1"/>
+          <p:nvPr/>
+        </p:nvSpPr>
+        <p:spPr>
+          <a:xfrm>
+            <a:off x="1104900" y="5579743"/>
+            <a:ext cx="1636474" cy="369332"/>
+          </a:xfrm>
+          <a:prstGeom prst="rect">
+            <a:avLst/>
+          </a:prstGeom>
+          <a:noFill/>
+        </p:spPr>
+        <p:txBody>
+          <a:bodyPr wrap="none" rtlCol="0">
+            <a:spAutoFit/>
+          </a:bodyPr>
+          <a:lstStyle/>
+          <a:p>
+            <a:r>
+              <a:rPr lang="en-CA" dirty="0" smtClean="0"/>
+              <a:t>Going from this</a:t>
+            </a:r>
+            <a:endParaRPr lang="en-CA" dirty="0"/>
+          </a:p>
+        </p:txBody>
+      </p:sp>
+      <p:sp>
+        <p:nvSpPr>
+          <p:cNvPr id="8" name="TextBox 7"/>
+          <p:cNvSpPr txBox="1"/>
+          <p:nvPr/>
+        </p:nvSpPr>
+        <p:spPr>
+          <a:xfrm>
+            <a:off x="9739607" y="5949075"/>
+            <a:ext cx="792525" cy="369332"/>
+          </a:xfrm>
+          <a:prstGeom prst="rect">
+            <a:avLst/>
+          </a:prstGeom>
+          <a:noFill/>
+        </p:spPr>
+        <p:txBody>
+          <a:bodyPr wrap="none" rtlCol="0">
+            <a:spAutoFit/>
+          </a:bodyPr>
+          <a:lstStyle/>
+          <a:p>
+            <a:r>
+              <a:rPr lang="en-CA" dirty="0" smtClean="0"/>
+              <a:t>To this</a:t>
+            </a:r>
+            <a:endParaRPr lang="en-CA" dirty="0"/>
+          </a:p>
+        </p:txBody>
+      </p:sp>
+    </p:spTree>
+    <p:extLst>
+      <p:ext uri="{BB962C8B-B14F-4D97-AF65-F5344CB8AC3E}">
+        <p14:creationId xmlns:p14="http://schemas.microsoft.com/office/powerpoint/2010/main" val="1710738674"/>
+      </p:ext>
+    </p:extLst>
+  </p:cSld>
+  <p:clrMapOvr>
+    <a:masterClrMapping/>
+  </p:clrMapOvr>
+</p:sld>
+</file>
+
+<file path=ppt/slides/slide11.xml><?xml version="1.0" encoding="utf-8"?>
+<p:sld xmlns:a="http://schemas.openxmlformats.org/drawingml/2006/main" xmlns:r="http://schemas.openxmlformats.org/officeDocument/2006/relationships" xmlns:p="http://schemas.openxmlformats.org/presentationml/2006/main">
+  <p:cSld>
+    <p:spTree>
+      <p:nvGrpSpPr>
+        <p:cNvPr id="1" name=""/>
+        <p:cNvGrpSpPr/>
+        <p:nvPr/>
+      </p:nvGrpSpPr>
+      <p:grpSpPr>
+        <a:xfrm>
+          <a:off x="0" y="0"/>
+          <a:ext cx="0" cy="0"/>
+          <a:chOff x="0" y="0"/>
+          <a:chExt cx="0" cy="0"/>
+        </a:xfrm>
+      </p:grpSpPr>
+      <p:sp>
+        <p:nvSpPr>
+          <p:cNvPr id="2" name="Title 1"/>
+          <p:cNvSpPr>
+            <a:spLocks noGrp="1"/>
+          </p:cNvSpPr>
+          <p:nvPr>
+            <p:ph type="title"/>
+          </p:nvPr>
+        </p:nvSpPr>
+        <p:spPr/>
+        <p:txBody>
+          <a:bodyPr/>
+          <a:lstStyle/>
+          <a:p>
+            <a:r>
+              <a:rPr lang="en-CA" dirty="0" smtClean="0"/>
+              <a:t>Quick glossary</a:t>
+            </a:r>
+            <a:endParaRPr lang="en-CA" dirty="0"/>
+          </a:p>
+        </p:txBody>
+      </p:sp>
+      <p:sp>
+        <p:nvSpPr>
+          <p:cNvPr id="3" name="Content Placeholder 2"/>
+          <p:cNvSpPr>
+            <a:spLocks noGrp="1"/>
+          </p:cNvSpPr>
+          <p:nvPr>
+            <p:ph idx="1"/>
+          </p:nvPr>
+        </p:nvSpPr>
+        <p:spPr/>
+        <p:txBody>
+          <a:bodyPr/>
+          <a:lstStyle/>
+          <a:p>
+            <a:r>
+              <a:rPr lang="en-CA" dirty="0" smtClean="0"/>
+              <a:t>Git is your version control software</a:t>
+            </a:r>
+          </a:p>
+          <a:p>
+            <a:r>
+              <a:rPr lang="en-CA" dirty="0" smtClean="0"/>
+              <a:t>Git Hub is a website that hosts your repositories</a:t>
+            </a:r>
+          </a:p>
+          <a:p>
+            <a:r>
+              <a:rPr lang="en-CA" dirty="0" smtClean="0"/>
+              <a:t>Repositories are a collection of files and file histories</a:t>
+            </a:r>
+          </a:p>
+          <a:p>
+            <a:r>
+              <a:rPr lang="en-CA" dirty="0" smtClean="0"/>
+              <a:t>Commits are like save states</a:t>
+            </a:r>
+          </a:p>
+        </p:txBody>
+      </p:sp>
+    </p:spTree>
+    <p:extLst>
+      <p:ext uri="{BB962C8B-B14F-4D97-AF65-F5344CB8AC3E}">
+        <p14:creationId xmlns:p14="http://schemas.microsoft.com/office/powerpoint/2010/main" val="1876548509"/>
+      </p:ext>
+    </p:extLst>
+  </p:cSld>
+  <p:clrMapOvr>
+    <a:masterClrMapping/>
+  </p:clrMapOvr>
+  <p:timing>
+    <p:tnLst>
+      <p:par>
+        <p:cTn id="1" dur="indefinite" restart="never" nodeType="tmRoot"/>
+      </p:par>
+    </p:tnLst>
+  </p:timing>
+</p:sld>
+</file>
+
+<file path=ppt/slides/slide12.xml><?xml version="1.0" encoding="utf-8"?>
+<p:sld xmlns:a="http://schemas.openxmlformats.org/drawingml/2006/main" xmlns:r="http://schemas.openxmlformats.org/officeDocument/2006/relationships" xmlns:p="http://schemas.openxmlformats.org/presentationml/2006/main">
+  <p:cSld>
+    <p:spTree>
+      <p:nvGrpSpPr>
+        <p:cNvPr id="1" name=""/>
+        <p:cNvGrpSpPr/>
+        <p:nvPr/>
+      </p:nvGrpSpPr>
+      <p:grpSpPr>
+        <a:xfrm>
+          <a:off x="0" y="0"/>
+          <a:ext cx="0" cy="0"/>
+          <a:chOff x="0" y="0"/>
+          <a:chExt cx="0" cy="0"/>
+        </a:xfrm>
+      </p:grpSpPr>
       <p:pic>
         <p:nvPicPr>
           <p:cNvPr id="1026" name="Picture 2" descr="http://www.arabgroupms.com/images/products/manila-file-folder.jpg"/>
@@ -8841,7 +9227,349 @@
 </p:sld>
 </file>
 
-<file path=ppt/slides/slide11.xml><?xml version="1.0" encoding="utf-8"?>
+<file path=ppt/slides/slide13.xml><?xml version="1.0" encoding="utf-8"?>
+<p:sld xmlns:a="http://schemas.openxmlformats.org/drawingml/2006/main" xmlns:r="http://schemas.openxmlformats.org/officeDocument/2006/relationships" xmlns:p="http://schemas.openxmlformats.org/presentationml/2006/main">
+  <p:cSld>
+    <p:spTree>
+      <p:nvGrpSpPr>
+        <p:cNvPr id="1" name=""/>
+        <p:cNvGrpSpPr/>
+        <p:nvPr/>
+      </p:nvGrpSpPr>
+      <p:grpSpPr>
+        <a:xfrm>
+          <a:off x="0" y="0"/>
+          <a:ext cx="0" cy="0"/>
+          <a:chOff x="0" y="0"/>
+          <a:chExt cx="0" cy="0"/>
+        </a:xfrm>
+      </p:grpSpPr>
+      <p:sp>
+        <p:nvSpPr>
+          <p:cNvPr id="2" name="Title 1"/>
+          <p:cNvSpPr>
+            <a:spLocks noGrp="1"/>
+          </p:cNvSpPr>
+          <p:nvPr>
+            <p:ph type="title"/>
+          </p:nvPr>
+        </p:nvSpPr>
+        <p:spPr/>
+        <p:txBody>
+          <a:bodyPr/>
+          <a:lstStyle/>
+          <a:p>
+            <a:r>
+              <a:rPr lang="en-CA" dirty="0" smtClean="0"/>
+              <a:t>Creating our own Repository</a:t>
+            </a:r>
+            <a:endParaRPr lang="en-CA" dirty="0"/>
+          </a:p>
+        </p:txBody>
+      </p:sp>
+      <p:pic>
+        <p:nvPicPr>
+          <p:cNvPr id="4" name="Picture 3"/>
+          <p:cNvPicPr>
+            <a:picLocks noChangeAspect="1"/>
+          </p:cNvPicPr>
+          <p:nvPr/>
+        </p:nvPicPr>
+        <p:blipFill>
+          <a:blip r:embed="rId3"/>
+          <a:stretch>
+            <a:fillRect/>
+          </a:stretch>
+        </p:blipFill>
+        <p:spPr>
+          <a:xfrm>
+            <a:off x="838201" y="1690688"/>
+            <a:ext cx="5744274" cy="1005592"/>
+          </a:xfrm>
+          <a:prstGeom prst="rect">
+            <a:avLst/>
+          </a:prstGeom>
+        </p:spPr>
+      </p:pic>
+      <p:pic>
+        <p:nvPicPr>
+          <p:cNvPr id="5" name="Picture 4"/>
+          <p:cNvPicPr>
+            <a:picLocks noChangeAspect="1"/>
+          </p:cNvPicPr>
+          <p:nvPr/>
+        </p:nvPicPr>
+        <p:blipFill>
+          <a:blip r:embed="rId4"/>
+          <a:stretch>
+            <a:fillRect/>
+          </a:stretch>
+        </p:blipFill>
+        <p:spPr>
+          <a:xfrm>
+            <a:off x="838200" y="3312237"/>
+            <a:ext cx="5730497" cy="964266"/>
+          </a:xfrm>
+          <a:prstGeom prst="rect">
+            <a:avLst/>
+          </a:prstGeom>
+        </p:spPr>
+      </p:pic>
+      <p:pic>
+        <p:nvPicPr>
+          <p:cNvPr id="6" name="Picture 5"/>
+          <p:cNvPicPr>
+            <a:picLocks noChangeAspect="1"/>
+          </p:cNvPicPr>
+          <p:nvPr/>
+        </p:nvPicPr>
+        <p:blipFill>
+          <a:blip r:embed="rId5"/>
+          <a:stretch>
+            <a:fillRect/>
+          </a:stretch>
+        </p:blipFill>
+        <p:spPr>
+          <a:xfrm>
+            <a:off x="838200" y="4892461"/>
+            <a:ext cx="11102838" cy="1088243"/>
+          </a:xfrm>
+          <a:prstGeom prst="rect">
+            <a:avLst/>
+          </a:prstGeom>
+        </p:spPr>
+      </p:pic>
+      <p:sp>
+        <p:nvSpPr>
+          <p:cNvPr id="7" name="Oval 6"/>
+          <p:cNvSpPr/>
+          <p:nvPr/>
+        </p:nvSpPr>
+        <p:spPr>
+          <a:xfrm>
+            <a:off x="307430" y="1409467"/>
+            <a:ext cx="614863" cy="614863"/>
+          </a:xfrm>
+          <a:prstGeom prst="ellipse">
+            <a:avLst/>
+          </a:prstGeom>
+        </p:spPr>
+        <p:style>
+          <a:lnRef idx="2">
+            <a:schemeClr val="accent1">
+              <a:shade val="50000"/>
+            </a:schemeClr>
+          </a:lnRef>
+          <a:fillRef idx="1">
+            <a:schemeClr val="accent1"/>
+          </a:fillRef>
+          <a:effectRef idx="0">
+            <a:schemeClr val="accent1"/>
+          </a:effectRef>
+          <a:fontRef idx="minor">
+            <a:schemeClr val="lt1"/>
+          </a:fontRef>
+        </p:style>
+        <p:txBody>
+          <a:bodyPr rtlCol="0" anchor="ctr"/>
+          <a:lstStyle/>
+          <a:p>
+            <a:pPr algn="ctr"/>
+            <a:r>
+              <a:rPr lang="en-CA" dirty="0" smtClean="0">
+                <a:ln w="0"/>
+                <a:solidFill>
+                  <a:schemeClr val="bg1"/>
+                </a:solidFill>
+                <a:effectLst>
+                  <a:outerShdw blurRad="38100" dist="19050" dir="2700000" algn="tl" rotWithShape="0">
+                    <a:schemeClr val="dk1">
+                      <a:alpha val="40000"/>
+                    </a:schemeClr>
+                  </a:outerShdw>
+                </a:effectLst>
+                <a:latin typeface="Arial Black" panose="020B0A04020102020204" pitchFamily="34" charset="0"/>
+              </a:rPr>
+              <a:t>1</a:t>
+            </a:r>
+            <a:endParaRPr lang="en-CA" dirty="0">
+              <a:ln w="0"/>
+              <a:solidFill>
+                <a:schemeClr val="bg1"/>
+              </a:solidFill>
+              <a:effectLst>
+                <a:outerShdw blurRad="38100" dist="19050" dir="2700000" algn="tl" rotWithShape="0">
+                  <a:schemeClr val="dk1">
+                    <a:alpha val="40000"/>
+                  </a:schemeClr>
+                </a:outerShdw>
+              </a:effectLst>
+              <a:latin typeface="Arial Black" panose="020B0A04020102020204" pitchFamily="34" charset="0"/>
+            </a:endParaRPr>
+          </a:p>
+        </p:txBody>
+      </p:sp>
+      <p:sp>
+        <p:nvSpPr>
+          <p:cNvPr id="8" name="Oval 7"/>
+          <p:cNvSpPr/>
+          <p:nvPr/>
+        </p:nvSpPr>
+        <p:spPr>
+          <a:xfrm>
+            <a:off x="307431" y="3081091"/>
+            <a:ext cx="614863" cy="614863"/>
+          </a:xfrm>
+          <a:prstGeom prst="ellipse">
+            <a:avLst/>
+          </a:prstGeom>
+        </p:spPr>
+        <p:style>
+          <a:lnRef idx="2">
+            <a:schemeClr val="accent1">
+              <a:shade val="50000"/>
+            </a:schemeClr>
+          </a:lnRef>
+          <a:fillRef idx="1">
+            <a:schemeClr val="accent1"/>
+          </a:fillRef>
+          <a:effectRef idx="0">
+            <a:schemeClr val="accent1"/>
+          </a:effectRef>
+          <a:fontRef idx="minor">
+            <a:schemeClr val="lt1"/>
+          </a:fontRef>
+        </p:style>
+        <p:txBody>
+          <a:bodyPr rtlCol="0" anchor="ctr"/>
+          <a:lstStyle/>
+          <a:p>
+            <a:pPr algn="ctr"/>
+            <a:r>
+              <a:rPr lang="en-CA" dirty="0" smtClean="0">
+                <a:ln w="0"/>
+                <a:solidFill>
+                  <a:schemeClr val="bg1"/>
+                </a:solidFill>
+                <a:effectLst>
+                  <a:outerShdw blurRad="38100" dist="19050" dir="2700000" algn="tl" rotWithShape="0">
+                    <a:schemeClr val="dk1">
+                      <a:alpha val="40000"/>
+                    </a:schemeClr>
+                  </a:outerShdw>
+                </a:effectLst>
+                <a:latin typeface="Arial Black" panose="020B0A04020102020204" pitchFamily="34" charset="0"/>
+              </a:rPr>
+              <a:t>2</a:t>
+            </a:r>
+            <a:endParaRPr lang="en-CA" dirty="0">
+              <a:ln w="0"/>
+              <a:solidFill>
+                <a:schemeClr val="bg1"/>
+              </a:solidFill>
+              <a:effectLst>
+                <a:outerShdw blurRad="38100" dist="19050" dir="2700000" algn="tl" rotWithShape="0">
+                  <a:schemeClr val="dk1">
+                    <a:alpha val="40000"/>
+                  </a:schemeClr>
+                </a:outerShdw>
+              </a:effectLst>
+              <a:latin typeface="Arial Black" panose="020B0A04020102020204" pitchFamily="34" charset="0"/>
+            </a:endParaRPr>
+          </a:p>
+        </p:txBody>
+      </p:sp>
+      <p:sp>
+        <p:nvSpPr>
+          <p:cNvPr id="9" name="Oval 8"/>
+          <p:cNvSpPr/>
+          <p:nvPr/>
+        </p:nvSpPr>
+        <p:spPr>
+          <a:xfrm>
+            <a:off x="307431" y="4585028"/>
+            <a:ext cx="614863" cy="614863"/>
+          </a:xfrm>
+          <a:prstGeom prst="ellipse">
+            <a:avLst/>
+          </a:prstGeom>
+        </p:spPr>
+        <p:style>
+          <a:lnRef idx="2">
+            <a:schemeClr val="accent1">
+              <a:shade val="50000"/>
+            </a:schemeClr>
+          </a:lnRef>
+          <a:fillRef idx="1">
+            <a:schemeClr val="accent1"/>
+          </a:fillRef>
+          <a:effectRef idx="0">
+            <a:schemeClr val="accent1"/>
+          </a:effectRef>
+          <a:fontRef idx="minor">
+            <a:schemeClr val="lt1"/>
+          </a:fontRef>
+        </p:style>
+        <p:txBody>
+          <a:bodyPr rtlCol="0" anchor="ctr"/>
+          <a:lstStyle/>
+          <a:p>
+            <a:pPr algn="ctr"/>
+            <a:r>
+              <a:rPr lang="en-CA" dirty="0" smtClean="0">
+                <a:ln w="0"/>
+                <a:solidFill>
+                  <a:schemeClr val="bg1"/>
+                </a:solidFill>
+                <a:effectLst>
+                  <a:outerShdw blurRad="38100" dist="19050" dir="2700000" algn="tl" rotWithShape="0">
+                    <a:schemeClr val="dk1">
+                      <a:alpha val="40000"/>
+                    </a:schemeClr>
+                  </a:outerShdw>
+                </a:effectLst>
+                <a:latin typeface="Arial Black" panose="020B0A04020102020204" pitchFamily="34" charset="0"/>
+              </a:rPr>
+              <a:t>3</a:t>
+            </a:r>
+            <a:endParaRPr lang="en-CA" dirty="0">
+              <a:ln w="0"/>
+              <a:solidFill>
+                <a:schemeClr val="bg1"/>
+              </a:solidFill>
+              <a:effectLst>
+                <a:outerShdw blurRad="38100" dist="19050" dir="2700000" algn="tl" rotWithShape="0">
+                  <a:schemeClr val="dk1">
+                    <a:alpha val="40000"/>
+                  </a:schemeClr>
+                </a:outerShdw>
+              </a:effectLst>
+              <a:latin typeface="Arial Black" panose="020B0A04020102020204" pitchFamily="34" charset="0"/>
+            </a:endParaRPr>
+          </a:p>
+        </p:txBody>
+      </p:sp>
+    </p:spTree>
+    <p:extLst>
+      <p:ext uri="{BB962C8B-B14F-4D97-AF65-F5344CB8AC3E}">
+        <p14:creationId xmlns:p14="http://schemas.microsoft.com/office/powerpoint/2010/main" val="3302986194"/>
+      </p:ext>
+    </p:extLst>
+  </p:cSld>
+  <p:clrMapOvr>
+    <a:masterClrMapping/>
+  </p:clrMapOvr>
+  <p:timing>
+    <p:tnLst>
+      <p:par>
+        <p:cTn id="1" dur="indefinite" restart="never" nodeType="tmRoot"/>
+      </p:par>
+    </p:tnLst>
+  </p:timing>
+</p:sld>
+</file>
+
+<file path=ppt/slides/slide14.xml><?xml version="1.0" encoding="utf-8"?>
 <p:sld xmlns:a="http://schemas.openxmlformats.org/drawingml/2006/main" xmlns:r="http://schemas.openxmlformats.org/officeDocument/2006/relationships" xmlns:p="http://schemas.openxmlformats.org/presentationml/2006/main">
   <p:cSld>
     <p:spTree>
@@ -9058,2420 +9786,7 @@
 </p:sld>
 </file>
 
-<file path=ppt/slides/slide12.xml><?xml version="1.0" encoding="utf-8"?>
-<p:sld xmlns:a="http://schemas.openxmlformats.org/drawingml/2006/main" xmlns:r="http://schemas.openxmlformats.org/officeDocument/2006/relationships" xmlns:p="http://schemas.openxmlformats.org/presentationml/2006/main">
-  <p:cSld>
-    <p:spTree>
-      <p:nvGrpSpPr>
-        <p:cNvPr id="1" name=""/>
-        <p:cNvGrpSpPr/>
-        <p:nvPr/>
-      </p:nvGrpSpPr>
-      <p:grpSpPr>
-        <a:xfrm>
-          <a:off x="0" y="0"/>
-          <a:ext cx="0" cy="0"/>
-          <a:chOff x="0" y="0"/>
-          <a:chExt cx="0" cy="0"/>
-        </a:xfrm>
-      </p:grpSpPr>
-      <p:sp>
-        <p:nvSpPr>
-          <p:cNvPr id="2" name="Title 1"/>
-          <p:cNvSpPr>
-            <a:spLocks noGrp="1"/>
-          </p:cNvSpPr>
-          <p:nvPr>
-            <p:ph type="title"/>
-          </p:nvPr>
-        </p:nvSpPr>
-        <p:spPr/>
-        <p:txBody>
-          <a:bodyPr/>
-          <a:lstStyle/>
-          <a:p>
-            <a:r>
-              <a:rPr lang="en-US" dirty="0" smtClean="0"/>
-              <a:t>Cloning a repo from the net</a:t>
-            </a:r>
-            <a:endParaRPr lang="en-US" dirty="0"/>
-          </a:p>
-        </p:txBody>
-      </p:sp>
-      <p:pic>
-        <p:nvPicPr>
-          <p:cNvPr id="3" name="Picture 2"/>
-          <p:cNvPicPr>
-            <a:picLocks noChangeAspect="1"/>
-          </p:cNvPicPr>
-          <p:nvPr/>
-        </p:nvPicPr>
-        <p:blipFill>
-          <a:blip r:embed="rId3"/>
-          <a:stretch>
-            <a:fillRect/>
-          </a:stretch>
-        </p:blipFill>
-        <p:spPr>
-          <a:xfrm>
-            <a:off x="201470" y="1956040"/>
-            <a:ext cx="4552950" cy="285750"/>
-          </a:xfrm>
-          <a:prstGeom prst="rect">
-            <a:avLst/>
-          </a:prstGeom>
-        </p:spPr>
-      </p:pic>
-      <p:pic>
-        <p:nvPicPr>
-          <p:cNvPr id="4" name="Picture 3"/>
-          <p:cNvPicPr>
-            <a:picLocks noChangeAspect="1"/>
-          </p:cNvPicPr>
-          <p:nvPr/>
-        </p:nvPicPr>
-        <p:blipFill rotWithShape="1">
-          <a:blip r:embed="rId4"/>
-          <a:srcRect l="23054" t="26979"/>
-          <a:stretch/>
-        </p:blipFill>
-        <p:spPr>
-          <a:xfrm>
-            <a:off x="4033587" y="2343538"/>
-            <a:ext cx="3261438" cy="2775171"/>
-          </a:xfrm>
-          <a:prstGeom prst="rect">
-            <a:avLst/>
-          </a:prstGeom>
-        </p:spPr>
-      </p:pic>
-      <p:pic>
-        <p:nvPicPr>
-          <p:cNvPr id="8" name="Picture 7"/>
-          <p:cNvPicPr>
-            <a:picLocks noChangeAspect="1"/>
-          </p:cNvPicPr>
-          <p:nvPr/>
-        </p:nvPicPr>
-        <p:blipFill>
-          <a:blip r:embed="rId5"/>
-          <a:stretch>
-            <a:fillRect/>
-          </a:stretch>
-        </p:blipFill>
-        <p:spPr>
-          <a:xfrm>
-            <a:off x="6096000" y="5578309"/>
-            <a:ext cx="5929279" cy="793010"/>
-          </a:xfrm>
-          <a:prstGeom prst="rect">
-            <a:avLst/>
-          </a:prstGeom>
-        </p:spPr>
-      </p:pic>
-      <p:sp>
-        <p:nvSpPr>
-          <p:cNvPr id="16" name="Oval 15"/>
-          <p:cNvSpPr/>
-          <p:nvPr/>
-        </p:nvSpPr>
-        <p:spPr>
-          <a:xfrm>
-            <a:off x="0" y="1541692"/>
-            <a:ext cx="614863" cy="614863"/>
-          </a:xfrm>
-          <a:prstGeom prst="ellipse">
-            <a:avLst/>
-          </a:prstGeom>
-        </p:spPr>
-        <p:style>
-          <a:lnRef idx="2">
-            <a:schemeClr val="accent1">
-              <a:shade val="50000"/>
-            </a:schemeClr>
-          </a:lnRef>
-          <a:fillRef idx="1">
-            <a:schemeClr val="accent1"/>
-          </a:fillRef>
-          <a:effectRef idx="0">
-            <a:schemeClr val="accent1"/>
-          </a:effectRef>
-          <a:fontRef idx="minor">
-            <a:schemeClr val="lt1"/>
-          </a:fontRef>
-        </p:style>
-        <p:txBody>
-          <a:bodyPr rtlCol="0" anchor="ctr"/>
-          <a:lstStyle/>
-          <a:p>
-            <a:pPr algn="ctr"/>
-            <a:r>
-              <a:rPr lang="en-CA" dirty="0" smtClean="0">
-                <a:ln w="0"/>
-                <a:solidFill>
-                  <a:schemeClr val="bg1"/>
-                </a:solidFill>
-                <a:effectLst>
-                  <a:outerShdw blurRad="38100" dist="19050" dir="2700000" algn="tl" rotWithShape="0">
-                    <a:schemeClr val="dk1">
-                      <a:alpha val="40000"/>
-                    </a:schemeClr>
-                  </a:outerShdw>
-                </a:effectLst>
-                <a:latin typeface="Arial Black" panose="020B0A04020102020204" pitchFamily="34" charset="0"/>
-              </a:rPr>
-              <a:t>1</a:t>
-            </a:r>
-            <a:endParaRPr lang="en-CA" dirty="0">
-              <a:ln w="0"/>
-              <a:solidFill>
-                <a:schemeClr val="bg1"/>
-              </a:solidFill>
-              <a:effectLst>
-                <a:outerShdw blurRad="38100" dist="19050" dir="2700000" algn="tl" rotWithShape="0">
-                  <a:schemeClr val="dk1">
-                    <a:alpha val="40000"/>
-                  </a:schemeClr>
-                </a:outerShdw>
-              </a:effectLst>
-              <a:latin typeface="Arial Black" panose="020B0A04020102020204" pitchFamily="34" charset="0"/>
-            </a:endParaRPr>
-          </a:p>
-        </p:txBody>
-      </p:sp>
-      <p:sp>
-        <p:nvSpPr>
-          <p:cNvPr id="15" name="Oval 14"/>
-          <p:cNvSpPr/>
-          <p:nvPr/>
-        </p:nvSpPr>
-        <p:spPr>
-          <a:xfrm>
-            <a:off x="6977543" y="1825385"/>
-            <a:ext cx="614863" cy="614863"/>
-          </a:xfrm>
-          <a:prstGeom prst="ellipse">
-            <a:avLst/>
-          </a:prstGeom>
-        </p:spPr>
-        <p:style>
-          <a:lnRef idx="2">
-            <a:schemeClr val="accent1">
-              <a:shade val="50000"/>
-            </a:schemeClr>
-          </a:lnRef>
-          <a:fillRef idx="1">
-            <a:schemeClr val="accent1"/>
-          </a:fillRef>
-          <a:effectRef idx="0">
-            <a:schemeClr val="accent1"/>
-          </a:effectRef>
-          <a:fontRef idx="minor">
-            <a:schemeClr val="lt1"/>
-          </a:fontRef>
-        </p:style>
-        <p:txBody>
-          <a:bodyPr rtlCol="0" anchor="ctr"/>
-          <a:lstStyle/>
-          <a:p>
-            <a:pPr algn="ctr"/>
-            <a:r>
-              <a:rPr lang="en-CA" dirty="0" smtClean="0">
-                <a:ln w="0"/>
-                <a:solidFill>
-                  <a:schemeClr val="bg1"/>
-                </a:solidFill>
-                <a:effectLst>
-                  <a:outerShdw blurRad="38100" dist="19050" dir="2700000" algn="tl" rotWithShape="0">
-                    <a:schemeClr val="dk1">
-                      <a:alpha val="40000"/>
-                    </a:schemeClr>
-                  </a:outerShdw>
-                </a:effectLst>
-                <a:latin typeface="Arial Black" panose="020B0A04020102020204" pitchFamily="34" charset="0"/>
-              </a:rPr>
-              <a:t>2</a:t>
-            </a:r>
-            <a:endParaRPr lang="en-CA" dirty="0">
-              <a:ln w="0"/>
-              <a:solidFill>
-                <a:schemeClr val="bg1"/>
-              </a:solidFill>
-              <a:effectLst>
-                <a:outerShdw blurRad="38100" dist="19050" dir="2700000" algn="tl" rotWithShape="0">
-                  <a:schemeClr val="dk1">
-                    <a:alpha val="40000"/>
-                  </a:schemeClr>
-                </a:outerShdw>
-              </a:effectLst>
-              <a:latin typeface="Arial Black" panose="020B0A04020102020204" pitchFamily="34" charset="0"/>
-            </a:endParaRPr>
-          </a:p>
-        </p:txBody>
-      </p:sp>
-      <p:sp>
-        <p:nvSpPr>
-          <p:cNvPr id="14" name="Oval 13"/>
-          <p:cNvSpPr/>
-          <p:nvPr/>
-        </p:nvSpPr>
-        <p:spPr>
-          <a:xfrm>
-            <a:off x="11353800" y="5270878"/>
-            <a:ext cx="614863" cy="614863"/>
-          </a:xfrm>
-          <a:prstGeom prst="ellipse">
-            <a:avLst/>
-          </a:prstGeom>
-        </p:spPr>
-        <p:style>
-          <a:lnRef idx="2">
-            <a:schemeClr val="accent1">
-              <a:shade val="50000"/>
-            </a:schemeClr>
-          </a:lnRef>
-          <a:fillRef idx="1">
-            <a:schemeClr val="accent1"/>
-          </a:fillRef>
-          <a:effectRef idx="0">
-            <a:schemeClr val="accent1"/>
-          </a:effectRef>
-          <a:fontRef idx="minor">
-            <a:schemeClr val="lt1"/>
-          </a:fontRef>
-        </p:style>
-        <p:txBody>
-          <a:bodyPr rtlCol="0" anchor="ctr"/>
-          <a:lstStyle/>
-          <a:p>
-            <a:pPr algn="ctr"/>
-            <a:r>
-              <a:rPr lang="en-CA" dirty="0" smtClean="0">
-                <a:ln w="0"/>
-                <a:solidFill>
-                  <a:schemeClr val="bg1"/>
-                </a:solidFill>
-                <a:effectLst>
-                  <a:outerShdw blurRad="38100" dist="19050" dir="2700000" algn="tl" rotWithShape="0">
-                    <a:schemeClr val="dk1">
-                      <a:alpha val="40000"/>
-                    </a:schemeClr>
-                  </a:outerShdw>
-                </a:effectLst>
-                <a:latin typeface="Arial Black" panose="020B0A04020102020204" pitchFamily="34" charset="0"/>
-              </a:rPr>
-              <a:t>3</a:t>
-            </a:r>
-            <a:endParaRPr lang="en-CA" dirty="0">
-              <a:ln w="0"/>
-              <a:solidFill>
-                <a:schemeClr val="bg1"/>
-              </a:solidFill>
-              <a:effectLst>
-                <a:outerShdw blurRad="38100" dist="19050" dir="2700000" algn="tl" rotWithShape="0">
-                  <a:schemeClr val="dk1">
-                    <a:alpha val="40000"/>
-                  </a:schemeClr>
-                </a:outerShdw>
-              </a:effectLst>
-              <a:latin typeface="Arial Black" panose="020B0A04020102020204" pitchFamily="34" charset="0"/>
-            </a:endParaRPr>
-          </a:p>
-        </p:txBody>
-      </p:sp>
-      <p:cxnSp>
-        <p:nvCxnSpPr>
-          <p:cNvPr id="12" name="Elbow Connector 11"/>
-          <p:cNvCxnSpPr>
-            <a:stCxn id="3" idx="2"/>
-            <a:endCxn id="4" idx="1"/>
-          </p:cNvCxnSpPr>
-          <p:nvPr/>
-        </p:nvCxnSpPr>
-        <p:spPr>
-          <a:xfrm rot="16200000" flipH="1">
-            <a:off x="2511099" y="2208636"/>
-            <a:ext cx="1489334" cy="1555642"/>
-          </a:xfrm>
-          <a:prstGeom prst="bentConnector2">
-            <a:avLst/>
-          </a:prstGeom>
-          <a:ln>
-            <a:tailEnd type="triangle"/>
-          </a:ln>
-        </p:spPr>
-        <p:style>
-          <a:lnRef idx="1">
-            <a:schemeClr val="accent1"/>
-          </a:lnRef>
-          <a:fillRef idx="0">
-            <a:schemeClr val="accent1"/>
-          </a:fillRef>
-          <a:effectRef idx="0">
-            <a:schemeClr val="accent1"/>
-          </a:effectRef>
-          <a:fontRef idx="minor">
-            <a:schemeClr val="tx1"/>
-          </a:fontRef>
-        </p:style>
-      </p:cxnSp>
-      <p:cxnSp>
-        <p:nvCxnSpPr>
-          <p:cNvPr id="18" name="Elbow Connector 17"/>
-          <p:cNvCxnSpPr>
-            <a:stCxn id="4" idx="2"/>
-            <a:endCxn id="8" idx="1"/>
-          </p:cNvCxnSpPr>
-          <p:nvPr/>
-        </p:nvCxnSpPr>
-        <p:spPr>
-          <a:xfrm rot="16200000" flipH="1">
-            <a:off x="5452101" y="5330914"/>
-            <a:ext cx="856105" cy="431694"/>
-          </a:xfrm>
-          <a:prstGeom prst="bentConnector2">
-            <a:avLst/>
-          </a:prstGeom>
-          <a:ln>
-            <a:tailEnd type="triangle"/>
-          </a:ln>
-        </p:spPr>
-        <p:style>
-          <a:lnRef idx="1">
-            <a:schemeClr val="accent1"/>
-          </a:lnRef>
-          <a:fillRef idx="0">
-            <a:schemeClr val="accent1"/>
-          </a:fillRef>
-          <a:effectRef idx="0">
-            <a:schemeClr val="accent1"/>
-          </a:effectRef>
-          <a:fontRef idx="minor">
-            <a:schemeClr val="tx1"/>
-          </a:fontRef>
-        </p:style>
-      </p:cxnSp>
-    </p:spTree>
-    <p:extLst>
-      <p:ext uri="{BB962C8B-B14F-4D97-AF65-F5344CB8AC3E}">
-        <p14:creationId xmlns:p14="http://schemas.microsoft.com/office/powerpoint/2010/main" val="1562895204"/>
-      </p:ext>
-    </p:extLst>
-  </p:cSld>
-  <p:clrMapOvr>
-    <a:masterClrMapping/>
-  </p:clrMapOvr>
-  <p:timing>
-    <p:tnLst>
-      <p:par>
-        <p:cTn id="1" dur="indefinite" restart="never" nodeType="tmRoot"/>
-      </p:par>
-    </p:tnLst>
-  </p:timing>
-</p:sld>
-</file>
-
-<file path=ppt/slides/slide13.xml><?xml version="1.0" encoding="utf-8"?>
-<p:sld xmlns:a="http://schemas.openxmlformats.org/drawingml/2006/main" xmlns:r="http://schemas.openxmlformats.org/officeDocument/2006/relationships" xmlns:p="http://schemas.openxmlformats.org/presentationml/2006/main">
-  <p:cSld>
-    <p:spTree>
-      <p:nvGrpSpPr>
-        <p:cNvPr id="1" name=""/>
-        <p:cNvGrpSpPr/>
-        <p:nvPr/>
-      </p:nvGrpSpPr>
-      <p:grpSpPr>
-        <a:xfrm>
-          <a:off x="0" y="0"/>
-          <a:ext cx="0" cy="0"/>
-          <a:chOff x="0" y="0"/>
-          <a:chExt cx="0" cy="0"/>
-        </a:xfrm>
-      </p:grpSpPr>
-      <p:sp>
-        <p:nvSpPr>
-          <p:cNvPr id="2" name="Title 1"/>
-          <p:cNvSpPr>
-            <a:spLocks noGrp="1"/>
-          </p:cNvSpPr>
-          <p:nvPr>
-            <p:ph type="title"/>
-          </p:nvPr>
-        </p:nvSpPr>
-        <p:spPr/>
-        <p:txBody>
-          <a:bodyPr/>
-          <a:lstStyle/>
-          <a:p>
-            <a:r>
-              <a:rPr lang="en-US" dirty="0" smtClean="0"/>
-              <a:t>Cloning a repo from the net</a:t>
-            </a:r>
-            <a:endParaRPr lang="en-US" dirty="0"/>
-          </a:p>
-        </p:txBody>
-      </p:sp>
-      <p:pic>
-        <p:nvPicPr>
-          <p:cNvPr id="5" name="Picture 4"/>
-          <p:cNvPicPr>
-            <a:picLocks noChangeAspect="1"/>
-          </p:cNvPicPr>
-          <p:nvPr/>
-        </p:nvPicPr>
-        <p:blipFill>
-          <a:blip r:embed="rId3"/>
-          <a:stretch>
-            <a:fillRect/>
-          </a:stretch>
-        </p:blipFill>
-        <p:spPr>
-          <a:xfrm>
-            <a:off x="838200" y="1811597"/>
-            <a:ext cx="10170523" cy="2159901"/>
-          </a:xfrm>
-          <a:prstGeom prst="rect">
-            <a:avLst/>
-          </a:prstGeom>
-        </p:spPr>
-      </p:pic>
-    </p:spTree>
-    <p:extLst>
-      <p:ext uri="{BB962C8B-B14F-4D97-AF65-F5344CB8AC3E}">
-        <p14:creationId xmlns:p14="http://schemas.microsoft.com/office/powerpoint/2010/main" val="2070679325"/>
-      </p:ext>
-    </p:extLst>
-  </p:cSld>
-  <p:clrMapOvr>
-    <a:masterClrMapping/>
-  </p:clrMapOvr>
-  <p:timing>
-    <p:tnLst>
-      <p:par>
-        <p:cTn id="1" dur="indefinite" restart="never" nodeType="tmRoot"/>
-      </p:par>
-    </p:tnLst>
-  </p:timing>
-</p:sld>
-</file>
-
-<file path=ppt/slides/slide14.xml><?xml version="1.0" encoding="utf-8"?>
-<p:sld xmlns:a="http://schemas.openxmlformats.org/drawingml/2006/main" xmlns:r="http://schemas.openxmlformats.org/officeDocument/2006/relationships" xmlns:p="http://schemas.openxmlformats.org/presentationml/2006/main">
-  <p:cSld>
-    <p:spTree>
-      <p:nvGrpSpPr>
-        <p:cNvPr id="1" name=""/>
-        <p:cNvGrpSpPr/>
-        <p:nvPr/>
-      </p:nvGrpSpPr>
-      <p:grpSpPr>
-        <a:xfrm>
-          <a:off x="0" y="0"/>
-          <a:ext cx="0" cy="0"/>
-          <a:chOff x="0" y="0"/>
-          <a:chExt cx="0" cy="0"/>
-        </a:xfrm>
-      </p:grpSpPr>
-      <p:sp>
-        <p:nvSpPr>
-          <p:cNvPr id="2" name="Title 1"/>
-          <p:cNvSpPr>
-            <a:spLocks noGrp="1"/>
-          </p:cNvSpPr>
-          <p:nvPr>
-            <p:ph type="title"/>
-          </p:nvPr>
-        </p:nvSpPr>
-        <p:spPr/>
-        <p:txBody>
-          <a:bodyPr/>
-          <a:lstStyle/>
-          <a:p>
-            <a:r>
-              <a:rPr lang="en-CA" dirty="0" smtClean="0"/>
-              <a:t>Working with Friends</a:t>
-            </a:r>
-            <a:endParaRPr lang="en-CA" dirty="0"/>
-          </a:p>
-        </p:txBody>
-      </p:sp>
-      <p:pic>
-        <p:nvPicPr>
-          <p:cNvPr id="4" name="Content Placeholder 3"/>
-          <p:cNvPicPr>
-            <a:picLocks noGrp="1" noChangeAspect="1"/>
-          </p:cNvPicPr>
-          <p:nvPr>
-            <p:ph idx="1"/>
-          </p:nvPr>
-        </p:nvPicPr>
-        <p:blipFill>
-          <a:blip r:embed="rId3" cstate="print">
-            <a:extLst>
-              <a:ext uri="{28A0092B-C50C-407E-A947-70E740481C1C}">
-                <a14:useLocalDpi xmlns:a14="http://schemas.microsoft.com/office/drawing/2010/main" val="0"/>
-              </a:ext>
-            </a:extLst>
-          </a:blip>
-          <a:stretch>
-            <a:fillRect/>
-          </a:stretch>
-        </p:blipFill>
-        <p:spPr>
-          <a:xfrm>
-            <a:off x="7602863" y="4978571"/>
-            <a:ext cx="913339" cy="1394364"/>
-          </a:xfrm>
-        </p:spPr>
-      </p:pic>
-      <p:pic>
-        <p:nvPicPr>
-          <p:cNvPr id="6" name="Picture 5"/>
-          <p:cNvPicPr>
-            <a:picLocks noChangeAspect="1"/>
-          </p:cNvPicPr>
-          <p:nvPr/>
-        </p:nvPicPr>
-        <p:blipFill>
-          <a:blip r:embed="rId4">
-            <a:extLst>
-              <a:ext uri="{28A0092B-C50C-407E-A947-70E740481C1C}">
-                <a14:useLocalDpi xmlns:a14="http://schemas.microsoft.com/office/drawing/2010/main" val="0"/>
-              </a:ext>
-            </a:extLst>
-          </a:blip>
-          <a:stretch>
-            <a:fillRect/>
-          </a:stretch>
-        </p:blipFill>
-        <p:spPr>
-          <a:xfrm>
-            <a:off x="8516202" y="4978571"/>
-            <a:ext cx="1879429" cy="1879429"/>
-          </a:xfrm>
-          <a:prstGeom prst="rect">
-            <a:avLst/>
-          </a:prstGeom>
-        </p:spPr>
-      </p:pic>
-      <p:sp>
-        <p:nvSpPr>
-          <p:cNvPr id="8" name="TextBox 7"/>
-          <p:cNvSpPr txBox="1"/>
-          <p:nvPr/>
-        </p:nvSpPr>
-        <p:spPr>
-          <a:xfrm>
-            <a:off x="7759523" y="4609239"/>
-            <a:ext cx="565796" cy="369332"/>
-          </a:xfrm>
-          <a:prstGeom prst="rect">
-            <a:avLst/>
-          </a:prstGeom>
-          <a:noFill/>
-        </p:spPr>
-        <p:txBody>
-          <a:bodyPr wrap="none" rtlCol="0">
-            <a:spAutoFit/>
-          </a:bodyPr>
-          <a:lstStyle/>
-          <a:p>
-            <a:r>
-              <a:rPr lang="en-CA" b="1" dirty="0" smtClean="0"/>
-              <a:t>You</a:t>
-            </a:r>
-            <a:endParaRPr lang="en-CA" b="1" dirty="0"/>
-          </a:p>
-        </p:txBody>
-      </p:sp>
-      <p:sp>
-        <p:nvSpPr>
-          <p:cNvPr id="9" name="TextBox 8"/>
-          <p:cNvSpPr txBox="1"/>
-          <p:nvPr/>
-        </p:nvSpPr>
-        <p:spPr>
-          <a:xfrm>
-            <a:off x="9227694" y="4650865"/>
-            <a:ext cx="1683666" cy="369332"/>
-          </a:xfrm>
-          <a:prstGeom prst="rect">
-            <a:avLst/>
-          </a:prstGeom>
-          <a:noFill/>
-        </p:spPr>
-        <p:txBody>
-          <a:bodyPr wrap="none" rtlCol="0">
-            <a:spAutoFit/>
-          </a:bodyPr>
-          <a:lstStyle/>
-          <a:p>
-            <a:r>
-              <a:rPr lang="en-CA" b="1" dirty="0" smtClean="0"/>
-              <a:t>Your Computer</a:t>
-            </a:r>
-            <a:endParaRPr lang="en-CA" b="1" dirty="0"/>
-          </a:p>
-        </p:txBody>
-      </p:sp>
-      <p:sp>
-        <p:nvSpPr>
-          <p:cNvPr id="10" name="TextBox 9"/>
-          <p:cNvSpPr txBox="1"/>
-          <p:nvPr/>
-        </p:nvSpPr>
-        <p:spPr>
-          <a:xfrm>
-            <a:off x="10213726" y="6232934"/>
-            <a:ext cx="1784399" cy="369332"/>
-          </a:xfrm>
-          <a:prstGeom prst="rect">
-            <a:avLst/>
-          </a:prstGeom>
-          <a:noFill/>
-        </p:spPr>
-        <p:txBody>
-          <a:bodyPr wrap="none" rtlCol="0">
-            <a:spAutoFit/>
-          </a:bodyPr>
-          <a:lstStyle/>
-          <a:p>
-            <a:r>
-              <a:rPr lang="en-CA" b="1" dirty="0" smtClean="0"/>
-              <a:t>Your Local Repo</a:t>
-            </a:r>
-            <a:endParaRPr lang="en-CA" b="1" dirty="0"/>
-          </a:p>
-        </p:txBody>
-      </p:sp>
-      <p:grpSp>
-        <p:nvGrpSpPr>
-          <p:cNvPr id="3" name="Group 2"/>
-          <p:cNvGrpSpPr/>
-          <p:nvPr/>
-        </p:nvGrpSpPr>
-        <p:grpSpPr>
-          <a:xfrm>
-            <a:off x="10662514" y="5562500"/>
-            <a:ext cx="736514" cy="584656"/>
-            <a:chOff x="546102" y="1117909"/>
-            <a:chExt cx="7231025" cy="5740092"/>
-          </a:xfrm>
-        </p:grpSpPr>
-        <p:pic>
-          <p:nvPicPr>
-            <p:cNvPr id="11" name="Picture 2" descr="http://www.arabgroupms.com/images/products/manila-file-folder.jpg"/>
-            <p:cNvPicPr>
-              <a:picLocks noChangeAspect="1" noChangeArrowheads="1"/>
-            </p:cNvPicPr>
-            <p:nvPr/>
-          </p:nvPicPr>
-          <p:blipFill rotWithShape="1">
-            <a:blip r:embed="rId5" cstate="print">
-              <a:extLst>
-                <a:ext uri="{28A0092B-C50C-407E-A947-70E740481C1C}">
-                  <a14:useLocalDpi xmlns:a14="http://schemas.microsoft.com/office/drawing/2010/main" val="0"/>
-                </a:ext>
-              </a:extLst>
-            </a:blip>
-            <a:srcRect l="19307" t="19943" r="19039" b="18879"/>
-            <a:stretch/>
-          </p:blipFill>
-          <p:spPr bwMode="auto">
-            <a:xfrm>
-              <a:off x="546102" y="1117909"/>
-              <a:ext cx="7231025" cy="5740092"/>
-            </a:xfrm>
-            <a:prstGeom prst="rect">
-              <a:avLst/>
-            </a:prstGeom>
-            <a:noFill/>
-            <a:extLst>
-              <a:ext uri="{909E8E84-426E-40DD-AFC4-6F175D3DCCD1}">
-                <a14:hiddenFill xmlns:a14="http://schemas.microsoft.com/office/drawing/2010/main">
-                  <a:solidFill>
-                    <a:srgbClr val="FFFFFF"/>
-                  </a:solidFill>
-                </a14:hiddenFill>
-              </a:ext>
-            </a:extLst>
-          </p:spPr>
-        </p:pic>
-        <p:sp>
-          <p:nvSpPr>
-            <p:cNvPr id="12" name="Rounded Rectangle 11"/>
-            <p:cNvSpPr/>
-            <p:nvPr/>
-          </p:nvSpPr>
-          <p:spPr>
-            <a:xfrm>
-              <a:off x="761379" y="2549879"/>
-              <a:ext cx="6691098" cy="3861518"/>
-            </a:xfrm>
-            <a:prstGeom prst="roundRect">
-              <a:avLst/>
-            </a:prstGeom>
-            <a:solidFill>
-              <a:schemeClr val="bg1"/>
-            </a:solidFill>
-            <a:ln>
-              <a:solidFill>
-                <a:schemeClr val="accent4">
-                  <a:lumMod val="20000"/>
-                  <a:lumOff val="80000"/>
-                </a:schemeClr>
-              </a:solidFill>
-            </a:ln>
-          </p:spPr>
-          <p:style>
-            <a:lnRef idx="2">
-              <a:schemeClr val="accent1">
-                <a:shade val="50000"/>
-              </a:schemeClr>
-            </a:lnRef>
-            <a:fillRef idx="1">
-              <a:schemeClr val="accent1"/>
-            </a:fillRef>
-            <a:effectRef idx="0">
-              <a:schemeClr val="accent1"/>
-            </a:effectRef>
-            <a:fontRef idx="minor">
-              <a:schemeClr val="lt1"/>
-            </a:fontRef>
-          </p:style>
-          <p:txBody>
-            <a:bodyPr rtlCol="0" anchor="ctr"/>
-            <a:lstStyle/>
-            <a:p>
-              <a:pPr algn="ctr"/>
-              <a:endParaRPr lang="en-CA" dirty="0"/>
-            </a:p>
-          </p:txBody>
-        </p:sp>
-        <p:pic>
-          <p:nvPicPr>
-            <p:cNvPr id="13" name="Picture 2" descr="http://www.arabgroupms.com/images/products/manila-file-folder.jpg"/>
-            <p:cNvPicPr>
-              <a:picLocks noChangeAspect="1" noChangeArrowheads="1"/>
-            </p:cNvPicPr>
-            <p:nvPr/>
-          </p:nvPicPr>
-          <p:blipFill rotWithShape="1">
-            <a:blip r:embed="rId6" cstate="print">
-              <a:extLst>
-                <a:ext uri="{28A0092B-C50C-407E-A947-70E740481C1C}">
-                  <a14:useLocalDpi xmlns:a14="http://schemas.microsoft.com/office/drawing/2010/main" val="0"/>
-                </a:ext>
-              </a:extLst>
-            </a:blip>
-            <a:srcRect l="19307" t="19943" r="19039" b="18879"/>
-            <a:stretch/>
-          </p:blipFill>
-          <p:spPr bwMode="auto">
-            <a:xfrm>
-              <a:off x="1505599" y="3210278"/>
-              <a:ext cx="618177" cy="490718"/>
-            </a:xfrm>
-            <a:prstGeom prst="rect">
-              <a:avLst/>
-            </a:prstGeom>
-            <a:noFill/>
-            <a:extLst>
-              <a:ext uri="{909E8E84-426E-40DD-AFC4-6F175D3DCCD1}">
-                <a14:hiddenFill xmlns:a14="http://schemas.microsoft.com/office/drawing/2010/main">
-                  <a:solidFill>
-                    <a:srgbClr val="FFFFFF"/>
-                  </a:solidFill>
-                </a14:hiddenFill>
-              </a:ext>
-            </a:extLst>
-          </p:spPr>
-        </p:pic>
-        <p:pic>
-          <p:nvPicPr>
-            <p:cNvPr id="14" name="Picture 4" descr="http://4vector.com/i/free-vector-text-file-icon_101919_Text_File_Icon.png"/>
-            <p:cNvPicPr>
-              <a:picLocks noChangeAspect="1" noChangeArrowheads="1"/>
-            </p:cNvPicPr>
-            <p:nvPr/>
-          </p:nvPicPr>
-          <p:blipFill>
-            <a:blip r:embed="rId7" cstate="print">
-              <a:extLst>
-                <a:ext uri="{28A0092B-C50C-407E-A947-70E740481C1C}">
-                  <a14:useLocalDpi xmlns:a14="http://schemas.microsoft.com/office/drawing/2010/main" val="0"/>
-                </a:ext>
-              </a:extLst>
-            </a:blip>
-            <a:srcRect/>
-            <a:stretch>
-              <a:fillRect/>
-            </a:stretch>
-          </p:blipFill>
-          <p:spPr bwMode="auto">
-            <a:xfrm>
-              <a:off x="1493318" y="3852324"/>
-              <a:ext cx="630458" cy="630458"/>
-            </a:xfrm>
-            <a:prstGeom prst="rect">
-              <a:avLst/>
-            </a:prstGeom>
-            <a:noFill/>
-            <a:extLst>
-              <a:ext uri="{909E8E84-426E-40DD-AFC4-6F175D3DCCD1}">
-                <a14:hiddenFill xmlns:a14="http://schemas.microsoft.com/office/drawing/2010/main">
-                  <a:solidFill>
-                    <a:srgbClr val="FFFFFF"/>
-                  </a:solidFill>
-                </a14:hiddenFill>
-              </a:ext>
-            </a:extLst>
-          </p:spPr>
-        </p:pic>
-        <p:pic>
-          <p:nvPicPr>
-            <p:cNvPr id="15" name="Picture 4" descr="http://4vector.com/i/free-vector-text-file-icon_101919_Text_File_Icon.png"/>
-            <p:cNvPicPr>
-              <a:picLocks noChangeAspect="1" noChangeArrowheads="1"/>
-            </p:cNvPicPr>
-            <p:nvPr/>
-          </p:nvPicPr>
-          <p:blipFill>
-            <a:blip r:embed="rId7" cstate="print">
-              <a:extLst>
-                <a:ext uri="{28A0092B-C50C-407E-A947-70E740481C1C}">
-                  <a14:useLocalDpi xmlns:a14="http://schemas.microsoft.com/office/drawing/2010/main" val="0"/>
-                </a:ext>
-              </a:extLst>
-            </a:blip>
-            <a:srcRect/>
-            <a:stretch>
-              <a:fillRect/>
-            </a:stretch>
-          </p:blipFill>
-          <p:spPr bwMode="auto">
-            <a:xfrm>
-              <a:off x="1505999" y="4600972"/>
-              <a:ext cx="630458" cy="630458"/>
-            </a:xfrm>
-            <a:prstGeom prst="rect">
-              <a:avLst/>
-            </a:prstGeom>
-            <a:noFill/>
-            <a:extLst>
-              <a:ext uri="{909E8E84-426E-40DD-AFC4-6F175D3DCCD1}">
-                <a14:hiddenFill xmlns:a14="http://schemas.microsoft.com/office/drawing/2010/main">
-                  <a:solidFill>
-                    <a:srgbClr val="FFFFFF"/>
-                  </a:solidFill>
-                </a14:hiddenFill>
-              </a:ext>
-            </a:extLst>
-          </p:spPr>
-        </p:pic>
-        <p:sp>
-          <p:nvSpPr>
-            <p:cNvPr id="16" name="TextBox 15"/>
-            <p:cNvSpPr txBox="1"/>
-            <p:nvPr/>
-          </p:nvSpPr>
-          <p:spPr>
-            <a:xfrm>
-              <a:off x="2136057" y="3331661"/>
-              <a:ext cx="1243812" cy="790289"/>
-            </a:xfrm>
-            <a:prstGeom prst="rect">
-              <a:avLst/>
-            </a:prstGeom>
-            <a:noFill/>
-          </p:spPr>
-          <p:txBody>
-            <a:bodyPr wrap="none" rtlCol="0">
-              <a:spAutoFit/>
-            </a:bodyPr>
-            <a:lstStyle/>
-            <a:p>
-              <a:r>
-                <a:rPr lang="en-CA" sz="500" dirty="0" smtClean="0"/>
-                <a:t>.git</a:t>
-              </a:r>
-              <a:endParaRPr lang="en-CA" sz="500" dirty="0"/>
-            </a:p>
-          </p:txBody>
-        </p:sp>
-        <p:sp>
-          <p:nvSpPr>
-            <p:cNvPr id="17" name="TextBox 16"/>
-            <p:cNvSpPr txBox="1"/>
-            <p:nvPr/>
-          </p:nvSpPr>
-          <p:spPr>
-            <a:xfrm>
-              <a:off x="2136459" y="4092734"/>
-              <a:ext cx="2763022" cy="790289"/>
-            </a:xfrm>
-            <a:prstGeom prst="rect">
-              <a:avLst/>
-            </a:prstGeom>
-            <a:noFill/>
-          </p:spPr>
-          <p:txBody>
-            <a:bodyPr wrap="none" rtlCol="0">
-              <a:spAutoFit/>
-            </a:bodyPr>
-            <a:lstStyle/>
-            <a:p>
-              <a:r>
-                <a:rPr lang="en-CA" sz="500" dirty="0" smtClean="0"/>
-                <a:t>Helloworld.java</a:t>
-              </a:r>
-              <a:endParaRPr lang="en-CA" sz="500" dirty="0"/>
-            </a:p>
-          </p:txBody>
-        </p:sp>
-        <p:sp>
-          <p:nvSpPr>
-            <p:cNvPr id="18" name="TextBox 17"/>
-            <p:cNvSpPr txBox="1"/>
-            <p:nvPr/>
-          </p:nvSpPr>
-          <p:spPr>
-            <a:xfrm>
-              <a:off x="2123774" y="4688234"/>
-              <a:ext cx="2426251" cy="790289"/>
-            </a:xfrm>
-            <a:prstGeom prst="rect">
-              <a:avLst/>
-            </a:prstGeom>
-            <a:noFill/>
-          </p:spPr>
-          <p:txBody>
-            <a:bodyPr wrap="none" rtlCol="0">
-              <a:spAutoFit/>
-            </a:bodyPr>
-            <a:lstStyle/>
-            <a:p>
-              <a:r>
-                <a:rPr lang="en-CA" sz="500" dirty="0" err="1" smtClean="0"/>
-                <a:t>Helloworld.o</a:t>
-              </a:r>
-              <a:endParaRPr lang="en-CA" sz="500" dirty="0"/>
-            </a:p>
-          </p:txBody>
-        </p:sp>
-      </p:grpSp>
-      <p:pic>
-        <p:nvPicPr>
-          <p:cNvPr id="19" name="Content Placeholder 3"/>
-          <p:cNvPicPr>
-            <a:picLocks noChangeAspect="1"/>
-          </p:cNvPicPr>
-          <p:nvPr/>
-        </p:nvPicPr>
-        <p:blipFill>
-          <a:blip r:embed="rId3" cstate="print">
-            <a:extLst>
-              <a:ext uri="{28A0092B-C50C-407E-A947-70E740481C1C}">
-                <a14:useLocalDpi xmlns:a14="http://schemas.microsoft.com/office/drawing/2010/main" val="0"/>
-              </a:ext>
-            </a:extLst>
-          </a:blip>
-          <a:stretch>
-            <a:fillRect/>
-          </a:stretch>
-        </p:blipFill>
-        <p:spPr>
-          <a:xfrm>
-            <a:off x="387914" y="4986440"/>
-            <a:ext cx="913339" cy="1394364"/>
-          </a:xfrm>
-          <a:prstGeom prst="rect">
-            <a:avLst/>
-          </a:prstGeom>
-        </p:spPr>
-      </p:pic>
-      <p:pic>
-        <p:nvPicPr>
-          <p:cNvPr id="20" name="Picture 19"/>
-          <p:cNvPicPr>
-            <a:picLocks noChangeAspect="1"/>
-          </p:cNvPicPr>
-          <p:nvPr/>
-        </p:nvPicPr>
-        <p:blipFill>
-          <a:blip r:embed="rId4">
-            <a:extLst>
-              <a:ext uri="{28A0092B-C50C-407E-A947-70E740481C1C}">
-                <a14:useLocalDpi xmlns:a14="http://schemas.microsoft.com/office/drawing/2010/main" val="0"/>
-              </a:ext>
-            </a:extLst>
-          </a:blip>
-          <a:stretch>
-            <a:fillRect/>
-          </a:stretch>
-        </p:blipFill>
-        <p:spPr>
-          <a:xfrm>
-            <a:off x="1301253" y="4986440"/>
-            <a:ext cx="1879429" cy="1879429"/>
-          </a:xfrm>
-          <a:prstGeom prst="rect">
-            <a:avLst/>
-          </a:prstGeom>
-        </p:spPr>
-      </p:pic>
-      <p:sp>
-        <p:nvSpPr>
-          <p:cNvPr id="21" name="TextBox 20"/>
-          <p:cNvSpPr txBox="1"/>
-          <p:nvPr/>
-        </p:nvSpPr>
-        <p:spPr>
-          <a:xfrm>
-            <a:off x="347421" y="4617108"/>
-            <a:ext cx="1257717" cy="369332"/>
-          </a:xfrm>
-          <a:prstGeom prst="rect">
-            <a:avLst/>
-          </a:prstGeom>
-          <a:noFill/>
-        </p:spPr>
-        <p:txBody>
-          <a:bodyPr wrap="none" rtlCol="0">
-            <a:spAutoFit/>
-          </a:bodyPr>
-          <a:lstStyle/>
-          <a:p>
-            <a:r>
-              <a:rPr lang="en-CA" b="1" dirty="0" smtClean="0"/>
-              <a:t>Best Friend</a:t>
-            </a:r>
-            <a:endParaRPr lang="en-CA" b="1" dirty="0"/>
-          </a:p>
-        </p:txBody>
-      </p:sp>
-      <p:sp>
-        <p:nvSpPr>
-          <p:cNvPr id="22" name="TextBox 21"/>
-          <p:cNvSpPr txBox="1"/>
-          <p:nvPr/>
-        </p:nvSpPr>
-        <p:spPr>
-          <a:xfrm>
-            <a:off x="2012745" y="4658734"/>
-            <a:ext cx="1485087" cy="369332"/>
-          </a:xfrm>
-          <a:prstGeom prst="rect">
-            <a:avLst/>
-          </a:prstGeom>
-          <a:noFill/>
-        </p:spPr>
-        <p:txBody>
-          <a:bodyPr wrap="none" rtlCol="0">
-            <a:spAutoFit/>
-          </a:bodyPr>
-          <a:lstStyle/>
-          <a:p>
-            <a:r>
-              <a:rPr lang="en-CA" b="1" dirty="0" smtClean="0"/>
-              <a:t>His Computer</a:t>
-            </a:r>
-            <a:endParaRPr lang="en-CA" b="1" dirty="0"/>
-          </a:p>
-        </p:txBody>
-      </p:sp>
-      <p:sp>
-        <p:nvSpPr>
-          <p:cNvPr id="23" name="TextBox 22"/>
-          <p:cNvSpPr txBox="1"/>
-          <p:nvPr/>
-        </p:nvSpPr>
-        <p:spPr>
-          <a:xfrm>
-            <a:off x="2998777" y="6240803"/>
-            <a:ext cx="1558504" cy="369332"/>
-          </a:xfrm>
-          <a:prstGeom prst="rect">
-            <a:avLst/>
-          </a:prstGeom>
-          <a:noFill/>
-        </p:spPr>
-        <p:txBody>
-          <a:bodyPr wrap="none" rtlCol="0">
-            <a:spAutoFit/>
-          </a:bodyPr>
-          <a:lstStyle/>
-          <a:p>
-            <a:r>
-              <a:rPr lang="en-CA" b="1" dirty="0" smtClean="0"/>
-              <a:t>His Local </a:t>
-            </a:r>
-            <a:r>
-              <a:rPr lang="en-CA" b="1" dirty="0" smtClean="0"/>
-              <a:t>Repo</a:t>
-            </a:r>
-            <a:endParaRPr lang="en-CA" b="1" dirty="0"/>
-          </a:p>
-        </p:txBody>
-      </p:sp>
-      <p:grpSp>
-        <p:nvGrpSpPr>
-          <p:cNvPr id="24" name="Group 23"/>
-          <p:cNvGrpSpPr/>
-          <p:nvPr/>
-        </p:nvGrpSpPr>
-        <p:grpSpPr>
-          <a:xfrm>
-            <a:off x="3447565" y="5570369"/>
-            <a:ext cx="736514" cy="584656"/>
-            <a:chOff x="546102" y="1117909"/>
-            <a:chExt cx="7231025" cy="5740092"/>
-          </a:xfrm>
-        </p:grpSpPr>
-        <p:pic>
-          <p:nvPicPr>
-            <p:cNvPr id="25" name="Picture 2" descr="http://www.arabgroupms.com/images/products/manila-file-folder.jpg"/>
-            <p:cNvPicPr>
-              <a:picLocks noChangeAspect="1" noChangeArrowheads="1"/>
-            </p:cNvPicPr>
-            <p:nvPr/>
-          </p:nvPicPr>
-          <p:blipFill rotWithShape="1">
-            <a:blip r:embed="rId5" cstate="print">
-              <a:extLst>
-                <a:ext uri="{28A0092B-C50C-407E-A947-70E740481C1C}">
-                  <a14:useLocalDpi xmlns:a14="http://schemas.microsoft.com/office/drawing/2010/main" val="0"/>
-                </a:ext>
-              </a:extLst>
-            </a:blip>
-            <a:srcRect l="19307" t="19943" r="19039" b="18879"/>
-            <a:stretch/>
-          </p:blipFill>
-          <p:spPr bwMode="auto">
-            <a:xfrm>
-              <a:off x="546102" y="1117909"/>
-              <a:ext cx="7231025" cy="5740092"/>
-            </a:xfrm>
-            <a:prstGeom prst="rect">
-              <a:avLst/>
-            </a:prstGeom>
-            <a:noFill/>
-            <a:extLst>
-              <a:ext uri="{909E8E84-426E-40DD-AFC4-6F175D3DCCD1}">
-                <a14:hiddenFill xmlns:a14="http://schemas.microsoft.com/office/drawing/2010/main">
-                  <a:solidFill>
-                    <a:srgbClr val="FFFFFF"/>
-                  </a:solidFill>
-                </a14:hiddenFill>
-              </a:ext>
-            </a:extLst>
-          </p:spPr>
-        </p:pic>
-        <p:sp>
-          <p:nvSpPr>
-            <p:cNvPr id="26" name="Rounded Rectangle 25"/>
-            <p:cNvSpPr/>
-            <p:nvPr/>
-          </p:nvSpPr>
-          <p:spPr>
-            <a:xfrm>
-              <a:off x="761379" y="2549879"/>
-              <a:ext cx="6691098" cy="3861518"/>
-            </a:xfrm>
-            <a:prstGeom prst="roundRect">
-              <a:avLst/>
-            </a:prstGeom>
-            <a:solidFill>
-              <a:schemeClr val="bg1"/>
-            </a:solidFill>
-            <a:ln>
-              <a:solidFill>
-                <a:schemeClr val="accent4">
-                  <a:lumMod val="20000"/>
-                  <a:lumOff val="80000"/>
-                </a:schemeClr>
-              </a:solidFill>
-            </a:ln>
-          </p:spPr>
-          <p:style>
-            <a:lnRef idx="2">
-              <a:schemeClr val="accent1">
-                <a:shade val="50000"/>
-              </a:schemeClr>
-            </a:lnRef>
-            <a:fillRef idx="1">
-              <a:schemeClr val="accent1"/>
-            </a:fillRef>
-            <a:effectRef idx="0">
-              <a:schemeClr val="accent1"/>
-            </a:effectRef>
-            <a:fontRef idx="minor">
-              <a:schemeClr val="lt1"/>
-            </a:fontRef>
-          </p:style>
-          <p:txBody>
-            <a:bodyPr rtlCol="0" anchor="ctr"/>
-            <a:lstStyle/>
-            <a:p>
-              <a:pPr algn="ctr"/>
-              <a:endParaRPr lang="en-CA" dirty="0"/>
-            </a:p>
-          </p:txBody>
-        </p:sp>
-        <p:pic>
-          <p:nvPicPr>
-            <p:cNvPr id="27" name="Picture 2" descr="http://www.arabgroupms.com/images/products/manila-file-folder.jpg"/>
-            <p:cNvPicPr>
-              <a:picLocks noChangeAspect="1" noChangeArrowheads="1"/>
-            </p:cNvPicPr>
-            <p:nvPr/>
-          </p:nvPicPr>
-          <p:blipFill rotWithShape="1">
-            <a:blip r:embed="rId6" cstate="print">
-              <a:extLst>
-                <a:ext uri="{28A0092B-C50C-407E-A947-70E740481C1C}">
-                  <a14:useLocalDpi xmlns:a14="http://schemas.microsoft.com/office/drawing/2010/main" val="0"/>
-                </a:ext>
-              </a:extLst>
-            </a:blip>
-            <a:srcRect l="19307" t="19943" r="19039" b="18879"/>
-            <a:stretch/>
-          </p:blipFill>
-          <p:spPr bwMode="auto">
-            <a:xfrm>
-              <a:off x="1505599" y="3210278"/>
-              <a:ext cx="618177" cy="490718"/>
-            </a:xfrm>
-            <a:prstGeom prst="rect">
-              <a:avLst/>
-            </a:prstGeom>
-            <a:noFill/>
-            <a:extLst>
-              <a:ext uri="{909E8E84-426E-40DD-AFC4-6F175D3DCCD1}">
-                <a14:hiddenFill xmlns:a14="http://schemas.microsoft.com/office/drawing/2010/main">
-                  <a:solidFill>
-                    <a:srgbClr val="FFFFFF"/>
-                  </a:solidFill>
-                </a14:hiddenFill>
-              </a:ext>
-            </a:extLst>
-          </p:spPr>
-        </p:pic>
-        <p:pic>
-          <p:nvPicPr>
-            <p:cNvPr id="28" name="Picture 4" descr="http://4vector.com/i/free-vector-text-file-icon_101919_Text_File_Icon.png"/>
-            <p:cNvPicPr>
-              <a:picLocks noChangeAspect="1" noChangeArrowheads="1"/>
-            </p:cNvPicPr>
-            <p:nvPr/>
-          </p:nvPicPr>
-          <p:blipFill>
-            <a:blip r:embed="rId7" cstate="print">
-              <a:extLst>
-                <a:ext uri="{28A0092B-C50C-407E-A947-70E740481C1C}">
-                  <a14:useLocalDpi xmlns:a14="http://schemas.microsoft.com/office/drawing/2010/main" val="0"/>
-                </a:ext>
-              </a:extLst>
-            </a:blip>
-            <a:srcRect/>
-            <a:stretch>
-              <a:fillRect/>
-            </a:stretch>
-          </p:blipFill>
-          <p:spPr bwMode="auto">
-            <a:xfrm>
-              <a:off x="1493318" y="3852324"/>
-              <a:ext cx="630458" cy="630458"/>
-            </a:xfrm>
-            <a:prstGeom prst="rect">
-              <a:avLst/>
-            </a:prstGeom>
-            <a:noFill/>
-            <a:extLst>
-              <a:ext uri="{909E8E84-426E-40DD-AFC4-6F175D3DCCD1}">
-                <a14:hiddenFill xmlns:a14="http://schemas.microsoft.com/office/drawing/2010/main">
-                  <a:solidFill>
-                    <a:srgbClr val="FFFFFF"/>
-                  </a:solidFill>
-                </a14:hiddenFill>
-              </a:ext>
-            </a:extLst>
-          </p:spPr>
-        </p:pic>
-        <p:pic>
-          <p:nvPicPr>
-            <p:cNvPr id="29" name="Picture 4" descr="http://4vector.com/i/free-vector-text-file-icon_101919_Text_File_Icon.png"/>
-            <p:cNvPicPr>
-              <a:picLocks noChangeAspect="1" noChangeArrowheads="1"/>
-            </p:cNvPicPr>
-            <p:nvPr/>
-          </p:nvPicPr>
-          <p:blipFill>
-            <a:blip r:embed="rId7" cstate="print">
-              <a:extLst>
-                <a:ext uri="{28A0092B-C50C-407E-A947-70E740481C1C}">
-                  <a14:useLocalDpi xmlns:a14="http://schemas.microsoft.com/office/drawing/2010/main" val="0"/>
-                </a:ext>
-              </a:extLst>
-            </a:blip>
-            <a:srcRect/>
-            <a:stretch>
-              <a:fillRect/>
-            </a:stretch>
-          </p:blipFill>
-          <p:spPr bwMode="auto">
-            <a:xfrm>
-              <a:off x="1505999" y="4600972"/>
-              <a:ext cx="630458" cy="630458"/>
-            </a:xfrm>
-            <a:prstGeom prst="rect">
-              <a:avLst/>
-            </a:prstGeom>
-            <a:noFill/>
-            <a:extLst>
-              <a:ext uri="{909E8E84-426E-40DD-AFC4-6F175D3DCCD1}">
-                <a14:hiddenFill xmlns:a14="http://schemas.microsoft.com/office/drawing/2010/main">
-                  <a:solidFill>
-                    <a:srgbClr val="FFFFFF"/>
-                  </a:solidFill>
-                </a14:hiddenFill>
-              </a:ext>
-            </a:extLst>
-          </p:spPr>
-        </p:pic>
-        <p:sp>
-          <p:nvSpPr>
-            <p:cNvPr id="30" name="TextBox 29"/>
-            <p:cNvSpPr txBox="1"/>
-            <p:nvPr/>
-          </p:nvSpPr>
-          <p:spPr>
-            <a:xfrm>
-              <a:off x="2136057" y="3331661"/>
-              <a:ext cx="1243812" cy="790289"/>
-            </a:xfrm>
-            <a:prstGeom prst="rect">
-              <a:avLst/>
-            </a:prstGeom>
-            <a:noFill/>
-          </p:spPr>
-          <p:txBody>
-            <a:bodyPr wrap="none" rtlCol="0">
-              <a:spAutoFit/>
-            </a:bodyPr>
-            <a:lstStyle/>
-            <a:p>
-              <a:r>
-                <a:rPr lang="en-CA" sz="500" dirty="0" smtClean="0"/>
-                <a:t>.git</a:t>
-              </a:r>
-              <a:endParaRPr lang="en-CA" sz="500" dirty="0"/>
-            </a:p>
-          </p:txBody>
-        </p:sp>
-        <p:sp>
-          <p:nvSpPr>
-            <p:cNvPr id="31" name="TextBox 30"/>
-            <p:cNvSpPr txBox="1"/>
-            <p:nvPr/>
-          </p:nvSpPr>
-          <p:spPr>
-            <a:xfrm>
-              <a:off x="2136459" y="4092734"/>
-              <a:ext cx="2763022" cy="790289"/>
-            </a:xfrm>
-            <a:prstGeom prst="rect">
-              <a:avLst/>
-            </a:prstGeom>
-            <a:noFill/>
-          </p:spPr>
-          <p:txBody>
-            <a:bodyPr wrap="none" rtlCol="0">
-              <a:spAutoFit/>
-            </a:bodyPr>
-            <a:lstStyle/>
-            <a:p>
-              <a:r>
-                <a:rPr lang="en-CA" sz="500" dirty="0" smtClean="0"/>
-                <a:t>Helloworld.java</a:t>
-              </a:r>
-              <a:endParaRPr lang="en-CA" sz="500" dirty="0"/>
-            </a:p>
-          </p:txBody>
-        </p:sp>
-        <p:sp>
-          <p:nvSpPr>
-            <p:cNvPr id="32" name="TextBox 31"/>
-            <p:cNvSpPr txBox="1"/>
-            <p:nvPr/>
-          </p:nvSpPr>
-          <p:spPr>
-            <a:xfrm>
-              <a:off x="2123774" y="4688234"/>
-              <a:ext cx="2426251" cy="790289"/>
-            </a:xfrm>
-            <a:prstGeom prst="rect">
-              <a:avLst/>
-            </a:prstGeom>
-            <a:noFill/>
-          </p:spPr>
-          <p:txBody>
-            <a:bodyPr wrap="none" rtlCol="0">
-              <a:spAutoFit/>
-            </a:bodyPr>
-            <a:lstStyle/>
-            <a:p>
-              <a:r>
-                <a:rPr lang="en-CA" sz="500" dirty="0" err="1" smtClean="0"/>
-                <a:t>Helloworld.o</a:t>
-              </a:r>
-              <a:endParaRPr lang="en-CA" sz="500" dirty="0"/>
-            </a:p>
-          </p:txBody>
-        </p:sp>
-      </p:grpSp>
-      <p:grpSp>
-        <p:nvGrpSpPr>
-          <p:cNvPr id="33" name="Group 32"/>
-          <p:cNvGrpSpPr/>
-          <p:nvPr/>
-        </p:nvGrpSpPr>
-        <p:grpSpPr>
-          <a:xfrm>
-            <a:off x="6125842" y="1902152"/>
-            <a:ext cx="736514" cy="584656"/>
-            <a:chOff x="546102" y="1117909"/>
-            <a:chExt cx="7231025" cy="5740092"/>
-          </a:xfrm>
-        </p:grpSpPr>
-        <p:pic>
-          <p:nvPicPr>
-            <p:cNvPr id="34" name="Picture 2" descr="http://www.arabgroupms.com/images/products/manila-file-folder.jpg"/>
-            <p:cNvPicPr>
-              <a:picLocks noChangeAspect="1" noChangeArrowheads="1"/>
-            </p:cNvPicPr>
-            <p:nvPr/>
-          </p:nvPicPr>
-          <p:blipFill rotWithShape="1">
-            <a:blip r:embed="rId5" cstate="print">
-              <a:extLst>
-                <a:ext uri="{28A0092B-C50C-407E-A947-70E740481C1C}">
-                  <a14:useLocalDpi xmlns:a14="http://schemas.microsoft.com/office/drawing/2010/main" val="0"/>
-                </a:ext>
-              </a:extLst>
-            </a:blip>
-            <a:srcRect l="19307" t="19943" r="19039" b="18879"/>
-            <a:stretch/>
-          </p:blipFill>
-          <p:spPr bwMode="auto">
-            <a:xfrm>
-              <a:off x="546102" y="1117909"/>
-              <a:ext cx="7231025" cy="5740092"/>
-            </a:xfrm>
-            <a:prstGeom prst="rect">
-              <a:avLst/>
-            </a:prstGeom>
-            <a:noFill/>
-            <a:extLst>
-              <a:ext uri="{909E8E84-426E-40DD-AFC4-6F175D3DCCD1}">
-                <a14:hiddenFill xmlns:a14="http://schemas.microsoft.com/office/drawing/2010/main">
-                  <a:solidFill>
-                    <a:srgbClr val="FFFFFF"/>
-                  </a:solidFill>
-                </a14:hiddenFill>
-              </a:ext>
-            </a:extLst>
-          </p:spPr>
-        </p:pic>
-        <p:sp>
-          <p:nvSpPr>
-            <p:cNvPr id="35" name="Rounded Rectangle 34"/>
-            <p:cNvSpPr/>
-            <p:nvPr/>
-          </p:nvSpPr>
-          <p:spPr>
-            <a:xfrm>
-              <a:off x="761379" y="2549879"/>
-              <a:ext cx="6691098" cy="3861518"/>
-            </a:xfrm>
-            <a:prstGeom prst="roundRect">
-              <a:avLst/>
-            </a:prstGeom>
-            <a:solidFill>
-              <a:schemeClr val="bg1"/>
-            </a:solidFill>
-            <a:ln>
-              <a:solidFill>
-                <a:schemeClr val="accent4">
-                  <a:lumMod val="20000"/>
-                  <a:lumOff val="80000"/>
-                </a:schemeClr>
-              </a:solidFill>
-            </a:ln>
-          </p:spPr>
-          <p:style>
-            <a:lnRef idx="2">
-              <a:schemeClr val="accent1">
-                <a:shade val="50000"/>
-              </a:schemeClr>
-            </a:lnRef>
-            <a:fillRef idx="1">
-              <a:schemeClr val="accent1"/>
-            </a:fillRef>
-            <a:effectRef idx="0">
-              <a:schemeClr val="accent1"/>
-            </a:effectRef>
-            <a:fontRef idx="minor">
-              <a:schemeClr val="lt1"/>
-            </a:fontRef>
-          </p:style>
-          <p:txBody>
-            <a:bodyPr rtlCol="0" anchor="ctr"/>
-            <a:lstStyle/>
-            <a:p>
-              <a:pPr algn="ctr"/>
-              <a:endParaRPr lang="en-CA" dirty="0"/>
-            </a:p>
-          </p:txBody>
-        </p:sp>
-        <p:pic>
-          <p:nvPicPr>
-            <p:cNvPr id="36" name="Picture 2" descr="http://www.arabgroupms.com/images/products/manila-file-folder.jpg"/>
-            <p:cNvPicPr>
-              <a:picLocks noChangeAspect="1" noChangeArrowheads="1"/>
-            </p:cNvPicPr>
-            <p:nvPr/>
-          </p:nvPicPr>
-          <p:blipFill rotWithShape="1">
-            <a:blip r:embed="rId6" cstate="print">
-              <a:extLst>
-                <a:ext uri="{28A0092B-C50C-407E-A947-70E740481C1C}">
-                  <a14:useLocalDpi xmlns:a14="http://schemas.microsoft.com/office/drawing/2010/main" val="0"/>
-                </a:ext>
-              </a:extLst>
-            </a:blip>
-            <a:srcRect l="19307" t="19943" r="19039" b="18879"/>
-            <a:stretch/>
-          </p:blipFill>
-          <p:spPr bwMode="auto">
-            <a:xfrm>
-              <a:off x="1505599" y="3210278"/>
-              <a:ext cx="618177" cy="490718"/>
-            </a:xfrm>
-            <a:prstGeom prst="rect">
-              <a:avLst/>
-            </a:prstGeom>
-            <a:noFill/>
-            <a:extLst>
-              <a:ext uri="{909E8E84-426E-40DD-AFC4-6F175D3DCCD1}">
-                <a14:hiddenFill xmlns:a14="http://schemas.microsoft.com/office/drawing/2010/main">
-                  <a:solidFill>
-                    <a:srgbClr val="FFFFFF"/>
-                  </a:solidFill>
-                </a14:hiddenFill>
-              </a:ext>
-            </a:extLst>
-          </p:spPr>
-        </p:pic>
-        <p:pic>
-          <p:nvPicPr>
-            <p:cNvPr id="37" name="Picture 4" descr="http://4vector.com/i/free-vector-text-file-icon_101919_Text_File_Icon.png"/>
-            <p:cNvPicPr>
-              <a:picLocks noChangeAspect="1" noChangeArrowheads="1"/>
-            </p:cNvPicPr>
-            <p:nvPr/>
-          </p:nvPicPr>
-          <p:blipFill>
-            <a:blip r:embed="rId7" cstate="print">
-              <a:extLst>
-                <a:ext uri="{28A0092B-C50C-407E-A947-70E740481C1C}">
-                  <a14:useLocalDpi xmlns:a14="http://schemas.microsoft.com/office/drawing/2010/main" val="0"/>
-                </a:ext>
-              </a:extLst>
-            </a:blip>
-            <a:srcRect/>
-            <a:stretch>
-              <a:fillRect/>
-            </a:stretch>
-          </p:blipFill>
-          <p:spPr bwMode="auto">
-            <a:xfrm>
-              <a:off x="1493318" y="3852324"/>
-              <a:ext cx="630458" cy="630458"/>
-            </a:xfrm>
-            <a:prstGeom prst="rect">
-              <a:avLst/>
-            </a:prstGeom>
-            <a:noFill/>
-            <a:extLst>
-              <a:ext uri="{909E8E84-426E-40DD-AFC4-6F175D3DCCD1}">
-                <a14:hiddenFill xmlns:a14="http://schemas.microsoft.com/office/drawing/2010/main">
-                  <a:solidFill>
-                    <a:srgbClr val="FFFFFF"/>
-                  </a:solidFill>
-                </a14:hiddenFill>
-              </a:ext>
-            </a:extLst>
-          </p:spPr>
-        </p:pic>
-        <p:pic>
-          <p:nvPicPr>
-            <p:cNvPr id="38" name="Picture 4" descr="http://4vector.com/i/free-vector-text-file-icon_101919_Text_File_Icon.png"/>
-            <p:cNvPicPr>
-              <a:picLocks noChangeAspect="1" noChangeArrowheads="1"/>
-            </p:cNvPicPr>
-            <p:nvPr/>
-          </p:nvPicPr>
-          <p:blipFill>
-            <a:blip r:embed="rId7" cstate="print">
-              <a:extLst>
-                <a:ext uri="{28A0092B-C50C-407E-A947-70E740481C1C}">
-                  <a14:useLocalDpi xmlns:a14="http://schemas.microsoft.com/office/drawing/2010/main" val="0"/>
-                </a:ext>
-              </a:extLst>
-            </a:blip>
-            <a:srcRect/>
-            <a:stretch>
-              <a:fillRect/>
-            </a:stretch>
-          </p:blipFill>
-          <p:spPr bwMode="auto">
-            <a:xfrm>
-              <a:off x="1505999" y="4600972"/>
-              <a:ext cx="630458" cy="630458"/>
-            </a:xfrm>
-            <a:prstGeom prst="rect">
-              <a:avLst/>
-            </a:prstGeom>
-            <a:noFill/>
-            <a:extLst>
-              <a:ext uri="{909E8E84-426E-40DD-AFC4-6F175D3DCCD1}">
-                <a14:hiddenFill xmlns:a14="http://schemas.microsoft.com/office/drawing/2010/main">
-                  <a:solidFill>
-                    <a:srgbClr val="FFFFFF"/>
-                  </a:solidFill>
-                </a14:hiddenFill>
-              </a:ext>
-            </a:extLst>
-          </p:spPr>
-        </p:pic>
-        <p:sp>
-          <p:nvSpPr>
-            <p:cNvPr id="39" name="TextBox 38"/>
-            <p:cNvSpPr txBox="1"/>
-            <p:nvPr/>
-          </p:nvSpPr>
-          <p:spPr>
-            <a:xfrm>
-              <a:off x="2136057" y="3331661"/>
-              <a:ext cx="1243812" cy="790289"/>
-            </a:xfrm>
-            <a:prstGeom prst="rect">
-              <a:avLst/>
-            </a:prstGeom>
-            <a:noFill/>
-          </p:spPr>
-          <p:txBody>
-            <a:bodyPr wrap="none" rtlCol="0">
-              <a:spAutoFit/>
-            </a:bodyPr>
-            <a:lstStyle/>
-            <a:p>
-              <a:r>
-                <a:rPr lang="en-CA" sz="500" dirty="0" smtClean="0"/>
-                <a:t>.git</a:t>
-              </a:r>
-              <a:endParaRPr lang="en-CA" sz="500" dirty="0"/>
-            </a:p>
-          </p:txBody>
-        </p:sp>
-        <p:sp>
-          <p:nvSpPr>
-            <p:cNvPr id="40" name="TextBox 39"/>
-            <p:cNvSpPr txBox="1"/>
-            <p:nvPr/>
-          </p:nvSpPr>
-          <p:spPr>
-            <a:xfrm>
-              <a:off x="2136459" y="4092734"/>
-              <a:ext cx="2763022" cy="790289"/>
-            </a:xfrm>
-            <a:prstGeom prst="rect">
-              <a:avLst/>
-            </a:prstGeom>
-            <a:noFill/>
-          </p:spPr>
-          <p:txBody>
-            <a:bodyPr wrap="none" rtlCol="0">
-              <a:spAutoFit/>
-            </a:bodyPr>
-            <a:lstStyle/>
-            <a:p>
-              <a:r>
-                <a:rPr lang="en-CA" sz="500" dirty="0" smtClean="0"/>
-                <a:t>Helloworld.java</a:t>
-              </a:r>
-              <a:endParaRPr lang="en-CA" sz="500" dirty="0"/>
-            </a:p>
-          </p:txBody>
-        </p:sp>
-        <p:sp>
-          <p:nvSpPr>
-            <p:cNvPr id="41" name="TextBox 40"/>
-            <p:cNvSpPr txBox="1"/>
-            <p:nvPr/>
-          </p:nvSpPr>
-          <p:spPr>
-            <a:xfrm>
-              <a:off x="2123774" y="4688234"/>
-              <a:ext cx="2426251" cy="790289"/>
-            </a:xfrm>
-            <a:prstGeom prst="rect">
-              <a:avLst/>
-            </a:prstGeom>
-            <a:noFill/>
-          </p:spPr>
-          <p:txBody>
-            <a:bodyPr wrap="none" rtlCol="0">
-              <a:spAutoFit/>
-            </a:bodyPr>
-            <a:lstStyle/>
-            <a:p>
-              <a:r>
-                <a:rPr lang="en-CA" sz="500" dirty="0" err="1" smtClean="0"/>
-                <a:t>Helloworld.o</a:t>
-              </a:r>
-              <a:endParaRPr lang="en-CA" sz="500" dirty="0"/>
-            </a:p>
-          </p:txBody>
-        </p:sp>
-      </p:grpSp>
-      <p:pic>
-        <p:nvPicPr>
-          <p:cNvPr id="42" name="Picture 41"/>
-          <p:cNvPicPr>
-            <a:picLocks noChangeAspect="1"/>
-          </p:cNvPicPr>
-          <p:nvPr/>
-        </p:nvPicPr>
-        <p:blipFill>
-          <a:blip r:embed="rId8">
-            <a:extLst>
-              <a:ext uri="{28A0092B-C50C-407E-A947-70E740481C1C}">
-                <a14:useLocalDpi xmlns:a14="http://schemas.microsoft.com/office/drawing/2010/main" val="0"/>
-              </a:ext>
-            </a:extLst>
-          </a:blip>
-          <a:stretch>
-            <a:fillRect/>
-          </a:stretch>
-        </p:blipFill>
-        <p:spPr>
-          <a:xfrm>
-            <a:off x="4353392" y="1821741"/>
-            <a:ext cx="1717382" cy="1517021"/>
-          </a:xfrm>
-          <a:prstGeom prst="rect">
-            <a:avLst/>
-          </a:prstGeom>
-        </p:spPr>
-      </p:pic>
-      <p:pic>
-        <p:nvPicPr>
-          <p:cNvPr id="5" name="Picture 4"/>
-          <p:cNvPicPr>
-            <a:picLocks noChangeAspect="1"/>
-          </p:cNvPicPr>
-          <p:nvPr/>
-        </p:nvPicPr>
-        <p:blipFill>
-          <a:blip r:embed="rId9" cstate="print">
-            <a:extLst>
-              <a:ext uri="{28A0092B-C50C-407E-A947-70E740481C1C}">
-                <a14:useLocalDpi xmlns:a14="http://schemas.microsoft.com/office/drawing/2010/main" val="0"/>
-              </a:ext>
-            </a:extLst>
-          </a:blip>
-          <a:stretch>
-            <a:fillRect/>
-          </a:stretch>
-        </p:blipFill>
-        <p:spPr>
-          <a:xfrm>
-            <a:off x="4776717" y="1580471"/>
-            <a:ext cx="1067196" cy="1067196"/>
-          </a:xfrm>
-          <a:prstGeom prst="rect">
-            <a:avLst/>
-          </a:prstGeom>
-        </p:spPr>
-      </p:pic>
-      <p:sp>
-        <p:nvSpPr>
-          <p:cNvPr id="43" name="TextBox 42"/>
-          <p:cNvSpPr txBox="1"/>
-          <p:nvPr/>
-        </p:nvSpPr>
-        <p:spPr>
-          <a:xfrm>
-            <a:off x="4538299" y="2903425"/>
-            <a:ext cx="1305614" cy="369332"/>
-          </a:xfrm>
-          <a:prstGeom prst="rect">
-            <a:avLst/>
-          </a:prstGeom>
-          <a:noFill/>
-        </p:spPr>
-        <p:txBody>
-          <a:bodyPr wrap="none" rtlCol="0">
-            <a:spAutoFit/>
-          </a:bodyPr>
-          <a:lstStyle/>
-          <a:p>
-            <a:r>
-              <a:rPr lang="en-CA" b="1" dirty="0" smtClean="0"/>
-              <a:t>Github.com</a:t>
-            </a:r>
-            <a:endParaRPr lang="en-CA" b="1" dirty="0"/>
-          </a:p>
-        </p:txBody>
-      </p:sp>
-      <p:sp>
-        <p:nvSpPr>
-          <p:cNvPr id="44" name="TextBox 43"/>
-          <p:cNvSpPr txBox="1"/>
-          <p:nvPr/>
-        </p:nvSpPr>
-        <p:spPr>
-          <a:xfrm>
-            <a:off x="6028820" y="2554073"/>
-            <a:ext cx="1471878" cy="369332"/>
-          </a:xfrm>
-          <a:prstGeom prst="rect">
-            <a:avLst/>
-          </a:prstGeom>
-          <a:noFill/>
-        </p:spPr>
-        <p:txBody>
-          <a:bodyPr wrap="none" rtlCol="0">
-            <a:spAutoFit/>
-          </a:bodyPr>
-          <a:lstStyle/>
-          <a:p>
-            <a:r>
-              <a:rPr lang="en-CA" b="1" dirty="0" smtClean="0"/>
-              <a:t>Remote Repo</a:t>
-            </a:r>
-            <a:endParaRPr lang="en-CA" b="1" dirty="0"/>
-          </a:p>
-        </p:txBody>
-      </p:sp>
-      <p:cxnSp>
-        <p:nvCxnSpPr>
-          <p:cNvPr id="46" name="Straight Arrow Connector 45"/>
-          <p:cNvCxnSpPr/>
-          <p:nvPr/>
-        </p:nvCxnSpPr>
-        <p:spPr>
-          <a:xfrm flipV="1">
-            <a:off x="3629879" y="3493827"/>
-            <a:ext cx="1561227" cy="1057672"/>
-          </a:xfrm>
-          <a:prstGeom prst="straightConnector1">
-            <a:avLst/>
-          </a:prstGeom>
-          <a:ln w="38100">
-            <a:tailEnd type="triangle"/>
-          </a:ln>
-        </p:spPr>
-        <p:style>
-          <a:lnRef idx="1">
-            <a:schemeClr val="accent1"/>
-          </a:lnRef>
-          <a:fillRef idx="0">
-            <a:schemeClr val="accent1"/>
-          </a:fillRef>
-          <a:effectRef idx="0">
-            <a:schemeClr val="accent1"/>
-          </a:effectRef>
-          <a:fontRef idx="minor">
-            <a:schemeClr val="tx1"/>
-          </a:fontRef>
-        </p:style>
-      </p:cxnSp>
-      <p:cxnSp>
-        <p:nvCxnSpPr>
-          <p:cNvPr id="48" name="Straight Arrow Connector 47"/>
-          <p:cNvCxnSpPr/>
-          <p:nvPr/>
-        </p:nvCxnSpPr>
-        <p:spPr>
-          <a:xfrm>
-            <a:off x="5723434" y="3469815"/>
-            <a:ext cx="1879429" cy="950631"/>
-          </a:xfrm>
-          <a:prstGeom prst="straightConnector1">
-            <a:avLst/>
-          </a:prstGeom>
-          <a:ln w="38100">
-            <a:tailEnd type="triangle"/>
-          </a:ln>
-        </p:spPr>
-        <p:style>
-          <a:lnRef idx="1">
-            <a:schemeClr val="accent1"/>
-          </a:lnRef>
-          <a:fillRef idx="0">
-            <a:schemeClr val="accent1"/>
-          </a:fillRef>
-          <a:effectRef idx="0">
-            <a:schemeClr val="accent1"/>
-          </a:effectRef>
-          <a:fontRef idx="minor">
-            <a:schemeClr val="tx1"/>
-          </a:fontRef>
-        </p:style>
-      </p:cxnSp>
-    </p:spTree>
-    <p:extLst>
-      <p:ext uri="{BB962C8B-B14F-4D97-AF65-F5344CB8AC3E}">
-        <p14:creationId xmlns:p14="http://schemas.microsoft.com/office/powerpoint/2010/main" val="3120922585"/>
-      </p:ext>
-    </p:extLst>
-  </p:cSld>
-  <p:clrMapOvr>
-    <a:masterClrMapping/>
-  </p:clrMapOvr>
-  <p:timing>
-    <p:tnLst>
-      <p:par>
-        <p:cTn id="1" dur="indefinite" restart="never" nodeType="tmRoot"/>
-      </p:par>
-    </p:tnLst>
-  </p:timing>
-</p:sld>
-</file>
-
 <file path=ppt/slides/slide15.xml><?xml version="1.0" encoding="utf-8"?>
-<p:sld xmlns:a="http://schemas.openxmlformats.org/drawingml/2006/main" xmlns:r="http://schemas.openxmlformats.org/officeDocument/2006/relationships" xmlns:p="http://schemas.openxmlformats.org/presentationml/2006/main">
-  <p:cSld>
-    <p:spTree>
-      <p:nvGrpSpPr>
-        <p:cNvPr id="1" name=""/>
-        <p:cNvGrpSpPr/>
-        <p:nvPr/>
-      </p:nvGrpSpPr>
-      <p:grpSpPr>
-        <a:xfrm>
-          <a:off x="0" y="0"/>
-          <a:ext cx="0" cy="0"/>
-          <a:chOff x="0" y="0"/>
-          <a:chExt cx="0" cy="0"/>
-        </a:xfrm>
-      </p:grpSpPr>
-      <p:sp>
-        <p:nvSpPr>
-          <p:cNvPr id="2" name="Title 1"/>
-          <p:cNvSpPr>
-            <a:spLocks noGrp="1"/>
-          </p:cNvSpPr>
-          <p:nvPr>
-            <p:ph type="title"/>
-          </p:nvPr>
-        </p:nvSpPr>
-        <p:spPr/>
-        <p:txBody>
-          <a:bodyPr/>
-          <a:lstStyle/>
-          <a:p>
-            <a:r>
-              <a:rPr lang="en-CA" dirty="0" smtClean="0"/>
-              <a:t>Repository logs</a:t>
-            </a:r>
-            <a:endParaRPr lang="en-CA" dirty="0"/>
-          </a:p>
-        </p:txBody>
-      </p:sp>
-      <p:pic>
-        <p:nvPicPr>
-          <p:cNvPr id="4" name="Picture 3"/>
-          <p:cNvPicPr>
-            <a:picLocks noChangeAspect="1"/>
-          </p:cNvPicPr>
-          <p:nvPr/>
-        </p:nvPicPr>
-        <p:blipFill>
-          <a:blip r:embed="rId3"/>
-          <a:stretch>
-            <a:fillRect/>
-          </a:stretch>
-        </p:blipFill>
-        <p:spPr>
-          <a:xfrm>
-            <a:off x="838200" y="1565156"/>
-            <a:ext cx="6226371" cy="4207847"/>
-          </a:xfrm>
-          <a:prstGeom prst="rect">
-            <a:avLst/>
-          </a:prstGeom>
-        </p:spPr>
-      </p:pic>
-    </p:spTree>
-    <p:extLst>
-      <p:ext uri="{BB962C8B-B14F-4D97-AF65-F5344CB8AC3E}">
-        <p14:creationId xmlns:p14="http://schemas.microsoft.com/office/powerpoint/2010/main" val="701823414"/>
-      </p:ext>
-    </p:extLst>
-  </p:cSld>
-  <p:clrMapOvr>
-    <a:masterClrMapping/>
-  </p:clrMapOvr>
-</p:sld>
-</file>
-
-<file path=ppt/slides/slide16.xml><?xml version="1.0" encoding="utf-8"?>
-<p:sld xmlns:a="http://schemas.openxmlformats.org/drawingml/2006/main" xmlns:r="http://schemas.openxmlformats.org/officeDocument/2006/relationships" xmlns:p="http://schemas.openxmlformats.org/presentationml/2006/main">
-  <p:cSld>
-    <p:spTree>
-      <p:nvGrpSpPr>
-        <p:cNvPr id="1" name=""/>
-        <p:cNvGrpSpPr/>
-        <p:nvPr/>
-      </p:nvGrpSpPr>
-      <p:grpSpPr>
-        <a:xfrm>
-          <a:off x="0" y="0"/>
-          <a:ext cx="0" cy="0"/>
-          <a:chOff x="0" y="0"/>
-          <a:chExt cx="0" cy="0"/>
-        </a:xfrm>
-      </p:grpSpPr>
-      <p:sp>
-        <p:nvSpPr>
-          <p:cNvPr id="2" name="Title 1"/>
-          <p:cNvSpPr>
-            <a:spLocks noGrp="1"/>
-          </p:cNvSpPr>
-          <p:nvPr>
-            <p:ph type="title"/>
-          </p:nvPr>
-        </p:nvSpPr>
-        <p:spPr/>
-        <p:txBody>
-          <a:bodyPr/>
-          <a:lstStyle/>
-          <a:p>
-            <a:r>
-              <a:rPr lang="en-CA" dirty="0" smtClean="0"/>
-              <a:t>Creating our own Repository</a:t>
-            </a:r>
-            <a:endParaRPr lang="en-CA" dirty="0"/>
-          </a:p>
-        </p:txBody>
-      </p:sp>
-      <p:pic>
-        <p:nvPicPr>
-          <p:cNvPr id="4" name="Picture 3"/>
-          <p:cNvPicPr>
-            <a:picLocks noChangeAspect="1"/>
-          </p:cNvPicPr>
-          <p:nvPr/>
-        </p:nvPicPr>
-        <p:blipFill>
-          <a:blip r:embed="rId3"/>
-          <a:stretch>
-            <a:fillRect/>
-          </a:stretch>
-        </p:blipFill>
-        <p:spPr>
-          <a:xfrm>
-            <a:off x="838201" y="1690688"/>
-            <a:ext cx="5744274" cy="1005592"/>
-          </a:xfrm>
-          <a:prstGeom prst="rect">
-            <a:avLst/>
-          </a:prstGeom>
-        </p:spPr>
-      </p:pic>
-      <p:pic>
-        <p:nvPicPr>
-          <p:cNvPr id="5" name="Picture 4"/>
-          <p:cNvPicPr>
-            <a:picLocks noChangeAspect="1"/>
-          </p:cNvPicPr>
-          <p:nvPr/>
-        </p:nvPicPr>
-        <p:blipFill>
-          <a:blip r:embed="rId4"/>
-          <a:stretch>
-            <a:fillRect/>
-          </a:stretch>
-        </p:blipFill>
-        <p:spPr>
-          <a:xfrm>
-            <a:off x="838200" y="3312237"/>
-            <a:ext cx="5730497" cy="964266"/>
-          </a:xfrm>
-          <a:prstGeom prst="rect">
-            <a:avLst/>
-          </a:prstGeom>
-        </p:spPr>
-      </p:pic>
-      <p:pic>
-        <p:nvPicPr>
-          <p:cNvPr id="6" name="Picture 5"/>
-          <p:cNvPicPr>
-            <a:picLocks noChangeAspect="1"/>
-          </p:cNvPicPr>
-          <p:nvPr/>
-        </p:nvPicPr>
-        <p:blipFill>
-          <a:blip r:embed="rId5"/>
-          <a:stretch>
-            <a:fillRect/>
-          </a:stretch>
-        </p:blipFill>
-        <p:spPr>
-          <a:xfrm>
-            <a:off x="838200" y="4892461"/>
-            <a:ext cx="11102838" cy="1088243"/>
-          </a:xfrm>
-          <a:prstGeom prst="rect">
-            <a:avLst/>
-          </a:prstGeom>
-        </p:spPr>
-      </p:pic>
-      <p:sp>
-        <p:nvSpPr>
-          <p:cNvPr id="7" name="Oval 6"/>
-          <p:cNvSpPr/>
-          <p:nvPr/>
-        </p:nvSpPr>
-        <p:spPr>
-          <a:xfrm>
-            <a:off x="307430" y="1409467"/>
-            <a:ext cx="614863" cy="614863"/>
-          </a:xfrm>
-          <a:prstGeom prst="ellipse">
-            <a:avLst/>
-          </a:prstGeom>
-        </p:spPr>
-        <p:style>
-          <a:lnRef idx="2">
-            <a:schemeClr val="accent1">
-              <a:shade val="50000"/>
-            </a:schemeClr>
-          </a:lnRef>
-          <a:fillRef idx="1">
-            <a:schemeClr val="accent1"/>
-          </a:fillRef>
-          <a:effectRef idx="0">
-            <a:schemeClr val="accent1"/>
-          </a:effectRef>
-          <a:fontRef idx="minor">
-            <a:schemeClr val="lt1"/>
-          </a:fontRef>
-        </p:style>
-        <p:txBody>
-          <a:bodyPr rtlCol="0" anchor="ctr"/>
-          <a:lstStyle/>
-          <a:p>
-            <a:pPr algn="ctr"/>
-            <a:r>
-              <a:rPr lang="en-CA" dirty="0" smtClean="0">
-                <a:ln w="0"/>
-                <a:solidFill>
-                  <a:schemeClr val="bg1"/>
-                </a:solidFill>
-                <a:effectLst>
-                  <a:outerShdw blurRad="38100" dist="19050" dir="2700000" algn="tl" rotWithShape="0">
-                    <a:schemeClr val="dk1">
-                      <a:alpha val="40000"/>
-                    </a:schemeClr>
-                  </a:outerShdw>
-                </a:effectLst>
-                <a:latin typeface="Arial Black" panose="020B0A04020102020204" pitchFamily="34" charset="0"/>
-              </a:rPr>
-              <a:t>1</a:t>
-            </a:r>
-            <a:endParaRPr lang="en-CA" dirty="0">
-              <a:ln w="0"/>
-              <a:solidFill>
-                <a:schemeClr val="bg1"/>
-              </a:solidFill>
-              <a:effectLst>
-                <a:outerShdw blurRad="38100" dist="19050" dir="2700000" algn="tl" rotWithShape="0">
-                  <a:schemeClr val="dk1">
-                    <a:alpha val="40000"/>
-                  </a:schemeClr>
-                </a:outerShdw>
-              </a:effectLst>
-              <a:latin typeface="Arial Black" panose="020B0A04020102020204" pitchFamily="34" charset="0"/>
-            </a:endParaRPr>
-          </a:p>
-        </p:txBody>
-      </p:sp>
-      <p:sp>
-        <p:nvSpPr>
-          <p:cNvPr id="8" name="Oval 7"/>
-          <p:cNvSpPr/>
-          <p:nvPr/>
-        </p:nvSpPr>
-        <p:spPr>
-          <a:xfrm>
-            <a:off x="307431" y="3081091"/>
-            <a:ext cx="614863" cy="614863"/>
-          </a:xfrm>
-          <a:prstGeom prst="ellipse">
-            <a:avLst/>
-          </a:prstGeom>
-        </p:spPr>
-        <p:style>
-          <a:lnRef idx="2">
-            <a:schemeClr val="accent1">
-              <a:shade val="50000"/>
-            </a:schemeClr>
-          </a:lnRef>
-          <a:fillRef idx="1">
-            <a:schemeClr val="accent1"/>
-          </a:fillRef>
-          <a:effectRef idx="0">
-            <a:schemeClr val="accent1"/>
-          </a:effectRef>
-          <a:fontRef idx="minor">
-            <a:schemeClr val="lt1"/>
-          </a:fontRef>
-        </p:style>
-        <p:txBody>
-          <a:bodyPr rtlCol="0" anchor="ctr"/>
-          <a:lstStyle/>
-          <a:p>
-            <a:pPr algn="ctr"/>
-            <a:r>
-              <a:rPr lang="en-CA" dirty="0" smtClean="0">
-                <a:ln w="0"/>
-                <a:solidFill>
-                  <a:schemeClr val="bg1"/>
-                </a:solidFill>
-                <a:effectLst>
-                  <a:outerShdw blurRad="38100" dist="19050" dir="2700000" algn="tl" rotWithShape="0">
-                    <a:schemeClr val="dk1">
-                      <a:alpha val="40000"/>
-                    </a:schemeClr>
-                  </a:outerShdw>
-                </a:effectLst>
-                <a:latin typeface="Arial Black" panose="020B0A04020102020204" pitchFamily="34" charset="0"/>
-              </a:rPr>
-              <a:t>2</a:t>
-            </a:r>
-            <a:endParaRPr lang="en-CA" dirty="0">
-              <a:ln w="0"/>
-              <a:solidFill>
-                <a:schemeClr val="bg1"/>
-              </a:solidFill>
-              <a:effectLst>
-                <a:outerShdw blurRad="38100" dist="19050" dir="2700000" algn="tl" rotWithShape="0">
-                  <a:schemeClr val="dk1">
-                    <a:alpha val="40000"/>
-                  </a:schemeClr>
-                </a:outerShdw>
-              </a:effectLst>
-              <a:latin typeface="Arial Black" panose="020B0A04020102020204" pitchFamily="34" charset="0"/>
-            </a:endParaRPr>
-          </a:p>
-        </p:txBody>
-      </p:sp>
-      <p:sp>
-        <p:nvSpPr>
-          <p:cNvPr id="9" name="Oval 8"/>
-          <p:cNvSpPr/>
-          <p:nvPr/>
-        </p:nvSpPr>
-        <p:spPr>
-          <a:xfrm>
-            <a:off x="307431" y="4585028"/>
-            <a:ext cx="614863" cy="614863"/>
-          </a:xfrm>
-          <a:prstGeom prst="ellipse">
-            <a:avLst/>
-          </a:prstGeom>
-        </p:spPr>
-        <p:style>
-          <a:lnRef idx="2">
-            <a:schemeClr val="accent1">
-              <a:shade val="50000"/>
-            </a:schemeClr>
-          </a:lnRef>
-          <a:fillRef idx="1">
-            <a:schemeClr val="accent1"/>
-          </a:fillRef>
-          <a:effectRef idx="0">
-            <a:schemeClr val="accent1"/>
-          </a:effectRef>
-          <a:fontRef idx="minor">
-            <a:schemeClr val="lt1"/>
-          </a:fontRef>
-        </p:style>
-        <p:txBody>
-          <a:bodyPr rtlCol="0" anchor="ctr"/>
-          <a:lstStyle/>
-          <a:p>
-            <a:pPr algn="ctr"/>
-            <a:r>
-              <a:rPr lang="en-CA" dirty="0" smtClean="0">
-                <a:ln w="0"/>
-                <a:solidFill>
-                  <a:schemeClr val="bg1"/>
-                </a:solidFill>
-                <a:effectLst>
-                  <a:outerShdw blurRad="38100" dist="19050" dir="2700000" algn="tl" rotWithShape="0">
-                    <a:schemeClr val="dk1">
-                      <a:alpha val="40000"/>
-                    </a:schemeClr>
-                  </a:outerShdw>
-                </a:effectLst>
-                <a:latin typeface="Arial Black" panose="020B0A04020102020204" pitchFamily="34" charset="0"/>
-              </a:rPr>
-              <a:t>3</a:t>
-            </a:r>
-            <a:endParaRPr lang="en-CA" dirty="0">
-              <a:ln w="0"/>
-              <a:solidFill>
-                <a:schemeClr val="bg1"/>
-              </a:solidFill>
-              <a:effectLst>
-                <a:outerShdw blurRad="38100" dist="19050" dir="2700000" algn="tl" rotWithShape="0">
-                  <a:schemeClr val="dk1">
-                    <a:alpha val="40000"/>
-                  </a:schemeClr>
-                </a:outerShdw>
-              </a:effectLst>
-              <a:latin typeface="Arial Black" panose="020B0A04020102020204" pitchFamily="34" charset="0"/>
-            </a:endParaRPr>
-          </a:p>
-        </p:txBody>
-      </p:sp>
-    </p:spTree>
-    <p:extLst>
-      <p:ext uri="{BB962C8B-B14F-4D97-AF65-F5344CB8AC3E}">
-        <p14:creationId xmlns:p14="http://schemas.microsoft.com/office/powerpoint/2010/main" val="3302986194"/>
-      </p:ext>
-    </p:extLst>
-  </p:cSld>
-  <p:clrMapOvr>
-    <a:masterClrMapping/>
-  </p:clrMapOvr>
-  <p:timing>
-    <p:tnLst>
-      <p:par>
-        <p:cTn id="1" dur="indefinite" restart="never" nodeType="tmRoot"/>
-      </p:par>
-    </p:tnLst>
-  </p:timing>
-</p:sld>
-</file>
-
-<file path=ppt/slides/slide17.xml><?xml version="1.0" encoding="utf-8"?>
 <p:sld xmlns:a="http://schemas.openxmlformats.org/drawingml/2006/main" xmlns:r="http://schemas.openxmlformats.org/officeDocument/2006/relationships" xmlns:p="http://schemas.openxmlformats.org/presentationml/2006/main">
   <p:cSld>
     <p:spTree>
@@ -11806,7 +10121,7 @@
 </p:sld>
 </file>
 
-<file path=ppt/slides/slide18.xml><?xml version="1.0" encoding="utf-8"?>
+<file path=ppt/slides/slide16.xml><?xml version="1.0" encoding="utf-8"?>
 <p:sld xmlns:a="http://schemas.openxmlformats.org/drawingml/2006/main" xmlns:r="http://schemas.openxmlformats.org/officeDocument/2006/relationships" xmlns:p="http://schemas.openxmlformats.org/presentationml/2006/main">
   <p:cSld>
     <p:spTree>
@@ -11995,7 +10310,1502 @@
 </p:sld>
 </file>
 
+<file path=ppt/slides/slide17.xml><?xml version="1.0" encoding="utf-8"?>
+<p:sld xmlns:a="http://schemas.openxmlformats.org/drawingml/2006/main" xmlns:r="http://schemas.openxmlformats.org/officeDocument/2006/relationships" xmlns:p="http://schemas.openxmlformats.org/presentationml/2006/main">
+  <p:cSld>
+    <p:spTree>
+      <p:nvGrpSpPr>
+        <p:cNvPr id="1" name=""/>
+        <p:cNvGrpSpPr/>
+        <p:nvPr/>
+      </p:nvGrpSpPr>
+      <p:grpSpPr>
+        <a:xfrm>
+          <a:off x="0" y="0"/>
+          <a:ext cx="0" cy="0"/>
+          <a:chOff x="0" y="0"/>
+          <a:chExt cx="0" cy="0"/>
+        </a:xfrm>
+      </p:grpSpPr>
+      <p:sp>
+        <p:nvSpPr>
+          <p:cNvPr id="2" name="Title 1"/>
+          <p:cNvSpPr>
+            <a:spLocks noGrp="1"/>
+          </p:cNvSpPr>
+          <p:nvPr>
+            <p:ph type="title"/>
+          </p:nvPr>
+        </p:nvSpPr>
+        <p:spPr/>
+        <p:txBody>
+          <a:bodyPr/>
+          <a:lstStyle/>
+          <a:p>
+            <a:r>
+              <a:rPr lang="en-CA" dirty="0" smtClean="0"/>
+              <a:t>File Status Updates</a:t>
+            </a:r>
+            <a:endParaRPr lang="en-CA" dirty="0"/>
+          </a:p>
+        </p:txBody>
+      </p:sp>
+      <p:pic>
+        <p:nvPicPr>
+          <p:cNvPr id="4" name="Picture 3"/>
+          <p:cNvPicPr>
+            <a:picLocks noChangeAspect="1"/>
+          </p:cNvPicPr>
+          <p:nvPr/>
+        </p:nvPicPr>
+        <p:blipFill>
+          <a:blip r:embed="rId3"/>
+          <a:stretch>
+            <a:fillRect/>
+          </a:stretch>
+        </p:blipFill>
+        <p:spPr>
+          <a:xfrm>
+            <a:off x="838200" y="1562099"/>
+            <a:ext cx="7847819" cy="860035"/>
+          </a:xfrm>
+          <a:prstGeom prst="rect">
+            <a:avLst/>
+          </a:prstGeom>
+        </p:spPr>
+      </p:pic>
+      <p:pic>
+        <p:nvPicPr>
+          <p:cNvPr id="5" name="Picture 4"/>
+          <p:cNvPicPr>
+            <a:picLocks noChangeAspect="1"/>
+          </p:cNvPicPr>
+          <p:nvPr/>
+        </p:nvPicPr>
+        <p:blipFill>
+          <a:blip r:embed="rId4"/>
+          <a:stretch>
+            <a:fillRect/>
+          </a:stretch>
+        </p:blipFill>
+        <p:spPr>
+          <a:xfrm>
+            <a:off x="1732243" y="2607470"/>
+            <a:ext cx="5576788" cy="1531937"/>
+          </a:xfrm>
+          <a:prstGeom prst="rect">
+            <a:avLst/>
+          </a:prstGeom>
+        </p:spPr>
+      </p:pic>
+      <p:pic>
+        <p:nvPicPr>
+          <p:cNvPr id="6" name="Picture 5"/>
+          <p:cNvPicPr>
+            <a:picLocks noChangeAspect="1"/>
+          </p:cNvPicPr>
+          <p:nvPr/>
+        </p:nvPicPr>
+        <p:blipFill>
+          <a:blip r:embed="rId5"/>
+          <a:stretch>
+            <a:fillRect/>
+          </a:stretch>
+        </p:blipFill>
+        <p:spPr>
+          <a:xfrm>
+            <a:off x="2860955" y="4324743"/>
+            <a:ext cx="8492845" cy="2311344"/>
+          </a:xfrm>
+          <a:prstGeom prst="rect">
+            <a:avLst/>
+          </a:prstGeom>
+        </p:spPr>
+      </p:pic>
+      <p:sp>
+        <p:nvSpPr>
+          <p:cNvPr id="8" name="Oval 7"/>
+          <p:cNvSpPr/>
+          <p:nvPr/>
+        </p:nvSpPr>
+        <p:spPr>
+          <a:xfrm>
+            <a:off x="304299" y="1385016"/>
+            <a:ext cx="614863" cy="614863"/>
+          </a:xfrm>
+          <a:prstGeom prst="ellipse">
+            <a:avLst/>
+          </a:prstGeom>
+        </p:spPr>
+        <p:style>
+          <a:lnRef idx="2">
+            <a:schemeClr val="accent1">
+              <a:shade val="50000"/>
+            </a:schemeClr>
+          </a:lnRef>
+          <a:fillRef idx="1">
+            <a:schemeClr val="accent1"/>
+          </a:fillRef>
+          <a:effectRef idx="0">
+            <a:schemeClr val="accent1"/>
+          </a:effectRef>
+          <a:fontRef idx="minor">
+            <a:schemeClr val="lt1"/>
+          </a:fontRef>
+        </p:style>
+        <p:txBody>
+          <a:bodyPr rtlCol="0" anchor="ctr"/>
+          <a:lstStyle/>
+          <a:p>
+            <a:pPr algn="ctr"/>
+            <a:r>
+              <a:rPr lang="en-CA" dirty="0" smtClean="0">
+                <a:ln w="0"/>
+                <a:solidFill>
+                  <a:schemeClr val="bg1"/>
+                </a:solidFill>
+                <a:effectLst>
+                  <a:outerShdw blurRad="38100" dist="19050" dir="2700000" algn="tl" rotWithShape="0">
+                    <a:schemeClr val="dk1">
+                      <a:alpha val="40000"/>
+                    </a:schemeClr>
+                  </a:outerShdw>
+                </a:effectLst>
+                <a:latin typeface="Arial Black" panose="020B0A04020102020204" pitchFamily="34" charset="0"/>
+              </a:rPr>
+              <a:t>1</a:t>
+            </a:r>
+            <a:endParaRPr lang="en-CA" dirty="0">
+              <a:ln w="0"/>
+              <a:solidFill>
+                <a:schemeClr val="bg1"/>
+              </a:solidFill>
+              <a:effectLst>
+                <a:outerShdw blurRad="38100" dist="19050" dir="2700000" algn="tl" rotWithShape="0">
+                  <a:schemeClr val="dk1">
+                    <a:alpha val="40000"/>
+                  </a:schemeClr>
+                </a:outerShdw>
+              </a:effectLst>
+              <a:latin typeface="Arial Black" panose="020B0A04020102020204" pitchFamily="34" charset="0"/>
+            </a:endParaRPr>
+          </a:p>
+        </p:txBody>
+      </p:sp>
+      <p:sp>
+        <p:nvSpPr>
+          <p:cNvPr id="9" name="Oval 8"/>
+          <p:cNvSpPr/>
+          <p:nvPr/>
+        </p:nvSpPr>
+        <p:spPr>
+          <a:xfrm>
+            <a:off x="1245968" y="2451144"/>
+            <a:ext cx="614863" cy="614863"/>
+          </a:xfrm>
+          <a:prstGeom prst="ellipse">
+            <a:avLst/>
+          </a:prstGeom>
+        </p:spPr>
+        <p:style>
+          <a:lnRef idx="2">
+            <a:schemeClr val="accent1">
+              <a:shade val="50000"/>
+            </a:schemeClr>
+          </a:lnRef>
+          <a:fillRef idx="1">
+            <a:schemeClr val="accent1"/>
+          </a:fillRef>
+          <a:effectRef idx="0">
+            <a:schemeClr val="accent1"/>
+          </a:effectRef>
+          <a:fontRef idx="minor">
+            <a:schemeClr val="lt1"/>
+          </a:fontRef>
+        </p:style>
+        <p:txBody>
+          <a:bodyPr rtlCol="0" anchor="ctr"/>
+          <a:lstStyle/>
+          <a:p>
+            <a:pPr algn="ctr"/>
+            <a:r>
+              <a:rPr lang="en-CA" dirty="0">
+                <a:ln w="0"/>
+                <a:solidFill>
+                  <a:schemeClr val="bg1"/>
+                </a:solidFill>
+                <a:effectLst>
+                  <a:outerShdw blurRad="38100" dist="19050" dir="2700000" algn="tl" rotWithShape="0">
+                    <a:schemeClr val="dk1">
+                      <a:alpha val="40000"/>
+                    </a:schemeClr>
+                  </a:outerShdw>
+                </a:effectLst>
+                <a:latin typeface="Arial Black" panose="020B0A04020102020204" pitchFamily="34" charset="0"/>
+              </a:rPr>
+              <a:t>2</a:t>
+            </a:r>
+            <a:endParaRPr lang="en-CA" dirty="0">
+              <a:ln w="0"/>
+              <a:solidFill>
+                <a:schemeClr val="bg1"/>
+              </a:solidFill>
+              <a:effectLst>
+                <a:outerShdw blurRad="38100" dist="19050" dir="2700000" algn="tl" rotWithShape="0">
+                  <a:schemeClr val="dk1">
+                    <a:alpha val="40000"/>
+                  </a:schemeClr>
+                </a:outerShdw>
+              </a:effectLst>
+              <a:latin typeface="Arial Black" panose="020B0A04020102020204" pitchFamily="34" charset="0"/>
+            </a:endParaRPr>
+          </a:p>
+        </p:txBody>
+      </p:sp>
+      <p:sp>
+        <p:nvSpPr>
+          <p:cNvPr id="10" name="Oval 9"/>
+          <p:cNvSpPr/>
+          <p:nvPr/>
+        </p:nvSpPr>
+        <p:spPr>
+          <a:xfrm>
+            <a:off x="2445436" y="4295733"/>
+            <a:ext cx="614863" cy="614863"/>
+          </a:xfrm>
+          <a:prstGeom prst="ellipse">
+            <a:avLst/>
+          </a:prstGeom>
+        </p:spPr>
+        <p:style>
+          <a:lnRef idx="2">
+            <a:schemeClr val="accent1">
+              <a:shade val="50000"/>
+            </a:schemeClr>
+          </a:lnRef>
+          <a:fillRef idx="1">
+            <a:schemeClr val="accent1"/>
+          </a:fillRef>
+          <a:effectRef idx="0">
+            <a:schemeClr val="accent1"/>
+          </a:effectRef>
+          <a:fontRef idx="minor">
+            <a:schemeClr val="lt1"/>
+          </a:fontRef>
+        </p:style>
+        <p:txBody>
+          <a:bodyPr rtlCol="0" anchor="ctr"/>
+          <a:lstStyle/>
+          <a:p>
+            <a:pPr algn="ctr"/>
+            <a:r>
+              <a:rPr lang="en-CA" dirty="0" smtClean="0">
+                <a:ln w="0"/>
+                <a:solidFill>
+                  <a:schemeClr val="bg1"/>
+                </a:solidFill>
+                <a:effectLst>
+                  <a:outerShdw blurRad="38100" dist="19050" dir="2700000" algn="tl" rotWithShape="0">
+                    <a:schemeClr val="dk1">
+                      <a:alpha val="40000"/>
+                    </a:schemeClr>
+                  </a:outerShdw>
+                </a:effectLst>
+                <a:latin typeface="Arial Black" panose="020B0A04020102020204" pitchFamily="34" charset="0"/>
+              </a:rPr>
+              <a:t>3</a:t>
+            </a:r>
+            <a:endParaRPr lang="en-CA" dirty="0">
+              <a:ln w="0"/>
+              <a:solidFill>
+                <a:schemeClr val="bg1"/>
+              </a:solidFill>
+              <a:effectLst>
+                <a:outerShdw blurRad="38100" dist="19050" dir="2700000" algn="tl" rotWithShape="0">
+                  <a:schemeClr val="dk1">
+                    <a:alpha val="40000"/>
+                  </a:schemeClr>
+                </a:outerShdw>
+              </a:effectLst>
+              <a:latin typeface="Arial Black" panose="020B0A04020102020204" pitchFamily="34" charset="0"/>
+            </a:endParaRPr>
+          </a:p>
+        </p:txBody>
+      </p:sp>
+    </p:spTree>
+    <p:extLst>
+      <p:ext uri="{BB962C8B-B14F-4D97-AF65-F5344CB8AC3E}">
+        <p14:creationId xmlns:p14="http://schemas.microsoft.com/office/powerpoint/2010/main" val="2191818873"/>
+      </p:ext>
+    </p:extLst>
+  </p:cSld>
+  <p:clrMapOvr>
+    <a:masterClrMapping/>
+  </p:clrMapOvr>
+</p:sld>
+</file>
+
+<file path=ppt/slides/slide18.xml><?xml version="1.0" encoding="utf-8"?>
+<p:sld xmlns:a="http://schemas.openxmlformats.org/drawingml/2006/main" xmlns:r="http://schemas.openxmlformats.org/officeDocument/2006/relationships" xmlns:p="http://schemas.openxmlformats.org/presentationml/2006/main">
+  <p:cSld>
+    <p:spTree>
+      <p:nvGrpSpPr>
+        <p:cNvPr id="1" name=""/>
+        <p:cNvGrpSpPr/>
+        <p:nvPr/>
+      </p:nvGrpSpPr>
+      <p:grpSpPr>
+        <a:xfrm>
+          <a:off x="0" y="0"/>
+          <a:ext cx="0" cy="0"/>
+          <a:chOff x="0" y="0"/>
+          <a:chExt cx="0" cy="0"/>
+        </a:xfrm>
+      </p:grpSpPr>
+      <p:sp>
+        <p:nvSpPr>
+          <p:cNvPr id="2" name="Title 1"/>
+          <p:cNvSpPr>
+            <a:spLocks noGrp="1"/>
+          </p:cNvSpPr>
+          <p:nvPr>
+            <p:ph type="title"/>
+          </p:nvPr>
+        </p:nvSpPr>
+        <p:spPr/>
+        <p:txBody>
+          <a:bodyPr/>
+          <a:lstStyle/>
+          <a:p>
+            <a:r>
+              <a:rPr lang="en-CA" dirty="0" smtClean="0"/>
+              <a:t>Staging and </a:t>
+            </a:r>
+            <a:r>
+              <a:rPr lang="en-CA" dirty="0" err="1" smtClean="0"/>
+              <a:t>Unstaging</a:t>
+            </a:r>
+            <a:r>
+              <a:rPr lang="en-CA" dirty="0" smtClean="0"/>
+              <a:t> files</a:t>
+            </a:r>
+            <a:endParaRPr lang="en-CA" dirty="0"/>
+          </a:p>
+        </p:txBody>
+      </p:sp>
+      <p:pic>
+        <p:nvPicPr>
+          <p:cNvPr id="4" name="Picture 3"/>
+          <p:cNvPicPr>
+            <a:picLocks noChangeAspect="1"/>
+          </p:cNvPicPr>
+          <p:nvPr/>
+        </p:nvPicPr>
+        <p:blipFill>
+          <a:blip r:embed="rId3"/>
+          <a:stretch>
+            <a:fillRect/>
+          </a:stretch>
+        </p:blipFill>
+        <p:spPr>
+          <a:xfrm>
+            <a:off x="838200" y="1800224"/>
+            <a:ext cx="8304261" cy="894305"/>
+          </a:xfrm>
+          <a:prstGeom prst="rect">
+            <a:avLst/>
+          </a:prstGeom>
+        </p:spPr>
+      </p:pic>
+      <p:pic>
+        <p:nvPicPr>
+          <p:cNvPr id="6" name="Picture 5"/>
+          <p:cNvPicPr>
+            <a:picLocks noChangeAspect="1"/>
+          </p:cNvPicPr>
+          <p:nvPr/>
+        </p:nvPicPr>
+        <p:blipFill>
+          <a:blip r:embed="rId4"/>
+          <a:stretch>
+            <a:fillRect/>
+          </a:stretch>
+        </p:blipFill>
+        <p:spPr>
+          <a:xfrm>
+            <a:off x="1681162" y="3014662"/>
+            <a:ext cx="8219088" cy="851719"/>
+          </a:xfrm>
+          <a:prstGeom prst="rect">
+            <a:avLst/>
+          </a:prstGeom>
+        </p:spPr>
+      </p:pic>
+      <p:pic>
+        <p:nvPicPr>
+          <p:cNvPr id="7" name="Picture 6"/>
+          <p:cNvPicPr>
+            <a:picLocks noChangeAspect="1"/>
+          </p:cNvPicPr>
+          <p:nvPr/>
+        </p:nvPicPr>
+        <p:blipFill>
+          <a:blip r:embed="rId5"/>
+          <a:stretch>
+            <a:fillRect/>
+          </a:stretch>
+        </p:blipFill>
+        <p:spPr>
+          <a:xfrm>
+            <a:off x="3509962" y="4200527"/>
+            <a:ext cx="8219084" cy="2200273"/>
+          </a:xfrm>
+          <a:prstGeom prst="rect">
+            <a:avLst/>
+          </a:prstGeom>
+        </p:spPr>
+      </p:pic>
+      <p:sp>
+        <p:nvSpPr>
+          <p:cNvPr id="8" name="Oval 7"/>
+          <p:cNvSpPr/>
+          <p:nvPr/>
+        </p:nvSpPr>
+        <p:spPr>
+          <a:xfrm>
+            <a:off x="390024" y="1543323"/>
+            <a:ext cx="614863" cy="614863"/>
+          </a:xfrm>
+          <a:prstGeom prst="ellipse">
+            <a:avLst/>
+          </a:prstGeom>
+        </p:spPr>
+        <p:style>
+          <a:lnRef idx="2">
+            <a:schemeClr val="accent1">
+              <a:shade val="50000"/>
+            </a:schemeClr>
+          </a:lnRef>
+          <a:fillRef idx="1">
+            <a:schemeClr val="accent1"/>
+          </a:fillRef>
+          <a:effectRef idx="0">
+            <a:schemeClr val="accent1"/>
+          </a:effectRef>
+          <a:fontRef idx="minor">
+            <a:schemeClr val="lt1"/>
+          </a:fontRef>
+        </p:style>
+        <p:txBody>
+          <a:bodyPr rtlCol="0" anchor="ctr"/>
+          <a:lstStyle/>
+          <a:p>
+            <a:pPr algn="ctr"/>
+            <a:r>
+              <a:rPr lang="en-CA" dirty="0" smtClean="0">
+                <a:ln w="0"/>
+                <a:solidFill>
+                  <a:schemeClr val="bg1"/>
+                </a:solidFill>
+                <a:effectLst>
+                  <a:outerShdw blurRad="38100" dist="19050" dir="2700000" algn="tl" rotWithShape="0">
+                    <a:schemeClr val="dk1">
+                      <a:alpha val="40000"/>
+                    </a:schemeClr>
+                  </a:outerShdw>
+                </a:effectLst>
+                <a:latin typeface="Arial Black" panose="020B0A04020102020204" pitchFamily="34" charset="0"/>
+              </a:rPr>
+              <a:t>1</a:t>
+            </a:r>
+            <a:endParaRPr lang="en-CA" dirty="0">
+              <a:ln w="0"/>
+              <a:solidFill>
+                <a:schemeClr val="bg1"/>
+              </a:solidFill>
+              <a:effectLst>
+                <a:outerShdw blurRad="38100" dist="19050" dir="2700000" algn="tl" rotWithShape="0">
+                  <a:schemeClr val="dk1">
+                    <a:alpha val="40000"/>
+                  </a:schemeClr>
+                </a:outerShdw>
+              </a:effectLst>
+              <a:latin typeface="Arial Black" panose="020B0A04020102020204" pitchFamily="34" charset="0"/>
+            </a:endParaRPr>
+          </a:p>
+        </p:txBody>
+      </p:sp>
+      <p:sp>
+        <p:nvSpPr>
+          <p:cNvPr id="9" name="Oval 8"/>
+          <p:cNvSpPr/>
+          <p:nvPr/>
+        </p:nvSpPr>
+        <p:spPr>
+          <a:xfrm>
+            <a:off x="1247274" y="2733675"/>
+            <a:ext cx="614863" cy="614863"/>
+          </a:xfrm>
+          <a:prstGeom prst="ellipse">
+            <a:avLst/>
+          </a:prstGeom>
+        </p:spPr>
+        <p:style>
+          <a:lnRef idx="2">
+            <a:schemeClr val="accent1">
+              <a:shade val="50000"/>
+            </a:schemeClr>
+          </a:lnRef>
+          <a:fillRef idx="1">
+            <a:schemeClr val="accent1"/>
+          </a:fillRef>
+          <a:effectRef idx="0">
+            <a:schemeClr val="accent1"/>
+          </a:effectRef>
+          <a:fontRef idx="minor">
+            <a:schemeClr val="lt1"/>
+          </a:fontRef>
+        </p:style>
+        <p:txBody>
+          <a:bodyPr rtlCol="0" anchor="ctr"/>
+          <a:lstStyle/>
+          <a:p>
+            <a:pPr algn="ctr"/>
+            <a:r>
+              <a:rPr lang="en-CA" dirty="0">
+                <a:ln w="0"/>
+                <a:solidFill>
+                  <a:schemeClr val="bg1"/>
+                </a:solidFill>
+                <a:effectLst>
+                  <a:outerShdw blurRad="38100" dist="19050" dir="2700000" algn="tl" rotWithShape="0">
+                    <a:schemeClr val="dk1">
+                      <a:alpha val="40000"/>
+                    </a:schemeClr>
+                  </a:outerShdw>
+                </a:effectLst>
+                <a:latin typeface="Arial Black" panose="020B0A04020102020204" pitchFamily="34" charset="0"/>
+              </a:rPr>
+              <a:t>2</a:t>
+            </a:r>
+            <a:endParaRPr lang="en-CA" dirty="0">
+              <a:ln w="0"/>
+              <a:solidFill>
+                <a:schemeClr val="bg1"/>
+              </a:solidFill>
+              <a:effectLst>
+                <a:outerShdw blurRad="38100" dist="19050" dir="2700000" algn="tl" rotWithShape="0">
+                  <a:schemeClr val="dk1">
+                    <a:alpha val="40000"/>
+                  </a:schemeClr>
+                </a:outerShdw>
+              </a:effectLst>
+              <a:latin typeface="Arial Black" panose="020B0A04020102020204" pitchFamily="34" charset="0"/>
+            </a:endParaRPr>
+          </a:p>
+        </p:txBody>
+      </p:sp>
+      <p:sp>
+        <p:nvSpPr>
+          <p:cNvPr id="10" name="Oval 9"/>
+          <p:cNvSpPr/>
+          <p:nvPr/>
+        </p:nvSpPr>
+        <p:spPr>
+          <a:xfrm>
+            <a:off x="3033212" y="3893095"/>
+            <a:ext cx="614863" cy="614863"/>
+          </a:xfrm>
+          <a:prstGeom prst="ellipse">
+            <a:avLst/>
+          </a:prstGeom>
+        </p:spPr>
+        <p:style>
+          <a:lnRef idx="2">
+            <a:schemeClr val="accent1">
+              <a:shade val="50000"/>
+            </a:schemeClr>
+          </a:lnRef>
+          <a:fillRef idx="1">
+            <a:schemeClr val="accent1"/>
+          </a:fillRef>
+          <a:effectRef idx="0">
+            <a:schemeClr val="accent1"/>
+          </a:effectRef>
+          <a:fontRef idx="minor">
+            <a:schemeClr val="lt1"/>
+          </a:fontRef>
+        </p:style>
+        <p:txBody>
+          <a:bodyPr rtlCol="0" anchor="ctr"/>
+          <a:lstStyle/>
+          <a:p>
+            <a:pPr algn="ctr"/>
+            <a:r>
+              <a:rPr lang="en-CA" dirty="0">
+                <a:ln w="0"/>
+                <a:solidFill>
+                  <a:schemeClr val="bg1"/>
+                </a:solidFill>
+                <a:effectLst>
+                  <a:outerShdw blurRad="38100" dist="19050" dir="2700000" algn="tl" rotWithShape="0">
+                    <a:schemeClr val="dk1">
+                      <a:alpha val="40000"/>
+                    </a:schemeClr>
+                  </a:outerShdw>
+                </a:effectLst>
+                <a:latin typeface="Arial Black" panose="020B0A04020102020204" pitchFamily="34" charset="0"/>
+              </a:rPr>
+              <a:t>3</a:t>
+            </a:r>
+            <a:endParaRPr lang="en-CA" dirty="0">
+              <a:ln w="0"/>
+              <a:solidFill>
+                <a:schemeClr val="bg1"/>
+              </a:solidFill>
+              <a:effectLst>
+                <a:outerShdw blurRad="38100" dist="19050" dir="2700000" algn="tl" rotWithShape="0">
+                  <a:schemeClr val="dk1">
+                    <a:alpha val="40000"/>
+                  </a:schemeClr>
+                </a:outerShdw>
+              </a:effectLst>
+              <a:latin typeface="Arial Black" panose="020B0A04020102020204" pitchFamily="34" charset="0"/>
+            </a:endParaRPr>
+          </a:p>
+        </p:txBody>
+      </p:sp>
+    </p:spTree>
+    <p:extLst>
+      <p:ext uri="{BB962C8B-B14F-4D97-AF65-F5344CB8AC3E}">
+        <p14:creationId xmlns:p14="http://schemas.microsoft.com/office/powerpoint/2010/main" val="4052014950"/>
+      </p:ext>
+    </p:extLst>
+  </p:cSld>
+  <p:clrMapOvr>
+    <a:masterClrMapping/>
+  </p:clrMapOvr>
+</p:sld>
+</file>
+
 <file path=ppt/slides/slide19.xml><?xml version="1.0" encoding="utf-8"?>
+<p:sld xmlns:a="http://schemas.openxmlformats.org/drawingml/2006/main" xmlns:r="http://schemas.openxmlformats.org/officeDocument/2006/relationships" xmlns:p="http://schemas.openxmlformats.org/presentationml/2006/main">
+  <p:cSld>
+    <p:spTree>
+      <p:nvGrpSpPr>
+        <p:cNvPr id="1" name=""/>
+        <p:cNvGrpSpPr/>
+        <p:nvPr/>
+      </p:nvGrpSpPr>
+      <p:grpSpPr>
+        <a:xfrm>
+          <a:off x="0" y="0"/>
+          <a:ext cx="0" cy="0"/>
+          <a:chOff x="0" y="0"/>
+          <a:chExt cx="0" cy="0"/>
+        </a:xfrm>
+      </p:grpSpPr>
+      <p:sp>
+        <p:nvSpPr>
+          <p:cNvPr id="2" name="Title 1"/>
+          <p:cNvSpPr>
+            <a:spLocks noGrp="1"/>
+          </p:cNvSpPr>
+          <p:nvPr>
+            <p:ph type="title"/>
+          </p:nvPr>
+        </p:nvSpPr>
+        <p:spPr/>
+        <p:txBody>
+          <a:bodyPr/>
+          <a:lstStyle/>
+          <a:p>
+            <a:r>
+              <a:rPr lang="en-CA" dirty="0" smtClean="0"/>
+              <a:t>Staging and </a:t>
+            </a:r>
+            <a:r>
+              <a:rPr lang="en-CA" dirty="0" err="1" smtClean="0"/>
+              <a:t>Unstaging</a:t>
+            </a:r>
+            <a:r>
+              <a:rPr lang="en-CA" dirty="0" smtClean="0"/>
+              <a:t> files</a:t>
+            </a:r>
+            <a:endParaRPr lang="en-CA" dirty="0"/>
+          </a:p>
+        </p:txBody>
+      </p:sp>
+      <p:pic>
+        <p:nvPicPr>
+          <p:cNvPr id="3" name="Picture 2"/>
+          <p:cNvPicPr>
+            <a:picLocks noChangeAspect="1"/>
+          </p:cNvPicPr>
+          <p:nvPr/>
+        </p:nvPicPr>
+        <p:blipFill>
+          <a:blip r:embed="rId3"/>
+          <a:stretch>
+            <a:fillRect/>
+          </a:stretch>
+        </p:blipFill>
+        <p:spPr>
+          <a:xfrm>
+            <a:off x="838200" y="1690688"/>
+            <a:ext cx="10338149" cy="4067175"/>
+          </a:xfrm>
+          <a:prstGeom prst="rect">
+            <a:avLst/>
+          </a:prstGeom>
+        </p:spPr>
+      </p:pic>
+    </p:spTree>
+    <p:extLst>
+      <p:ext uri="{BB962C8B-B14F-4D97-AF65-F5344CB8AC3E}">
+        <p14:creationId xmlns:p14="http://schemas.microsoft.com/office/powerpoint/2010/main" val="2505688315"/>
+      </p:ext>
+    </p:extLst>
+  </p:cSld>
+  <p:clrMapOvr>
+    <a:masterClrMapping/>
+  </p:clrMapOvr>
+</p:sld>
+</file>
+
+<file path=ppt/slides/slide2.xml><?xml version="1.0" encoding="utf-8"?>
+<p:sld xmlns:a="http://schemas.openxmlformats.org/drawingml/2006/main" xmlns:r="http://schemas.openxmlformats.org/officeDocument/2006/relationships" xmlns:p="http://schemas.openxmlformats.org/presentationml/2006/main">
+  <p:cSld>
+    <p:spTree>
+      <p:nvGrpSpPr>
+        <p:cNvPr id="1" name=""/>
+        <p:cNvGrpSpPr/>
+        <p:nvPr/>
+      </p:nvGrpSpPr>
+      <p:grpSpPr>
+        <a:xfrm>
+          <a:off x="0" y="0"/>
+          <a:ext cx="0" cy="0"/>
+          <a:chOff x="0" y="0"/>
+          <a:chExt cx="0" cy="0"/>
+        </a:xfrm>
+      </p:grpSpPr>
+      <p:sp>
+        <p:nvSpPr>
+          <p:cNvPr id="2" name="Title 1"/>
+          <p:cNvSpPr>
+            <a:spLocks noGrp="1"/>
+          </p:cNvSpPr>
+          <p:nvPr>
+            <p:ph type="title"/>
+          </p:nvPr>
+        </p:nvSpPr>
+        <p:spPr/>
+        <p:txBody>
+          <a:bodyPr/>
+          <a:lstStyle/>
+          <a:p>
+            <a:r>
+              <a:rPr lang="en-US" dirty="0"/>
+              <a:t>What is </a:t>
+            </a:r>
+            <a:r>
+              <a:rPr lang="en-US" dirty="0" smtClean="0"/>
+              <a:t>Version Control?</a:t>
+            </a:r>
+            <a:endParaRPr lang="en-US" dirty="0"/>
+          </a:p>
+        </p:txBody>
+      </p:sp>
+      <p:sp>
+        <p:nvSpPr>
+          <p:cNvPr id="3" name="Content Placeholder 2"/>
+          <p:cNvSpPr>
+            <a:spLocks noGrp="1"/>
+          </p:cNvSpPr>
+          <p:nvPr>
+            <p:ph idx="1"/>
+          </p:nvPr>
+        </p:nvSpPr>
+        <p:spPr/>
+        <p:txBody>
+          <a:bodyPr/>
+          <a:lstStyle/>
+          <a:p>
+            <a:r>
+              <a:rPr lang="en-US" dirty="0" smtClean="0"/>
+              <a:t>Version Control software is a tool used to keep track of different versions of files</a:t>
+            </a:r>
+          </a:p>
+          <a:p>
+            <a:r>
+              <a:rPr lang="en-US" dirty="0" smtClean="0"/>
+              <a:t>Revert to an old version</a:t>
+            </a:r>
+          </a:p>
+          <a:p>
+            <a:r>
+              <a:rPr lang="en-US" dirty="0" smtClean="0"/>
+              <a:t>Branch to create multiple version</a:t>
+            </a:r>
+          </a:p>
+          <a:p>
+            <a:r>
+              <a:rPr lang="en-US" dirty="0" smtClean="0"/>
+              <a:t>Merge two different versions together</a:t>
+            </a:r>
+          </a:p>
+          <a:p>
+            <a:r>
+              <a:rPr lang="en-US" dirty="0" smtClean="0"/>
+              <a:t>Synchronize files on different machines</a:t>
+            </a:r>
+            <a:endParaRPr lang="en-US" dirty="0"/>
+          </a:p>
+        </p:txBody>
+      </p:sp>
+    </p:spTree>
+    <p:extLst>
+      <p:ext uri="{BB962C8B-B14F-4D97-AF65-F5344CB8AC3E}">
+        <p14:creationId xmlns:p14="http://schemas.microsoft.com/office/powerpoint/2010/main" val="3392569427"/>
+      </p:ext>
+    </p:extLst>
+  </p:cSld>
+  <p:clrMapOvr>
+    <a:masterClrMapping/>
+  </p:clrMapOvr>
+  <p:timing>
+    <p:tnLst>
+      <p:par>
+        <p:cTn id="1" dur="indefinite" restart="never" nodeType="tmRoot"/>
+      </p:par>
+    </p:tnLst>
+  </p:timing>
+</p:sld>
+</file>
+
+<file path=ppt/slides/slide20.xml><?xml version="1.0" encoding="utf-8"?>
+<p:sld xmlns:a="http://schemas.openxmlformats.org/drawingml/2006/main" xmlns:r="http://schemas.openxmlformats.org/officeDocument/2006/relationships" xmlns:p="http://schemas.openxmlformats.org/presentationml/2006/main">
+  <p:cSld>
+    <p:spTree>
+      <p:nvGrpSpPr>
+        <p:cNvPr id="1" name=""/>
+        <p:cNvGrpSpPr/>
+        <p:nvPr/>
+      </p:nvGrpSpPr>
+      <p:grpSpPr>
+        <a:xfrm>
+          <a:off x="0" y="0"/>
+          <a:ext cx="0" cy="0"/>
+          <a:chOff x="0" y="0"/>
+          <a:chExt cx="0" cy="0"/>
+        </a:xfrm>
+      </p:grpSpPr>
+      <p:sp>
+        <p:nvSpPr>
+          <p:cNvPr id="2" name="Title 1"/>
+          <p:cNvSpPr>
+            <a:spLocks noGrp="1"/>
+          </p:cNvSpPr>
+          <p:nvPr>
+            <p:ph type="title"/>
+          </p:nvPr>
+        </p:nvSpPr>
+        <p:spPr/>
+        <p:txBody>
+          <a:bodyPr/>
+          <a:lstStyle/>
+          <a:p>
+            <a:r>
+              <a:rPr lang="en-CA" dirty="0" smtClean="0"/>
+              <a:t>Committing files (cont.)</a:t>
+            </a:r>
+            <a:endParaRPr lang="en-CA" dirty="0"/>
+          </a:p>
+        </p:txBody>
+      </p:sp>
+      <p:pic>
+        <p:nvPicPr>
+          <p:cNvPr id="7" name="Picture 6"/>
+          <p:cNvPicPr>
+            <a:picLocks noChangeAspect="1"/>
+          </p:cNvPicPr>
+          <p:nvPr/>
+        </p:nvPicPr>
+        <p:blipFill>
+          <a:blip r:embed="rId3">
+            <a:extLst>
+              <a:ext uri="{28A0092B-C50C-407E-A947-70E740481C1C}">
+                <a14:useLocalDpi xmlns:a14="http://schemas.microsoft.com/office/drawing/2010/main" val="0"/>
+              </a:ext>
+            </a:extLst>
+          </a:blip>
+          <a:stretch>
+            <a:fillRect/>
+          </a:stretch>
+        </p:blipFill>
+        <p:spPr>
+          <a:xfrm>
+            <a:off x="1209818" y="4183063"/>
+            <a:ext cx="2285714" cy="2285714"/>
+          </a:xfrm>
+          <a:prstGeom prst="rect">
+            <a:avLst/>
+          </a:prstGeom>
+        </p:spPr>
+      </p:pic>
+      <p:sp>
+        <p:nvSpPr>
+          <p:cNvPr id="8" name="TextBox 7"/>
+          <p:cNvSpPr txBox="1"/>
+          <p:nvPr/>
+        </p:nvSpPr>
+        <p:spPr>
+          <a:xfrm>
+            <a:off x="3281219" y="5172075"/>
+            <a:ext cx="6261201" cy="646331"/>
+          </a:xfrm>
+          <a:prstGeom prst="rect">
+            <a:avLst/>
+          </a:prstGeom>
+          <a:noFill/>
+        </p:spPr>
+        <p:txBody>
+          <a:bodyPr wrap="none" rtlCol="0">
+            <a:spAutoFit/>
+          </a:bodyPr>
+          <a:lstStyle/>
+          <a:p>
+            <a:r>
+              <a:rPr lang="en-CA" sz="3600" dirty="0" smtClean="0"/>
+              <a:t>Only Staged files are committed.</a:t>
+            </a:r>
+            <a:endParaRPr lang="en-CA" sz="3600" dirty="0"/>
+          </a:p>
+        </p:txBody>
+      </p:sp>
+      <p:pic>
+        <p:nvPicPr>
+          <p:cNvPr id="9" name="Picture 8"/>
+          <p:cNvPicPr>
+            <a:picLocks noChangeAspect="1"/>
+          </p:cNvPicPr>
+          <p:nvPr/>
+        </p:nvPicPr>
+        <p:blipFill>
+          <a:blip r:embed="rId4"/>
+          <a:stretch>
+            <a:fillRect/>
+          </a:stretch>
+        </p:blipFill>
+        <p:spPr>
+          <a:xfrm>
+            <a:off x="1062038" y="1736725"/>
+            <a:ext cx="9613072" cy="1392238"/>
+          </a:xfrm>
+          <a:prstGeom prst="rect">
+            <a:avLst/>
+          </a:prstGeom>
+        </p:spPr>
+      </p:pic>
+    </p:spTree>
+    <p:extLst>
+      <p:ext uri="{BB962C8B-B14F-4D97-AF65-F5344CB8AC3E}">
+        <p14:creationId xmlns:p14="http://schemas.microsoft.com/office/powerpoint/2010/main" val="1784742798"/>
+      </p:ext>
+    </p:extLst>
+  </p:cSld>
+  <p:clrMapOvr>
+    <a:masterClrMapping/>
+  </p:clrMapOvr>
+</p:sld>
+</file>
+
+<file path=ppt/slides/slide21.xml><?xml version="1.0" encoding="utf-8"?>
+<p:sld xmlns:a="http://schemas.openxmlformats.org/drawingml/2006/main" xmlns:r="http://schemas.openxmlformats.org/officeDocument/2006/relationships" xmlns:p="http://schemas.openxmlformats.org/presentationml/2006/main">
+  <p:cSld>
+    <p:spTree>
+      <p:nvGrpSpPr>
+        <p:cNvPr id="1" name=""/>
+        <p:cNvGrpSpPr/>
+        <p:nvPr/>
+      </p:nvGrpSpPr>
+      <p:grpSpPr>
+        <a:xfrm>
+          <a:off x="0" y="0"/>
+          <a:ext cx="0" cy="0"/>
+          <a:chOff x="0" y="0"/>
+          <a:chExt cx="0" cy="0"/>
+        </a:xfrm>
+      </p:grpSpPr>
+      <p:sp>
+        <p:nvSpPr>
+          <p:cNvPr id="2" name="Title 1"/>
+          <p:cNvSpPr>
+            <a:spLocks noGrp="1"/>
+          </p:cNvSpPr>
+          <p:nvPr>
+            <p:ph type="title"/>
+          </p:nvPr>
+        </p:nvSpPr>
+        <p:spPr/>
+        <p:txBody>
+          <a:bodyPr/>
+          <a:lstStyle/>
+          <a:p>
+            <a:r>
+              <a:rPr lang="en-CA" dirty="0" smtClean="0"/>
+              <a:t>Reviewing commits </a:t>
+            </a:r>
+            <a:endParaRPr lang="en-CA" dirty="0"/>
+          </a:p>
+        </p:txBody>
+      </p:sp>
+      <p:pic>
+        <p:nvPicPr>
+          <p:cNvPr id="3" name="Picture 2"/>
+          <p:cNvPicPr>
+            <a:picLocks noChangeAspect="1"/>
+          </p:cNvPicPr>
+          <p:nvPr/>
+        </p:nvPicPr>
+        <p:blipFill>
+          <a:blip r:embed="rId3"/>
+          <a:stretch>
+            <a:fillRect/>
+          </a:stretch>
+        </p:blipFill>
+        <p:spPr>
+          <a:xfrm>
+            <a:off x="838200" y="1509713"/>
+            <a:ext cx="10953326" cy="4062412"/>
+          </a:xfrm>
+          <a:prstGeom prst="rect">
+            <a:avLst/>
+          </a:prstGeom>
+        </p:spPr>
+      </p:pic>
+    </p:spTree>
+    <p:extLst>
+      <p:ext uri="{BB962C8B-B14F-4D97-AF65-F5344CB8AC3E}">
+        <p14:creationId xmlns:p14="http://schemas.microsoft.com/office/powerpoint/2010/main" val="701823414"/>
+      </p:ext>
+    </p:extLst>
+  </p:cSld>
+  <p:clrMapOvr>
+    <a:masterClrMapping/>
+  </p:clrMapOvr>
+</p:sld>
+</file>
+
+<file path=ppt/slides/slide22.xml><?xml version="1.0" encoding="utf-8"?>
+<p:sld xmlns:a="http://schemas.openxmlformats.org/drawingml/2006/main" xmlns:r="http://schemas.openxmlformats.org/officeDocument/2006/relationships" xmlns:p="http://schemas.openxmlformats.org/presentationml/2006/main">
+  <p:cSld>
+    <p:spTree>
+      <p:nvGrpSpPr>
+        <p:cNvPr id="1" name=""/>
+        <p:cNvGrpSpPr/>
+        <p:nvPr/>
+      </p:nvGrpSpPr>
+      <p:grpSpPr>
+        <a:xfrm>
+          <a:off x="0" y="0"/>
+          <a:ext cx="0" cy="0"/>
+          <a:chOff x="0" y="0"/>
+          <a:chExt cx="0" cy="0"/>
+        </a:xfrm>
+      </p:grpSpPr>
+      <p:sp>
+        <p:nvSpPr>
+          <p:cNvPr id="2" name="Title 1"/>
+          <p:cNvSpPr>
+            <a:spLocks noGrp="1"/>
+          </p:cNvSpPr>
+          <p:nvPr>
+            <p:ph type="title"/>
+          </p:nvPr>
+        </p:nvSpPr>
+        <p:spPr/>
+        <p:txBody>
+          <a:bodyPr/>
+          <a:lstStyle/>
+          <a:p>
+            <a:r>
+              <a:rPr lang="en-CA" dirty="0" smtClean="0"/>
+              <a:t>Tagging commits</a:t>
+            </a:r>
+            <a:endParaRPr lang="en-CA" dirty="0"/>
+          </a:p>
+        </p:txBody>
+      </p:sp>
+      <p:pic>
+        <p:nvPicPr>
+          <p:cNvPr id="5" name="Picture 4"/>
+          <p:cNvPicPr>
+            <a:picLocks noChangeAspect="1"/>
+          </p:cNvPicPr>
+          <p:nvPr/>
+        </p:nvPicPr>
+        <p:blipFill>
+          <a:blip r:embed="rId3"/>
+          <a:stretch>
+            <a:fillRect/>
+          </a:stretch>
+        </p:blipFill>
+        <p:spPr>
+          <a:xfrm>
+            <a:off x="3433763" y="5286794"/>
+            <a:ext cx="8153828" cy="1187975"/>
+          </a:xfrm>
+          <a:prstGeom prst="rect">
+            <a:avLst/>
+          </a:prstGeom>
+        </p:spPr>
+      </p:pic>
+      <p:pic>
+        <p:nvPicPr>
+          <p:cNvPr id="6" name="Picture 5"/>
+          <p:cNvPicPr>
+            <a:picLocks noChangeAspect="1"/>
+          </p:cNvPicPr>
+          <p:nvPr/>
+        </p:nvPicPr>
+        <p:blipFill>
+          <a:blip r:embed="rId4"/>
+          <a:stretch>
+            <a:fillRect/>
+          </a:stretch>
+        </p:blipFill>
+        <p:spPr>
+          <a:xfrm>
+            <a:off x="2252663" y="3961231"/>
+            <a:ext cx="7816335" cy="850482"/>
+          </a:xfrm>
+          <a:prstGeom prst="rect">
+            <a:avLst/>
+          </a:prstGeom>
+        </p:spPr>
+      </p:pic>
+      <p:pic>
+        <p:nvPicPr>
+          <p:cNvPr id="7" name="Picture 6"/>
+          <p:cNvPicPr>
+            <a:picLocks noChangeAspect="1"/>
+          </p:cNvPicPr>
+          <p:nvPr/>
+        </p:nvPicPr>
+        <p:blipFill>
+          <a:blip r:embed="rId5"/>
+          <a:stretch>
+            <a:fillRect/>
+          </a:stretch>
+        </p:blipFill>
+        <p:spPr>
+          <a:xfrm>
+            <a:off x="838200" y="1690688"/>
+            <a:ext cx="5521383" cy="1795462"/>
+          </a:xfrm>
+          <a:prstGeom prst="rect">
+            <a:avLst/>
+          </a:prstGeom>
+        </p:spPr>
+      </p:pic>
+      <p:sp>
+        <p:nvSpPr>
+          <p:cNvPr id="8" name="Oval 7"/>
+          <p:cNvSpPr/>
+          <p:nvPr/>
+        </p:nvSpPr>
+        <p:spPr>
+          <a:xfrm>
+            <a:off x="390024" y="1543323"/>
+            <a:ext cx="614863" cy="614863"/>
+          </a:xfrm>
+          <a:prstGeom prst="ellipse">
+            <a:avLst/>
+          </a:prstGeom>
+        </p:spPr>
+        <p:style>
+          <a:lnRef idx="2">
+            <a:schemeClr val="accent1">
+              <a:shade val="50000"/>
+            </a:schemeClr>
+          </a:lnRef>
+          <a:fillRef idx="1">
+            <a:schemeClr val="accent1"/>
+          </a:fillRef>
+          <a:effectRef idx="0">
+            <a:schemeClr val="accent1"/>
+          </a:effectRef>
+          <a:fontRef idx="minor">
+            <a:schemeClr val="lt1"/>
+          </a:fontRef>
+        </p:style>
+        <p:txBody>
+          <a:bodyPr rtlCol="0" anchor="ctr"/>
+          <a:lstStyle/>
+          <a:p>
+            <a:pPr algn="ctr"/>
+            <a:r>
+              <a:rPr lang="en-CA" dirty="0" smtClean="0">
+                <a:ln w="0"/>
+                <a:solidFill>
+                  <a:schemeClr val="bg1"/>
+                </a:solidFill>
+                <a:effectLst>
+                  <a:outerShdw blurRad="38100" dist="19050" dir="2700000" algn="tl" rotWithShape="0">
+                    <a:schemeClr val="dk1">
+                      <a:alpha val="40000"/>
+                    </a:schemeClr>
+                  </a:outerShdw>
+                </a:effectLst>
+                <a:latin typeface="Arial Black" panose="020B0A04020102020204" pitchFamily="34" charset="0"/>
+              </a:rPr>
+              <a:t>1</a:t>
+            </a:r>
+            <a:endParaRPr lang="en-CA" dirty="0">
+              <a:ln w="0"/>
+              <a:solidFill>
+                <a:schemeClr val="bg1"/>
+              </a:solidFill>
+              <a:effectLst>
+                <a:outerShdw blurRad="38100" dist="19050" dir="2700000" algn="tl" rotWithShape="0">
+                  <a:schemeClr val="dk1">
+                    <a:alpha val="40000"/>
+                  </a:schemeClr>
+                </a:outerShdw>
+              </a:effectLst>
+              <a:latin typeface="Arial Black" panose="020B0A04020102020204" pitchFamily="34" charset="0"/>
+            </a:endParaRPr>
+          </a:p>
+        </p:txBody>
+      </p:sp>
+      <p:sp>
+        <p:nvSpPr>
+          <p:cNvPr id="9" name="Oval 8"/>
+          <p:cNvSpPr/>
+          <p:nvPr/>
+        </p:nvSpPr>
+        <p:spPr>
+          <a:xfrm>
+            <a:off x="1828299" y="3653799"/>
+            <a:ext cx="614863" cy="614863"/>
+          </a:xfrm>
+          <a:prstGeom prst="ellipse">
+            <a:avLst/>
+          </a:prstGeom>
+        </p:spPr>
+        <p:style>
+          <a:lnRef idx="2">
+            <a:schemeClr val="accent1">
+              <a:shade val="50000"/>
+            </a:schemeClr>
+          </a:lnRef>
+          <a:fillRef idx="1">
+            <a:schemeClr val="accent1"/>
+          </a:fillRef>
+          <a:effectRef idx="0">
+            <a:schemeClr val="accent1"/>
+          </a:effectRef>
+          <a:fontRef idx="minor">
+            <a:schemeClr val="lt1"/>
+          </a:fontRef>
+        </p:style>
+        <p:txBody>
+          <a:bodyPr rtlCol="0" anchor="ctr"/>
+          <a:lstStyle/>
+          <a:p>
+            <a:pPr algn="ctr"/>
+            <a:r>
+              <a:rPr lang="en-CA" dirty="0">
+                <a:ln w="0"/>
+                <a:solidFill>
+                  <a:schemeClr val="bg1"/>
+                </a:solidFill>
+                <a:effectLst>
+                  <a:outerShdw blurRad="38100" dist="19050" dir="2700000" algn="tl" rotWithShape="0">
+                    <a:schemeClr val="dk1">
+                      <a:alpha val="40000"/>
+                    </a:schemeClr>
+                  </a:outerShdw>
+                </a:effectLst>
+                <a:latin typeface="Arial Black" panose="020B0A04020102020204" pitchFamily="34" charset="0"/>
+              </a:rPr>
+              <a:t>2</a:t>
+            </a:r>
+            <a:endParaRPr lang="en-CA" dirty="0">
+              <a:ln w="0"/>
+              <a:solidFill>
+                <a:schemeClr val="bg1"/>
+              </a:solidFill>
+              <a:effectLst>
+                <a:outerShdw blurRad="38100" dist="19050" dir="2700000" algn="tl" rotWithShape="0">
+                  <a:schemeClr val="dk1">
+                    <a:alpha val="40000"/>
+                  </a:schemeClr>
+                </a:outerShdw>
+              </a:effectLst>
+              <a:latin typeface="Arial Black" panose="020B0A04020102020204" pitchFamily="34" charset="0"/>
+            </a:endParaRPr>
+          </a:p>
+        </p:txBody>
+      </p:sp>
+      <p:sp>
+        <p:nvSpPr>
+          <p:cNvPr id="10" name="Oval 9"/>
+          <p:cNvSpPr/>
+          <p:nvPr/>
+        </p:nvSpPr>
+        <p:spPr>
+          <a:xfrm>
+            <a:off x="2984028" y="4979362"/>
+            <a:ext cx="614863" cy="614863"/>
+          </a:xfrm>
+          <a:prstGeom prst="ellipse">
+            <a:avLst/>
+          </a:prstGeom>
+        </p:spPr>
+        <p:style>
+          <a:lnRef idx="2">
+            <a:schemeClr val="accent1">
+              <a:shade val="50000"/>
+            </a:schemeClr>
+          </a:lnRef>
+          <a:fillRef idx="1">
+            <a:schemeClr val="accent1"/>
+          </a:fillRef>
+          <a:effectRef idx="0">
+            <a:schemeClr val="accent1"/>
+          </a:effectRef>
+          <a:fontRef idx="minor">
+            <a:schemeClr val="lt1"/>
+          </a:fontRef>
+        </p:style>
+        <p:txBody>
+          <a:bodyPr rtlCol="0" anchor="ctr"/>
+          <a:lstStyle/>
+          <a:p>
+            <a:pPr algn="ctr"/>
+            <a:r>
+              <a:rPr lang="en-CA" dirty="0">
+                <a:ln w="0"/>
+                <a:solidFill>
+                  <a:schemeClr val="bg1"/>
+                </a:solidFill>
+                <a:effectLst>
+                  <a:outerShdw blurRad="38100" dist="19050" dir="2700000" algn="tl" rotWithShape="0">
+                    <a:schemeClr val="dk1">
+                      <a:alpha val="40000"/>
+                    </a:schemeClr>
+                  </a:outerShdw>
+                </a:effectLst>
+                <a:latin typeface="Arial Black" panose="020B0A04020102020204" pitchFamily="34" charset="0"/>
+              </a:rPr>
+              <a:t>3</a:t>
+            </a:r>
+            <a:endParaRPr lang="en-CA" dirty="0">
+              <a:ln w="0"/>
+              <a:solidFill>
+                <a:schemeClr val="bg1"/>
+              </a:solidFill>
+              <a:effectLst>
+                <a:outerShdw blurRad="38100" dist="19050" dir="2700000" algn="tl" rotWithShape="0">
+                  <a:schemeClr val="dk1">
+                    <a:alpha val="40000"/>
+                  </a:schemeClr>
+                </a:outerShdw>
+              </a:effectLst>
+              <a:latin typeface="Arial Black" panose="020B0A04020102020204" pitchFamily="34" charset="0"/>
+            </a:endParaRPr>
+          </a:p>
+        </p:txBody>
+      </p:sp>
+    </p:spTree>
+    <p:extLst>
+      <p:ext uri="{BB962C8B-B14F-4D97-AF65-F5344CB8AC3E}">
+        <p14:creationId xmlns:p14="http://schemas.microsoft.com/office/powerpoint/2010/main" val="1127945809"/>
+      </p:ext>
+    </p:extLst>
+  </p:cSld>
+  <p:clrMapOvr>
+    <a:masterClrMapping/>
+  </p:clrMapOvr>
+</p:sld>
+</file>
+
+<file path=ppt/slides/slide23.xml><?xml version="1.0" encoding="utf-8"?>
+<p:sld xmlns:a="http://schemas.openxmlformats.org/drawingml/2006/main" xmlns:r="http://schemas.openxmlformats.org/officeDocument/2006/relationships" xmlns:p="http://schemas.openxmlformats.org/presentationml/2006/main">
+  <p:cSld>
+    <p:spTree>
+      <p:nvGrpSpPr>
+        <p:cNvPr id="1" name=""/>
+        <p:cNvGrpSpPr/>
+        <p:nvPr/>
+      </p:nvGrpSpPr>
+      <p:grpSpPr>
+        <a:xfrm>
+          <a:off x="0" y="0"/>
+          <a:ext cx="0" cy="0"/>
+          <a:chOff x="0" y="0"/>
+          <a:chExt cx="0" cy="0"/>
+        </a:xfrm>
+      </p:grpSpPr>
+      <p:sp>
+        <p:nvSpPr>
+          <p:cNvPr id="2" name="Title 1"/>
+          <p:cNvSpPr>
+            <a:spLocks noGrp="1"/>
+          </p:cNvSpPr>
+          <p:nvPr>
+            <p:ph type="title"/>
+          </p:nvPr>
+        </p:nvSpPr>
+        <p:spPr/>
+        <p:txBody>
+          <a:bodyPr/>
+          <a:lstStyle/>
+          <a:p>
+            <a:r>
+              <a:rPr lang="en-CA" dirty="0" smtClean="0"/>
+              <a:t>Rolling back to a previous version</a:t>
+            </a:r>
+            <a:endParaRPr lang="en-CA" dirty="0"/>
+          </a:p>
+        </p:txBody>
+      </p:sp>
+      <p:sp>
+        <p:nvSpPr>
+          <p:cNvPr id="3" name="Content Placeholder 2"/>
+          <p:cNvSpPr>
+            <a:spLocks noGrp="1"/>
+          </p:cNvSpPr>
+          <p:nvPr>
+            <p:ph idx="1"/>
+          </p:nvPr>
+        </p:nvSpPr>
+        <p:spPr/>
+        <p:txBody>
+          <a:bodyPr/>
+          <a:lstStyle/>
+          <a:p>
+            <a:endParaRPr lang="en-CA"/>
+          </a:p>
+        </p:txBody>
+      </p:sp>
+    </p:spTree>
+    <p:extLst>
+      <p:ext uri="{BB962C8B-B14F-4D97-AF65-F5344CB8AC3E}">
+        <p14:creationId xmlns:p14="http://schemas.microsoft.com/office/powerpoint/2010/main" val="2591435888"/>
+      </p:ext>
+    </p:extLst>
+  </p:cSld>
+  <p:clrMapOvr>
+    <a:masterClrMapping/>
+  </p:clrMapOvr>
+</p:sld>
+</file>
+
+<file path=ppt/slides/slide24.xml><?xml version="1.0" encoding="utf-8"?>
 <p:sld xmlns:a="http://schemas.openxmlformats.org/drawingml/2006/main" xmlns:r="http://schemas.openxmlformats.org/officeDocument/2006/relationships" xmlns:p="http://schemas.openxmlformats.org/presentationml/2006/main">
   <p:cSld>
     <p:spTree>
@@ -12206,20 +12016,6 @@
               </a:rPr>
               <a:t>2</a:t>
             </a:r>
-            <a:endParaRPr lang="en-CA" dirty="0">
-              <a:ln w="0"/>
-              <a:solidFill>
-                <a:schemeClr val="bg1"/>
-              </a:solidFill>
-              <a:effectLst>
-                <a:outerShdw blurRad="38100" dist="19050" dir="2700000" algn="tl" rotWithShape="0">
-                  <a:schemeClr val="dk1">
-                    <a:alpha val="40000"/>
-                  </a:schemeClr>
-                </a:outerShdw>
-              </a:effectLst>
-              <a:latin typeface="Arial Black" panose="020B0A04020102020204" pitchFamily="34" charset="0"/>
-            </a:endParaRPr>
           </a:p>
         </p:txBody>
       </p:sp>
@@ -12272,118 +12068,7 @@
 </p:sld>
 </file>
 
-<file path=ppt/slides/slide2.xml><?xml version="1.0" encoding="utf-8"?>
-<p:sld xmlns:a="http://schemas.openxmlformats.org/drawingml/2006/main" xmlns:r="http://schemas.openxmlformats.org/officeDocument/2006/relationships" xmlns:p="http://schemas.openxmlformats.org/presentationml/2006/main">
-  <p:cSld>
-    <p:spTree>
-      <p:nvGrpSpPr>
-        <p:cNvPr id="1" name=""/>
-        <p:cNvGrpSpPr/>
-        <p:nvPr/>
-      </p:nvGrpSpPr>
-      <p:grpSpPr>
-        <a:xfrm>
-          <a:off x="0" y="0"/>
-          <a:ext cx="0" cy="0"/>
-          <a:chOff x="0" y="0"/>
-          <a:chExt cx="0" cy="0"/>
-        </a:xfrm>
-      </p:grpSpPr>
-      <p:sp>
-        <p:nvSpPr>
-          <p:cNvPr id="2" name="Title 1"/>
-          <p:cNvSpPr>
-            <a:spLocks noGrp="1"/>
-          </p:cNvSpPr>
-          <p:nvPr>
-            <p:ph type="title"/>
-          </p:nvPr>
-        </p:nvSpPr>
-        <p:spPr/>
-        <p:txBody>
-          <a:bodyPr/>
-          <a:lstStyle/>
-          <a:p>
-            <a:r>
-              <a:rPr lang="en-US" dirty="0"/>
-              <a:t>What is </a:t>
-            </a:r>
-            <a:r>
-              <a:rPr lang="en-US" dirty="0" smtClean="0"/>
-              <a:t>Version Control?</a:t>
-            </a:r>
-            <a:endParaRPr lang="en-US" dirty="0"/>
-          </a:p>
-        </p:txBody>
-      </p:sp>
-      <p:sp>
-        <p:nvSpPr>
-          <p:cNvPr id="3" name="Content Placeholder 2"/>
-          <p:cNvSpPr>
-            <a:spLocks noGrp="1"/>
-          </p:cNvSpPr>
-          <p:nvPr>
-            <p:ph idx="1"/>
-          </p:nvPr>
-        </p:nvSpPr>
-        <p:spPr/>
-        <p:txBody>
-          <a:bodyPr/>
-          <a:lstStyle/>
-          <a:p>
-            <a:r>
-              <a:rPr lang="en-US" dirty="0" smtClean="0"/>
-              <a:t>Version Control software is a tool used to keep track of different versions of files</a:t>
-            </a:r>
-          </a:p>
-          <a:p>
-            <a:r>
-              <a:rPr lang="en-US" dirty="0" smtClean="0"/>
-              <a:t>Revert to an old version</a:t>
-            </a:r>
-          </a:p>
-          <a:p>
-            <a:r>
-              <a:rPr lang="en-US" dirty="0" smtClean="0"/>
-              <a:t>Branch to create multiple version</a:t>
-            </a:r>
-          </a:p>
-          <a:p>
-            <a:r>
-              <a:rPr lang="en-US" dirty="0" smtClean="0"/>
-              <a:t>Merge two different versions together</a:t>
-            </a:r>
-          </a:p>
-          <a:p>
-            <a:r>
-              <a:rPr lang="en-US" dirty="0" smtClean="0"/>
-              <a:t>Synchronize files on different machines</a:t>
-            </a:r>
-            <a:endParaRPr lang="en-US" dirty="0"/>
-          </a:p>
-        </p:txBody>
-      </p:sp>
-    </p:spTree>
-    <p:extLst>
-      <p:ext uri="{BB962C8B-B14F-4D97-AF65-F5344CB8AC3E}">
-        <p14:creationId xmlns:p14="http://schemas.microsoft.com/office/powerpoint/2010/main" val="3392569427"/>
-      </p:ext>
-    </p:extLst>
-  </p:cSld>
-  <p:clrMapOvr>
-    <a:masterClrMapping/>
-  </p:clrMapOvr>
-  <p:timing>
-    <p:tnLst>
-      <p:par>
-        <p:cTn id="1" dur="indefinite" restart="never" nodeType="tmRoot"/>
-      </p:par>
-    </p:tnLst>
-  </p:timing>
-</p:sld>
-</file>
-
-<file path=ppt/slides/slide20.xml><?xml version="1.0" encoding="utf-8"?>
+<file path=ppt/slides/slide25.xml><?xml version="1.0" encoding="utf-8"?>
 <p:sld xmlns:a="http://schemas.openxmlformats.org/drawingml/2006/main" xmlns:r="http://schemas.openxmlformats.org/officeDocument/2006/relationships" xmlns:p="http://schemas.openxmlformats.org/presentationml/2006/main">
   <p:cSld>
     <p:spTree>
@@ -12792,7 +12477,7 @@
 </p:sld>
 </file>
 
-<file path=ppt/slides/slide21.xml><?xml version="1.0" encoding="utf-8"?>
+<file path=ppt/slides/slide26.xml><?xml version="1.0" encoding="utf-8"?>
 <p:sld xmlns:a="http://schemas.openxmlformats.org/drawingml/2006/main" xmlns:r="http://schemas.openxmlformats.org/officeDocument/2006/relationships" xmlns:p="http://schemas.openxmlformats.org/presentationml/2006/main">
   <p:cSld>
     <p:spTree>
@@ -12874,7 +12559,7 @@
 </p:sld>
 </file>
 
-<file path=ppt/slides/slide22.xml><?xml version="1.0" encoding="utf-8"?>
+<file path=ppt/slides/slide27.xml><?xml version="1.0" encoding="utf-8"?>
 <p:sld xmlns:a="http://schemas.openxmlformats.org/drawingml/2006/main" xmlns:r="http://schemas.openxmlformats.org/officeDocument/2006/relationships" xmlns:p="http://schemas.openxmlformats.org/presentationml/2006/main">
   <p:cSld>
     <p:spTree>
@@ -13863,7 +13548,11 @@
           <a:p>
             <a:r>
               <a:rPr lang="en-CA" dirty="0" smtClean="0"/>
-              <a:t>See link #4</a:t>
+              <a:t>See link #</a:t>
+            </a:r>
+            <a:r>
+              <a:rPr lang="en-CA" dirty="0" smtClean="0"/>
+              <a:t>4 at the end of these slides</a:t>
             </a:r>
             <a:endParaRPr lang="en-CA" dirty="0"/>
           </a:p>
@@ -13916,26 +13605,43 @@
             <p:ph type="title"/>
           </p:nvPr>
         </p:nvSpPr>
+        <p:spPr/>
+        <p:txBody>
+          <a:bodyPr/>
+          <a:lstStyle/>
+          <a:p>
+            <a:r>
+              <a:rPr lang="en-US" dirty="0" smtClean="0"/>
+              <a:t>Getting the class notes</a:t>
+            </a:r>
+            <a:endParaRPr lang="en-US" dirty="0"/>
+          </a:p>
+        </p:txBody>
+      </p:sp>
+      <p:pic>
+        <p:nvPicPr>
+          <p:cNvPr id="3" name="Picture 2"/>
+          <p:cNvPicPr>
+            <a:picLocks noChangeAspect="1"/>
+          </p:cNvPicPr>
+          <p:nvPr/>
+        </p:nvPicPr>
+        <p:blipFill>
+          <a:blip r:embed="rId3"/>
+          <a:stretch>
+            <a:fillRect/>
+          </a:stretch>
+        </p:blipFill>
         <p:spPr>
           <a:xfrm>
-            <a:off x="546100" y="290352"/>
-            <a:ext cx="10515600" cy="1557228"/>
+            <a:off x="201470" y="1956040"/>
+            <a:ext cx="4552950" cy="285750"/>
           </a:xfrm>
+          <a:prstGeom prst="rect">
+            <a:avLst/>
+          </a:prstGeom>
         </p:spPr>
-        <p:txBody>
-          <a:bodyPr>
-            <a:normAutofit fontScale="90000"/>
-          </a:bodyPr>
-          <a:lstStyle/>
-          <a:p>
-            <a:r>
-              <a:rPr lang="en-CA" dirty="0" smtClean="0"/>
-              <a:t>Understanding Git and some basic functions</a:t>
-            </a:r>
-            <a:endParaRPr lang="en-CA" dirty="0"/>
-          </a:p>
-        </p:txBody>
-      </p:sp>
+      </p:pic>
       <p:pic>
         <p:nvPicPr>
           <p:cNvPr id="4" name="Picture 3"/>
@@ -13944,93 +13650,273 @@
           </p:cNvPicPr>
           <p:nvPr/>
         </p:nvPicPr>
+        <p:blipFill rotWithShape="1">
+          <a:blip r:embed="rId4"/>
+          <a:srcRect l="23054" t="26979"/>
+          <a:stretch/>
+        </p:blipFill>
+        <p:spPr>
+          <a:xfrm>
+            <a:off x="4033587" y="2343538"/>
+            <a:ext cx="3261438" cy="2775171"/>
+          </a:xfrm>
+          <a:prstGeom prst="rect">
+            <a:avLst/>
+          </a:prstGeom>
+        </p:spPr>
+      </p:pic>
+      <p:pic>
+        <p:nvPicPr>
+          <p:cNvPr id="8" name="Picture 7"/>
+          <p:cNvPicPr>
+            <a:picLocks noChangeAspect="1"/>
+          </p:cNvPicPr>
+          <p:nvPr/>
+        </p:nvPicPr>
         <p:blipFill>
-          <a:blip r:embed="rId3">
-            <a:extLst>
-              <a:ext uri="{28A0092B-C50C-407E-A947-70E740481C1C}">
-                <a14:useLocalDpi xmlns:a14="http://schemas.microsoft.com/office/drawing/2010/main" val="0"/>
-              </a:ext>
-            </a:extLst>
-          </a:blip>
+          <a:blip r:embed="rId5"/>
           <a:stretch>
             <a:fillRect/>
           </a:stretch>
         </p:blipFill>
         <p:spPr>
           <a:xfrm>
-            <a:off x="546100" y="2216912"/>
-            <a:ext cx="3225800" cy="2469753"/>
+            <a:off x="6096000" y="5578309"/>
+            <a:ext cx="5929279" cy="793010"/>
           </a:xfrm>
           <a:prstGeom prst="rect">
             <a:avLst/>
           </a:prstGeom>
-          <a:ln>
-            <a:noFill/>
-          </a:ln>
-          <a:effectLst>
-            <a:outerShdw blurRad="292100" dist="139700" dir="2700000" algn="tl" rotWithShape="0">
-              <a:srgbClr val="333333">
-                <a:alpha val="65000"/>
-              </a:srgbClr>
-            </a:outerShdw>
-          </a:effectLst>
         </p:spPr>
       </p:pic>
-      <p:pic>
-        <p:nvPicPr>
-          <p:cNvPr id="5" name="Picture 4"/>
-          <p:cNvPicPr>
-            <a:picLocks noChangeAspect="1"/>
-          </p:cNvPicPr>
+      <p:sp>
+        <p:nvSpPr>
+          <p:cNvPr id="16" name="Oval 15"/>
+          <p:cNvSpPr/>
           <p:nvPr/>
-        </p:nvPicPr>
-        <p:blipFill>
-          <a:blip r:embed="rId4">
-            <a:extLst>
-              <a:ext uri="{28A0092B-C50C-407E-A947-70E740481C1C}">
-                <a14:useLocalDpi xmlns:a14="http://schemas.microsoft.com/office/drawing/2010/main" val="0"/>
-              </a:ext>
-            </a:extLst>
-          </a:blip>
-          <a:stretch>
-            <a:fillRect/>
-          </a:stretch>
-        </p:blipFill>
+        </p:nvSpPr>
         <p:spPr>
           <a:xfrm>
-            <a:off x="8699500" y="1323832"/>
-            <a:ext cx="2872740" cy="4255911"/>
+            <a:off x="0" y="1541692"/>
+            <a:ext cx="614863" cy="614863"/>
           </a:xfrm>
-          <a:prstGeom prst="rect">
+          <a:prstGeom prst="ellipse">
+            <a:avLst/>
+          </a:prstGeom>
+        </p:spPr>
+        <p:style>
+          <a:lnRef idx="2">
+            <a:schemeClr val="accent1">
+              <a:shade val="50000"/>
+            </a:schemeClr>
+          </a:lnRef>
+          <a:fillRef idx="1">
+            <a:schemeClr val="accent1"/>
+          </a:fillRef>
+          <a:effectRef idx="0">
+            <a:schemeClr val="accent1"/>
+          </a:effectRef>
+          <a:fontRef idx="minor">
+            <a:schemeClr val="lt1"/>
+          </a:fontRef>
+        </p:style>
+        <p:txBody>
+          <a:bodyPr rtlCol="0" anchor="ctr"/>
+          <a:lstStyle/>
+          <a:p>
+            <a:pPr algn="ctr"/>
+            <a:r>
+              <a:rPr lang="en-CA" dirty="0" smtClean="0">
+                <a:ln w="0"/>
+                <a:solidFill>
+                  <a:schemeClr val="bg1"/>
+                </a:solidFill>
+                <a:effectLst>
+                  <a:outerShdw blurRad="38100" dist="19050" dir="2700000" algn="tl" rotWithShape="0">
+                    <a:schemeClr val="dk1">
+                      <a:alpha val="40000"/>
+                    </a:schemeClr>
+                  </a:outerShdw>
+                </a:effectLst>
+                <a:latin typeface="Arial Black" panose="020B0A04020102020204" pitchFamily="34" charset="0"/>
+              </a:rPr>
+              <a:t>1</a:t>
+            </a:r>
+            <a:endParaRPr lang="en-CA" dirty="0">
+              <a:ln w="0"/>
+              <a:solidFill>
+                <a:schemeClr val="bg1"/>
+              </a:solidFill>
+              <a:effectLst>
+                <a:outerShdw blurRad="38100" dist="19050" dir="2700000" algn="tl" rotWithShape="0">
+                  <a:schemeClr val="dk1">
+                    <a:alpha val="40000"/>
+                  </a:schemeClr>
+                </a:outerShdw>
+              </a:effectLst>
+              <a:latin typeface="Arial Black" panose="020B0A04020102020204" pitchFamily="34" charset="0"/>
+            </a:endParaRPr>
+          </a:p>
+        </p:txBody>
+      </p:sp>
+      <p:sp>
+        <p:nvSpPr>
+          <p:cNvPr id="15" name="Oval 14"/>
+          <p:cNvSpPr/>
+          <p:nvPr/>
+        </p:nvSpPr>
+        <p:spPr>
+          <a:xfrm>
+            <a:off x="6977543" y="1825385"/>
+            <a:ext cx="614863" cy="614863"/>
+          </a:xfrm>
+          <a:prstGeom prst="ellipse">
+            <a:avLst/>
+          </a:prstGeom>
+        </p:spPr>
+        <p:style>
+          <a:lnRef idx="2">
+            <a:schemeClr val="accent1">
+              <a:shade val="50000"/>
+            </a:schemeClr>
+          </a:lnRef>
+          <a:fillRef idx="1">
+            <a:schemeClr val="accent1"/>
+          </a:fillRef>
+          <a:effectRef idx="0">
+            <a:schemeClr val="accent1"/>
+          </a:effectRef>
+          <a:fontRef idx="minor">
+            <a:schemeClr val="lt1"/>
+          </a:fontRef>
+        </p:style>
+        <p:txBody>
+          <a:bodyPr rtlCol="0" anchor="ctr"/>
+          <a:lstStyle/>
+          <a:p>
+            <a:pPr algn="ctr"/>
+            <a:r>
+              <a:rPr lang="en-CA" dirty="0" smtClean="0">
+                <a:ln w="0"/>
+                <a:solidFill>
+                  <a:schemeClr val="bg1"/>
+                </a:solidFill>
+                <a:effectLst>
+                  <a:outerShdw blurRad="38100" dist="19050" dir="2700000" algn="tl" rotWithShape="0">
+                    <a:schemeClr val="dk1">
+                      <a:alpha val="40000"/>
+                    </a:schemeClr>
+                  </a:outerShdw>
+                </a:effectLst>
+                <a:latin typeface="Arial Black" panose="020B0A04020102020204" pitchFamily="34" charset="0"/>
+              </a:rPr>
+              <a:t>2</a:t>
+            </a:r>
+            <a:endParaRPr lang="en-CA" dirty="0">
+              <a:ln w="0"/>
+              <a:solidFill>
+                <a:schemeClr val="bg1"/>
+              </a:solidFill>
+              <a:effectLst>
+                <a:outerShdw blurRad="38100" dist="19050" dir="2700000" algn="tl" rotWithShape="0">
+                  <a:schemeClr val="dk1">
+                    <a:alpha val="40000"/>
+                  </a:schemeClr>
+                </a:outerShdw>
+              </a:effectLst>
+              <a:latin typeface="Arial Black" panose="020B0A04020102020204" pitchFamily="34" charset="0"/>
+            </a:endParaRPr>
+          </a:p>
+        </p:txBody>
+      </p:sp>
+      <p:sp>
+        <p:nvSpPr>
+          <p:cNvPr id="14" name="Oval 13"/>
+          <p:cNvSpPr/>
+          <p:nvPr/>
+        </p:nvSpPr>
+        <p:spPr>
+          <a:xfrm>
+            <a:off x="11353800" y="5270878"/>
+            <a:ext cx="614863" cy="614863"/>
+          </a:xfrm>
+          <a:prstGeom prst="ellipse">
+            <a:avLst/>
+          </a:prstGeom>
+        </p:spPr>
+        <p:style>
+          <a:lnRef idx="2">
+            <a:schemeClr val="accent1">
+              <a:shade val="50000"/>
+            </a:schemeClr>
+          </a:lnRef>
+          <a:fillRef idx="1">
+            <a:schemeClr val="accent1"/>
+          </a:fillRef>
+          <a:effectRef idx="0">
+            <a:schemeClr val="accent1"/>
+          </a:effectRef>
+          <a:fontRef idx="minor">
+            <a:schemeClr val="lt1"/>
+          </a:fontRef>
+        </p:style>
+        <p:txBody>
+          <a:bodyPr rtlCol="0" anchor="ctr"/>
+          <a:lstStyle/>
+          <a:p>
+            <a:pPr algn="ctr"/>
+            <a:r>
+              <a:rPr lang="en-CA" dirty="0" smtClean="0">
+                <a:ln w="0"/>
+                <a:solidFill>
+                  <a:schemeClr val="bg1"/>
+                </a:solidFill>
+                <a:effectLst>
+                  <a:outerShdw blurRad="38100" dist="19050" dir="2700000" algn="tl" rotWithShape="0">
+                    <a:schemeClr val="dk1">
+                      <a:alpha val="40000"/>
+                    </a:schemeClr>
+                  </a:outerShdw>
+                </a:effectLst>
+                <a:latin typeface="Arial Black" panose="020B0A04020102020204" pitchFamily="34" charset="0"/>
+              </a:rPr>
+              <a:t>3</a:t>
+            </a:r>
+            <a:endParaRPr lang="en-CA" dirty="0">
+              <a:ln w="0"/>
+              <a:solidFill>
+                <a:schemeClr val="bg1"/>
+              </a:solidFill>
+              <a:effectLst>
+                <a:outerShdw blurRad="38100" dist="19050" dir="2700000" algn="tl" rotWithShape="0">
+                  <a:schemeClr val="dk1">
+                    <a:alpha val="40000"/>
+                  </a:schemeClr>
+                </a:outerShdw>
+              </a:effectLst>
+              <a:latin typeface="Arial Black" panose="020B0A04020102020204" pitchFamily="34" charset="0"/>
+            </a:endParaRPr>
+          </a:p>
+        </p:txBody>
+      </p:sp>
+      <p:cxnSp>
+        <p:nvCxnSpPr>
+          <p:cNvPr id="12" name="Elbow Connector 11"/>
+          <p:cNvCxnSpPr>
+            <a:stCxn id="3" idx="2"/>
+            <a:endCxn id="4" idx="1"/>
+          </p:cNvCxnSpPr>
+          <p:nvPr/>
+        </p:nvCxnSpPr>
+        <p:spPr>
+          <a:xfrm rot="16200000" flipH="1">
+            <a:off x="2511099" y="2208636"/>
+            <a:ext cx="1489334" cy="1555642"/>
+          </a:xfrm>
+          <a:prstGeom prst="bentConnector2">
             <a:avLst/>
           </a:prstGeom>
           <a:ln>
-            <a:noFill/>
-          </a:ln>
-          <a:effectLst>
-            <a:outerShdw blurRad="292100" dist="139700" dir="2700000" algn="tl" rotWithShape="0">
-              <a:srgbClr val="333333">
-                <a:alpha val="65000"/>
-              </a:srgbClr>
-            </a:outerShdw>
-          </a:effectLst>
-        </p:spPr>
-      </p:pic>
-      <p:cxnSp>
-        <p:nvCxnSpPr>
-          <p:cNvPr id="6" name="Straight Arrow Connector 5"/>
-          <p:cNvCxnSpPr/>
-          <p:nvPr/>
-        </p:nvCxnSpPr>
-        <p:spPr>
-          <a:xfrm>
-            <a:off x="3987800" y="3185088"/>
-            <a:ext cx="4495800" cy="1"/>
-          </a:xfrm>
-          <a:prstGeom prst="straightConnector1">
-            <a:avLst/>
-          </a:prstGeom>
-          <a:ln w="76200">
             <a:tailEnd type="triangle"/>
           </a:ln>
         </p:spPr>
@@ -14049,76 +13935,59 @@
           </a:fontRef>
         </p:style>
       </p:cxnSp>
-      <p:sp>
-        <p:nvSpPr>
-          <p:cNvPr id="7" name="TextBox 6"/>
-          <p:cNvSpPr txBox="1"/>
+      <p:cxnSp>
+        <p:nvCxnSpPr>
+          <p:cNvPr id="18" name="Elbow Connector 17"/>
+          <p:cNvCxnSpPr>
+            <a:stCxn id="4" idx="2"/>
+            <a:endCxn id="8" idx="1"/>
+          </p:cNvCxnSpPr>
           <p:nvPr/>
-        </p:nvSpPr>
+        </p:nvCxnSpPr>
         <p:spPr>
-          <a:xfrm>
-            <a:off x="1104900" y="5579743"/>
-            <a:ext cx="1636474" cy="369332"/>
+          <a:xfrm rot="16200000" flipH="1">
+            <a:off x="5452101" y="5330914"/>
+            <a:ext cx="856105" cy="431694"/>
           </a:xfrm>
-          <a:prstGeom prst="rect">
+          <a:prstGeom prst="bentConnector2">
             <a:avLst/>
           </a:prstGeom>
-          <a:noFill/>
+          <a:ln>
+            <a:tailEnd type="triangle"/>
+          </a:ln>
         </p:spPr>
-        <p:txBody>
-          <a:bodyPr wrap="none" rtlCol="0">
-            <a:spAutoFit/>
-          </a:bodyPr>
-          <a:lstStyle/>
-          <a:p>
-            <a:r>
-              <a:rPr lang="en-CA" dirty="0" smtClean="0"/>
-              <a:t>Going from this</a:t>
-            </a:r>
-            <a:endParaRPr lang="en-CA" dirty="0"/>
-          </a:p>
-        </p:txBody>
-      </p:sp>
-      <p:sp>
-        <p:nvSpPr>
-          <p:cNvPr id="8" name="TextBox 7"/>
-          <p:cNvSpPr txBox="1"/>
-          <p:nvPr/>
-        </p:nvSpPr>
-        <p:spPr>
-          <a:xfrm>
-            <a:off x="9739607" y="5949075"/>
-            <a:ext cx="792525" cy="369332"/>
-          </a:xfrm>
-          <a:prstGeom prst="rect">
-            <a:avLst/>
-          </a:prstGeom>
-          <a:noFill/>
-        </p:spPr>
-        <p:txBody>
-          <a:bodyPr wrap="none" rtlCol="0">
-            <a:spAutoFit/>
-          </a:bodyPr>
-          <a:lstStyle/>
-          <a:p>
-            <a:r>
-              <a:rPr lang="en-CA" dirty="0" smtClean="0"/>
-              <a:t>To this</a:t>
-            </a:r>
-            <a:endParaRPr lang="en-CA" dirty="0"/>
-          </a:p>
-        </p:txBody>
-      </p:sp>
+        <p:style>
+          <a:lnRef idx="1">
+            <a:schemeClr val="accent1"/>
+          </a:lnRef>
+          <a:fillRef idx="0">
+            <a:schemeClr val="accent1"/>
+          </a:fillRef>
+          <a:effectRef idx="0">
+            <a:schemeClr val="accent1"/>
+          </a:effectRef>
+          <a:fontRef idx="minor">
+            <a:schemeClr val="tx1"/>
+          </a:fontRef>
+        </p:style>
+      </p:cxnSp>
     </p:spTree>
     <p:extLst>
       <p:ext uri="{BB962C8B-B14F-4D97-AF65-F5344CB8AC3E}">
-        <p14:creationId xmlns:p14="http://schemas.microsoft.com/office/powerpoint/2010/main" val="1710738674"/>
+        <p14:creationId xmlns:p14="http://schemas.microsoft.com/office/powerpoint/2010/main" val="1562895204"/>
       </p:ext>
     </p:extLst>
   </p:cSld>
   <p:clrMapOvr>
     <a:masterClrMapping/>
   </p:clrMapOvr>
+  <p:timing>
+    <p:tnLst>
+      <p:par>
+        <p:cTn id="1" dur="indefinite" restart="never" nodeType="tmRoot"/>
+      </p:par>
+    </p:tnLst>
+  </p:timing>
 </p:sld>
 </file>
 
@@ -14155,69 +14024,41 @@
           <a:lstStyle/>
           <a:p>
             <a:r>
-              <a:rPr lang="en-CA" dirty="0" smtClean="0"/>
-              <a:t>Quick glossary</a:t>
-            </a:r>
-            <a:endParaRPr lang="en-CA" dirty="0"/>
-          </a:p>
-        </p:txBody>
-      </p:sp>
-      <p:sp>
-        <p:nvSpPr>
-          <p:cNvPr id="3" name="Content Placeholder 2"/>
-          <p:cNvSpPr>
-            <a:spLocks noGrp="1"/>
-          </p:cNvSpPr>
-          <p:nvPr>
-            <p:ph idx="1"/>
-          </p:nvPr>
-        </p:nvSpPr>
-        <p:spPr/>
-        <p:txBody>
-          <a:bodyPr/>
-          <a:lstStyle/>
-          <a:p>
-            <a:r>
-              <a:rPr lang="en-CA" dirty="0" smtClean="0"/>
-              <a:t>Git is your version control software</a:t>
-            </a:r>
-          </a:p>
-          <a:p>
-            <a:r>
-              <a:rPr lang="en-CA" dirty="0" smtClean="0"/>
-              <a:t>Git Hub is a website that hosts your repositories</a:t>
-            </a:r>
-          </a:p>
-          <a:p>
-            <a:r>
-              <a:rPr lang="en-CA" dirty="0" smtClean="0"/>
-              <a:t>Repositories are </a:t>
-            </a:r>
-            <a:r>
-              <a:rPr lang="en-CA" dirty="0" smtClean="0"/>
-              <a:t>a collection </a:t>
-            </a:r>
-            <a:r>
-              <a:rPr lang="en-CA" dirty="0" smtClean="0"/>
-              <a:t>of files and file </a:t>
-            </a:r>
-            <a:r>
-              <a:rPr lang="en-CA" dirty="0" smtClean="0"/>
-              <a:t>histories</a:t>
-            </a:r>
-          </a:p>
-          <a:p>
-            <a:r>
-              <a:rPr lang="en-CA" dirty="0" smtClean="0"/>
-              <a:t>Commits are like save states</a:t>
-            </a:r>
-          </a:p>
-        </p:txBody>
-      </p:sp>
+              <a:rPr lang="en-US" dirty="0" smtClean="0"/>
+              <a:t>Cloning a repo from the net</a:t>
+            </a:r>
+            <a:endParaRPr lang="en-US" dirty="0"/>
+          </a:p>
+        </p:txBody>
+      </p:sp>
+      <p:pic>
+        <p:nvPicPr>
+          <p:cNvPr id="5" name="Picture 4"/>
+          <p:cNvPicPr>
+            <a:picLocks noChangeAspect="1"/>
+          </p:cNvPicPr>
+          <p:nvPr/>
+        </p:nvPicPr>
+        <p:blipFill>
+          <a:blip r:embed="rId3"/>
+          <a:stretch>
+            <a:fillRect/>
+          </a:stretch>
+        </p:blipFill>
+        <p:spPr>
+          <a:xfrm>
+            <a:off x="838200" y="1811597"/>
+            <a:ext cx="10170523" cy="2159901"/>
+          </a:xfrm>
+          <a:prstGeom prst="rect">
+            <a:avLst/>
+          </a:prstGeom>
+        </p:spPr>
+      </p:pic>
     </p:spTree>
     <p:extLst>
       <p:ext uri="{BB962C8B-B14F-4D97-AF65-F5344CB8AC3E}">
-        <p14:creationId xmlns:p14="http://schemas.microsoft.com/office/powerpoint/2010/main" val="1876548509"/>
+        <p14:creationId xmlns:p14="http://schemas.microsoft.com/office/powerpoint/2010/main" val="2070679325"/>
       </p:ext>
     </p:extLst>
   </p:cSld>

--- a/01-githubTutorial1.pptx
+++ b/01-githubTutorial1.pptx
@@ -2,39 +2,42 @@
 <file path=ppt/presentation.xml><?xml version="1.0" encoding="utf-8"?>
 <p:presentation xmlns:a="http://schemas.openxmlformats.org/drawingml/2006/main" xmlns:r="http://schemas.openxmlformats.org/officeDocument/2006/relationships" xmlns:p="http://schemas.openxmlformats.org/presentationml/2006/main" saveSubsetFonts="1">
   <p:sldMasterIdLst>
-    <p:sldMasterId id="2147483864" r:id="rId1"/>
+    <p:sldMasterId id="2147483994" r:id="rId1"/>
   </p:sldMasterIdLst>
   <p:notesMasterIdLst>
-    <p:notesMasterId r:id="rId29"/>
+    <p:notesMasterId r:id="rId32"/>
   </p:notesMasterIdLst>
   <p:sldIdLst>
     <p:sldId id="256" r:id="rId2"/>
-    <p:sldId id="257" r:id="rId3"/>
-    <p:sldId id="264" r:id="rId4"/>
-    <p:sldId id="258" r:id="rId5"/>
-    <p:sldId id="259" r:id="rId6"/>
-    <p:sldId id="260" r:id="rId7"/>
-    <p:sldId id="262" r:id="rId8"/>
-    <p:sldId id="273" r:id="rId9"/>
-    <p:sldId id="274" r:id="rId10"/>
-    <p:sldId id="270" r:id="rId11"/>
-    <p:sldId id="265" r:id="rId12"/>
-    <p:sldId id="266" r:id="rId13"/>
-    <p:sldId id="263" r:id="rId14"/>
-    <p:sldId id="271" r:id="rId15"/>
-    <p:sldId id="275" r:id="rId16"/>
-    <p:sldId id="277" r:id="rId17"/>
-    <p:sldId id="281" r:id="rId18"/>
-    <p:sldId id="282" r:id="rId19"/>
-    <p:sldId id="283" r:id="rId20"/>
-    <p:sldId id="284" r:id="rId21"/>
-    <p:sldId id="276" r:id="rId22"/>
-    <p:sldId id="285" r:id="rId23"/>
-    <p:sldId id="286" r:id="rId24"/>
-    <p:sldId id="278" r:id="rId25"/>
-    <p:sldId id="279" r:id="rId26"/>
-    <p:sldId id="280" r:id="rId27"/>
-    <p:sldId id="261" r:id="rId28"/>
+    <p:sldId id="288" r:id="rId3"/>
+    <p:sldId id="257" r:id="rId4"/>
+    <p:sldId id="264" r:id="rId5"/>
+    <p:sldId id="258" r:id="rId6"/>
+    <p:sldId id="259" r:id="rId7"/>
+    <p:sldId id="260" r:id="rId8"/>
+    <p:sldId id="289" r:id="rId9"/>
+    <p:sldId id="273" r:id="rId10"/>
+    <p:sldId id="274" r:id="rId11"/>
+    <p:sldId id="270" r:id="rId12"/>
+    <p:sldId id="265" r:id="rId13"/>
+    <p:sldId id="266" r:id="rId14"/>
+    <p:sldId id="263" r:id="rId15"/>
+    <p:sldId id="271" r:id="rId16"/>
+    <p:sldId id="275" r:id="rId17"/>
+    <p:sldId id="277" r:id="rId18"/>
+    <p:sldId id="281" r:id="rId19"/>
+    <p:sldId id="282" r:id="rId20"/>
+    <p:sldId id="283" r:id="rId21"/>
+    <p:sldId id="284" r:id="rId22"/>
+    <p:sldId id="276" r:id="rId23"/>
+    <p:sldId id="285" r:id="rId24"/>
+    <p:sldId id="286" r:id="rId25"/>
+    <p:sldId id="290" r:id="rId26"/>
+    <p:sldId id="278" r:id="rId27"/>
+    <p:sldId id="279" r:id="rId28"/>
+    <p:sldId id="280" r:id="rId29"/>
+    <p:sldId id="291" r:id="rId30"/>
+    <p:sldId id="261" r:id="rId31"/>
   </p:sldIdLst>
   <p:sldSz cx="12192000" cy="6858000"/>
   <p:notesSz cx="6858000" cy="9144000"/>
@@ -896,17 +899,17 @@
       <dgm:spPr/>
     </dgm:pt>
     <dgm:pt modelId="{9595A661-6E48-4B53-A3AD-2035998D0C59}">
-      <dgm:prSet phldrT="[Text]"/>
+      <dgm:prSet phldrT="[Text]" custT="1"/>
       <dgm:spPr/>
       <dgm:t>
         <a:bodyPr/>
         <a:lstStyle/>
         <a:p>
           <a:r>
-            <a:rPr lang="en-CA" dirty="0" smtClean="0"/>
+            <a:rPr lang="en-CA" sz="2000" dirty="0" smtClean="0"/>
             <a:t>http://git-scm.com/download/win</a:t>
           </a:r>
-          <a:endParaRPr lang="en-CA" dirty="0"/>
+          <a:endParaRPr lang="en-CA" sz="2000" dirty="0"/>
         </a:p>
       </dgm:t>
     </dgm:pt>
@@ -933,17 +936,17 @@
       </dgm:t>
     </dgm:pt>
     <dgm:pt modelId="{ED3731F8-1FF2-4427-AD8F-8C412113DFD0}">
-      <dgm:prSet phldrT="[Text]"/>
+      <dgm:prSet phldrT="[Text]" custT="1"/>
       <dgm:spPr/>
       <dgm:t>
         <a:bodyPr/>
         <a:lstStyle/>
         <a:p>
           <a:r>
-            <a:rPr lang="en-CA" dirty="0" smtClean="0"/>
+            <a:rPr lang="en-CA" sz="2000" dirty="0" smtClean="0"/>
             <a:t>http://git-scm.com/download/mac</a:t>
           </a:r>
-          <a:endParaRPr lang="en-CA" dirty="0"/>
+          <a:endParaRPr lang="en-CA" sz="2000" dirty="0"/>
         </a:p>
       </dgm:t>
     </dgm:pt>
@@ -970,21 +973,21 @@
       </dgm:t>
     </dgm:pt>
     <dgm:pt modelId="{E55F2C17-88F3-4B50-AC2B-B8F6D82D0469}">
-      <dgm:prSet phldrT="[Text]"/>
+      <dgm:prSet phldrT="[Text]" custT="1"/>
       <dgm:spPr/>
       <dgm:t>
         <a:bodyPr/>
         <a:lstStyle/>
         <a:p>
           <a:r>
-            <a:rPr lang="en-CA" dirty="0" err="1" smtClean="0"/>
+            <a:rPr lang="en-CA" sz="2000" dirty="0" err="1" smtClean="0"/>
             <a:t>sudo</a:t>
           </a:r>
           <a:r>
-            <a:rPr lang="en-CA" dirty="0" smtClean="0"/>
+            <a:rPr lang="en-CA" sz="2000" dirty="0" smtClean="0"/>
             <a:t> apt-get install git</a:t>
           </a:r>
-          <a:endParaRPr lang="en-CA" dirty="0"/>
+          <a:endParaRPr lang="en-CA" sz="2000" dirty="0"/>
         </a:p>
       </dgm:t>
     </dgm:pt>
@@ -1221,6 +1224,465 @@
       <dsp:cNvGrpSpPr/>
     </dsp:nvGrpSpPr>
     <dsp:grpSpPr/>
+    <dsp:sp modelId="{1DB5C47C-AECA-4340-B71E-96D6066ECB03}">
+      <dsp:nvSpPr>
+        <dsp:cNvPr id="0" name=""/>
+        <dsp:cNvSpPr/>
+      </dsp:nvSpPr>
+      <dsp:spPr>
+        <a:xfrm>
+          <a:off x="0" y="0"/>
+          <a:ext cx="6731000" cy="1958102"/>
+        </a:xfrm>
+        <a:prstGeom prst="roundRect">
+          <a:avLst>
+            <a:gd name="adj" fmla="val 10000"/>
+          </a:avLst>
+        </a:prstGeom>
+        <a:solidFill>
+          <a:schemeClr val="accent1">
+            <a:alpha val="90000"/>
+            <a:tint val="40000"/>
+            <a:hueOff val="0"/>
+            <a:satOff val="0"/>
+            <a:lumOff val="0"/>
+            <a:alphaOff val="0"/>
+          </a:schemeClr>
+        </a:solidFill>
+        <a:ln w="12700" cap="flat" cmpd="sng" algn="ctr">
+          <a:solidFill>
+            <a:schemeClr val="accent1">
+              <a:alpha val="90000"/>
+              <a:tint val="40000"/>
+              <a:hueOff val="0"/>
+              <a:satOff val="0"/>
+              <a:lumOff val="0"/>
+              <a:alphaOff val="0"/>
+            </a:schemeClr>
+          </a:solidFill>
+          <a:prstDash val="solid"/>
+          <a:miter lim="800000"/>
+        </a:ln>
+        <a:effectLst/>
+      </dsp:spPr>
+      <dsp:style>
+        <a:lnRef idx="2">
+          <a:scrgbClr r="0" g="0" b="0"/>
+        </a:lnRef>
+        <a:fillRef idx="1">
+          <a:scrgbClr r="0" g="0" b="0"/>
+        </a:fillRef>
+        <a:effectRef idx="0">
+          <a:scrgbClr r="0" g="0" b="0"/>
+        </a:effectRef>
+        <a:fontRef idx="minor"/>
+      </dsp:style>
+    </dsp:sp>
+    <dsp:sp modelId="{D34F1DEE-0B5F-4829-8C07-EEB5EAEB8462}">
+      <dsp:nvSpPr>
+        <dsp:cNvPr id="0" name=""/>
+        <dsp:cNvSpPr/>
+      </dsp:nvSpPr>
+      <dsp:spPr>
+        <a:xfrm>
+          <a:off x="201930" y="261080"/>
+          <a:ext cx="1977231" cy="1435941"/>
+        </a:xfrm>
+        <a:prstGeom prst="roundRect">
+          <a:avLst>
+            <a:gd name="adj" fmla="val 10000"/>
+          </a:avLst>
+        </a:prstGeom>
+        <a:blipFill>
+          <a:blip xmlns:r="http://schemas.openxmlformats.org/officeDocument/2006/relationships" r:embed="rId1">
+            <a:extLst>
+              <a:ext uri="{28A0092B-C50C-407E-A947-70E740481C1C}">
+                <a14:useLocalDpi xmlns:a14="http://schemas.microsoft.com/office/drawing/2010/main" val="0"/>
+              </a:ext>
+            </a:extLst>
+          </a:blip>
+          <a:srcRect/>
+          <a:stretch>
+            <a:fillRect t="-6000" b="-6000"/>
+          </a:stretch>
+        </a:blipFill>
+        <a:ln w="12700" cap="flat" cmpd="sng" algn="ctr">
+          <a:solidFill>
+            <a:schemeClr val="lt1">
+              <a:hueOff val="0"/>
+              <a:satOff val="0"/>
+              <a:lumOff val="0"/>
+              <a:alphaOff val="0"/>
+            </a:schemeClr>
+          </a:solidFill>
+          <a:prstDash val="solid"/>
+          <a:miter lim="800000"/>
+        </a:ln>
+        <a:effectLst/>
+      </dsp:spPr>
+      <dsp:style>
+        <a:lnRef idx="2">
+          <a:scrgbClr r="0" g="0" b="0"/>
+        </a:lnRef>
+        <a:fillRef idx="1">
+          <a:scrgbClr r="0" g="0" b="0"/>
+        </a:fillRef>
+        <a:effectRef idx="0">
+          <a:scrgbClr r="0" g="0" b="0"/>
+        </a:effectRef>
+        <a:fontRef idx="minor"/>
+      </dsp:style>
+    </dsp:sp>
+    <dsp:sp modelId="{7CFB9D61-3C8B-49A7-A24E-256E2BC8DCDA}">
+      <dsp:nvSpPr>
+        <dsp:cNvPr id="0" name=""/>
+        <dsp:cNvSpPr/>
+      </dsp:nvSpPr>
+      <dsp:spPr>
+        <a:xfrm rot="10800000">
+          <a:off x="201930" y="1958102"/>
+          <a:ext cx="1977231" cy="2393235"/>
+        </a:xfrm>
+        <a:prstGeom prst="round2SameRect">
+          <a:avLst>
+            <a:gd name="adj1" fmla="val 10500"/>
+            <a:gd name="adj2" fmla="val 0"/>
+          </a:avLst>
+        </a:prstGeom>
+        <a:solidFill>
+          <a:schemeClr val="accent1">
+            <a:hueOff val="0"/>
+            <a:satOff val="0"/>
+            <a:lumOff val="0"/>
+            <a:alphaOff val="0"/>
+          </a:schemeClr>
+        </a:solidFill>
+        <a:ln w="12700" cap="flat" cmpd="sng" algn="ctr">
+          <a:solidFill>
+            <a:schemeClr val="lt1">
+              <a:hueOff val="0"/>
+              <a:satOff val="0"/>
+              <a:lumOff val="0"/>
+              <a:alphaOff val="0"/>
+            </a:schemeClr>
+          </a:solidFill>
+          <a:prstDash val="solid"/>
+          <a:miter lim="800000"/>
+        </a:ln>
+        <a:effectLst/>
+      </dsp:spPr>
+      <dsp:style>
+        <a:lnRef idx="2">
+          <a:scrgbClr r="0" g="0" b="0"/>
+        </a:lnRef>
+        <a:fillRef idx="1">
+          <a:scrgbClr r="0" g="0" b="0"/>
+        </a:fillRef>
+        <a:effectRef idx="0">
+          <a:scrgbClr r="0" g="0" b="0"/>
+        </a:effectRef>
+        <a:fontRef idx="minor">
+          <a:schemeClr val="lt1"/>
+        </a:fontRef>
+      </dsp:style>
+      <dsp:txBody>
+        <a:bodyPr spcFirstLastPara="0" vert="horz" wrap="square" lIns="142240" tIns="142240" rIns="142240" bIns="142240" numCol="1" spcCol="1270" anchor="t" anchorCtr="0">
+          <a:noAutofit/>
+        </a:bodyPr>
+        <a:lstStyle/>
+        <a:p>
+          <a:pPr lvl="0" algn="ctr" defTabSz="889000">
+            <a:lnSpc>
+              <a:spcPct val="90000"/>
+            </a:lnSpc>
+            <a:spcBef>
+              <a:spcPct val="0"/>
+            </a:spcBef>
+            <a:spcAft>
+              <a:spcPct val="35000"/>
+            </a:spcAft>
+          </a:pPr>
+          <a:r>
+            <a:rPr lang="en-CA" sz="2000" kern="1200" dirty="0" smtClean="0"/>
+            <a:t>http://git-scm.com/download/win</a:t>
+          </a:r>
+          <a:endParaRPr lang="en-CA" sz="2000" kern="1200" dirty="0"/>
+        </a:p>
+      </dsp:txBody>
+      <dsp:txXfrm rot="10800000">
+        <a:off x="262737" y="1958102"/>
+        <a:ext cx="1855617" cy="2332428"/>
+      </dsp:txXfrm>
+    </dsp:sp>
+    <dsp:sp modelId="{5CC3E3C4-B067-4926-9114-D6439DB76881}">
+      <dsp:nvSpPr>
+        <dsp:cNvPr id="0" name=""/>
+        <dsp:cNvSpPr/>
+      </dsp:nvSpPr>
+      <dsp:spPr>
+        <a:xfrm>
+          <a:off x="2376884" y="261080"/>
+          <a:ext cx="1977231" cy="1435941"/>
+        </a:xfrm>
+        <a:prstGeom prst="roundRect">
+          <a:avLst>
+            <a:gd name="adj" fmla="val 10000"/>
+          </a:avLst>
+        </a:prstGeom>
+        <a:blipFill>
+          <a:blip xmlns:r="http://schemas.openxmlformats.org/officeDocument/2006/relationships" r:embed="rId2">
+            <a:extLst>
+              <a:ext uri="{28A0092B-C50C-407E-A947-70E740481C1C}">
+                <a14:useLocalDpi xmlns:a14="http://schemas.microsoft.com/office/drawing/2010/main" val="0"/>
+              </a:ext>
+            </a:extLst>
+          </a:blip>
+          <a:srcRect/>
+          <a:stretch>
+            <a:fillRect t="-14000" b="-14000"/>
+          </a:stretch>
+        </a:blipFill>
+        <a:ln w="12700" cap="flat" cmpd="sng" algn="ctr">
+          <a:noFill/>
+          <a:prstDash val="solid"/>
+          <a:miter lim="800000"/>
+        </a:ln>
+        <a:effectLst/>
+      </dsp:spPr>
+      <dsp:style>
+        <a:lnRef idx="2">
+          <a:scrgbClr r="0" g="0" b="0"/>
+        </a:lnRef>
+        <a:fillRef idx="1">
+          <a:scrgbClr r="0" g="0" b="0"/>
+        </a:fillRef>
+        <a:effectRef idx="0">
+          <a:scrgbClr r="0" g="0" b="0"/>
+        </a:effectRef>
+        <a:fontRef idx="minor"/>
+      </dsp:style>
+    </dsp:sp>
+    <dsp:sp modelId="{EC84E066-D488-4352-855E-BB33EE85AA0A}">
+      <dsp:nvSpPr>
+        <dsp:cNvPr id="0" name=""/>
+        <dsp:cNvSpPr/>
+      </dsp:nvSpPr>
+      <dsp:spPr>
+        <a:xfrm rot="10800000">
+          <a:off x="2376884" y="1958102"/>
+          <a:ext cx="1977231" cy="2393235"/>
+        </a:xfrm>
+        <a:prstGeom prst="round2SameRect">
+          <a:avLst>
+            <a:gd name="adj1" fmla="val 10500"/>
+            <a:gd name="adj2" fmla="val 0"/>
+          </a:avLst>
+        </a:prstGeom>
+        <a:solidFill>
+          <a:schemeClr val="accent1">
+            <a:hueOff val="0"/>
+            <a:satOff val="0"/>
+            <a:lumOff val="0"/>
+            <a:alphaOff val="0"/>
+          </a:schemeClr>
+        </a:solidFill>
+        <a:ln w="12700" cap="flat" cmpd="sng" algn="ctr">
+          <a:solidFill>
+            <a:schemeClr val="lt1">
+              <a:hueOff val="0"/>
+              <a:satOff val="0"/>
+              <a:lumOff val="0"/>
+              <a:alphaOff val="0"/>
+            </a:schemeClr>
+          </a:solidFill>
+          <a:prstDash val="solid"/>
+          <a:miter lim="800000"/>
+        </a:ln>
+        <a:effectLst/>
+      </dsp:spPr>
+      <dsp:style>
+        <a:lnRef idx="2">
+          <a:scrgbClr r="0" g="0" b="0"/>
+        </a:lnRef>
+        <a:fillRef idx="1">
+          <a:scrgbClr r="0" g="0" b="0"/>
+        </a:fillRef>
+        <a:effectRef idx="0">
+          <a:scrgbClr r="0" g="0" b="0"/>
+        </a:effectRef>
+        <a:fontRef idx="minor">
+          <a:schemeClr val="lt1"/>
+        </a:fontRef>
+      </dsp:style>
+      <dsp:txBody>
+        <a:bodyPr spcFirstLastPara="0" vert="horz" wrap="square" lIns="142240" tIns="142240" rIns="142240" bIns="142240" numCol="1" spcCol="1270" anchor="t" anchorCtr="0">
+          <a:noAutofit/>
+        </a:bodyPr>
+        <a:lstStyle/>
+        <a:p>
+          <a:pPr lvl="0" algn="ctr" defTabSz="889000">
+            <a:lnSpc>
+              <a:spcPct val="90000"/>
+            </a:lnSpc>
+            <a:spcBef>
+              <a:spcPct val="0"/>
+            </a:spcBef>
+            <a:spcAft>
+              <a:spcPct val="35000"/>
+            </a:spcAft>
+          </a:pPr>
+          <a:r>
+            <a:rPr lang="en-CA" sz="2000" kern="1200" dirty="0" smtClean="0"/>
+            <a:t>http://git-scm.com/download/mac</a:t>
+          </a:r>
+          <a:endParaRPr lang="en-CA" sz="2000" kern="1200" dirty="0"/>
+        </a:p>
+      </dsp:txBody>
+      <dsp:txXfrm rot="10800000">
+        <a:off x="2437691" y="1958102"/>
+        <a:ext cx="1855617" cy="2332428"/>
+      </dsp:txXfrm>
+    </dsp:sp>
+    <dsp:sp modelId="{83C04165-694E-4ACC-9C17-CAA19DFD4413}">
+      <dsp:nvSpPr>
+        <dsp:cNvPr id="0" name=""/>
+        <dsp:cNvSpPr/>
+      </dsp:nvSpPr>
+      <dsp:spPr>
+        <a:xfrm>
+          <a:off x="4551838" y="261080"/>
+          <a:ext cx="1977231" cy="1435941"/>
+        </a:xfrm>
+        <a:prstGeom prst="roundRect">
+          <a:avLst>
+            <a:gd name="adj" fmla="val 10000"/>
+          </a:avLst>
+        </a:prstGeom>
+        <a:blipFill>
+          <a:blip xmlns:r="http://schemas.openxmlformats.org/officeDocument/2006/relationships" r:embed="rId3">
+            <a:extLst>
+              <a:ext uri="{28A0092B-C50C-407E-A947-70E740481C1C}">
+                <a14:useLocalDpi xmlns:a14="http://schemas.microsoft.com/office/drawing/2010/main" val="0"/>
+              </a:ext>
+            </a:extLst>
+          </a:blip>
+          <a:srcRect/>
+          <a:stretch>
+            <a:fillRect l="-17000" r="-17000"/>
+          </a:stretch>
+        </a:blipFill>
+        <a:ln w="12700" cap="flat" cmpd="sng" algn="ctr">
+          <a:solidFill>
+            <a:schemeClr val="lt1">
+              <a:hueOff val="0"/>
+              <a:satOff val="0"/>
+              <a:lumOff val="0"/>
+              <a:alphaOff val="0"/>
+            </a:schemeClr>
+          </a:solidFill>
+          <a:prstDash val="solid"/>
+          <a:miter lim="800000"/>
+        </a:ln>
+        <a:effectLst/>
+      </dsp:spPr>
+      <dsp:style>
+        <a:lnRef idx="2">
+          <a:scrgbClr r="0" g="0" b="0"/>
+        </a:lnRef>
+        <a:fillRef idx="1">
+          <a:scrgbClr r="0" g="0" b="0"/>
+        </a:fillRef>
+        <a:effectRef idx="0">
+          <a:scrgbClr r="0" g="0" b="0"/>
+        </a:effectRef>
+        <a:fontRef idx="minor"/>
+      </dsp:style>
+    </dsp:sp>
+    <dsp:sp modelId="{834549AA-9EB6-4B36-8657-154342198D02}">
+      <dsp:nvSpPr>
+        <dsp:cNvPr id="0" name=""/>
+        <dsp:cNvSpPr/>
+      </dsp:nvSpPr>
+      <dsp:spPr>
+        <a:xfrm rot="10800000">
+          <a:off x="4551838" y="1958102"/>
+          <a:ext cx="1977231" cy="2393235"/>
+        </a:xfrm>
+        <a:prstGeom prst="round2SameRect">
+          <a:avLst>
+            <a:gd name="adj1" fmla="val 10500"/>
+            <a:gd name="adj2" fmla="val 0"/>
+          </a:avLst>
+        </a:prstGeom>
+        <a:solidFill>
+          <a:schemeClr val="accent1">
+            <a:hueOff val="0"/>
+            <a:satOff val="0"/>
+            <a:lumOff val="0"/>
+            <a:alphaOff val="0"/>
+          </a:schemeClr>
+        </a:solidFill>
+        <a:ln w="12700" cap="flat" cmpd="sng" algn="ctr">
+          <a:solidFill>
+            <a:schemeClr val="lt1">
+              <a:hueOff val="0"/>
+              <a:satOff val="0"/>
+              <a:lumOff val="0"/>
+              <a:alphaOff val="0"/>
+            </a:schemeClr>
+          </a:solidFill>
+          <a:prstDash val="solid"/>
+          <a:miter lim="800000"/>
+        </a:ln>
+        <a:effectLst/>
+      </dsp:spPr>
+      <dsp:style>
+        <a:lnRef idx="2">
+          <a:scrgbClr r="0" g="0" b="0"/>
+        </a:lnRef>
+        <a:fillRef idx="1">
+          <a:scrgbClr r="0" g="0" b="0"/>
+        </a:fillRef>
+        <a:effectRef idx="0">
+          <a:scrgbClr r="0" g="0" b="0"/>
+        </a:effectRef>
+        <a:fontRef idx="minor">
+          <a:schemeClr val="lt1"/>
+        </a:fontRef>
+      </dsp:style>
+      <dsp:txBody>
+        <a:bodyPr spcFirstLastPara="0" vert="horz" wrap="square" lIns="142240" tIns="142240" rIns="142240" bIns="142240" numCol="1" spcCol="1270" anchor="t" anchorCtr="0">
+          <a:noAutofit/>
+        </a:bodyPr>
+        <a:lstStyle/>
+        <a:p>
+          <a:pPr lvl="0" algn="ctr" defTabSz="889000">
+            <a:lnSpc>
+              <a:spcPct val="90000"/>
+            </a:lnSpc>
+            <a:spcBef>
+              <a:spcPct val="0"/>
+            </a:spcBef>
+            <a:spcAft>
+              <a:spcPct val="35000"/>
+            </a:spcAft>
+          </a:pPr>
+          <a:r>
+            <a:rPr lang="en-CA" sz="2000" kern="1200" dirty="0" err="1" smtClean="0"/>
+            <a:t>sudo</a:t>
+          </a:r>
+          <a:r>
+            <a:rPr lang="en-CA" sz="2000" kern="1200" dirty="0" smtClean="0"/>
+            <a:t> apt-get install git</a:t>
+          </a:r>
+          <a:endParaRPr lang="en-CA" sz="2000" kern="1200" dirty="0"/>
+        </a:p>
+      </dsp:txBody>
+      <dsp:txXfrm rot="10800000">
+        <a:off x="4612645" y="1958102"/>
+        <a:ext cx="1855617" cy="2332428"/>
+      </dsp:txXfrm>
+    </dsp:sp>
   </dsp:spTree>
 </dsp:drawing>
 </file>
@@ -2530,7 +2992,7 @@
           <a:p>
             <a:fld id="{EB03AF97-B4FF-4008-BA61-32AC40787ADA}" type="datetimeFigureOut">
               <a:rPr lang="en-US"/>
-              <a:t>9/5/2014</a:t>
+              <a:t>9/7/2014</a:t>
             </a:fld>
             <a:endParaRPr lang="en-US"/>
           </a:p>
@@ -2968,7 +3430,7 @@
           <a:p>
             <a:fld id="{266FFDD2-8F09-4B95-855D-B6E7196B1E6E}" type="slidenum">
               <a:rPr lang="en-US" smtClean="0"/>
-              <a:t>12</a:t>
+              <a:t>13</a:t>
             </a:fld>
             <a:endParaRPr lang="en-US"/>
           </a:p>
@@ -3098,7 +3560,7 @@
           <a:p>
             <a:fld id="{266FFDD2-8F09-4B95-855D-B6E7196B1E6E}" type="slidenum">
               <a:rPr lang="en-US" smtClean="0"/>
-              <a:t>13</a:t>
+              <a:t>14</a:t>
             </a:fld>
             <a:endParaRPr lang="en-US"/>
           </a:p>
@@ -3237,7 +3699,7 @@
           <a:p>
             <a:fld id="{266FFDD2-8F09-4B95-855D-B6E7196B1E6E}" type="slidenum">
               <a:rPr lang="en-US" smtClean="0"/>
-              <a:t>14</a:t>
+              <a:t>15</a:t>
             </a:fld>
             <a:endParaRPr lang="en-US"/>
           </a:p>
@@ -3350,7 +3812,7 @@
           <a:p>
             <a:fld id="{266FFDD2-8F09-4B95-855D-B6E7196B1E6E}" type="slidenum">
               <a:rPr lang="en-US" smtClean="0"/>
-              <a:t>15</a:t>
+              <a:t>16</a:t>
             </a:fld>
             <a:endParaRPr lang="en-US"/>
           </a:p>
@@ -3468,7 +3930,7 @@
           <a:p>
             <a:fld id="{266FFDD2-8F09-4B95-855D-B6E7196B1E6E}" type="slidenum">
               <a:rPr lang="en-US" smtClean="0"/>
-              <a:t>16</a:t>
+              <a:t>17</a:t>
             </a:fld>
             <a:endParaRPr lang="en-US"/>
           </a:p>
@@ -3595,7 +4057,7 @@
           <a:p>
             <a:fld id="{266FFDD2-8F09-4B95-855D-B6E7196B1E6E}" type="slidenum">
               <a:rPr lang="en-US" smtClean="0"/>
-              <a:t>17</a:t>
+              <a:t>18</a:t>
             </a:fld>
             <a:endParaRPr lang="en-US"/>
           </a:p>
@@ -3728,7 +4190,7 @@
           <a:p>
             <a:fld id="{266FFDD2-8F09-4B95-855D-B6E7196B1E6E}" type="slidenum">
               <a:rPr lang="en-US" smtClean="0"/>
-              <a:t>18</a:t>
+              <a:t>19</a:t>
             </a:fld>
             <a:endParaRPr lang="en-US"/>
           </a:p>
@@ -3839,7 +4301,7 @@
           <a:p>
             <a:fld id="{266FFDD2-8F09-4B95-855D-B6E7196B1E6E}" type="slidenum">
               <a:rPr lang="en-US" smtClean="0"/>
-              <a:t>19</a:t>
+              <a:t>20</a:t>
             </a:fld>
             <a:endParaRPr lang="en-US"/>
           </a:p>
@@ -3931,7 +4393,7 @@
           <a:p>
             <a:fld id="{266FFDD2-8F09-4B95-855D-B6E7196B1E6E}" type="slidenum">
               <a:rPr lang="en-US" smtClean="0"/>
-              <a:t>20</a:t>
+              <a:t>21</a:t>
             </a:fld>
             <a:endParaRPr lang="en-US"/>
           </a:p>
@@ -3996,11 +4458,7 @@
           <a:p>
             <a:r>
               <a:rPr lang="en-CA" dirty="0" smtClean="0"/>
-              <a:t>Check the logs to see who committed, what they committed, and </a:t>
-            </a:r>
-            <a:r>
-              <a:rPr lang="en-CA" dirty="0" smtClean="0"/>
-              <a:t>when with “git log”</a:t>
+              <a:t>Check the logs to see who committed, what they committed, and when with “git log”</a:t>
             </a:r>
             <a:endParaRPr lang="en-CA" dirty="0"/>
           </a:p>
@@ -4023,7 +4481,7 @@
           <a:p>
             <a:fld id="{266FFDD2-8F09-4B95-855D-B6E7196B1E6E}" type="slidenum">
               <a:rPr lang="en-US" smtClean="0"/>
-              <a:t>21</a:t>
+              <a:t>22</a:t>
             </a:fld>
             <a:endParaRPr lang="en-US"/>
           </a:p>
@@ -4107,7 +4565,7 @@
           <a:p>
             <a:fld id="{266FFDD2-8F09-4B95-855D-B6E7196B1E6E}" type="slidenum">
               <a:rPr lang="en-US"/>
-              <a:t>2</a:t>
+              <a:t>3</a:t>
             </a:fld>
             <a:endParaRPr lang="en-US"/>
           </a:p>
@@ -4266,7 +4724,7 @@
           <a:p>
             <a:fld id="{266FFDD2-8F09-4B95-855D-B6E7196B1E6E}" type="slidenum">
               <a:rPr lang="en-US" smtClean="0"/>
-              <a:t>22</a:t>
+              <a:t>23</a:t>
             </a:fld>
             <a:endParaRPr lang="en-US"/>
           </a:p>
@@ -4331,42 +4789,11 @@
           <a:p>
             <a:r>
               <a:rPr lang="en-CA" dirty="0" smtClean="0"/>
-              <a:t>We now need to sync</a:t>
+              <a:t>Git</a:t>
             </a:r>
             <a:r>
               <a:rPr lang="en-CA" baseline="0" dirty="0" smtClean="0"/>
-              <a:t> our work to the cloud.</a:t>
-            </a:r>
-          </a:p>
-          <a:p>
-            <a:endParaRPr lang="en-CA" baseline="0" dirty="0" smtClean="0"/>
-          </a:p>
-          <a:p>
-            <a:r>
-              <a:rPr lang="en-CA" baseline="0" dirty="0" smtClean="0"/>
-              <a:t>Start by</a:t>
-            </a:r>
-          </a:p>
-          <a:p>
-            <a:pPr marL="228600" indent="-228600">
-              <a:buAutoNum type="arabicPeriod"/>
-            </a:pPr>
-            <a:r>
-              <a:rPr lang="en-CA" baseline="0" dirty="0" smtClean="0"/>
-              <a:t>going to the link </a:t>
-            </a:r>
-          </a:p>
-          <a:p>
-            <a:pPr marL="228600" indent="-228600">
-              <a:buAutoNum type="arabicPeriod"/>
-            </a:pPr>
-            <a:r>
-              <a:rPr lang="en-CA" baseline="0" dirty="0" smtClean="0"/>
-              <a:t>and creating a new repository on </a:t>
-            </a:r>
-            <a:r>
-              <a:rPr lang="en-CA" baseline="0" dirty="0" err="1" smtClean="0"/>
-              <a:t>github</a:t>
+              <a:t> diff shows us changes in a file since the last commit. In this case I’ve deleted a semicolon</a:t>
             </a:r>
             <a:endParaRPr lang="en-CA" dirty="0"/>
           </a:p>
@@ -4398,7 +4825,7 @@
     </p:spTree>
     <p:extLst>
       <p:ext uri="{BB962C8B-B14F-4D97-AF65-F5344CB8AC3E}">
-        <p14:creationId xmlns:p14="http://schemas.microsoft.com/office/powerpoint/2010/main" val="3730388118"/>
+        <p14:creationId xmlns:p14="http://schemas.microsoft.com/office/powerpoint/2010/main" val="3501323353"/>
       </p:ext>
     </p:extLst>
   </p:cSld>
@@ -4454,23 +4881,11 @@
           <a:p>
             <a:r>
               <a:rPr lang="en-CA" dirty="0" smtClean="0"/>
-              <a:t>3. Copy</a:t>
+              <a:t>“git checkout &lt;filename&gt;” reverts the file to the</a:t>
             </a:r>
             <a:r>
               <a:rPr lang="en-CA" baseline="0" dirty="0" smtClean="0"/>
-              <a:t> the link to the clipboard</a:t>
-            </a:r>
-          </a:p>
-          <a:p>
-            <a:r>
-              <a:rPr lang="en-CA" baseline="0" dirty="0" smtClean="0"/>
-              <a:t>4. Use the link to set the origin</a:t>
-            </a:r>
-          </a:p>
-          <a:p>
-            <a:r>
-              <a:rPr lang="en-CA" baseline="0" dirty="0" smtClean="0"/>
-              <a:t>5. Push your commits to the remote repository</a:t>
+              <a:t> previous commit. You can even do this with the entire directory. We’ll dive deeper into this command during the next tutorial.</a:t>
             </a:r>
             <a:endParaRPr lang="en-CA" dirty="0"/>
           </a:p>
@@ -4502,7 +4917,7 @@
     </p:spTree>
     <p:extLst>
       <p:ext uri="{BB962C8B-B14F-4D97-AF65-F5344CB8AC3E}">
-        <p14:creationId xmlns:p14="http://schemas.microsoft.com/office/powerpoint/2010/main" val="751109660"/>
+        <p14:creationId xmlns:p14="http://schemas.microsoft.com/office/powerpoint/2010/main" val="2903289575"/>
       </p:ext>
     </p:extLst>
   </p:cSld>
@@ -4558,11 +4973,42 @@
           <a:p>
             <a:r>
               <a:rPr lang="en-CA" dirty="0" smtClean="0"/>
-              <a:t>Now that</a:t>
+              <a:t>We now need to sync</a:t>
             </a:r>
             <a:r>
               <a:rPr lang="en-CA" baseline="0" dirty="0" smtClean="0"/>
-              <a:t> you have linked your local repository to one in the cloud, you can push commit to synchronize the remote repo, or pull commits to synchronize the local repo.</a:t>
+              <a:t> our work to the cloud.</a:t>
+            </a:r>
+          </a:p>
+          <a:p>
+            <a:endParaRPr lang="en-CA" baseline="0" dirty="0" smtClean="0"/>
+          </a:p>
+          <a:p>
+            <a:r>
+              <a:rPr lang="en-CA" baseline="0" dirty="0" smtClean="0"/>
+              <a:t>Start by</a:t>
+            </a:r>
+          </a:p>
+          <a:p>
+            <a:pPr marL="228600" indent="-228600">
+              <a:buAutoNum type="arabicPeriod"/>
+            </a:pPr>
+            <a:r>
+              <a:rPr lang="en-CA" baseline="0" dirty="0" smtClean="0"/>
+              <a:t>going to the link </a:t>
+            </a:r>
+          </a:p>
+          <a:p>
+            <a:pPr marL="228600" indent="-228600">
+              <a:buAutoNum type="arabicPeriod"/>
+            </a:pPr>
+            <a:r>
+              <a:rPr lang="en-CA" baseline="0" dirty="0" smtClean="0"/>
+              <a:t>and creating a new repository on </a:t>
+            </a:r>
+            <a:r>
+              <a:rPr lang="en-CA" baseline="0" dirty="0" err="1" smtClean="0"/>
+              <a:t>github</a:t>
             </a:r>
             <a:endParaRPr lang="en-CA" dirty="0"/>
           </a:p>
@@ -4594,7 +5040,7 @@
     </p:spTree>
     <p:extLst>
       <p:ext uri="{BB962C8B-B14F-4D97-AF65-F5344CB8AC3E}">
-        <p14:creationId xmlns:p14="http://schemas.microsoft.com/office/powerpoint/2010/main" val="247540964"/>
+        <p14:creationId xmlns:p14="http://schemas.microsoft.com/office/powerpoint/2010/main" val="3730388118"/>
       </p:ext>
     </p:extLst>
   </p:cSld>
@@ -4650,16 +5096,25 @@
           <a:p>
             <a:r>
               <a:rPr lang="en-CA" dirty="0" smtClean="0"/>
-              <a:t>Do the tutorials in link</a:t>
+              <a:t>3. Copy</a:t>
             </a:r>
             <a:r>
               <a:rPr lang="en-CA" baseline="0" dirty="0" smtClean="0"/>
-              <a:t> </a:t>
-            </a:r>
-            <a:r>
-              <a:rPr lang="en-CA" baseline="0" smtClean="0"/>
-              <a:t>2 and 3</a:t>
-            </a:r>
+              <a:t> the link to the clipboard</a:t>
+            </a:r>
+          </a:p>
+          <a:p>
+            <a:r>
+              <a:rPr lang="en-CA" baseline="0" dirty="0" smtClean="0"/>
+              <a:t>4. Use the link to set the origin</a:t>
+            </a:r>
+          </a:p>
+          <a:p>
+            <a:r>
+              <a:rPr lang="en-CA" baseline="0" dirty="0" smtClean="0"/>
+              <a:t>5. Push your commits to the remote repository</a:t>
+            </a:r>
+            <a:endParaRPr lang="en-CA" dirty="0"/>
           </a:p>
         </p:txBody>
       </p:sp>
@@ -4681,6 +5136,182 @@
             <a:fld id="{266FFDD2-8F09-4B95-855D-B6E7196B1E6E}" type="slidenum">
               <a:rPr lang="en-US" smtClean="0"/>
               <a:t>27</a:t>
+            </a:fld>
+            <a:endParaRPr lang="en-US"/>
+          </a:p>
+        </p:txBody>
+      </p:sp>
+    </p:spTree>
+    <p:extLst>
+      <p:ext uri="{BB962C8B-B14F-4D97-AF65-F5344CB8AC3E}">
+        <p14:creationId xmlns:p14="http://schemas.microsoft.com/office/powerpoint/2010/main" val="751109660"/>
+      </p:ext>
+    </p:extLst>
+  </p:cSld>
+  <p:clrMapOvr>
+    <a:masterClrMapping/>
+  </p:clrMapOvr>
+</p:notes>
+</file>
+
+<file path=ppt/notesSlides/notesSlide25.xml><?xml version="1.0" encoding="utf-8"?>
+<p:notes xmlns:a="http://schemas.openxmlformats.org/drawingml/2006/main" xmlns:r="http://schemas.openxmlformats.org/officeDocument/2006/relationships" xmlns:p="http://schemas.openxmlformats.org/presentationml/2006/main">
+  <p:cSld>
+    <p:spTree>
+      <p:nvGrpSpPr>
+        <p:cNvPr id="1" name=""/>
+        <p:cNvGrpSpPr/>
+        <p:nvPr/>
+      </p:nvGrpSpPr>
+      <p:grpSpPr>
+        <a:xfrm>
+          <a:off x="0" y="0"/>
+          <a:ext cx="0" cy="0"/>
+          <a:chOff x="0" y="0"/>
+          <a:chExt cx="0" cy="0"/>
+        </a:xfrm>
+      </p:grpSpPr>
+      <p:sp>
+        <p:nvSpPr>
+          <p:cNvPr id="2" name="Slide Image Placeholder 1"/>
+          <p:cNvSpPr>
+            <a:spLocks noGrp="1" noRot="1" noChangeAspect="1"/>
+          </p:cNvSpPr>
+          <p:nvPr>
+            <p:ph type="sldImg"/>
+          </p:nvPr>
+        </p:nvSpPr>
+        <p:spPr/>
+      </p:sp>
+      <p:sp>
+        <p:nvSpPr>
+          <p:cNvPr id="3" name="Notes Placeholder 2"/>
+          <p:cNvSpPr>
+            <a:spLocks noGrp="1"/>
+          </p:cNvSpPr>
+          <p:nvPr>
+            <p:ph type="body" idx="1"/>
+          </p:nvPr>
+        </p:nvSpPr>
+        <p:spPr/>
+        <p:txBody>
+          <a:bodyPr/>
+          <a:lstStyle/>
+          <a:p>
+            <a:r>
+              <a:rPr lang="en-CA" dirty="0" smtClean="0"/>
+              <a:t>Now that</a:t>
+            </a:r>
+            <a:r>
+              <a:rPr lang="en-CA" baseline="0" dirty="0" smtClean="0"/>
+              <a:t> you have linked your local repository to one in the cloud, you can push commit to synchronize the remote repo, or pull commits to synchronize the local repo.</a:t>
+            </a:r>
+            <a:endParaRPr lang="en-CA" dirty="0"/>
+          </a:p>
+        </p:txBody>
+      </p:sp>
+      <p:sp>
+        <p:nvSpPr>
+          <p:cNvPr id="4" name="Slide Number Placeholder 3"/>
+          <p:cNvSpPr>
+            <a:spLocks noGrp="1"/>
+          </p:cNvSpPr>
+          <p:nvPr>
+            <p:ph type="sldNum" sz="quarter" idx="10"/>
+          </p:nvPr>
+        </p:nvSpPr>
+        <p:spPr/>
+        <p:txBody>
+          <a:bodyPr/>
+          <a:lstStyle/>
+          <a:p>
+            <a:fld id="{266FFDD2-8F09-4B95-855D-B6E7196B1E6E}" type="slidenum">
+              <a:rPr lang="en-US" smtClean="0"/>
+              <a:t>28</a:t>
+            </a:fld>
+            <a:endParaRPr lang="en-US"/>
+          </a:p>
+        </p:txBody>
+      </p:sp>
+    </p:spTree>
+    <p:extLst>
+      <p:ext uri="{BB962C8B-B14F-4D97-AF65-F5344CB8AC3E}">
+        <p14:creationId xmlns:p14="http://schemas.microsoft.com/office/powerpoint/2010/main" val="247540964"/>
+      </p:ext>
+    </p:extLst>
+  </p:cSld>
+  <p:clrMapOvr>
+    <a:masterClrMapping/>
+  </p:clrMapOvr>
+</p:notes>
+</file>
+
+<file path=ppt/notesSlides/notesSlide26.xml><?xml version="1.0" encoding="utf-8"?>
+<p:notes xmlns:a="http://schemas.openxmlformats.org/drawingml/2006/main" xmlns:r="http://schemas.openxmlformats.org/officeDocument/2006/relationships" xmlns:p="http://schemas.openxmlformats.org/presentationml/2006/main">
+  <p:cSld>
+    <p:spTree>
+      <p:nvGrpSpPr>
+        <p:cNvPr id="1" name=""/>
+        <p:cNvGrpSpPr/>
+        <p:nvPr/>
+      </p:nvGrpSpPr>
+      <p:grpSpPr>
+        <a:xfrm>
+          <a:off x="0" y="0"/>
+          <a:ext cx="0" cy="0"/>
+          <a:chOff x="0" y="0"/>
+          <a:chExt cx="0" cy="0"/>
+        </a:xfrm>
+      </p:grpSpPr>
+      <p:sp>
+        <p:nvSpPr>
+          <p:cNvPr id="2" name="Slide Image Placeholder 1"/>
+          <p:cNvSpPr>
+            <a:spLocks noGrp="1" noRot="1" noChangeAspect="1"/>
+          </p:cNvSpPr>
+          <p:nvPr>
+            <p:ph type="sldImg"/>
+          </p:nvPr>
+        </p:nvSpPr>
+        <p:spPr/>
+      </p:sp>
+      <p:sp>
+        <p:nvSpPr>
+          <p:cNvPr id="3" name="Notes Placeholder 2"/>
+          <p:cNvSpPr>
+            <a:spLocks noGrp="1"/>
+          </p:cNvSpPr>
+          <p:nvPr>
+            <p:ph type="body" idx="1"/>
+          </p:nvPr>
+        </p:nvSpPr>
+        <p:spPr/>
+        <p:txBody>
+          <a:bodyPr/>
+          <a:lstStyle/>
+          <a:p>
+            <a:endParaRPr lang="en-CA" baseline="0" dirty="0" smtClean="0"/>
+          </a:p>
+        </p:txBody>
+      </p:sp>
+      <p:sp>
+        <p:nvSpPr>
+          <p:cNvPr id="4" name="Slide Number Placeholder 3"/>
+          <p:cNvSpPr>
+            <a:spLocks noGrp="1"/>
+          </p:cNvSpPr>
+          <p:nvPr>
+            <p:ph type="sldNum" sz="quarter" idx="10"/>
+          </p:nvPr>
+        </p:nvSpPr>
+        <p:spPr/>
+        <p:txBody>
+          <a:bodyPr/>
+          <a:lstStyle/>
+          <a:p>
+            <a:fld id="{266FFDD2-8F09-4B95-855D-B6E7196B1E6E}" type="slidenum">
+              <a:rPr lang="en-US" smtClean="0"/>
+              <a:t>30</a:t>
             </a:fld>
             <a:endParaRPr lang="en-US"/>
           </a:p>
@@ -4764,7 +5395,7 @@
           <a:p>
             <a:fld id="{266FFDD2-8F09-4B95-855D-B6E7196B1E6E}" type="slidenum">
               <a:rPr lang="en-US"/>
-              <a:t>4</a:t>
+              <a:t>5</a:t>
             </a:fld>
             <a:endParaRPr lang="en-US"/>
           </a:p>
@@ -4848,7 +5479,7 @@
           <a:p>
             <a:fld id="{266FFDD2-8F09-4B95-855D-B6E7196B1E6E}" type="slidenum">
               <a:rPr lang="en-US"/>
-              <a:t>5</a:t>
+              <a:t>6</a:t>
             </a:fld>
             <a:endParaRPr lang="en-US"/>
           </a:p>
@@ -4970,7 +5601,7 @@
           <a:p>
             <a:fld id="{266FFDD2-8F09-4B95-855D-B6E7196B1E6E}" type="slidenum">
               <a:rPr lang="en-US"/>
-              <a:t>6</a:t>
+              <a:t>7</a:t>
             </a:fld>
             <a:endParaRPr lang="en-US"/>
           </a:p>
@@ -5033,13 +5664,73 @@
           <a:bodyPr/>
           <a:lstStyle/>
           <a:p>
+            <a:pPr marL="228600" indent="-228600">
+              <a:buAutoNum type="arabicPeriod"/>
+            </a:pPr>
             <a:r>
               <a:rPr lang="en-CA" dirty="0" smtClean="0"/>
-              <a:t>A demonstration</a:t>
+              <a:t>Configure</a:t>
             </a:r>
             <a:r>
               <a:rPr lang="en-CA" baseline="0" dirty="0" smtClean="0"/>
-              <a:t> will be shown in class</a:t>
+              <a:t> your username</a:t>
+            </a:r>
+          </a:p>
+          <a:p>
+            <a:pPr marL="228600" indent="-228600">
+              <a:buAutoNum type="arabicPeriod"/>
+            </a:pPr>
+            <a:r>
+              <a:rPr lang="en-CA" baseline="0" dirty="0" smtClean="0"/>
+              <a:t>Configure your email</a:t>
+            </a:r>
+          </a:p>
+          <a:p>
+            <a:pPr marL="228600" indent="-228600">
+              <a:buAutoNum type="arabicPeriod"/>
+            </a:pPr>
+            <a:r>
+              <a:rPr lang="en-CA" baseline="0" dirty="0" smtClean="0"/>
+              <a:t>Configure </a:t>
+            </a:r>
+            <a:r>
+              <a:rPr lang="en-CA" baseline="0" dirty="0" err="1" smtClean="0"/>
+              <a:t>ssh</a:t>
+            </a:r>
+            <a:r>
+              <a:rPr lang="en-CA" baseline="0" dirty="0" smtClean="0"/>
+              <a:t> keys</a:t>
+            </a:r>
+          </a:p>
+          <a:p>
+            <a:pPr marL="228600" indent="-228600">
+              <a:buAutoNum type="arabicPeriod"/>
+            </a:pPr>
+            <a:endParaRPr lang="en-CA" baseline="0" dirty="0" smtClean="0"/>
+          </a:p>
+          <a:p>
+            <a:pPr marL="0" indent="0">
+              <a:buNone/>
+            </a:pPr>
+            <a:r>
+              <a:rPr lang="en-CA" baseline="0" dirty="0" smtClean="0"/>
+              <a:t>Make sure that the username and email you put are the same as you have on </a:t>
+            </a:r>
+            <a:r>
+              <a:rPr lang="en-CA" baseline="0" dirty="0" err="1" smtClean="0"/>
+              <a:t>github</a:t>
+            </a:r>
+            <a:r>
+              <a:rPr lang="en-CA" baseline="0" dirty="0" smtClean="0"/>
+              <a:t>. SSH keys are like your password. </a:t>
+            </a:r>
+            <a:r>
+              <a:rPr lang="en-CA" baseline="0" dirty="0" err="1" smtClean="0"/>
+              <a:t>Github</a:t>
+            </a:r>
+            <a:r>
+              <a:rPr lang="en-CA" baseline="0" dirty="0" smtClean="0"/>
+              <a:t> compares the SSH keys coming from git to make sure its really you.</a:t>
             </a:r>
             <a:endParaRPr lang="en-CA" dirty="0"/>
           </a:p>
@@ -5062,7 +5753,7 @@
           <a:p>
             <a:fld id="{266FFDD2-8F09-4B95-855D-B6E7196B1E6E}" type="slidenum">
               <a:rPr lang="en-US" smtClean="0"/>
-              <a:t>7</a:t>
+              <a:t>8</a:t>
             </a:fld>
             <a:endParaRPr lang="en-US"/>
           </a:p>
@@ -5071,7 +5762,7 @@
     </p:spTree>
     <p:extLst>
       <p:ext uri="{BB962C8B-B14F-4D97-AF65-F5344CB8AC3E}">
-        <p14:creationId xmlns:p14="http://schemas.microsoft.com/office/powerpoint/2010/main" val="2841306172"/>
+        <p14:creationId xmlns:p14="http://schemas.microsoft.com/office/powerpoint/2010/main" val="2397587035"/>
       </p:ext>
     </p:extLst>
   </p:cSld>
@@ -5196,7 +5887,7 @@
           <a:p>
             <a:fld id="{266FFDD2-8F09-4B95-855D-B6E7196B1E6E}" type="slidenum">
               <a:rPr lang="en-US"/>
-              <a:t>8</a:t>
+              <a:t>9</a:t>
             </a:fld>
             <a:endParaRPr lang="en-US"/>
           </a:p>
@@ -5291,7 +5982,7 @@
           <a:p>
             <a:fld id="{266FFDD2-8F09-4B95-855D-B6E7196B1E6E}" type="slidenum">
               <a:rPr lang="en-US"/>
-              <a:t>9</a:t>
+              <a:t>10</a:t>
             </a:fld>
             <a:endParaRPr lang="en-US"/>
           </a:p>
@@ -5375,7 +6066,7 @@
           <a:p>
             <a:fld id="{266FFDD2-8F09-4B95-855D-B6E7196B1E6E}" type="slidenum">
               <a:rPr lang="en-US" smtClean="0"/>
-              <a:t>10</a:t>
+              <a:t>11</a:t>
             </a:fld>
             <a:endParaRPr lang="en-US"/>
           </a:p>
@@ -5525,7 +6216,7 @@
           <a:p>
             <a:fld id="{846CE7D5-CF57-46EF-B807-FDD0502418D4}" type="datetimeFigureOut">
               <a:rPr lang="en-US" smtClean="0"/>
-              <a:t>9/5/2014</a:t>
+              <a:t>9/7/2014</a:t>
             </a:fld>
             <a:endParaRPr lang="en-US"/>
           </a:p>
@@ -5576,7 +6267,7 @@
     </p:spTree>
     <p:extLst>
       <p:ext uri="{BB962C8B-B14F-4D97-AF65-F5344CB8AC3E}">
-        <p14:creationId xmlns:p14="http://schemas.microsoft.com/office/powerpoint/2010/main" val="2984348497"/>
+        <p14:creationId xmlns:p14="http://schemas.microsoft.com/office/powerpoint/2010/main" val="2934874994"/>
       </p:ext>
     </p:extLst>
   </p:cSld>
@@ -5695,7 +6386,7 @@
           <a:p>
             <a:fld id="{846CE7D5-CF57-46EF-B807-FDD0502418D4}" type="datetimeFigureOut">
               <a:rPr lang="en-US" smtClean="0"/>
-              <a:t>9/5/2014</a:t>
+              <a:t>9/7/2014</a:t>
             </a:fld>
             <a:endParaRPr lang="en-US"/>
           </a:p>
@@ -5746,7 +6437,7 @@
     </p:spTree>
     <p:extLst>
       <p:ext uri="{BB962C8B-B14F-4D97-AF65-F5344CB8AC3E}">
-        <p14:creationId xmlns:p14="http://schemas.microsoft.com/office/powerpoint/2010/main" val="339623578"/>
+        <p14:creationId xmlns:p14="http://schemas.microsoft.com/office/powerpoint/2010/main" val="3661757073"/>
       </p:ext>
     </p:extLst>
   </p:cSld>
@@ -5875,7 +6566,7 @@
           <a:p>
             <a:fld id="{846CE7D5-CF57-46EF-B807-FDD0502418D4}" type="datetimeFigureOut">
               <a:rPr lang="en-US" smtClean="0"/>
-              <a:t>9/5/2014</a:t>
+              <a:t>9/7/2014</a:t>
             </a:fld>
             <a:endParaRPr lang="en-US"/>
           </a:p>
@@ -5926,7 +6617,7 @@
     </p:spTree>
     <p:extLst>
       <p:ext uri="{BB962C8B-B14F-4D97-AF65-F5344CB8AC3E}">
-        <p14:creationId xmlns:p14="http://schemas.microsoft.com/office/powerpoint/2010/main" val="2705119741"/>
+        <p14:creationId xmlns:p14="http://schemas.microsoft.com/office/powerpoint/2010/main" val="3429448095"/>
       </p:ext>
     </p:extLst>
   </p:cSld>
@@ -6045,7 +6736,7 @@
           <a:p>
             <a:fld id="{846CE7D5-CF57-46EF-B807-FDD0502418D4}" type="datetimeFigureOut">
               <a:rPr lang="en-US" smtClean="0"/>
-              <a:t>9/5/2014</a:t>
+              <a:t>9/7/2014</a:t>
             </a:fld>
             <a:endParaRPr lang="en-US"/>
           </a:p>
@@ -6096,7 +6787,7 @@
     </p:spTree>
     <p:extLst>
       <p:ext uri="{BB962C8B-B14F-4D97-AF65-F5344CB8AC3E}">
-        <p14:creationId xmlns:p14="http://schemas.microsoft.com/office/powerpoint/2010/main" val="1565409080"/>
+        <p14:creationId xmlns:p14="http://schemas.microsoft.com/office/powerpoint/2010/main" val="1981072192"/>
       </p:ext>
     </p:extLst>
   </p:cSld>
@@ -6291,7 +6982,7 @@
           <a:p>
             <a:fld id="{846CE7D5-CF57-46EF-B807-FDD0502418D4}" type="datetimeFigureOut">
               <a:rPr lang="en-US" smtClean="0"/>
-              <a:t>9/5/2014</a:t>
+              <a:t>9/7/2014</a:t>
             </a:fld>
             <a:endParaRPr lang="en-US"/>
           </a:p>
@@ -6342,7 +7033,7 @@
     </p:spTree>
     <p:extLst>
       <p:ext uri="{BB962C8B-B14F-4D97-AF65-F5344CB8AC3E}">
-        <p14:creationId xmlns:p14="http://schemas.microsoft.com/office/powerpoint/2010/main" val="2504384278"/>
+        <p14:creationId xmlns:p14="http://schemas.microsoft.com/office/powerpoint/2010/main" val="4192038347"/>
       </p:ext>
     </p:extLst>
   </p:cSld>
@@ -6523,7 +7214,7 @@
           <a:p>
             <a:fld id="{846CE7D5-CF57-46EF-B807-FDD0502418D4}" type="datetimeFigureOut">
               <a:rPr lang="en-US" smtClean="0"/>
-              <a:t>9/5/2014</a:t>
+              <a:t>9/7/2014</a:t>
             </a:fld>
             <a:endParaRPr lang="en-US"/>
           </a:p>
@@ -6574,7 +7265,7 @@
     </p:spTree>
     <p:extLst>
       <p:ext uri="{BB962C8B-B14F-4D97-AF65-F5344CB8AC3E}">
-        <p14:creationId xmlns:p14="http://schemas.microsoft.com/office/powerpoint/2010/main" val="3592454627"/>
+        <p14:creationId xmlns:p14="http://schemas.microsoft.com/office/powerpoint/2010/main" val="351519073"/>
       </p:ext>
     </p:extLst>
   </p:cSld>
@@ -6890,7 +7581,7 @@
           <a:p>
             <a:fld id="{846CE7D5-CF57-46EF-B807-FDD0502418D4}" type="datetimeFigureOut">
               <a:rPr lang="en-US" smtClean="0"/>
-              <a:t>9/5/2014</a:t>
+              <a:t>9/7/2014</a:t>
             </a:fld>
             <a:endParaRPr lang="en-US"/>
           </a:p>
@@ -6941,7 +7632,7 @@
     </p:spTree>
     <p:extLst>
       <p:ext uri="{BB962C8B-B14F-4D97-AF65-F5344CB8AC3E}">
-        <p14:creationId xmlns:p14="http://schemas.microsoft.com/office/powerpoint/2010/main" val="1918445993"/>
+        <p14:creationId xmlns:p14="http://schemas.microsoft.com/office/powerpoint/2010/main" val="1845340527"/>
       </p:ext>
     </p:extLst>
   </p:cSld>
@@ -7008,7 +7699,7 @@
           <a:p>
             <a:fld id="{846CE7D5-CF57-46EF-B807-FDD0502418D4}" type="datetimeFigureOut">
               <a:rPr lang="en-US" smtClean="0"/>
-              <a:t>9/5/2014</a:t>
+              <a:t>9/7/2014</a:t>
             </a:fld>
             <a:endParaRPr lang="en-US"/>
           </a:p>
@@ -7059,7 +7750,7 @@
     </p:spTree>
     <p:extLst>
       <p:ext uri="{BB962C8B-B14F-4D97-AF65-F5344CB8AC3E}">
-        <p14:creationId xmlns:p14="http://schemas.microsoft.com/office/powerpoint/2010/main" val="3560000283"/>
+        <p14:creationId xmlns:p14="http://schemas.microsoft.com/office/powerpoint/2010/main" val="624678295"/>
       </p:ext>
     </p:extLst>
   </p:cSld>
@@ -7103,7 +7794,7 @@
           <a:p>
             <a:fld id="{846CE7D5-CF57-46EF-B807-FDD0502418D4}" type="datetimeFigureOut">
               <a:rPr lang="en-US" smtClean="0"/>
-              <a:t>9/5/2014</a:t>
+              <a:t>9/7/2014</a:t>
             </a:fld>
             <a:endParaRPr lang="en-US"/>
           </a:p>
@@ -7154,7 +7845,7 @@
     </p:spTree>
     <p:extLst>
       <p:ext uri="{BB962C8B-B14F-4D97-AF65-F5344CB8AC3E}">
-        <p14:creationId xmlns:p14="http://schemas.microsoft.com/office/powerpoint/2010/main" val="1789263358"/>
+        <p14:creationId xmlns:p14="http://schemas.microsoft.com/office/powerpoint/2010/main" val="1747310176"/>
       </p:ext>
     </p:extLst>
   </p:cSld>
@@ -7380,7 +8071,7 @@
           <a:p>
             <a:fld id="{846CE7D5-CF57-46EF-B807-FDD0502418D4}" type="datetimeFigureOut">
               <a:rPr lang="en-US" smtClean="0"/>
-              <a:t>9/5/2014</a:t>
+              <a:t>9/7/2014</a:t>
             </a:fld>
             <a:endParaRPr lang="en-US"/>
           </a:p>
@@ -7431,7 +8122,7 @@
     </p:spTree>
     <p:extLst>
       <p:ext uri="{BB962C8B-B14F-4D97-AF65-F5344CB8AC3E}">
-        <p14:creationId xmlns:p14="http://schemas.microsoft.com/office/powerpoint/2010/main" val="64804154"/>
+        <p14:creationId xmlns:p14="http://schemas.microsoft.com/office/powerpoint/2010/main" val="2859517180"/>
       </p:ext>
     </p:extLst>
   </p:cSld>
@@ -7633,7 +8324,7 @@
           <a:p>
             <a:fld id="{846CE7D5-CF57-46EF-B807-FDD0502418D4}" type="datetimeFigureOut">
               <a:rPr lang="en-US" smtClean="0"/>
-              <a:t>9/5/2014</a:t>
+              <a:t>9/7/2014</a:t>
             </a:fld>
             <a:endParaRPr lang="en-US"/>
           </a:p>
@@ -7654,7 +8345,7 @@
           <a:bodyPr/>
           <a:lstStyle/>
           <a:p>
-            <a:endParaRPr lang="en-US"/>
+            <a:endParaRPr lang="en-US" dirty="0"/>
           </a:p>
         </p:txBody>
       </p:sp>
@@ -7684,7 +8375,7 @@
     </p:spTree>
     <p:extLst>
       <p:ext uri="{BB962C8B-B14F-4D97-AF65-F5344CB8AC3E}">
-        <p14:creationId xmlns:p14="http://schemas.microsoft.com/office/powerpoint/2010/main" val="1572195681"/>
+        <p14:creationId xmlns:p14="http://schemas.microsoft.com/office/powerpoint/2010/main" val="1733850726"/>
       </p:ext>
     </p:extLst>
   </p:cSld>
@@ -7846,7 +8537,7 @@
           <a:p>
             <a:fld id="{846CE7D5-CF57-46EF-B807-FDD0502418D4}" type="datetimeFigureOut">
               <a:rPr lang="en-US" smtClean="0"/>
-              <a:t>9/5/2014</a:t>
+              <a:t>9/7/2014</a:t>
             </a:fld>
             <a:endParaRPr lang="en-US"/>
           </a:p>
@@ -7933,23 +8624,23 @@
     </p:spTree>
     <p:extLst>
       <p:ext uri="{BB962C8B-B14F-4D97-AF65-F5344CB8AC3E}">
-        <p14:creationId xmlns:p14="http://schemas.microsoft.com/office/powerpoint/2010/main" val="1979090839"/>
+        <p14:creationId xmlns:p14="http://schemas.microsoft.com/office/powerpoint/2010/main" val="2223886884"/>
       </p:ext>
     </p:extLst>
   </p:cSld>
   <p:clrMap bg1="lt1" tx1="dk1" bg2="lt2" tx2="dk2" accent1="accent1" accent2="accent2" accent3="accent3" accent4="accent4" accent5="accent5" accent6="accent6" hlink="hlink" folHlink="folHlink"/>
   <p:sldLayoutIdLst>
-    <p:sldLayoutId id="2147483865" r:id="rId1"/>
-    <p:sldLayoutId id="2147483866" r:id="rId2"/>
-    <p:sldLayoutId id="2147483867" r:id="rId3"/>
-    <p:sldLayoutId id="2147483868" r:id="rId4"/>
-    <p:sldLayoutId id="2147483869" r:id="rId5"/>
-    <p:sldLayoutId id="2147483870" r:id="rId6"/>
-    <p:sldLayoutId id="2147483871" r:id="rId7"/>
-    <p:sldLayoutId id="2147483872" r:id="rId8"/>
-    <p:sldLayoutId id="2147483873" r:id="rId9"/>
-    <p:sldLayoutId id="2147483874" r:id="rId10"/>
-    <p:sldLayoutId id="2147483875" r:id="rId11"/>
+    <p:sldLayoutId id="2147483995" r:id="rId1"/>
+    <p:sldLayoutId id="2147483996" r:id="rId2"/>
+    <p:sldLayoutId id="2147483997" r:id="rId3"/>
+    <p:sldLayoutId id="2147483998" r:id="rId4"/>
+    <p:sldLayoutId id="2147483999" r:id="rId5"/>
+    <p:sldLayoutId id="2147484000" r:id="rId6"/>
+    <p:sldLayoutId id="2147484001" r:id="rId7"/>
+    <p:sldLayoutId id="2147484002" r:id="rId8"/>
+    <p:sldLayoutId id="2147484003" r:id="rId9"/>
+    <p:sldLayoutId id="2147484004" r:id="rId10"/>
+    <p:sldLayoutId id="2147484005" r:id="rId11"/>
   </p:sldLayoutIdLst>
   <p:txStyles>
     <p:titleStyle>
@@ -8425,6 +9116,90 @@
             <p:ph type="title"/>
           </p:nvPr>
         </p:nvSpPr>
+        <p:spPr/>
+        <p:txBody>
+          <a:bodyPr/>
+          <a:lstStyle/>
+          <a:p>
+            <a:r>
+              <a:rPr lang="en-US" dirty="0" smtClean="0"/>
+              <a:t>Getting the class notes</a:t>
+            </a:r>
+            <a:endParaRPr lang="en-US" dirty="0"/>
+          </a:p>
+        </p:txBody>
+      </p:sp>
+      <p:pic>
+        <p:nvPicPr>
+          <p:cNvPr id="5" name="Picture 4"/>
+          <p:cNvPicPr>
+            <a:picLocks noChangeAspect="1"/>
+          </p:cNvPicPr>
+          <p:nvPr/>
+        </p:nvPicPr>
+        <p:blipFill>
+          <a:blip r:embed="rId3"/>
+          <a:stretch>
+            <a:fillRect/>
+          </a:stretch>
+        </p:blipFill>
+        <p:spPr>
+          <a:xfrm>
+            <a:off x="838200" y="1811597"/>
+            <a:ext cx="10170523" cy="2159901"/>
+          </a:xfrm>
+          <a:prstGeom prst="rect">
+            <a:avLst/>
+          </a:prstGeom>
+        </p:spPr>
+      </p:pic>
+    </p:spTree>
+    <p:extLst>
+      <p:ext uri="{BB962C8B-B14F-4D97-AF65-F5344CB8AC3E}">
+        <p14:creationId xmlns:p14="http://schemas.microsoft.com/office/powerpoint/2010/main" val="2070679325"/>
+      </p:ext>
+    </p:extLst>
+  </p:cSld>
+  <p:clrMapOvr>
+    <a:masterClrMapping/>
+  </p:clrMapOvr>
+  <p:timing>
+    <p:tnLst>
+      <p:par>
+        <p:cTn id="1" dur="indefinite" restart="never" nodeType="tmRoot"/>
+      </p:par>
+    </p:tnLst>
+  </p:timing>
+</p:sld>
+</file>
+
+<file path=ppt/slides/slide11.xml><?xml version="1.0" encoding="utf-8"?>
+<p:sld xmlns:a="http://schemas.openxmlformats.org/drawingml/2006/main" xmlns:r="http://schemas.openxmlformats.org/officeDocument/2006/relationships" xmlns:p="http://schemas.openxmlformats.org/presentationml/2006/main">
+  <p:cSld>
+    <p:spTree>
+      <p:nvGrpSpPr>
+        <p:cNvPr id="1" name=""/>
+        <p:cNvGrpSpPr/>
+        <p:nvPr/>
+      </p:nvGrpSpPr>
+      <p:grpSpPr>
+        <a:xfrm>
+          <a:off x="0" y="0"/>
+          <a:ext cx="0" cy="0"/>
+          <a:chOff x="0" y="0"/>
+          <a:chExt cx="0" cy="0"/>
+        </a:xfrm>
+      </p:grpSpPr>
+      <p:sp>
+        <p:nvSpPr>
+          <p:cNvPr id="2" name="Title 1"/>
+          <p:cNvSpPr>
+            <a:spLocks noGrp="1"/>
+          </p:cNvSpPr>
+          <p:nvPr>
+            <p:ph type="title"/>
+          </p:nvPr>
+        </p:nvSpPr>
         <p:spPr>
           <a:xfrm>
             <a:off x="546100" y="290352"/>
@@ -8628,10 +9403,17 @@
   <p:clrMapOvr>
     <a:masterClrMapping/>
   </p:clrMapOvr>
+  <p:timing>
+    <p:tnLst>
+      <p:par>
+        <p:cTn id="1" dur="indefinite" restart="never" nodeType="tmRoot"/>
+      </p:par>
+    </p:tnLst>
+  </p:timing>
 </p:sld>
 </file>
 
-<file path=ppt/slides/slide11.xml><?xml version="1.0" encoding="utf-8"?>
+<file path=ppt/slides/slide12.xml><?xml version="1.0" encoding="utf-8"?>
 <p:sld xmlns:a="http://schemas.openxmlformats.org/drawingml/2006/main" xmlns:r="http://schemas.openxmlformats.org/officeDocument/2006/relationships" xmlns:p="http://schemas.openxmlformats.org/presentationml/2006/main">
   <p:cSld>
     <p:spTree>
@@ -8731,7 +9513,7 @@
 </p:sld>
 </file>
 
-<file path=ppt/slides/slide12.xml><?xml version="1.0" encoding="utf-8"?>
+<file path=ppt/slides/slide13.xml><?xml version="1.0" encoding="utf-8"?>
 <p:sld xmlns:a="http://schemas.openxmlformats.org/drawingml/2006/main" xmlns:r="http://schemas.openxmlformats.org/officeDocument/2006/relationships" xmlns:p="http://schemas.openxmlformats.org/presentationml/2006/main">
   <p:cSld>
     <p:spTree>
@@ -9227,7 +10009,7 @@
 </p:sld>
 </file>
 
-<file path=ppt/slides/slide13.xml><?xml version="1.0" encoding="utf-8"?>
+<file path=ppt/slides/slide14.xml><?xml version="1.0" encoding="utf-8"?>
 <p:sld xmlns:a="http://schemas.openxmlformats.org/drawingml/2006/main" xmlns:r="http://schemas.openxmlformats.org/officeDocument/2006/relationships" xmlns:p="http://schemas.openxmlformats.org/presentationml/2006/main">
   <p:cSld>
     <p:spTree>
@@ -9569,7 +10351,7 @@
 </p:sld>
 </file>
 
-<file path=ppt/slides/slide14.xml><?xml version="1.0" encoding="utf-8"?>
+<file path=ppt/slides/slide15.xml><?xml version="1.0" encoding="utf-8"?>
 <p:sld xmlns:a="http://schemas.openxmlformats.org/drawingml/2006/main" xmlns:r="http://schemas.openxmlformats.org/officeDocument/2006/relationships" xmlns:p="http://schemas.openxmlformats.org/presentationml/2006/main">
   <p:cSld>
     <p:spTree>
@@ -9786,7 +10568,7 @@
 </p:sld>
 </file>
 
-<file path=ppt/slides/slide15.xml><?xml version="1.0" encoding="utf-8"?>
+<file path=ppt/slides/slide16.xml><?xml version="1.0" encoding="utf-8"?>
 <p:sld xmlns:a="http://schemas.openxmlformats.org/drawingml/2006/main" xmlns:r="http://schemas.openxmlformats.org/officeDocument/2006/relationships" xmlns:p="http://schemas.openxmlformats.org/presentationml/2006/main">
   <p:cSld>
     <p:spTree>
@@ -10121,7 +10903,7 @@
 </p:sld>
 </file>
 
-<file path=ppt/slides/slide16.xml><?xml version="1.0" encoding="utf-8"?>
+<file path=ppt/slides/slide17.xml><?xml version="1.0" encoding="utf-8"?>
 <p:sld xmlns:a="http://schemas.openxmlformats.org/drawingml/2006/main" xmlns:r="http://schemas.openxmlformats.org/officeDocument/2006/relationships" xmlns:p="http://schemas.openxmlformats.org/presentationml/2006/main">
   <p:cSld>
     <p:spTree>
@@ -10155,7 +10937,7 @@
           <a:p>
             <a:r>
               <a:rPr lang="en-CA" dirty="0" smtClean="0"/>
-              <a:t>Workflows in Git</a:t>
+              <a:t>Inside a Repo</a:t>
             </a:r>
             <a:endParaRPr lang="en-CA" dirty="0"/>
           </a:p>
@@ -10212,8 +10994,8 @@
         </p:nvSpPr>
         <p:spPr>
           <a:xfrm>
-            <a:off x="941696" y="2142699"/>
-            <a:ext cx="4612943" cy="1711366"/>
+            <a:off x="665471" y="2370658"/>
+            <a:ext cx="5430529" cy="1338828"/>
           </a:xfrm>
           <a:prstGeom prst="rect">
             <a:avLst/>
@@ -10310,7 +11092,7 @@
 </p:sld>
 </file>
 
-<file path=ppt/slides/slide17.xml><?xml version="1.0" encoding="utf-8"?>
+<file path=ppt/slides/slide18.xml><?xml version="1.0" encoding="utf-8"?>
 <p:sld xmlns:a="http://schemas.openxmlformats.org/drawingml/2006/main" xmlns:r="http://schemas.openxmlformats.org/officeDocument/2006/relationships" xmlns:p="http://schemas.openxmlformats.org/presentationml/2006/main">
   <p:cSld>
     <p:spTree>
@@ -10545,20 +11327,6 @@
               </a:rPr>
               <a:t>2</a:t>
             </a:r>
-            <a:endParaRPr lang="en-CA" dirty="0">
-              <a:ln w="0"/>
-              <a:solidFill>
-                <a:schemeClr val="bg1"/>
-              </a:solidFill>
-              <a:effectLst>
-                <a:outerShdw blurRad="38100" dist="19050" dir="2700000" algn="tl" rotWithShape="0">
-                  <a:schemeClr val="dk1">
-                    <a:alpha val="40000"/>
-                  </a:schemeClr>
-                </a:outerShdw>
-              </a:effectLst>
-              <a:latin typeface="Arial Black" panose="020B0A04020102020204" pitchFamily="34" charset="0"/>
-            </a:endParaRPr>
           </a:p>
         </p:txBody>
       </p:sp>
@@ -10645,7 +11413,7 @@
 </p:sld>
 </file>
 
-<file path=ppt/slides/slide18.xml><?xml version="1.0" encoding="utf-8"?>
+<file path=ppt/slides/slide19.xml><?xml version="1.0" encoding="utf-8"?>
 <p:sld xmlns:a="http://schemas.openxmlformats.org/drawingml/2006/main" xmlns:r="http://schemas.openxmlformats.org/officeDocument/2006/relationships" xmlns:p="http://schemas.openxmlformats.org/presentationml/2006/main">
   <p:cSld>
     <p:spTree>
@@ -10888,20 +11656,6 @@
               </a:rPr>
               <a:t>2</a:t>
             </a:r>
-            <a:endParaRPr lang="en-CA" dirty="0">
-              <a:ln w="0"/>
-              <a:solidFill>
-                <a:schemeClr val="bg1"/>
-              </a:solidFill>
-              <a:effectLst>
-                <a:outerShdw blurRad="38100" dist="19050" dir="2700000" algn="tl" rotWithShape="0">
-                  <a:schemeClr val="dk1">
-                    <a:alpha val="40000"/>
-                  </a:schemeClr>
-                </a:outerShdw>
-              </a:effectLst>
-              <a:latin typeface="Arial Black" panose="020B0A04020102020204" pitchFamily="34" charset="0"/>
-            </a:endParaRPr>
           </a:p>
         </p:txBody>
       </p:sp>
@@ -10958,20 +11712,6 @@
               </a:rPr>
               <a:t>3</a:t>
             </a:r>
-            <a:endParaRPr lang="en-CA" dirty="0">
-              <a:ln w="0"/>
-              <a:solidFill>
-                <a:schemeClr val="bg1"/>
-              </a:solidFill>
-              <a:effectLst>
-                <a:outerShdw blurRad="38100" dist="19050" dir="2700000" algn="tl" rotWithShape="0">
-                  <a:schemeClr val="dk1">
-                    <a:alpha val="40000"/>
-                  </a:schemeClr>
-                </a:outerShdw>
-              </a:effectLst>
-              <a:latin typeface="Arial Black" panose="020B0A04020102020204" pitchFamily="34" charset="0"/>
-            </a:endParaRPr>
           </a:p>
         </p:txBody>
       </p:sp>
@@ -10988,7 +11728,187 @@
 </p:sld>
 </file>
 
-<file path=ppt/slides/slide19.xml><?xml version="1.0" encoding="utf-8"?>
+<file path=ppt/slides/slide2.xml><?xml version="1.0" encoding="utf-8"?>
+<p:sld xmlns:a="http://schemas.openxmlformats.org/drawingml/2006/main" xmlns:r="http://schemas.openxmlformats.org/officeDocument/2006/relationships" xmlns:p="http://schemas.openxmlformats.org/presentationml/2006/main">
+  <p:cSld>
+    <p:spTree>
+      <p:nvGrpSpPr>
+        <p:cNvPr id="1" name=""/>
+        <p:cNvGrpSpPr/>
+        <p:nvPr/>
+      </p:nvGrpSpPr>
+      <p:grpSpPr>
+        <a:xfrm>
+          <a:off x="0" y="0"/>
+          <a:ext cx="0" cy="0"/>
+          <a:chOff x="0" y="0"/>
+          <a:chExt cx="0" cy="0"/>
+        </a:xfrm>
+      </p:grpSpPr>
+      <p:sp>
+        <p:nvSpPr>
+          <p:cNvPr id="2" name="Title 1"/>
+          <p:cNvSpPr>
+            <a:spLocks noGrp="1"/>
+          </p:cNvSpPr>
+          <p:nvPr>
+            <p:ph type="title"/>
+          </p:nvPr>
+        </p:nvSpPr>
+        <p:spPr>
+          <a:xfrm>
+            <a:off x="125413" y="228600"/>
+            <a:ext cx="4575175" cy="1600200"/>
+          </a:xfrm>
+        </p:spPr>
+        <p:txBody>
+          <a:bodyPr>
+            <a:normAutofit/>
+          </a:bodyPr>
+          <a:lstStyle/>
+          <a:p>
+            <a:r>
+              <a:rPr lang="en-CA" sz="3600" dirty="0" smtClean="0"/>
+              <a:t>Your TA this semester </a:t>
+            </a:r>
+            <a:endParaRPr lang="en-CA" sz="3600" dirty="0"/>
+          </a:p>
+        </p:txBody>
+      </p:sp>
+      <p:pic>
+        <p:nvPicPr>
+          <p:cNvPr id="6" name="Content Placeholder 5"/>
+          <p:cNvPicPr>
+            <a:picLocks noGrp="1" noChangeAspect="1"/>
+          </p:cNvPicPr>
+          <p:nvPr>
+            <p:ph idx="1"/>
+          </p:nvPr>
+        </p:nvPicPr>
+        <p:blipFill rotWithShape="1">
+          <a:blip r:embed="rId2" cstate="print">
+            <a:extLst>
+              <a:ext uri="{28A0092B-C50C-407E-A947-70E740481C1C}">
+                <a14:useLocalDpi xmlns:a14="http://schemas.microsoft.com/office/drawing/2010/main" val="0"/>
+              </a:ext>
+            </a:extLst>
+          </a:blip>
+          <a:stretch/>
+        </p:blipFill>
+        <p:spPr>
+          <a:xfrm>
+            <a:off x="6857407" y="1123950"/>
+            <a:ext cx="2738038" cy="4873625"/>
+          </a:xfrm>
+        </p:spPr>
+      </p:pic>
+      <p:sp>
+        <p:nvSpPr>
+          <p:cNvPr id="4" name="Text Placeholder 3"/>
+          <p:cNvSpPr>
+            <a:spLocks noGrp="1"/>
+          </p:cNvSpPr>
+          <p:nvPr>
+            <p:ph type="body" sz="half" idx="2"/>
+          </p:nvPr>
+        </p:nvSpPr>
+        <p:spPr>
+          <a:xfrm>
+            <a:off x="225426" y="2185987"/>
+            <a:ext cx="6346825" cy="3811588"/>
+          </a:xfrm>
+        </p:spPr>
+        <p:txBody>
+          <a:bodyPr>
+            <a:normAutofit fontScale="92500" lnSpcReduction="10000"/>
+          </a:bodyPr>
+          <a:lstStyle/>
+          <a:p>
+            <a:r>
+              <a:rPr lang="en-CA" sz="2600" dirty="0" smtClean="0"/>
+              <a:t>Shabbir Hussain</a:t>
+            </a:r>
+          </a:p>
+          <a:p>
+            <a:r>
+              <a:rPr lang="en-CA" sz="2600" dirty="0" smtClean="0"/>
+              <a:t>U4 Electrical Engineering</a:t>
+            </a:r>
+          </a:p>
+          <a:p>
+            <a:r>
+              <a:rPr lang="en-CA" sz="2600" dirty="0" smtClean="0"/>
+              <a:t>Academic Vice President at ECSESS</a:t>
+            </a:r>
+          </a:p>
+          <a:p>
+            <a:r>
+              <a:rPr lang="en-CA" sz="2600" dirty="0" smtClean="0"/>
+              <a:t>Loves to program, eat pizza and take selfies</a:t>
+            </a:r>
+          </a:p>
+          <a:p>
+            <a:endParaRPr lang="en-CA" sz="2600" dirty="0"/>
+          </a:p>
+          <a:p>
+            <a:endParaRPr lang="en-CA" sz="2600" dirty="0" smtClean="0"/>
+          </a:p>
+          <a:p>
+            <a:r>
+              <a:rPr lang="en-CA" sz="2600" dirty="0" smtClean="0"/>
+              <a:t>Contact:</a:t>
+            </a:r>
+          </a:p>
+          <a:p>
+            <a:r>
+              <a:rPr lang="en-CA" sz="2600" dirty="0" smtClean="0">
+                <a:hlinkClick r:id="rId3"/>
+              </a:rPr>
+              <a:t>Mohammad.Hussain@mail.mcgill.ca</a:t>
+            </a:r>
+            <a:endParaRPr lang="en-CA" sz="2600" dirty="0" smtClean="0"/>
+          </a:p>
+          <a:p>
+            <a:r>
+              <a:rPr lang="en-CA" sz="2600" dirty="0">
+                <a:hlinkClick r:id="rId4"/>
+              </a:rPr>
+              <a:t>https://github.com/shabbir-hussain</a:t>
+            </a:r>
+            <a:r>
+              <a:rPr lang="en-CA" sz="2600" dirty="0" smtClean="0">
+                <a:hlinkClick r:id="rId4"/>
+              </a:rPr>
+              <a:t>/</a:t>
+            </a:r>
+            <a:endParaRPr lang="en-CA" sz="2600" dirty="0" smtClean="0"/>
+          </a:p>
+          <a:p>
+            <a:endParaRPr lang="en-CA" dirty="0" smtClean="0"/>
+          </a:p>
+        </p:txBody>
+      </p:sp>
+    </p:spTree>
+    <p:extLst>
+      <p:ext uri="{BB962C8B-B14F-4D97-AF65-F5344CB8AC3E}">
+        <p14:creationId xmlns:p14="http://schemas.microsoft.com/office/powerpoint/2010/main" val="2476417938"/>
+      </p:ext>
+    </p:extLst>
+  </p:cSld>
+  <p:clrMapOvr>
+    <a:masterClrMapping/>
+  </p:clrMapOvr>
+  <p:timing>
+    <p:tnLst>
+      <p:par>
+        <p:cTn id="1" dur="indefinite" restart="never" nodeType="tmRoot"/>
+      </p:par>
+    </p:tnLst>
+  </p:timing>
+</p:sld>
+</file>
+
+<file path=ppt/slides/slide20.xml><?xml version="1.0" encoding="utf-8"?>
 <p:sld xmlns:a="http://schemas.openxmlformats.org/drawingml/2006/main" xmlns:r="http://schemas.openxmlformats.org/officeDocument/2006/relationships" xmlns:p="http://schemas.openxmlformats.org/presentationml/2006/main">
   <p:cSld>
     <p:spTree>
@@ -11073,118 +11993,7 @@
 </p:sld>
 </file>
 
-<file path=ppt/slides/slide2.xml><?xml version="1.0" encoding="utf-8"?>
-<p:sld xmlns:a="http://schemas.openxmlformats.org/drawingml/2006/main" xmlns:r="http://schemas.openxmlformats.org/officeDocument/2006/relationships" xmlns:p="http://schemas.openxmlformats.org/presentationml/2006/main">
-  <p:cSld>
-    <p:spTree>
-      <p:nvGrpSpPr>
-        <p:cNvPr id="1" name=""/>
-        <p:cNvGrpSpPr/>
-        <p:nvPr/>
-      </p:nvGrpSpPr>
-      <p:grpSpPr>
-        <a:xfrm>
-          <a:off x="0" y="0"/>
-          <a:ext cx="0" cy="0"/>
-          <a:chOff x="0" y="0"/>
-          <a:chExt cx="0" cy="0"/>
-        </a:xfrm>
-      </p:grpSpPr>
-      <p:sp>
-        <p:nvSpPr>
-          <p:cNvPr id="2" name="Title 1"/>
-          <p:cNvSpPr>
-            <a:spLocks noGrp="1"/>
-          </p:cNvSpPr>
-          <p:nvPr>
-            <p:ph type="title"/>
-          </p:nvPr>
-        </p:nvSpPr>
-        <p:spPr/>
-        <p:txBody>
-          <a:bodyPr/>
-          <a:lstStyle/>
-          <a:p>
-            <a:r>
-              <a:rPr lang="en-US" dirty="0"/>
-              <a:t>What is </a:t>
-            </a:r>
-            <a:r>
-              <a:rPr lang="en-US" dirty="0" smtClean="0"/>
-              <a:t>Version Control?</a:t>
-            </a:r>
-            <a:endParaRPr lang="en-US" dirty="0"/>
-          </a:p>
-        </p:txBody>
-      </p:sp>
-      <p:sp>
-        <p:nvSpPr>
-          <p:cNvPr id="3" name="Content Placeholder 2"/>
-          <p:cNvSpPr>
-            <a:spLocks noGrp="1"/>
-          </p:cNvSpPr>
-          <p:nvPr>
-            <p:ph idx="1"/>
-          </p:nvPr>
-        </p:nvSpPr>
-        <p:spPr/>
-        <p:txBody>
-          <a:bodyPr/>
-          <a:lstStyle/>
-          <a:p>
-            <a:r>
-              <a:rPr lang="en-US" dirty="0" smtClean="0"/>
-              <a:t>Version Control software is a tool used to keep track of different versions of files</a:t>
-            </a:r>
-          </a:p>
-          <a:p>
-            <a:r>
-              <a:rPr lang="en-US" dirty="0" smtClean="0"/>
-              <a:t>Revert to an old version</a:t>
-            </a:r>
-          </a:p>
-          <a:p>
-            <a:r>
-              <a:rPr lang="en-US" dirty="0" smtClean="0"/>
-              <a:t>Branch to create multiple version</a:t>
-            </a:r>
-          </a:p>
-          <a:p>
-            <a:r>
-              <a:rPr lang="en-US" dirty="0" smtClean="0"/>
-              <a:t>Merge two different versions together</a:t>
-            </a:r>
-          </a:p>
-          <a:p>
-            <a:r>
-              <a:rPr lang="en-US" dirty="0" smtClean="0"/>
-              <a:t>Synchronize files on different machines</a:t>
-            </a:r>
-            <a:endParaRPr lang="en-US" dirty="0"/>
-          </a:p>
-        </p:txBody>
-      </p:sp>
-    </p:spTree>
-    <p:extLst>
-      <p:ext uri="{BB962C8B-B14F-4D97-AF65-F5344CB8AC3E}">
-        <p14:creationId xmlns:p14="http://schemas.microsoft.com/office/powerpoint/2010/main" val="3392569427"/>
-      </p:ext>
-    </p:extLst>
-  </p:cSld>
-  <p:clrMapOvr>
-    <a:masterClrMapping/>
-  </p:clrMapOvr>
-  <p:timing>
-    <p:tnLst>
-      <p:par>
-        <p:cTn id="1" dur="indefinite" restart="never" nodeType="tmRoot"/>
-      </p:par>
-    </p:tnLst>
-  </p:timing>
-</p:sld>
-</file>
-
-<file path=ppt/slides/slide20.xml><?xml version="1.0" encoding="utf-8"?>
+<file path=ppt/slides/slide21.xml><?xml version="1.0" encoding="utf-8"?>
 <p:sld xmlns:a="http://schemas.openxmlformats.org/drawingml/2006/main" xmlns:r="http://schemas.openxmlformats.org/officeDocument/2006/relationships" xmlns:p="http://schemas.openxmlformats.org/presentationml/2006/main">
   <p:cSld>
     <p:spTree>
@@ -11321,7 +12130,7 @@
 </p:sld>
 </file>
 
-<file path=ppt/slides/slide21.xml><?xml version="1.0" encoding="utf-8"?>
+<file path=ppt/slides/slide22.xml><?xml version="1.0" encoding="utf-8"?>
 <p:sld xmlns:a="http://schemas.openxmlformats.org/drawingml/2006/main" xmlns:r="http://schemas.openxmlformats.org/officeDocument/2006/relationships" xmlns:p="http://schemas.openxmlformats.org/presentationml/2006/main">
   <p:cSld>
     <p:spTree>
@@ -11398,7 +12207,7 @@
 </p:sld>
 </file>
 
-<file path=ppt/slides/slide22.xml><?xml version="1.0" encoding="utf-8"?>
+<file path=ppt/slides/slide23.xml><?xml version="1.0" encoding="utf-8"?>
 <p:sld xmlns:a="http://schemas.openxmlformats.org/drawingml/2006/main" xmlns:r="http://schemas.openxmlformats.org/officeDocument/2006/relationships" xmlns:p="http://schemas.openxmlformats.org/presentationml/2006/main">
   <p:cSld>
     <p:spTree>
@@ -11633,20 +12442,6 @@
               </a:rPr>
               <a:t>2</a:t>
             </a:r>
-            <a:endParaRPr lang="en-CA" dirty="0">
-              <a:ln w="0"/>
-              <a:solidFill>
-                <a:schemeClr val="bg1"/>
-              </a:solidFill>
-              <a:effectLst>
-                <a:outerShdw blurRad="38100" dist="19050" dir="2700000" algn="tl" rotWithShape="0">
-                  <a:schemeClr val="dk1">
-                    <a:alpha val="40000"/>
-                  </a:schemeClr>
-                </a:outerShdw>
-              </a:effectLst>
-              <a:latin typeface="Arial Black" panose="020B0A04020102020204" pitchFamily="34" charset="0"/>
-            </a:endParaRPr>
           </a:p>
         </p:txBody>
       </p:sp>
@@ -11703,20 +12498,6 @@
               </a:rPr>
               <a:t>3</a:t>
             </a:r>
-            <a:endParaRPr lang="en-CA" dirty="0">
-              <a:ln w="0"/>
-              <a:solidFill>
-                <a:schemeClr val="bg1"/>
-              </a:solidFill>
-              <a:effectLst>
-                <a:outerShdw blurRad="38100" dist="19050" dir="2700000" algn="tl" rotWithShape="0">
-                  <a:schemeClr val="dk1">
-                    <a:alpha val="40000"/>
-                  </a:schemeClr>
-                </a:outerShdw>
-              </a:effectLst>
-              <a:latin typeface="Arial Black" panose="020B0A04020102020204" pitchFamily="34" charset="0"/>
-            </a:endParaRPr>
           </a:p>
         </p:txBody>
       </p:sp>
@@ -11733,7 +12514,7 @@
 </p:sld>
 </file>
 
-<file path=ppt/slides/slide23.xml><?xml version="1.0" encoding="utf-8"?>
+<file path=ppt/slides/slide24.xml><?xml version="1.0" encoding="utf-8"?>
 <p:sld xmlns:a="http://schemas.openxmlformats.org/drawingml/2006/main" xmlns:r="http://schemas.openxmlformats.org/officeDocument/2006/relationships" xmlns:p="http://schemas.openxmlformats.org/presentationml/2006/main">
   <p:cSld>
     <p:spTree>
@@ -11767,31 +12548,38 @@
           <a:p>
             <a:r>
               <a:rPr lang="en-CA" dirty="0" smtClean="0"/>
-              <a:t>Rolling back to a previous version</a:t>
+              <a:t>Finding Mistakes with Diff</a:t>
             </a:r>
             <a:endParaRPr lang="en-CA" dirty="0"/>
           </a:p>
         </p:txBody>
       </p:sp>
-      <p:sp>
-        <p:nvSpPr>
-          <p:cNvPr id="3" name="Content Placeholder 2"/>
-          <p:cNvSpPr>
-            <a:spLocks noGrp="1"/>
-          </p:cNvSpPr>
+      <p:pic>
+        <p:nvPicPr>
+          <p:cNvPr id="4" name="Content Placeholder 3"/>
+          <p:cNvPicPr>
+            <a:picLocks noGrp="1" noChangeAspect="1"/>
+          </p:cNvPicPr>
           <p:nvPr>
             <p:ph idx="1"/>
           </p:nvPr>
-        </p:nvSpPr>
-        <p:spPr/>
-        <p:txBody>
-          <a:bodyPr/>
-          <a:lstStyle/>
-          <a:p>
-            <a:endParaRPr lang="en-CA"/>
-          </a:p>
-        </p:txBody>
-      </p:sp>
+        </p:nvPicPr>
+        <p:blipFill>
+          <a:blip r:embed="rId3"/>
+          <a:stretch>
+            <a:fillRect/>
+          </a:stretch>
+        </p:blipFill>
+        <p:spPr>
+          <a:xfrm>
+            <a:off x="838200" y="1690688"/>
+            <a:ext cx="9225095" cy="3599657"/>
+          </a:xfrm>
+          <a:prstGeom prst="rect">
+            <a:avLst/>
+          </a:prstGeom>
+        </p:spPr>
+      </p:pic>
     </p:spTree>
     <p:extLst>
       <p:ext uri="{BB962C8B-B14F-4D97-AF65-F5344CB8AC3E}">
@@ -11805,7 +12593,260 @@
 </p:sld>
 </file>
 
-<file path=ppt/slides/slide24.xml><?xml version="1.0" encoding="utf-8"?>
+<file path=ppt/slides/slide25.xml><?xml version="1.0" encoding="utf-8"?>
+<p:sld xmlns:a="http://schemas.openxmlformats.org/drawingml/2006/main" xmlns:r="http://schemas.openxmlformats.org/officeDocument/2006/relationships" xmlns:p="http://schemas.openxmlformats.org/presentationml/2006/main">
+  <p:cSld>
+    <p:spTree>
+      <p:nvGrpSpPr>
+        <p:cNvPr id="1" name=""/>
+        <p:cNvGrpSpPr/>
+        <p:nvPr/>
+      </p:nvGrpSpPr>
+      <p:grpSpPr>
+        <a:xfrm>
+          <a:off x="0" y="0"/>
+          <a:ext cx="0" cy="0"/>
+          <a:chOff x="0" y="0"/>
+          <a:chExt cx="0" cy="0"/>
+        </a:xfrm>
+      </p:grpSpPr>
+      <p:sp>
+        <p:nvSpPr>
+          <p:cNvPr id="2" name="Title 1"/>
+          <p:cNvSpPr>
+            <a:spLocks noGrp="1"/>
+          </p:cNvSpPr>
+          <p:nvPr>
+            <p:ph type="title"/>
+          </p:nvPr>
+        </p:nvSpPr>
+        <p:spPr/>
+        <p:txBody>
+          <a:bodyPr/>
+          <a:lstStyle/>
+          <a:p>
+            <a:r>
+              <a:rPr lang="en-CA" dirty="0" smtClean="0"/>
+              <a:t>Fixing Mistakes with checkout</a:t>
+            </a:r>
+            <a:endParaRPr lang="en-CA" dirty="0"/>
+          </a:p>
+        </p:txBody>
+      </p:sp>
+      <p:pic>
+        <p:nvPicPr>
+          <p:cNvPr id="5" name="Content Placeholder 4"/>
+          <p:cNvPicPr>
+            <a:picLocks noGrp="1" noChangeAspect="1"/>
+          </p:cNvPicPr>
+          <p:nvPr>
+            <p:ph idx="1"/>
+          </p:nvPr>
+        </p:nvPicPr>
+        <p:blipFill>
+          <a:blip r:embed="rId3"/>
+          <a:stretch>
+            <a:fillRect/>
+          </a:stretch>
+        </p:blipFill>
+        <p:spPr>
+          <a:xfrm>
+            <a:off x="838200" y="3476254"/>
+            <a:ext cx="9610725" cy="1292198"/>
+          </a:xfrm>
+          <a:prstGeom prst="rect">
+            <a:avLst/>
+          </a:prstGeom>
+        </p:spPr>
+      </p:pic>
+      <p:pic>
+        <p:nvPicPr>
+          <p:cNvPr id="6" name="Picture 5"/>
+          <p:cNvPicPr>
+            <a:picLocks noChangeAspect="1"/>
+          </p:cNvPicPr>
+          <p:nvPr/>
+        </p:nvPicPr>
+        <p:blipFill>
+          <a:blip r:embed="rId4"/>
+          <a:stretch>
+            <a:fillRect/>
+          </a:stretch>
+        </p:blipFill>
+        <p:spPr>
+          <a:xfrm>
+            <a:off x="852488" y="4974682"/>
+            <a:ext cx="7315777" cy="1579336"/>
+          </a:xfrm>
+          <a:prstGeom prst="rect">
+            <a:avLst/>
+          </a:prstGeom>
+        </p:spPr>
+      </p:pic>
+      <p:pic>
+        <p:nvPicPr>
+          <p:cNvPr id="7" name="Picture 6"/>
+          <p:cNvPicPr>
+            <a:picLocks noChangeAspect="1"/>
+          </p:cNvPicPr>
+          <p:nvPr/>
+        </p:nvPicPr>
+        <p:blipFill>
+          <a:blip r:embed="rId5"/>
+          <a:stretch>
+            <a:fillRect/>
+          </a:stretch>
+        </p:blipFill>
+        <p:spPr>
+          <a:xfrm>
+            <a:off x="838200" y="1659321"/>
+            <a:ext cx="7388604" cy="1641912"/>
+          </a:xfrm>
+          <a:prstGeom prst="rect">
+            <a:avLst/>
+          </a:prstGeom>
+        </p:spPr>
+      </p:pic>
+      <p:cxnSp>
+        <p:nvCxnSpPr>
+          <p:cNvPr id="11" name="Straight Arrow Connector 10"/>
+          <p:cNvCxnSpPr/>
+          <p:nvPr/>
+        </p:nvCxnSpPr>
+        <p:spPr>
+          <a:xfrm flipH="1">
+            <a:off x="8343900" y="2100263"/>
+            <a:ext cx="514350" cy="380014"/>
+          </a:xfrm>
+          <a:prstGeom prst="straightConnector1">
+            <a:avLst/>
+          </a:prstGeom>
+          <a:ln>
+            <a:tailEnd type="triangle"/>
+          </a:ln>
+        </p:spPr>
+        <p:style>
+          <a:lnRef idx="1">
+            <a:schemeClr val="accent1"/>
+          </a:lnRef>
+          <a:fillRef idx="0">
+            <a:schemeClr val="accent1"/>
+          </a:fillRef>
+          <a:effectRef idx="0">
+            <a:schemeClr val="accent1"/>
+          </a:effectRef>
+          <a:fontRef idx="minor">
+            <a:schemeClr val="tx1"/>
+          </a:fontRef>
+        </p:style>
+      </p:cxnSp>
+      <p:cxnSp>
+        <p:nvCxnSpPr>
+          <p:cNvPr id="15" name="Straight Arrow Connector 14"/>
+          <p:cNvCxnSpPr/>
+          <p:nvPr/>
+        </p:nvCxnSpPr>
+        <p:spPr>
+          <a:xfrm flipH="1" flipV="1">
+            <a:off x="8226804" y="6015038"/>
+            <a:ext cx="545721" cy="385762"/>
+          </a:xfrm>
+          <a:prstGeom prst="straightConnector1">
+            <a:avLst/>
+          </a:prstGeom>
+          <a:ln>
+            <a:tailEnd type="triangle"/>
+          </a:ln>
+        </p:spPr>
+        <p:style>
+          <a:lnRef idx="1">
+            <a:schemeClr val="accent1"/>
+          </a:lnRef>
+          <a:fillRef idx="0">
+            <a:schemeClr val="accent1"/>
+          </a:fillRef>
+          <a:effectRef idx="0">
+            <a:schemeClr val="accent1"/>
+          </a:effectRef>
+          <a:fontRef idx="minor">
+            <a:schemeClr val="tx1"/>
+          </a:fontRef>
+        </p:style>
+      </p:cxnSp>
+      <p:sp>
+        <p:nvSpPr>
+          <p:cNvPr id="16" name="TextBox 15"/>
+          <p:cNvSpPr txBox="1"/>
+          <p:nvPr/>
+        </p:nvSpPr>
+        <p:spPr>
+          <a:xfrm>
+            <a:off x="8858250" y="1876464"/>
+            <a:ext cx="1465145" cy="369332"/>
+          </a:xfrm>
+          <a:prstGeom prst="rect">
+            <a:avLst/>
+          </a:prstGeom>
+          <a:noFill/>
+        </p:spPr>
+        <p:txBody>
+          <a:bodyPr wrap="none" rtlCol="0">
+            <a:spAutoFit/>
+          </a:bodyPr>
+          <a:lstStyle/>
+          <a:p>
+            <a:r>
+              <a:rPr lang="en-CA" dirty="0" smtClean="0"/>
+              <a:t>No semicolon</a:t>
+            </a:r>
+            <a:endParaRPr lang="en-CA" dirty="0"/>
+          </a:p>
+        </p:txBody>
+      </p:sp>
+      <p:sp>
+        <p:nvSpPr>
+          <p:cNvPr id="17" name="TextBox 16"/>
+          <p:cNvSpPr txBox="1"/>
+          <p:nvPr/>
+        </p:nvSpPr>
+        <p:spPr>
+          <a:xfrm>
+            <a:off x="8772525" y="6236494"/>
+            <a:ext cx="2051011" cy="369332"/>
+          </a:xfrm>
+          <a:prstGeom prst="rect">
+            <a:avLst/>
+          </a:prstGeom>
+          <a:noFill/>
+        </p:spPr>
+        <p:txBody>
+          <a:bodyPr wrap="none" rtlCol="0">
+            <a:spAutoFit/>
+          </a:bodyPr>
+          <a:lstStyle/>
+          <a:p>
+            <a:r>
+              <a:rPr lang="en-CA" dirty="0" smtClean="0"/>
+              <a:t>Replaced semicolon</a:t>
+            </a:r>
+            <a:endParaRPr lang="en-CA" dirty="0"/>
+          </a:p>
+        </p:txBody>
+      </p:sp>
+    </p:spTree>
+    <p:extLst>
+      <p:ext uri="{BB962C8B-B14F-4D97-AF65-F5344CB8AC3E}">
+        <p14:creationId xmlns:p14="http://schemas.microsoft.com/office/powerpoint/2010/main" val="3212479910"/>
+      </p:ext>
+    </p:extLst>
+  </p:cSld>
+  <p:clrMapOvr>
+    <a:masterClrMapping/>
+  </p:clrMapOvr>
+</p:sld>
+</file>
+
+<file path=ppt/slides/slide26.xml><?xml version="1.0" encoding="utf-8"?>
 <p:sld xmlns:a="http://schemas.openxmlformats.org/drawingml/2006/main" xmlns:r="http://schemas.openxmlformats.org/officeDocument/2006/relationships" xmlns:p="http://schemas.openxmlformats.org/presentationml/2006/main">
   <p:cSld>
     <p:spTree>
@@ -12068,7 +13109,7 @@
 </p:sld>
 </file>
 
-<file path=ppt/slides/slide25.xml><?xml version="1.0" encoding="utf-8"?>
+<file path=ppt/slides/slide27.xml><?xml version="1.0" encoding="utf-8"?>
 <p:sld xmlns:a="http://schemas.openxmlformats.org/drawingml/2006/main" xmlns:r="http://schemas.openxmlformats.org/officeDocument/2006/relationships" xmlns:p="http://schemas.openxmlformats.org/presentationml/2006/main">
   <p:cSld>
     <p:spTree>
@@ -12477,7 +13518,7 @@
 </p:sld>
 </file>
 
-<file path=ppt/slides/slide26.xml><?xml version="1.0" encoding="utf-8"?>
+<file path=ppt/slides/slide28.xml><?xml version="1.0" encoding="utf-8"?>
 <p:sld xmlns:a="http://schemas.openxmlformats.org/drawingml/2006/main" xmlns:r="http://schemas.openxmlformats.org/officeDocument/2006/relationships" xmlns:p="http://schemas.openxmlformats.org/presentationml/2006/main">
   <p:cSld>
     <p:spTree>
@@ -12559,7 +13600,7 @@
 </p:sld>
 </file>
 
-<file path=ppt/slides/slide27.xml><?xml version="1.0" encoding="utf-8"?>
+<file path=ppt/slides/slide29.xml><?xml version="1.0" encoding="utf-8"?>
 <p:sld xmlns:a="http://schemas.openxmlformats.org/drawingml/2006/main" xmlns:r="http://schemas.openxmlformats.org/officeDocument/2006/relationships" xmlns:p="http://schemas.openxmlformats.org/presentationml/2006/main">
   <p:cSld>
     <p:spTree>
@@ -12593,7 +13634,7 @@
           <a:p>
             <a:r>
               <a:rPr lang="en-CA" dirty="0" smtClean="0"/>
-              <a:t>Extra Credits</a:t>
+              <a:t>Extra Credit</a:t>
             </a:r>
             <a:endParaRPr lang="en-CA" dirty="0"/>
           </a:p>
@@ -12619,20 +13660,27 @@
               <a:buAutoNum type="arabicPeriod"/>
             </a:pPr>
             <a:r>
+              <a:rPr lang="en-CA" dirty="0" smtClean="0"/>
+              <a:t>Try </a:t>
+            </a:r>
+            <a:r>
               <a:rPr lang="en-CA" dirty="0" err="1" smtClean="0"/>
-              <a:t>Vogella</a:t>
+              <a:t>github</a:t>
             </a:r>
             <a:r>
               <a:rPr lang="en-CA" dirty="0" smtClean="0"/>
-              <a:t> Reference: </a:t>
-            </a:r>
-            <a:r>
-              <a:rPr lang="en-CA" dirty="0">
-                <a:hlinkClick r:id="rId3"/>
+              <a:t> Interactive Tutorial: </a:t>
+            </a:r>
+            <a:r>
+              <a:rPr lang="en-CA" dirty="0" smtClean="0">
+                <a:hlinkClick r:id="rId2"/>
               </a:rPr>
-              <a:t>http://www.vogella.com/tutorials/Git/article.html</a:t>
-            </a:r>
-            <a:endParaRPr lang="en-CA" dirty="0"/>
+              <a:t>https://try.github.io/levels/1/challenges/1</a:t>
+            </a:r>
+            <a:r>
+              <a:rPr lang="en-CA" dirty="0" smtClean="0"/>
+              <a:t> </a:t>
+            </a:r>
           </a:p>
           <a:p>
             <a:pPr marL="457200" indent="-457200">
@@ -12641,27 +13689,13 @@
             </a:pPr>
             <a:r>
               <a:rPr lang="en-CA" dirty="0" smtClean="0"/>
-              <a:t>Try </a:t>
-            </a:r>
-            <a:r>
-              <a:rPr lang="en-CA" dirty="0" err="1" smtClean="0"/>
-              <a:t>github</a:t>
-            </a:r>
-            <a:r>
-              <a:rPr lang="en-CA" dirty="0"/>
-              <a:t> Interactive Tutorial: </a:t>
-            </a:r>
-            <a:r>
-              <a:rPr lang="en-CA" dirty="0">
-                <a:hlinkClick r:id="rId4"/>
+              <a:t>Visual Explanation: </a:t>
+            </a:r>
+            <a:r>
+              <a:rPr lang="en-CA" dirty="0" smtClean="0">
+                <a:hlinkClick r:id="rId3"/>
               </a:rPr>
-              <a:t>https://</a:t>
-            </a:r>
-            <a:r>
-              <a:rPr lang="en-CA" dirty="0" smtClean="0">
-                <a:hlinkClick r:id="rId4"/>
-              </a:rPr>
-              <a:t>try.github.io/levels/1/challenges/1</a:t>
+              <a:t>http://www.wei-wang.com/ExplainGitWithD3/</a:t>
             </a:r>
             <a:r>
               <a:rPr lang="en-CA" dirty="0" smtClean="0"/>
@@ -12669,83 +13703,23 @@
             </a:r>
           </a:p>
           <a:p>
-            <a:pPr marL="457200" indent="-457200">
-              <a:buFont typeface="+mj-lt"/>
-              <a:buAutoNum type="arabicPeriod"/>
+            <a:pPr marL="0" indent="0">
+              <a:buNone/>
             </a:pPr>
-            <a:r>
-              <a:rPr lang="en-CA" dirty="0" smtClean="0"/>
-              <a:t>Visual Explanation: </a:t>
-            </a:r>
-            <a:r>
-              <a:rPr lang="en-CA" dirty="0">
-                <a:hlinkClick r:id="rId5"/>
-              </a:rPr>
-              <a:t>http://www.wei-wang.com/ExplainGitWithD3</a:t>
-            </a:r>
-            <a:r>
-              <a:rPr lang="en-CA" dirty="0" smtClean="0">
-                <a:hlinkClick r:id="rId5"/>
-              </a:rPr>
-              <a:t>/</a:t>
-            </a:r>
-            <a:r>
-              <a:rPr lang="en-CA" dirty="0" smtClean="0"/>
-              <a:t> </a:t>
-            </a:r>
-          </a:p>
-          <a:p>
-            <a:pPr marL="457200" indent="-457200">
-              <a:buFont typeface="+mj-lt"/>
-              <a:buAutoNum type="arabicPeriod"/>
-            </a:pPr>
-            <a:r>
-              <a:rPr lang="en-CA" dirty="0" smtClean="0"/>
-              <a:t>SSH </a:t>
-            </a:r>
-            <a:r>
-              <a:rPr lang="en-CA" dirty="0"/>
-              <a:t>keys tutorial: </a:t>
-            </a:r>
-            <a:r>
-              <a:rPr lang="en-CA" dirty="0">
-                <a:hlinkClick r:id="rId6"/>
-              </a:rPr>
-              <a:t>https://</a:t>
-            </a:r>
-            <a:r>
-              <a:rPr lang="en-CA" dirty="0" smtClean="0">
-                <a:hlinkClick r:id="rId6"/>
-              </a:rPr>
-              <a:t>help.github.com/articles/generating-ssh-keys</a:t>
-            </a:r>
-            <a:r>
-              <a:rPr lang="en-CA" dirty="0" smtClean="0"/>
-              <a:t> 	</a:t>
-            </a:r>
-          </a:p>
-          <a:p>
-            <a:endParaRPr lang="en-CA" dirty="0" smtClean="0"/>
+            <a:endParaRPr lang="en-CA" dirty="0"/>
           </a:p>
         </p:txBody>
       </p:sp>
     </p:spTree>
     <p:extLst>
       <p:ext uri="{BB962C8B-B14F-4D97-AF65-F5344CB8AC3E}">
-        <p14:creationId xmlns:p14="http://schemas.microsoft.com/office/powerpoint/2010/main" val="2799393739"/>
+        <p14:creationId xmlns:p14="http://schemas.microsoft.com/office/powerpoint/2010/main" val="2837122562"/>
       </p:ext>
     </p:extLst>
   </p:cSld>
   <p:clrMapOvr>
     <a:masterClrMapping/>
   </p:clrMapOvr>
-  <p:timing>
-    <p:tnLst>
-      <p:par>
-        <p:cTn id="1" dur="indefinite" restart="never" nodeType="tmRoot"/>
-      </p:par>
-    </p:tnLst>
-  </p:timing>
 </p:sld>
 </file>
 
@@ -12782,10 +13756,14 @@
           <a:lstStyle/>
           <a:p>
             <a:r>
-              <a:rPr lang="en-CA" dirty="0" smtClean="0"/>
-              <a:t>Pop Quiz</a:t>
-            </a:r>
-            <a:endParaRPr lang="en-CA" dirty="0"/>
+              <a:rPr lang="en-US" dirty="0"/>
+              <a:t>What is </a:t>
+            </a:r>
+            <a:r>
+              <a:rPr lang="en-US" dirty="0" smtClean="0"/>
+              <a:t>Version Control?</a:t>
+            </a:r>
+            <a:endParaRPr lang="en-US" dirty="0"/>
           </a:p>
         </p:txBody>
       </p:sp>
@@ -12805,29 +13783,261 @@
           <a:lstStyle/>
           <a:p>
             <a:r>
-              <a:rPr lang="en-CA" dirty="0" smtClean="0"/>
-              <a:t>Would it be a good idea to use version control on your photo album?</a:t>
-            </a:r>
-          </a:p>
-          <a:p>
-            <a:r>
-              <a:rPr lang="en-CA" dirty="0" smtClean="0"/>
-              <a:t>When would you want to revert to a previous version of a file?</a:t>
-            </a:r>
-          </a:p>
-          <a:p>
-            <a:r>
-              <a:rPr lang="en-CA" dirty="0" smtClean="0"/>
-              <a:t>Why would you want to branch your files?</a:t>
-            </a:r>
-            <a:endParaRPr lang="en-CA" dirty="0"/>
-          </a:p>
-        </p:txBody>
-      </p:sp>
+              <a:rPr lang="en-US" dirty="0" smtClean="0"/>
+              <a:t>Version Control software is a tool used to keep track of different versions of files</a:t>
+            </a:r>
+          </a:p>
+          <a:p>
+            <a:r>
+              <a:rPr lang="en-US" dirty="0" smtClean="0"/>
+              <a:t>Revert to an old version</a:t>
+            </a:r>
+          </a:p>
+          <a:p>
+            <a:r>
+              <a:rPr lang="en-US" dirty="0" smtClean="0"/>
+              <a:t>Branch to create multiple </a:t>
+            </a:r>
+            <a:r>
+              <a:rPr lang="en-US" dirty="0" smtClean="0"/>
+              <a:t>versions</a:t>
+            </a:r>
+            <a:endParaRPr lang="en-US" dirty="0" smtClean="0"/>
+          </a:p>
+          <a:p>
+            <a:r>
+              <a:rPr lang="en-US" dirty="0" smtClean="0"/>
+              <a:t>Merge two different versions together</a:t>
+            </a:r>
+          </a:p>
+          <a:p>
+            <a:r>
+              <a:rPr lang="en-US" dirty="0" smtClean="0"/>
+              <a:t>Synchronize files on different </a:t>
+            </a:r>
+            <a:r>
+              <a:rPr lang="en-US" dirty="0" smtClean="0"/>
+              <a:t>machines</a:t>
+            </a:r>
+          </a:p>
+        </p:txBody>
+      </p:sp>
+      <p:pic>
+        <p:nvPicPr>
+          <p:cNvPr id="4" name="Picture 3"/>
+          <p:cNvPicPr>
+            <a:picLocks noChangeAspect="1"/>
+          </p:cNvPicPr>
+          <p:nvPr/>
+        </p:nvPicPr>
+        <p:blipFill>
+          <a:blip r:embed="rId3">
+            <a:extLst>
+              <a:ext uri="{28A0092B-C50C-407E-A947-70E740481C1C}">
+                <a14:useLocalDpi xmlns:a14="http://schemas.microsoft.com/office/drawing/2010/main" val="0"/>
+              </a:ext>
+            </a:extLst>
+          </a:blip>
+          <a:stretch>
+            <a:fillRect/>
+          </a:stretch>
+        </p:blipFill>
+        <p:spPr>
+          <a:xfrm>
+            <a:off x="8903289" y="4099969"/>
+            <a:ext cx="1214846" cy="2076994"/>
+          </a:xfrm>
+          <a:prstGeom prst="rect">
+            <a:avLst/>
+          </a:prstGeom>
+        </p:spPr>
+      </p:pic>
     </p:spTree>
     <p:extLst>
       <p:ext uri="{BB962C8B-B14F-4D97-AF65-F5344CB8AC3E}">
-        <p14:creationId xmlns:p14="http://schemas.microsoft.com/office/powerpoint/2010/main" val="3257195443"/>
+        <p14:creationId xmlns:p14="http://schemas.microsoft.com/office/powerpoint/2010/main" val="3392569427"/>
+      </p:ext>
+    </p:extLst>
+  </p:cSld>
+  <p:clrMapOvr>
+    <a:masterClrMapping/>
+  </p:clrMapOvr>
+  <p:timing>
+    <p:tnLst>
+      <p:par>
+        <p:cTn id="1" dur="indefinite" restart="never" nodeType="tmRoot"/>
+      </p:par>
+    </p:tnLst>
+  </p:timing>
+</p:sld>
+</file>
+
+<file path=ppt/slides/slide30.xml><?xml version="1.0" encoding="utf-8"?>
+<p:sld xmlns:a="http://schemas.openxmlformats.org/drawingml/2006/main" xmlns:r="http://schemas.openxmlformats.org/officeDocument/2006/relationships" xmlns:p="http://schemas.openxmlformats.org/presentationml/2006/main">
+  <p:cSld>
+    <p:spTree>
+      <p:nvGrpSpPr>
+        <p:cNvPr id="1" name=""/>
+        <p:cNvGrpSpPr/>
+        <p:nvPr/>
+      </p:nvGrpSpPr>
+      <p:grpSpPr>
+        <a:xfrm>
+          <a:off x="0" y="0"/>
+          <a:ext cx="0" cy="0"/>
+          <a:chOff x="0" y="0"/>
+          <a:chExt cx="0" cy="0"/>
+        </a:xfrm>
+      </p:grpSpPr>
+      <p:sp>
+        <p:nvSpPr>
+          <p:cNvPr id="2" name="Title 1"/>
+          <p:cNvSpPr>
+            <a:spLocks noGrp="1"/>
+          </p:cNvSpPr>
+          <p:nvPr>
+            <p:ph type="title"/>
+          </p:nvPr>
+        </p:nvSpPr>
+        <p:spPr/>
+        <p:txBody>
+          <a:bodyPr/>
+          <a:lstStyle/>
+          <a:p>
+            <a:r>
+              <a:rPr lang="en-CA" dirty="0" smtClean="0"/>
+              <a:t>More resources</a:t>
+            </a:r>
+            <a:endParaRPr lang="en-CA" dirty="0"/>
+          </a:p>
+        </p:txBody>
+      </p:sp>
+      <p:sp>
+        <p:nvSpPr>
+          <p:cNvPr id="3" name="Content Placeholder 2"/>
+          <p:cNvSpPr>
+            <a:spLocks noGrp="1"/>
+          </p:cNvSpPr>
+          <p:nvPr>
+            <p:ph idx="1"/>
+          </p:nvPr>
+        </p:nvSpPr>
+        <p:spPr/>
+        <p:txBody>
+          <a:bodyPr>
+            <a:normAutofit/>
+          </a:bodyPr>
+          <a:lstStyle/>
+          <a:p>
+            <a:pPr marL="457200" indent="-457200">
+              <a:buFont typeface="+mj-lt"/>
+              <a:buAutoNum type="arabicPeriod"/>
+            </a:pPr>
+            <a:r>
+              <a:rPr lang="en-CA" dirty="0" err="1" smtClean="0"/>
+              <a:t>Vogella</a:t>
+            </a:r>
+            <a:r>
+              <a:rPr lang="en-CA" dirty="0" smtClean="0"/>
+              <a:t> Reference: </a:t>
+            </a:r>
+            <a:r>
+              <a:rPr lang="en-CA" dirty="0">
+                <a:hlinkClick r:id="rId3"/>
+              </a:rPr>
+              <a:t>http://www.vogella.com/tutorials/Git/article.html</a:t>
+            </a:r>
+            <a:endParaRPr lang="en-CA" dirty="0"/>
+          </a:p>
+          <a:p>
+            <a:pPr marL="457200" indent="-457200">
+              <a:buFont typeface="+mj-lt"/>
+              <a:buAutoNum type="arabicPeriod"/>
+            </a:pPr>
+            <a:r>
+              <a:rPr lang="en-CA" dirty="0" smtClean="0"/>
+              <a:t>SSH </a:t>
+            </a:r>
+            <a:r>
+              <a:rPr lang="en-CA" dirty="0"/>
+              <a:t>keys tutorial: </a:t>
+            </a:r>
+            <a:r>
+              <a:rPr lang="en-CA" dirty="0">
+                <a:hlinkClick r:id="rId4"/>
+              </a:rPr>
+              <a:t>https://</a:t>
+            </a:r>
+            <a:r>
+              <a:rPr lang="en-CA" dirty="0" smtClean="0">
+                <a:hlinkClick r:id="rId4"/>
+              </a:rPr>
+              <a:t>help.github.com/articles/generating-ssh-keys</a:t>
+            </a:r>
+            <a:r>
+              <a:rPr lang="en-CA" dirty="0" smtClean="0"/>
+              <a:t> 	</a:t>
+            </a:r>
+            <a:endParaRPr lang="en-CA" dirty="0" smtClean="0"/>
+          </a:p>
+          <a:p>
+            <a:pPr marL="457200" indent="-457200">
+              <a:buFont typeface="+mj-lt"/>
+              <a:buAutoNum type="arabicPeriod"/>
+            </a:pPr>
+            <a:r>
+              <a:rPr lang="en-CA" dirty="0" smtClean="0"/>
+              <a:t>Git </a:t>
+            </a:r>
+            <a:r>
+              <a:rPr lang="en-CA" dirty="0" err="1" smtClean="0"/>
+              <a:t>Cheetsheet</a:t>
+            </a:r>
+            <a:r>
+              <a:rPr lang="en-CA" dirty="0" smtClean="0"/>
+              <a:t>: </a:t>
+            </a:r>
+            <a:r>
+              <a:rPr lang="en-CA" dirty="0" smtClean="0">
+                <a:hlinkClick r:id="rId5"/>
+              </a:rPr>
+              <a:t>https://raw.githubusercontent.com/nerdgirl/git-cheatsheet-visual/master/gitcheatsheet.png</a:t>
+            </a:r>
+            <a:r>
+              <a:rPr lang="en-CA" dirty="0" smtClean="0"/>
+              <a:t> </a:t>
+            </a:r>
+          </a:p>
+          <a:p>
+            <a:pPr marL="457200" indent="-457200">
+              <a:buFont typeface="+mj-lt"/>
+              <a:buAutoNum type="arabicPeriod"/>
+            </a:pPr>
+            <a:r>
+              <a:rPr lang="en-CA" dirty="0" smtClean="0"/>
+              <a:t>Dominic’s Tutorial slides: </a:t>
+            </a:r>
+            <a:r>
+              <a:rPr lang="en-CA" dirty="0" smtClean="0">
+                <a:hlinkClick r:id="rId6"/>
+              </a:rPr>
+              <a:t>http://slides.com/dominiccharleyroy/tutorial-1-git#/</a:t>
+            </a:r>
+            <a:r>
+              <a:rPr lang="en-CA" dirty="0" smtClean="0"/>
+              <a:t> </a:t>
+            </a:r>
+            <a:endParaRPr lang="en-CA" dirty="0" smtClean="0"/>
+          </a:p>
+          <a:p>
+            <a:endParaRPr lang="en-CA" dirty="0" smtClean="0"/>
+          </a:p>
+        </p:txBody>
+      </p:sp>
+    </p:spTree>
+    <p:extLst>
+      <p:ext uri="{BB962C8B-B14F-4D97-AF65-F5344CB8AC3E}">
+        <p14:creationId xmlns:p14="http://schemas.microsoft.com/office/powerpoint/2010/main" val="2799393739"/>
       </p:ext>
     </p:extLst>
   </p:cSld>
@@ -12877,9 +14087,10 @@
           <a:lstStyle/>
           <a:p>
             <a:r>
-              <a:rPr lang="en-US"/>
-              <a:t>Why You're going to use it</a:t>
-            </a:r>
+              <a:rPr lang="en-CA" dirty="0" smtClean="0"/>
+              <a:t>Pop Quiz</a:t>
+            </a:r>
+            <a:endParaRPr lang="en-CA" dirty="0"/>
           </a:p>
         </p:txBody>
       </p:sp>
@@ -12899,39 +14110,29 @@
           <a:lstStyle/>
           <a:p>
             <a:r>
-              <a:rPr lang="en-US" dirty="0" smtClean="0"/>
-              <a:t>You need it for this class</a:t>
-            </a:r>
-          </a:p>
-          <a:p>
-            <a:r>
-              <a:rPr lang="en-US" dirty="0" smtClean="0"/>
-              <a:t>It’s a great way to sync your code with your team</a:t>
-            </a:r>
-          </a:p>
-          <a:p>
-            <a:r>
-              <a:rPr lang="en-US" dirty="0" smtClean="0"/>
-              <a:t>Because using </a:t>
-            </a:r>
-            <a:r>
-              <a:rPr lang="en-US" dirty="0" err="1" smtClean="0"/>
-              <a:t>dropbox</a:t>
-            </a:r>
-            <a:r>
-              <a:rPr lang="en-US" dirty="0" smtClean="0"/>
-              <a:t> to sync your code is so last semester</a:t>
-            </a:r>
-          </a:p>
-          <a:p>
-            <a:endParaRPr lang="en-US" dirty="0"/>
+              <a:rPr lang="en-CA" dirty="0" smtClean="0"/>
+              <a:t>Would it be a good idea to use version control on your photo album?</a:t>
+            </a:r>
+          </a:p>
+          <a:p>
+            <a:r>
+              <a:rPr lang="en-CA" dirty="0" smtClean="0"/>
+              <a:t>When would you want to revert to a previous version of a file?</a:t>
+            </a:r>
+          </a:p>
+          <a:p>
+            <a:r>
+              <a:rPr lang="en-CA" dirty="0" smtClean="0"/>
+              <a:t>Why would you want to branch your files?</a:t>
+            </a:r>
+            <a:endParaRPr lang="en-CA" dirty="0"/>
           </a:p>
         </p:txBody>
       </p:sp>
     </p:spTree>
     <p:extLst>
       <p:ext uri="{BB962C8B-B14F-4D97-AF65-F5344CB8AC3E}">
-        <p14:creationId xmlns:p14="http://schemas.microsoft.com/office/powerpoint/2010/main" val="1436895422"/>
+        <p14:creationId xmlns:p14="http://schemas.microsoft.com/office/powerpoint/2010/main" val="3257195443"/>
       </p:ext>
     </p:extLst>
   </p:cSld>
@@ -12981,6 +14182,114 @@
           <a:lstStyle/>
           <a:p>
             <a:r>
+              <a:rPr lang="en-US"/>
+              <a:t>Why You're going to use it</a:t>
+            </a:r>
+          </a:p>
+        </p:txBody>
+      </p:sp>
+      <p:sp>
+        <p:nvSpPr>
+          <p:cNvPr id="3" name="Content Placeholder 2"/>
+          <p:cNvSpPr>
+            <a:spLocks noGrp="1"/>
+          </p:cNvSpPr>
+          <p:nvPr>
+            <p:ph idx="1"/>
+          </p:nvPr>
+        </p:nvSpPr>
+        <p:spPr/>
+        <p:txBody>
+          <a:bodyPr/>
+          <a:lstStyle/>
+          <a:p>
+            <a:r>
+              <a:rPr lang="en-US" dirty="0" smtClean="0"/>
+              <a:t>You need it for this class</a:t>
+            </a:r>
+          </a:p>
+          <a:p>
+            <a:r>
+              <a:rPr lang="en-US" dirty="0" smtClean="0"/>
+              <a:t>It’s a great way to sync your code with your team</a:t>
+            </a:r>
+          </a:p>
+          <a:p>
+            <a:r>
+              <a:rPr lang="en-US" dirty="0" smtClean="0"/>
+              <a:t>Because using </a:t>
+            </a:r>
+            <a:r>
+              <a:rPr lang="en-US" dirty="0" err="1" smtClean="0"/>
+              <a:t>dropbox</a:t>
+            </a:r>
+            <a:r>
+              <a:rPr lang="en-US" dirty="0" smtClean="0"/>
+              <a:t> to sync your code is </a:t>
+            </a:r>
+            <a:r>
+              <a:rPr lang="en-US" u="sng" dirty="0" smtClean="0"/>
+              <a:t>so last semester</a:t>
+            </a:r>
+          </a:p>
+          <a:p>
+            <a:endParaRPr lang="en-US" dirty="0"/>
+          </a:p>
+        </p:txBody>
+      </p:sp>
+    </p:spTree>
+    <p:extLst>
+      <p:ext uri="{BB962C8B-B14F-4D97-AF65-F5344CB8AC3E}">
+        <p14:creationId xmlns:p14="http://schemas.microsoft.com/office/powerpoint/2010/main" val="1436895422"/>
+      </p:ext>
+    </p:extLst>
+  </p:cSld>
+  <p:clrMapOvr>
+    <a:masterClrMapping/>
+  </p:clrMapOvr>
+  <p:timing>
+    <p:tnLst>
+      <p:par>
+        <p:cTn id="1" dur="indefinite" restart="never" nodeType="tmRoot"/>
+      </p:par>
+    </p:tnLst>
+  </p:timing>
+</p:sld>
+</file>
+
+<file path=ppt/slides/slide6.xml><?xml version="1.0" encoding="utf-8"?>
+<p:sld xmlns:a="http://schemas.openxmlformats.org/drawingml/2006/main" xmlns:r="http://schemas.openxmlformats.org/officeDocument/2006/relationships" xmlns:p="http://schemas.openxmlformats.org/presentationml/2006/main">
+  <p:cSld>
+    <p:spTree>
+      <p:nvGrpSpPr>
+        <p:cNvPr id="1" name=""/>
+        <p:cNvGrpSpPr/>
+        <p:nvPr/>
+      </p:nvGrpSpPr>
+      <p:grpSpPr>
+        <a:xfrm>
+          <a:off x="0" y="0"/>
+          <a:ext cx="0" cy="0"/>
+          <a:chOff x="0" y="0"/>
+          <a:chExt cx="0" cy="0"/>
+        </a:xfrm>
+      </p:grpSpPr>
+      <p:sp>
+        <p:nvSpPr>
+          <p:cNvPr id="2" name="Title 1"/>
+          <p:cNvSpPr>
+            <a:spLocks noGrp="1"/>
+          </p:cNvSpPr>
+          <p:nvPr>
+            <p:ph type="title"/>
+          </p:nvPr>
+        </p:nvSpPr>
+        <p:spPr/>
+        <p:txBody>
+          <a:bodyPr/>
+          <a:lstStyle/>
+          <a:p>
+            <a:r>
               <a:rPr lang="en-US" dirty="0" smtClean="0"/>
               <a:t>Let get </a:t>
             </a:r>
@@ -13002,7 +14311,7 @@
             <p:ph idx="1"/>
             <p:extLst>
               <p:ext uri="{D42A27DB-BD31-4B8C-83A1-F6EECF244321}">
-                <p14:modId xmlns:p14="http://schemas.microsoft.com/office/powerpoint/2010/main" val="3055511752"/>
+                <p14:modId xmlns:p14="http://schemas.microsoft.com/office/powerpoint/2010/main" val="2368711125"/>
               </p:ext>
             </p:extLst>
           </p:nvPr>
@@ -13037,7 +14346,7 @@
 </p:sld>
 </file>
 
-<file path=ppt/slides/slide6.xml><?xml version="1.0" encoding="utf-8"?>
+<file path=ppt/slides/slide7.xml><?xml version="1.0" encoding="utf-8"?>
 <p:sld xmlns:a="http://schemas.openxmlformats.org/drawingml/2006/main" xmlns:r="http://schemas.openxmlformats.org/officeDocument/2006/relationships" xmlns:p="http://schemas.openxmlformats.org/presentationml/2006/main">
   <p:cSld>
     <p:spTree>
@@ -13483,7 +14792,7 @@
 </p:sld>
 </file>
 
-<file path=ppt/slides/slide7.xml><?xml version="1.0" encoding="utf-8"?>
+<file path=ppt/slides/slide8.xml><?xml version="1.0" encoding="utf-8"?>
 <p:sld xmlns:a="http://schemas.openxmlformats.org/drawingml/2006/main" xmlns:r="http://schemas.openxmlformats.org/officeDocument/2006/relationships" xmlns:p="http://schemas.openxmlformats.org/presentationml/2006/main">
   <p:cSld>
     <p:spTree>
@@ -13517,15 +14826,238 @@
           <a:p>
             <a:r>
               <a:rPr lang="en-CA" dirty="0" smtClean="0"/>
-              <a:t>Making git work with GitHub (</a:t>
-            </a:r>
-            <a:r>
-              <a:rPr lang="en-CA" dirty="0" err="1" smtClean="0"/>
-              <a:t>ssh</a:t>
+              <a:t>Making git work with GitHub </a:t>
+            </a:r>
+            <a:endParaRPr lang="en-CA" dirty="0"/>
+          </a:p>
+        </p:txBody>
+      </p:sp>
+      <p:pic>
+        <p:nvPicPr>
+          <p:cNvPr id="4" name="Content Placeholder 3"/>
+          <p:cNvPicPr>
+            <a:picLocks noGrp="1" noChangeAspect="1"/>
+          </p:cNvPicPr>
+          <p:nvPr>
+            <p:ph idx="1"/>
+          </p:nvPr>
+        </p:nvPicPr>
+        <p:blipFill>
+          <a:blip r:embed="rId3"/>
+          <a:stretch>
+            <a:fillRect/>
+          </a:stretch>
+        </p:blipFill>
+        <p:spPr>
+          <a:xfrm>
+            <a:off x="838200" y="2034381"/>
+            <a:ext cx="8966422" cy="994569"/>
+          </a:xfrm>
+          <a:prstGeom prst="rect">
+            <a:avLst/>
+          </a:prstGeom>
+        </p:spPr>
+      </p:pic>
+      <p:pic>
+        <p:nvPicPr>
+          <p:cNvPr id="5" name="Picture 4"/>
+          <p:cNvPicPr>
+            <a:picLocks noChangeAspect="1"/>
+          </p:cNvPicPr>
+          <p:nvPr/>
+        </p:nvPicPr>
+        <p:blipFill>
+          <a:blip r:embed="rId4"/>
+          <a:stretch>
+            <a:fillRect/>
+          </a:stretch>
+        </p:blipFill>
+        <p:spPr>
+          <a:xfrm>
+            <a:off x="838200" y="3711574"/>
+            <a:ext cx="8966422" cy="994569"/>
+          </a:xfrm>
+          <a:prstGeom prst="rect">
+            <a:avLst/>
+          </a:prstGeom>
+        </p:spPr>
+      </p:pic>
+      <p:sp>
+        <p:nvSpPr>
+          <p:cNvPr id="6" name="Oval 5"/>
+          <p:cNvSpPr/>
+          <p:nvPr/>
+        </p:nvSpPr>
+        <p:spPr>
+          <a:xfrm>
+            <a:off x="414338" y="1758449"/>
+            <a:ext cx="614863" cy="614863"/>
+          </a:xfrm>
+          <a:prstGeom prst="ellipse">
+            <a:avLst/>
+          </a:prstGeom>
+        </p:spPr>
+        <p:style>
+          <a:lnRef idx="2">
+            <a:schemeClr val="accent1">
+              <a:shade val="50000"/>
+            </a:schemeClr>
+          </a:lnRef>
+          <a:fillRef idx="1">
+            <a:schemeClr val="accent1"/>
+          </a:fillRef>
+          <a:effectRef idx="0">
+            <a:schemeClr val="accent1"/>
+          </a:effectRef>
+          <a:fontRef idx="minor">
+            <a:schemeClr val="lt1"/>
+          </a:fontRef>
+        </p:style>
+        <p:txBody>
+          <a:bodyPr rtlCol="0" anchor="ctr"/>
+          <a:lstStyle/>
+          <a:p>
+            <a:pPr algn="ctr"/>
+            <a:r>
+              <a:rPr lang="en-CA" dirty="0" smtClean="0">
+                <a:ln w="0"/>
+                <a:solidFill>
+                  <a:schemeClr val="bg1"/>
+                </a:solidFill>
+                <a:effectLst>
+                  <a:outerShdw blurRad="38100" dist="19050" dir="2700000" algn="tl" rotWithShape="0">
+                    <a:schemeClr val="dk1">
+                      <a:alpha val="40000"/>
+                    </a:schemeClr>
+                  </a:outerShdw>
+                </a:effectLst>
+                <a:latin typeface="Arial Black" panose="020B0A04020102020204" pitchFamily="34" charset="0"/>
+              </a:rPr>
+              <a:t>1</a:t>
+            </a:r>
+            <a:endParaRPr lang="en-CA" dirty="0">
+              <a:ln w="0"/>
+              <a:solidFill>
+                <a:schemeClr val="bg1"/>
+              </a:solidFill>
+              <a:effectLst>
+                <a:outerShdw blurRad="38100" dist="19050" dir="2700000" algn="tl" rotWithShape="0">
+                  <a:schemeClr val="dk1">
+                    <a:alpha val="40000"/>
+                  </a:schemeClr>
+                </a:outerShdw>
+              </a:effectLst>
+              <a:latin typeface="Arial Black" panose="020B0A04020102020204" pitchFamily="34" charset="0"/>
+            </a:endParaRPr>
+          </a:p>
+        </p:txBody>
+      </p:sp>
+      <p:sp>
+        <p:nvSpPr>
+          <p:cNvPr id="7" name="Oval 6"/>
+          <p:cNvSpPr/>
+          <p:nvPr/>
+        </p:nvSpPr>
+        <p:spPr>
+          <a:xfrm>
+            <a:off x="414337" y="3435349"/>
+            <a:ext cx="614863" cy="614863"/>
+          </a:xfrm>
+          <a:prstGeom prst="ellipse">
+            <a:avLst/>
+          </a:prstGeom>
+        </p:spPr>
+        <p:style>
+          <a:lnRef idx="2">
+            <a:schemeClr val="accent1">
+              <a:shade val="50000"/>
+            </a:schemeClr>
+          </a:lnRef>
+          <a:fillRef idx="1">
+            <a:schemeClr val="accent1"/>
+          </a:fillRef>
+          <a:effectRef idx="0">
+            <a:schemeClr val="accent1"/>
+          </a:effectRef>
+          <a:fontRef idx="minor">
+            <a:schemeClr val="lt1"/>
+          </a:fontRef>
+        </p:style>
+        <p:txBody>
+          <a:bodyPr rtlCol="0" anchor="ctr"/>
+          <a:lstStyle/>
+          <a:p>
+            <a:pPr algn="ctr"/>
+            <a:r>
+              <a:rPr lang="en-CA" dirty="0" smtClean="0">
+                <a:ln w="0"/>
+                <a:solidFill>
+                  <a:schemeClr val="bg1"/>
+                </a:solidFill>
+                <a:effectLst>
+                  <a:outerShdw blurRad="38100" dist="19050" dir="2700000" algn="tl" rotWithShape="0">
+                    <a:schemeClr val="dk1">
+                      <a:alpha val="40000"/>
+                    </a:schemeClr>
+                  </a:outerShdw>
+                </a:effectLst>
+                <a:latin typeface="Arial Black" panose="020B0A04020102020204" pitchFamily="34" charset="0"/>
+              </a:rPr>
+              <a:t>2</a:t>
+            </a:r>
+            <a:endParaRPr lang="en-CA" dirty="0">
+              <a:ln w="0"/>
+              <a:solidFill>
+                <a:schemeClr val="bg1"/>
+              </a:solidFill>
+              <a:effectLst>
+                <a:outerShdw blurRad="38100" dist="19050" dir="2700000" algn="tl" rotWithShape="0">
+                  <a:schemeClr val="dk1">
+                    <a:alpha val="40000"/>
+                  </a:schemeClr>
+                </a:outerShdw>
+              </a:effectLst>
+              <a:latin typeface="Arial Black" panose="020B0A04020102020204" pitchFamily="34" charset="0"/>
+            </a:endParaRPr>
+          </a:p>
+        </p:txBody>
+      </p:sp>
+      <p:sp>
+        <p:nvSpPr>
+          <p:cNvPr id="8" name="Rectangle 7"/>
+          <p:cNvSpPr/>
+          <p:nvPr/>
+        </p:nvSpPr>
+        <p:spPr>
+          <a:xfrm>
+            <a:off x="1029200" y="5501758"/>
+            <a:ext cx="5193794" cy="369332"/>
+          </a:xfrm>
+          <a:prstGeom prst="rect">
+            <a:avLst/>
+          </a:prstGeom>
+        </p:spPr>
+        <p:txBody>
+          <a:bodyPr wrap="none">
+            <a:spAutoFit/>
+          </a:bodyPr>
+          <a:lstStyle/>
+          <a:p>
+            <a:r>
+              <a:rPr lang="en-CA" dirty="0">
+                <a:hlinkClick r:id="rId5"/>
+              </a:rPr>
+              <a:t>https://</a:t>
+            </a:r>
+            <a:r>
+              <a:rPr lang="en-CA" dirty="0" smtClean="0">
+                <a:hlinkClick r:id="rId5"/>
+              </a:rPr>
+              <a:t>help.github.com/articles/generating-ssh-keys</a:t>
             </a:r>
             <a:r>
               <a:rPr lang="en-CA" dirty="0" smtClean="0"/>
-              <a:t> keys)</a:t>
+              <a:t> </a:t>
             </a:r>
             <a:endParaRPr lang="en-CA" dirty="0"/>
           </a:p>
@@ -13533,35 +15065,78 @@
       </p:sp>
       <p:sp>
         <p:nvSpPr>
-          <p:cNvPr id="3" name="Content Placeholder 2"/>
-          <p:cNvSpPr>
-            <a:spLocks noGrp="1"/>
-          </p:cNvSpPr>
-          <p:nvPr>
-            <p:ph idx="1"/>
-          </p:nvPr>
-        </p:nvSpPr>
-        <p:spPr/>
-        <p:txBody>
-          <a:bodyPr/>
-          <a:lstStyle/>
-          <a:p>
-            <a:r>
-              <a:rPr lang="en-CA" dirty="0" smtClean="0"/>
-              <a:t>See link #</a:t>
-            </a:r>
-            <a:r>
-              <a:rPr lang="en-CA" dirty="0" smtClean="0"/>
-              <a:t>4 at the end of these slides</a:t>
-            </a:r>
-            <a:endParaRPr lang="en-CA" dirty="0"/>
+          <p:cNvPr id="9" name="Oval 8"/>
+          <p:cNvSpPr/>
+          <p:nvPr/>
+        </p:nvSpPr>
+        <p:spPr>
+          <a:xfrm>
+            <a:off x="414337" y="5378993"/>
+            <a:ext cx="614863" cy="614863"/>
+          </a:xfrm>
+          <a:prstGeom prst="ellipse">
+            <a:avLst/>
+          </a:prstGeom>
+        </p:spPr>
+        <p:style>
+          <a:lnRef idx="2">
+            <a:schemeClr val="accent1">
+              <a:shade val="50000"/>
+            </a:schemeClr>
+          </a:lnRef>
+          <a:fillRef idx="1">
+            <a:schemeClr val="accent1"/>
+          </a:fillRef>
+          <a:effectRef idx="0">
+            <a:schemeClr val="accent1"/>
+          </a:effectRef>
+          <a:fontRef idx="minor">
+            <a:schemeClr val="lt1"/>
+          </a:fontRef>
+        </p:style>
+        <p:txBody>
+          <a:bodyPr rtlCol="0" anchor="ctr"/>
+          <a:lstStyle/>
+          <a:p>
+            <a:pPr algn="ctr"/>
+            <a:r>
+              <a:rPr lang="en-CA" dirty="0" smtClean="0">
+                <a:ln w="0"/>
+                <a:solidFill>
+                  <a:schemeClr val="bg1"/>
+                </a:solidFill>
+                <a:effectLst>
+                  <a:outerShdw blurRad="38100" dist="19050" dir="2700000" algn="tl" rotWithShape="0">
+                    <a:schemeClr val="dk1">
+                      <a:alpha val="40000"/>
+                    </a:schemeClr>
+                  </a:outerShdw>
+                </a:effectLst>
+                <a:latin typeface="Arial Black" panose="020B0A04020102020204" pitchFamily="34" charset="0"/>
+              </a:rPr>
+              <a:t>3</a:t>
+            </a:r>
+            <a:endParaRPr lang="en-CA" dirty="0">
+              <a:ln w="0"/>
+              <a:solidFill>
+                <a:schemeClr val="bg1"/>
+              </a:solidFill>
+              <a:effectLst>
+                <a:outerShdw blurRad="38100" dist="19050" dir="2700000" algn="tl" rotWithShape="0">
+                  <a:schemeClr val="dk1">
+                    <a:alpha val="40000"/>
+                  </a:schemeClr>
+                </a:outerShdw>
+              </a:effectLst>
+              <a:latin typeface="Arial Black" panose="020B0A04020102020204" pitchFamily="34" charset="0"/>
+            </a:endParaRPr>
           </a:p>
         </p:txBody>
       </p:sp>
     </p:spTree>
     <p:extLst>
       <p:ext uri="{BB962C8B-B14F-4D97-AF65-F5344CB8AC3E}">
-        <p14:creationId xmlns:p14="http://schemas.microsoft.com/office/powerpoint/2010/main" val="4076367433"/>
+        <p14:creationId xmlns:p14="http://schemas.microsoft.com/office/powerpoint/2010/main" val="738207508"/>
       </p:ext>
     </p:extLst>
   </p:cSld>
@@ -13578,7 +15153,7 @@
 </p:sld>
 </file>
 
-<file path=ppt/slides/slide8.xml><?xml version="1.0" encoding="utf-8"?>
+<file path=ppt/slides/slide9.xml><?xml version="1.0" encoding="utf-8"?>
 <p:sld xmlns:a="http://schemas.openxmlformats.org/drawingml/2006/main" xmlns:r="http://schemas.openxmlformats.org/officeDocument/2006/relationships" xmlns:p="http://schemas.openxmlformats.org/presentationml/2006/main">
   <p:cSld>
     <p:spTree>
@@ -13975,90 +15550,6 @@
     <p:extLst>
       <p:ext uri="{BB962C8B-B14F-4D97-AF65-F5344CB8AC3E}">
         <p14:creationId xmlns:p14="http://schemas.microsoft.com/office/powerpoint/2010/main" val="1562895204"/>
-      </p:ext>
-    </p:extLst>
-  </p:cSld>
-  <p:clrMapOvr>
-    <a:masterClrMapping/>
-  </p:clrMapOvr>
-  <p:timing>
-    <p:tnLst>
-      <p:par>
-        <p:cTn id="1" dur="indefinite" restart="never" nodeType="tmRoot"/>
-      </p:par>
-    </p:tnLst>
-  </p:timing>
-</p:sld>
-</file>
-
-<file path=ppt/slides/slide9.xml><?xml version="1.0" encoding="utf-8"?>
-<p:sld xmlns:a="http://schemas.openxmlformats.org/drawingml/2006/main" xmlns:r="http://schemas.openxmlformats.org/officeDocument/2006/relationships" xmlns:p="http://schemas.openxmlformats.org/presentationml/2006/main">
-  <p:cSld>
-    <p:spTree>
-      <p:nvGrpSpPr>
-        <p:cNvPr id="1" name=""/>
-        <p:cNvGrpSpPr/>
-        <p:nvPr/>
-      </p:nvGrpSpPr>
-      <p:grpSpPr>
-        <a:xfrm>
-          <a:off x="0" y="0"/>
-          <a:ext cx="0" cy="0"/>
-          <a:chOff x="0" y="0"/>
-          <a:chExt cx="0" cy="0"/>
-        </a:xfrm>
-      </p:grpSpPr>
-      <p:sp>
-        <p:nvSpPr>
-          <p:cNvPr id="2" name="Title 1"/>
-          <p:cNvSpPr>
-            <a:spLocks noGrp="1"/>
-          </p:cNvSpPr>
-          <p:nvPr>
-            <p:ph type="title"/>
-          </p:nvPr>
-        </p:nvSpPr>
-        <p:spPr/>
-        <p:txBody>
-          <a:bodyPr/>
-          <a:lstStyle/>
-          <a:p>
-            <a:r>
-              <a:rPr lang="en-US" dirty="0" smtClean="0"/>
-              <a:t>Cloning a repo from the net</a:t>
-            </a:r>
-            <a:endParaRPr lang="en-US" dirty="0"/>
-          </a:p>
-        </p:txBody>
-      </p:sp>
-      <p:pic>
-        <p:nvPicPr>
-          <p:cNvPr id="5" name="Picture 4"/>
-          <p:cNvPicPr>
-            <a:picLocks noChangeAspect="1"/>
-          </p:cNvPicPr>
-          <p:nvPr/>
-        </p:nvPicPr>
-        <p:blipFill>
-          <a:blip r:embed="rId3"/>
-          <a:stretch>
-            <a:fillRect/>
-          </a:stretch>
-        </p:blipFill>
-        <p:spPr>
-          <a:xfrm>
-            <a:off x="838200" y="1811597"/>
-            <a:ext cx="10170523" cy="2159901"/>
-          </a:xfrm>
-          <a:prstGeom prst="rect">
-            <a:avLst/>
-          </a:prstGeom>
-        </p:spPr>
-      </p:pic>
-    </p:spTree>
-    <p:extLst>
-      <p:ext uri="{BB962C8B-B14F-4D97-AF65-F5344CB8AC3E}">
-        <p14:creationId xmlns:p14="http://schemas.microsoft.com/office/powerpoint/2010/main" val="2070679325"/>
       </p:ext>
     </p:extLst>
   </p:cSld>
